--- a/files/doctoral_dissertation_proposal.pptx
+++ b/files/doctoral_dissertation_proposal.pptx
@@ -234,7 +234,7 @@
           <a:p>
             <a:fld id="{C2159322-6C85-4127-9E81-7F8BF0D70E1A}" type="datetimeFigureOut">
               <a:rPr lang="zh-CN" altLang="en-US" smtClean="0"/>
-              <a:t>2019-02-18</a:t>
+              <a:t>2022/3/7</a:t>
             </a:fld>
             <a:endParaRPr lang="zh-CN" altLang="en-US"/>
           </a:p>
@@ -523,7 +523,7 @@
           <p:cNvPr id="7" name="矩形 6">
             <a:extLst>
               <a:ext uri="{FF2B5EF4-FFF2-40B4-BE49-F238E27FC236}">
-                <a16:creationId xmlns:a16="http://schemas.microsoft.com/office/drawing/2014/main" id="{682FCF50-3C2B-439D-ACA3-2FD3367F5851}"/>
+                <a16:creationId xmlns:a16="http://schemas.microsoft.com/office/drawing/2014/main" xmlns="" id="{682FCF50-3C2B-439D-ACA3-2FD3367F5851}"/>
               </a:ext>
             </a:extLst>
           </p:cNvPr>
@@ -807,7 +807,7 @@
           <a:p>
             <a:fld id="{F71449F7-5D90-411E-B63D-8723CE855B03}" type="datetimeFigureOut">
               <a:rPr lang="zh-CN" altLang="en-US" smtClean="0"/>
-              <a:t>2019-02-18</a:t>
+              <a:t>2022/3/7</a:t>
             </a:fld>
             <a:endParaRPr lang="zh-CN" altLang="en-US"/>
           </a:p>
@@ -1543,7 +1543,7 @@
           <a:p>
             <a:fld id="{F71449F7-5D90-411E-B63D-8723CE855B03}" type="datetimeFigureOut">
               <a:rPr lang="zh-CN" altLang="en-US" smtClean="0"/>
-              <a:t>2019-02-18</a:t>
+              <a:t>2022/3/7</a:t>
             </a:fld>
             <a:endParaRPr lang="zh-CN" altLang="en-US"/>
           </a:p>
@@ -1713,7 +1713,7 @@
           <a:p>
             <a:fld id="{F71449F7-5D90-411E-B63D-8723CE855B03}" type="datetimeFigureOut">
               <a:rPr lang="zh-CN" altLang="en-US" smtClean="0"/>
-              <a:t>2019-02-18</a:t>
+              <a:t>2022/3/7</a:t>
             </a:fld>
             <a:endParaRPr lang="zh-CN" altLang="en-US"/>
           </a:p>
@@ -1893,7 +1893,7 @@
           <a:p>
             <a:fld id="{F71449F7-5D90-411E-B63D-8723CE855B03}" type="datetimeFigureOut">
               <a:rPr lang="zh-CN" altLang="en-US" smtClean="0"/>
-              <a:t>2019-02-18</a:t>
+              <a:t>2022/3/7</a:t>
             </a:fld>
             <a:endParaRPr lang="zh-CN" altLang="en-US"/>
           </a:p>
@@ -1976,7 +1976,7 @@
           <p:cNvPr id="7" name="矩形 6">
             <a:extLst>
               <a:ext uri="{FF2B5EF4-FFF2-40B4-BE49-F238E27FC236}">
-                <a16:creationId xmlns:a16="http://schemas.microsoft.com/office/drawing/2014/main" id="{682FCF50-3C2B-439D-ACA3-2FD3367F5851}"/>
+                <a16:creationId xmlns:a16="http://schemas.microsoft.com/office/drawing/2014/main" xmlns="" id="{682FCF50-3C2B-439D-ACA3-2FD3367F5851}"/>
               </a:ext>
             </a:extLst>
           </p:cNvPr>
@@ -2025,7 +2025,7 @@
           <p:cNvPr id="3" name="矩形 2">
             <a:extLst>
               <a:ext uri="{FF2B5EF4-FFF2-40B4-BE49-F238E27FC236}">
-                <a16:creationId xmlns:a16="http://schemas.microsoft.com/office/drawing/2014/main" id="{8CEFF940-8976-4FD3-B6C0-C5119E122C3C}"/>
+                <a16:creationId xmlns:a16="http://schemas.microsoft.com/office/drawing/2014/main" xmlns="" id="{8CEFF940-8976-4FD3-B6C0-C5119E122C3C}"/>
               </a:ext>
             </a:extLst>
           </p:cNvPr>
@@ -2084,7 +2084,7 @@
           <p:cNvPr id="4" name="直接连接符 3">
             <a:extLst>
               <a:ext uri="{FF2B5EF4-FFF2-40B4-BE49-F238E27FC236}">
-                <a16:creationId xmlns:a16="http://schemas.microsoft.com/office/drawing/2014/main" id="{A7808C2C-12D8-49E5-A767-E2D2FD52F0C8}"/>
+                <a16:creationId xmlns:a16="http://schemas.microsoft.com/office/drawing/2014/main" xmlns="" id="{A7808C2C-12D8-49E5-A767-E2D2FD52F0C8}"/>
               </a:ext>
             </a:extLst>
           </p:cNvPr>
@@ -2123,7 +2123,7 @@
           <p:cNvPr id="6" name="组合 5">
             <a:extLst>
               <a:ext uri="{FF2B5EF4-FFF2-40B4-BE49-F238E27FC236}">
-                <a16:creationId xmlns:a16="http://schemas.microsoft.com/office/drawing/2014/main" id="{2A1F05D5-6AF2-485F-90D3-0D200AD3D2C8}"/>
+                <a16:creationId xmlns:a16="http://schemas.microsoft.com/office/drawing/2014/main" xmlns="" id="{2A1F05D5-6AF2-485F-90D3-0D200AD3D2C8}"/>
               </a:ext>
             </a:extLst>
           </p:cNvPr>
@@ -2143,7 +2143,7 @@
             <p:cNvPr id="8" name="椭圆 7">
               <a:extLst>
                 <a:ext uri="{FF2B5EF4-FFF2-40B4-BE49-F238E27FC236}">
-                  <a16:creationId xmlns:a16="http://schemas.microsoft.com/office/drawing/2014/main" id="{667B22CB-8808-414D-A143-BD5ED12B2D12}"/>
+                  <a16:creationId xmlns:a16="http://schemas.microsoft.com/office/drawing/2014/main" xmlns="" id="{667B22CB-8808-414D-A143-BD5ED12B2D12}"/>
                 </a:ext>
               </a:extLst>
             </p:cNvPr>
@@ -2236,7 +2236,7 @@
             <p:cNvPr id="9" name="组合 8">
               <a:extLst>
                 <a:ext uri="{FF2B5EF4-FFF2-40B4-BE49-F238E27FC236}">
-                  <a16:creationId xmlns:a16="http://schemas.microsoft.com/office/drawing/2014/main" id="{6A7779CB-C061-4F57-9C73-4B712E01C6D3}"/>
+                  <a16:creationId xmlns:a16="http://schemas.microsoft.com/office/drawing/2014/main" xmlns="" id="{6A7779CB-C061-4F57-9C73-4B712E01C6D3}"/>
                 </a:ext>
               </a:extLst>
             </p:cNvPr>
@@ -2259,7 +2259,7 @@
               <p:cNvPr id="10" name="AutoShape 43">
                 <a:extLst>
                   <a:ext uri="{FF2B5EF4-FFF2-40B4-BE49-F238E27FC236}">
-                    <a16:creationId xmlns:a16="http://schemas.microsoft.com/office/drawing/2014/main" id="{A4EBCCF3-1011-4C4E-AC09-1FD9508596E3}"/>
+                    <a16:creationId xmlns:a16="http://schemas.microsoft.com/office/drawing/2014/main" xmlns="" id="{A4EBCCF3-1011-4C4E-AC09-1FD9508596E3}"/>
                   </a:ext>
                 </a:extLst>
               </p:cNvPr>
@@ -2518,7 +2518,7 @@
               <p:cNvPr id="11" name="AutoShape 44">
                 <a:extLst>
                   <a:ext uri="{FF2B5EF4-FFF2-40B4-BE49-F238E27FC236}">
-                    <a16:creationId xmlns:a16="http://schemas.microsoft.com/office/drawing/2014/main" id="{5DEEC6ED-5F8A-497E-87B3-5EC42B6EF485}"/>
+                    <a16:creationId xmlns:a16="http://schemas.microsoft.com/office/drawing/2014/main" xmlns="" id="{5DEEC6ED-5F8A-497E-87B3-5EC42B6EF485}"/>
                   </a:ext>
                 </a:extLst>
               </p:cNvPr>
@@ -2649,7 +2649,7 @@
               <p:cNvPr id="12" name="AutoShape 45">
                 <a:extLst>
                   <a:ext uri="{FF2B5EF4-FFF2-40B4-BE49-F238E27FC236}">
-                    <a16:creationId xmlns:a16="http://schemas.microsoft.com/office/drawing/2014/main" id="{EBCBDC78-519F-4DCF-9701-737C2E29980C}"/>
+                    <a16:creationId xmlns:a16="http://schemas.microsoft.com/office/drawing/2014/main" xmlns="" id="{EBCBDC78-519F-4DCF-9701-737C2E29980C}"/>
                   </a:ext>
                 </a:extLst>
               </p:cNvPr>
@@ -2817,7 +2817,7 @@
           <p:cNvPr id="7" name="矩形 6">
             <a:extLst>
               <a:ext uri="{FF2B5EF4-FFF2-40B4-BE49-F238E27FC236}">
-                <a16:creationId xmlns:a16="http://schemas.microsoft.com/office/drawing/2014/main" id="{682FCF50-3C2B-439D-ACA3-2FD3367F5851}"/>
+                <a16:creationId xmlns:a16="http://schemas.microsoft.com/office/drawing/2014/main" xmlns="" id="{682FCF50-3C2B-439D-ACA3-2FD3367F5851}"/>
               </a:ext>
             </a:extLst>
           </p:cNvPr>
@@ -2866,7 +2866,7 @@
           <p:cNvPr id="3" name="矩形 2">
             <a:extLst>
               <a:ext uri="{FF2B5EF4-FFF2-40B4-BE49-F238E27FC236}">
-                <a16:creationId xmlns:a16="http://schemas.microsoft.com/office/drawing/2014/main" id="{8CEFF940-8976-4FD3-B6C0-C5119E122C3C}"/>
+                <a16:creationId xmlns:a16="http://schemas.microsoft.com/office/drawing/2014/main" xmlns="" id="{8CEFF940-8976-4FD3-B6C0-C5119E122C3C}"/>
               </a:ext>
             </a:extLst>
           </p:cNvPr>
@@ -3159,7 +3159,7 @@
           <a:p>
             <a:fld id="{F71449F7-5D90-411E-B63D-8723CE855B03}" type="datetimeFigureOut">
               <a:rPr lang="zh-CN" altLang="en-US" smtClean="0"/>
-              <a:t>2019-02-18</a:t>
+              <a:t>2022/3/7</a:t>
             </a:fld>
             <a:endParaRPr lang="zh-CN" altLang="en-US"/>
           </a:p>
@@ -3391,7 +3391,7 @@
           <a:p>
             <a:fld id="{F71449F7-5D90-411E-B63D-8723CE855B03}" type="datetimeFigureOut">
               <a:rPr lang="zh-CN" altLang="en-US" smtClean="0"/>
-              <a:t>2019-02-18</a:t>
+              <a:t>2022/3/7</a:t>
             </a:fld>
             <a:endParaRPr lang="zh-CN" altLang="en-US"/>
           </a:p>
@@ -3758,7 +3758,7 @@
           <a:p>
             <a:fld id="{F71449F7-5D90-411E-B63D-8723CE855B03}" type="datetimeFigureOut">
               <a:rPr lang="zh-CN" altLang="en-US" smtClean="0"/>
-              <a:t>2019-02-18</a:t>
+              <a:t>2022/3/7</a:t>
             </a:fld>
             <a:endParaRPr lang="zh-CN" altLang="en-US"/>
           </a:p>
@@ -3876,7 +3876,7 @@
           <a:p>
             <a:fld id="{F71449F7-5D90-411E-B63D-8723CE855B03}" type="datetimeFigureOut">
               <a:rPr lang="zh-CN" altLang="en-US" smtClean="0"/>
-              <a:t>2019-02-18</a:t>
+              <a:t>2022/3/7</a:t>
             </a:fld>
             <a:endParaRPr lang="zh-CN" altLang="en-US"/>
           </a:p>
@@ -3971,7 +3971,7 @@
           <a:p>
             <a:fld id="{F71449F7-5D90-411E-B63D-8723CE855B03}" type="datetimeFigureOut">
               <a:rPr lang="zh-CN" altLang="en-US" smtClean="0"/>
-              <a:t>2019-02-18</a:t>
+              <a:t>2022/3/7</a:t>
             </a:fld>
             <a:endParaRPr lang="zh-CN" altLang="en-US"/>
           </a:p>
@@ -4187,7 +4187,7 @@
           <a:p>
             <a:fld id="{F71449F7-5D90-411E-B63D-8723CE855B03}" type="datetimeFigureOut">
               <a:rPr lang="zh-CN" altLang="en-US" smtClean="0"/>
-              <a:t>2019-02-18</a:t>
+              <a:t>2022/3/7</a:t>
             </a:fld>
             <a:endParaRPr lang="zh-CN" altLang="en-US"/>
           </a:p>
@@ -4599,7 +4599,7 @@
           <p:cNvPr id="10" name="矩形 9">
             <a:extLst>
               <a:ext uri="{FF2B5EF4-FFF2-40B4-BE49-F238E27FC236}">
-                <a16:creationId xmlns:a16="http://schemas.microsoft.com/office/drawing/2014/main" id="{27845620-1BD2-4CB4-A849-1D6F71C83D3D}"/>
+                <a16:creationId xmlns:a16="http://schemas.microsoft.com/office/drawing/2014/main" xmlns="" id="{27845620-1BD2-4CB4-A849-1D6F71C83D3D}"/>
               </a:ext>
             </a:extLst>
           </p:cNvPr>
@@ -4658,7 +4658,7 @@
           <p:cNvPr id="11" name="文本框 10">
             <a:extLst>
               <a:ext uri="{FF2B5EF4-FFF2-40B4-BE49-F238E27FC236}">
-                <a16:creationId xmlns:a16="http://schemas.microsoft.com/office/drawing/2014/main" id="{F308687F-5083-4900-B884-1ED108CE6C82}"/>
+                <a16:creationId xmlns:a16="http://schemas.microsoft.com/office/drawing/2014/main" xmlns="" id="{F308687F-5083-4900-B884-1ED108CE6C82}"/>
               </a:ext>
             </a:extLst>
           </p:cNvPr>
@@ -4668,7 +4668,7 @@
         <p:spPr>
           <a:xfrm>
             <a:off x="1901672" y="2439683"/>
-            <a:ext cx="5314275" cy="707886"/>
+            <a:ext cx="5670703" cy="707886"/>
           </a:xfrm>
           <a:prstGeom prst="rect">
             <a:avLst/>
@@ -4676,69 +4676,64 @@
           <a:noFill/>
         </p:spPr>
         <p:txBody>
-          <a:bodyPr wrap="none" rtlCol="0">
+          <a:bodyPr wrap="square" rtlCol="0">
             <a:spAutoFit/>
           </a:bodyPr>
           <a:lstStyle/>
           <a:p>
+            <a:pPr algn="ctr"/>
             <a:r>
-              <a:rPr lang="zh-CN" altLang="en-US" sz="4000" dirty="0">
+              <a:rPr lang="en-US" altLang="zh-CN" sz="2000" dirty="0" smtClean="0">
                 <a:solidFill>
                   <a:schemeClr val="accent1"/>
                 </a:solidFill>
               </a:rPr>
-              <a:t>大气简约立体开题报告</a:t>
+              <a:t>《</a:t>
+            </a:r>
+            <a:r>
+              <a:rPr lang="zh-CN" altLang="en-US" sz="2000" dirty="0"/>
+              <a:t>基于隐私保护的机器学习若干技术研究</a:t>
+            </a:r>
+            <a:r>
+              <a:rPr lang="en-US" sz="2000" dirty="0"/>
+              <a:t> </a:t>
+            </a:r>
+            <a:r>
+              <a:rPr lang="en-US" altLang="zh-CN" sz="2000" dirty="0" smtClean="0">
+                <a:solidFill>
+                  <a:schemeClr val="accent1"/>
+                </a:solidFill>
+              </a:rPr>
+              <a:t>》</a:t>
+            </a:r>
+          </a:p>
+          <a:p>
+            <a:pPr algn="ctr"/>
+            <a:r>
+              <a:rPr lang="zh-CN" altLang="en-US" sz="2000" dirty="0" smtClean="0">
+                <a:solidFill>
+                  <a:schemeClr val="accent1"/>
+                </a:solidFill>
+              </a:rPr>
+              <a:t>开</a:t>
+            </a:r>
+            <a:r>
+              <a:rPr lang="zh-CN" altLang="en-US" sz="2000" dirty="0">
+                <a:solidFill>
+                  <a:schemeClr val="accent1"/>
+                </a:solidFill>
+              </a:rPr>
+              <a:t>题报告</a:t>
             </a:r>
           </a:p>
         </p:txBody>
       </p:sp>
-      <p:cxnSp>
-        <p:nvCxnSpPr>
-          <p:cNvPr id="14" name="直接连接符 13">
-            <a:extLst>
-              <a:ext uri="{FF2B5EF4-FFF2-40B4-BE49-F238E27FC236}">
-                <a16:creationId xmlns:a16="http://schemas.microsoft.com/office/drawing/2014/main" id="{CF3A8B31-6E44-4C33-990E-9C86ACE33E11}"/>
-              </a:ext>
-            </a:extLst>
-          </p:cNvPr>
-          <p:cNvCxnSpPr/>
-          <p:nvPr/>
-        </p:nvCxnSpPr>
-        <p:spPr>
-          <a:xfrm>
-            <a:off x="4441372" y="3536738"/>
-            <a:ext cx="261257" cy="0"/>
-          </a:xfrm>
-          <a:prstGeom prst="line">
-            <a:avLst/>
-          </a:prstGeom>
-          <a:ln w="28575">
-            <a:solidFill>
-              <a:schemeClr val="accent1"/>
-            </a:solidFill>
-          </a:ln>
-        </p:spPr>
-        <p:style>
-          <a:lnRef idx="1">
-            <a:schemeClr val="accent1"/>
-          </a:lnRef>
-          <a:fillRef idx="0">
-            <a:schemeClr val="accent1"/>
-          </a:fillRef>
-          <a:effectRef idx="0">
-            <a:schemeClr val="accent1"/>
-          </a:effectRef>
-          <a:fontRef idx="minor">
-            <a:schemeClr val="tx1"/>
-          </a:fontRef>
-        </p:style>
-      </p:cxnSp>
       <p:grpSp>
         <p:nvGrpSpPr>
           <p:cNvPr id="27" name="组合 26">
             <a:extLst>
               <a:ext uri="{FF2B5EF4-FFF2-40B4-BE49-F238E27FC236}">
-                <a16:creationId xmlns:a16="http://schemas.microsoft.com/office/drawing/2014/main" id="{83952E80-526F-44CB-8C16-C6E50D239736}"/>
+                <a16:creationId xmlns:a16="http://schemas.microsoft.com/office/drawing/2014/main" xmlns="" id="{83952E80-526F-44CB-8C16-C6E50D239736}"/>
               </a:ext>
             </a:extLst>
           </p:cNvPr>
@@ -4758,7 +4753,7 @@
             <p:cNvPr id="15" name="椭圆 14">
               <a:extLst>
                 <a:ext uri="{FF2B5EF4-FFF2-40B4-BE49-F238E27FC236}">
-                  <a16:creationId xmlns:a16="http://schemas.microsoft.com/office/drawing/2014/main" id="{84E5A175-3149-405F-9145-7535715A381B}"/>
+                  <a16:creationId xmlns:a16="http://schemas.microsoft.com/office/drawing/2014/main" xmlns="" id="{84E5A175-3149-405F-9145-7535715A381B}"/>
                 </a:ext>
               </a:extLst>
             </p:cNvPr>
@@ -4822,7 +4817,7 @@
             <p:cNvPr id="16" name="组合 15">
               <a:extLst>
                 <a:ext uri="{FF2B5EF4-FFF2-40B4-BE49-F238E27FC236}">
-                  <a16:creationId xmlns:a16="http://schemas.microsoft.com/office/drawing/2014/main" id="{9E5B9E45-F93C-4A06-BA66-41DF7365FA50}"/>
+                  <a16:creationId xmlns:a16="http://schemas.microsoft.com/office/drawing/2014/main" xmlns="" id="{9E5B9E45-F93C-4A06-BA66-41DF7365FA50}"/>
                 </a:ext>
               </a:extLst>
             </p:cNvPr>
@@ -4845,7 +4840,7 @@
               <p:cNvPr id="17" name="AutoShape 43">
                 <a:extLst>
                   <a:ext uri="{FF2B5EF4-FFF2-40B4-BE49-F238E27FC236}">
-                    <a16:creationId xmlns:a16="http://schemas.microsoft.com/office/drawing/2014/main" id="{96F486C0-B983-41F9-81CB-6C1B1A8DC566}"/>
+                    <a16:creationId xmlns:a16="http://schemas.microsoft.com/office/drawing/2014/main" xmlns="" id="{96F486C0-B983-41F9-81CB-6C1B1A8DC566}"/>
                   </a:ext>
                 </a:extLst>
               </p:cNvPr>
@@ -5102,7 +5097,7 @@
               <p:cNvPr id="18" name="AutoShape 44">
                 <a:extLst>
                   <a:ext uri="{FF2B5EF4-FFF2-40B4-BE49-F238E27FC236}">
-                    <a16:creationId xmlns:a16="http://schemas.microsoft.com/office/drawing/2014/main" id="{BF50BDB9-1337-4389-911A-562AACE0FBF2}"/>
+                    <a16:creationId xmlns:a16="http://schemas.microsoft.com/office/drawing/2014/main" xmlns="" id="{BF50BDB9-1337-4389-911A-562AACE0FBF2}"/>
                   </a:ext>
                 </a:extLst>
               </p:cNvPr>
@@ -5231,7 +5226,7 @@
               <p:cNvPr id="19" name="AutoShape 45">
                 <a:extLst>
                   <a:ext uri="{FF2B5EF4-FFF2-40B4-BE49-F238E27FC236}">
-                    <a16:creationId xmlns:a16="http://schemas.microsoft.com/office/drawing/2014/main" id="{1A5323F7-E69F-4BEF-A706-7DF4426CACEB}"/>
+                    <a16:creationId xmlns:a16="http://schemas.microsoft.com/office/drawing/2014/main" xmlns="" id="{1A5323F7-E69F-4BEF-A706-7DF4426CACEB}"/>
                   </a:ext>
                 </a:extLst>
               </p:cNvPr>
@@ -5356,7 +5351,7 @@
           <p:cNvPr id="20" name="文本框 19">
             <a:extLst>
               <a:ext uri="{FF2B5EF4-FFF2-40B4-BE49-F238E27FC236}">
-                <a16:creationId xmlns:a16="http://schemas.microsoft.com/office/drawing/2014/main" id="{81315CB3-1490-479A-880F-0D1C623254E2}"/>
+                <a16:creationId xmlns:a16="http://schemas.microsoft.com/office/drawing/2014/main" xmlns="" id="{81315CB3-1490-479A-880F-0D1C623254E2}"/>
               </a:ext>
             </a:extLst>
           </p:cNvPr>
@@ -5365,8 +5360,156 @@
         </p:nvSpPr>
         <p:spPr>
           <a:xfrm>
-            <a:off x="3141609" y="3999047"/>
-            <a:ext cx="3257623" cy="307777"/>
+            <a:off x="2881805" y="3939624"/>
+            <a:ext cx="3710435" cy="523220"/>
+          </a:xfrm>
+          <a:prstGeom prst="rect">
+            <a:avLst/>
+          </a:prstGeom>
+          <a:noFill/>
+        </p:spPr>
+        <p:txBody>
+          <a:bodyPr wrap="square" rtlCol="0">
+            <a:spAutoFit/>
+          </a:bodyPr>
+          <a:lstStyle/>
+          <a:p>
+            <a:r>
+              <a:rPr lang="zh-CN" altLang="en-US" sz="1400" dirty="0">
+                <a:solidFill>
+                  <a:schemeClr val="accent1"/>
+                </a:solidFill>
+              </a:rPr>
+              <a:t>汇报人</a:t>
+            </a:r>
+            <a:r>
+              <a:rPr lang="zh-CN" altLang="en-US" sz="1400" dirty="0" smtClean="0">
+                <a:solidFill>
+                  <a:schemeClr val="accent1"/>
+                </a:solidFill>
+              </a:rPr>
+              <a:t>：</a:t>
+            </a:r>
+            <a:r>
+              <a:rPr lang="zh-CN" altLang="en-US" sz="1400" smtClean="0">
+                <a:solidFill>
+                  <a:schemeClr val="accent1"/>
+                </a:solidFill>
+              </a:rPr>
+              <a:t>刘坤                    </a:t>
+            </a:r>
+            <a:r>
+              <a:rPr lang="zh-CN" altLang="en-US" sz="1400" dirty="0" smtClean="0">
+                <a:solidFill>
+                  <a:schemeClr val="accent1"/>
+                </a:solidFill>
+              </a:rPr>
+              <a:t>导师：唐春明教授</a:t>
+            </a:r>
+            <a:endParaRPr lang="en-US" altLang="zh-CN" sz="1400" dirty="0" smtClean="0">
+              <a:solidFill>
+                <a:schemeClr val="accent1"/>
+              </a:solidFill>
+            </a:endParaRPr>
+          </a:p>
+          <a:p>
+            <a:pPr algn="ctr"/>
+            <a:r>
+              <a:rPr lang="zh-CN" altLang="en-US" sz="1400" dirty="0" smtClean="0">
+                <a:solidFill>
+                  <a:schemeClr val="accent1"/>
+                </a:solidFill>
+              </a:rPr>
+              <a:t>汇报</a:t>
+            </a:r>
+            <a:r>
+              <a:rPr lang="zh-CN" altLang="en-US" sz="1400" dirty="0">
+                <a:solidFill>
+                  <a:schemeClr val="accent1"/>
+                </a:solidFill>
+              </a:rPr>
+              <a:t>时间</a:t>
+            </a:r>
+            <a:r>
+              <a:rPr lang="zh-CN" altLang="en-US" sz="1400" dirty="0" smtClean="0">
+                <a:solidFill>
+                  <a:schemeClr val="accent1"/>
+                </a:solidFill>
+              </a:rPr>
+              <a:t>：</a:t>
+            </a:r>
+            <a:r>
+              <a:rPr lang="en-US" altLang="zh-CN" sz="1400" dirty="0" smtClean="0">
+                <a:solidFill>
+                  <a:schemeClr val="accent1"/>
+                </a:solidFill>
+              </a:rPr>
+              <a:t>2022</a:t>
+            </a:r>
+            <a:r>
+              <a:rPr lang="zh-CN" altLang="en-US" sz="1400" dirty="0" smtClean="0">
+                <a:solidFill>
+                  <a:schemeClr val="accent1"/>
+                </a:solidFill>
+              </a:rPr>
+              <a:t>年</a:t>
+            </a:r>
+            <a:r>
+              <a:rPr lang="en-US" altLang="zh-CN" sz="1400" dirty="0" smtClean="0">
+                <a:solidFill>
+                  <a:schemeClr val="accent1"/>
+                </a:solidFill>
+              </a:rPr>
+              <a:t>03</a:t>
+            </a:r>
+            <a:r>
+              <a:rPr lang="zh-CN" altLang="en-US" sz="1400" dirty="0" smtClean="0">
+                <a:solidFill>
+                  <a:schemeClr val="accent1"/>
+                </a:solidFill>
+              </a:rPr>
+              <a:t>月</a:t>
+            </a:r>
+            <a:r>
+              <a:rPr lang="en-US" altLang="zh-CN" sz="1400" dirty="0" smtClean="0">
+                <a:solidFill>
+                  <a:schemeClr val="accent1"/>
+                </a:solidFill>
+              </a:rPr>
+              <a:t>08</a:t>
+            </a:r>
+            <a:r>
+              <a:rPr lang="zh-CN" altLang="en-US" sz="1400" dirty="0" smtClean="0">
+                <a:solidFill>
+                  <a:schemeClr val="accent1"/>
+                </a:solidFill>
+              </a:rPr>
+              <a:t>日</a:t>
+            </a:r>
+            <a:endParaRPr lang="zh-CN" altLang="en-US" sz="1400" dirty="0">
+              <a:solidFill>
+                <a:schemeClr val="accent1"/>
+              </a:solidFill>
+            </a:endParaRPr>
+          </a:p>
+        </p:txBody>
+      </p:sp>
+      <p:sp>
+        <p:nvSpPr>
+          <p:cNvPr id="22" name="文本框 21">
+            <a:extLst>
+              <a:ext uri="{FF2B5EF4-FFF2-40B4-BE49-F238E27FC236}">
+                <a16:creationId xmlns:a16="http://schemas.microsoft.com/office/drawing/2014/main" xmlns="" id="{695E45D2-4F7B-4220-B1CA-9BBB51D684F4}"/>
+              </a:ext>
+            </a:extLst>
+          </p:cNvPr>
+          <p:cNvSpPr txBox="1"/>
+          <p:nvPr/>
+        </p:nvSpPr>
+        <p:spPr>
+          <a:xfrm>
+            <a:off x="3671753" y="3449539"/>
+            <a:ext cx="1800493" cy="307777"/>
           </a:xfrm>
           <a:prstGeom prst="rect">
             <a:avLst/>
@@ -5380,146 +5523,17 @@
           <a:lstStyle/>
           <a:p>
             <a:r>
-              <a:rPr lang="zh-CN" altLang="en-US" sz="1400" dirty="0">
+              <a:rPr lang="zh-CN" altLang="en-US" sz="1400" dirty="0" smtClean="0">
                 <a:solidFill>
                   <a:schemeClr val="accent1"/>
                 </a:solidFill>
               </a:rPr>
-              <a:t>汇报人：当易网     汇报时间：</a:t>
+              <a:t>数学与信息科学学院</a:t>
             </a:r>
-            <a:r>
-              <a:rPr lang="en-US" altLang="zh-CN" sz="1400" dirty="0">
-                <a:solidFill>
-                  <a:schemeClr val="accent1"/>
-                </a:solidFill>
-              </a:rPr>
-              <a:t>XX</a:t>
-            </a:r>
-            <a:r>
-              <a:rPr lang="zh-CN" altLang="en-US" sz="1400" dirty="0">
-                <a:solidFill>
-                  <a:schemeClr val="accent1"/>
-                </a:solidFill>
-              </a:rPr>
-              <a:t>年</a:t>
-            </a:r>
-            <a:r>
-              <a:rPr lang="en-US" altLang="zh-CN" sz="1400" dirty="0">
-                <a:solidFill>
-                  <a:schemeClr val="accent1"/>
-                </a:solidFill>
-              </a:rPr>
-              <a:t>XX</a:t>
-            </a:r>
-            <a:r>
-              <a:rPr lang="zh-CN" altLang="en-US" sz="1400" dirty="0">
-                <a:solidFill>
-                  <a:schemeClr val="accent1"/>
-                </a:solidFill>
-              </a:rPr>
-              <a:t>月</a:t>
-            </a:r>
-          </a:p>
-        </p:txBody>
-      </p:sp>
-      <p:sp>
-        <p:nvSpPr>
-          <p:cNvPr id="22" name="文本框 21">
-            <a:extLst>
-              <a:ext uri="{FF2B5EF4-FFF2-40B4-BE49-F238E27FC236}">
-                <a16:creationId xmlns:a16="http://schemas.microsoft.com/office/drawing/2014/main" id="{695E45D2-4F7B-4220-B1CA-9BBB51D684F4}"/>
-              </a:ext>
-            </a:extLst>
-          </p:cNvPr>
-          <p:cNvSpPr txBox="1"/>
-          <p:nvPr/>
-        </p:nvSpPr>
-        <p:spPr>
-          <a:xfrm>
-            <a:off x="3321497" y="3676043"/>
-            <a:ext cx="2501006" cy="307777"/>
-          </a:xfrm>
-          <a:prstGeom prst="rect">
-            <a:avLst/>
-          </a:prstGeom>
-          <a:noFill/>
-        </p:spPr>
-        <p:txBody>
-          <a:bodyPr wrap="none" rtlCol="0">
-            <a:spAutoFit/>
-          </a:bodyPr>
-          <a:lstStyle/>
-          <a:p>
-            <a:r>
-              <a:rPr lang="zh-CN" altLang="en-US" sz="1400">
-                <a:solidFill>
-                  <a:schemeClr val="accent1"/>
-                </a:solidFill>
-              </a:rPr>
-              <a:t>信息工程学院</a:t>
-            </a:r>
-            <a:r>
-              <a:rPr lang="en-US" altLang="zh-CN" sz="1400">
-                <a:solidFill>
-                  <a:schemeClr val="accent1"/>
-                </a:solidFill>
-              </a:rPr>
-              <a:t>—</a:t>
-            </a:r>
-            <a:r>
-              <a:rPr lang="zh-CN" altLang="en-US" sz="1400">
-                <a:solidFill>
-                  <a:schemeClr val="accent1"/>
-                </a:solidFill>
-              </a:rPr>
-              <a:t>电子信息工程</a:t>
-            </a:r>
-          </a:p>
-        </p:txBody>
-      </p:sp>
-      <p:sp>
-        <p:nvSpPr>
-          <p:cNvPr id="26" name="文本框 25">
-            <a:extLst>
-              <a:ext uri="{FF2B5EF4-FFF2-40B4-BE49-F238E27FC236}">
-                <a16:creationId xmlns:a16="http://schemas.microsoft.com/office/drawing/2014/main" id="{E44EA276-324F-46D1-84EF-132808518A55}"/>
-              </a:ext>
-            </a:extLst>
-          </p:cNvPr>
-          <p:cNvSpPr txBox="1"/>
-          <p:nvPr/>
-        </p:nvSpPr>
-        <p:spPr>
-          <a:xfrm>
-            <a:off x="1946748" y="3041891"/>
-            <a:ext cx="5224123" cy="492443"/>
-          </a:xfrm>
-          <a:prstGeom prst="rect">
-            <a:avLst/>
-          </a:prstGeom>
-          <a:noFill/>
-        </p:spPr>
-        <p:txBody>
-          <a:bodyPr wrap="none" rtlCol="0">
-            <a:spAutoFit/>
-          </a:bodyPr>
-          <a:lstStyle/>
-          <a:p>
-            <a:pPr algn="ctr"/>
-            <a:r>
-              <a:rPr lang="en-US" altLang="zh-CN" sz="2600">
-                <a:solidFill>
-                  <a:schemeClr val="accent1"/>
-                </a:solidFill>
-                <a:latin typeface="+mj-lt"/>
-              </a:rPr>
-              <a:t>Calm And Simple Thesis Proposal</a:t>
-            </a:r>
-            <a:endParaRPr lang="zh-CN" altLang="en-US" sz="2600">
+            <a:endParaRPr lang="zh-CN" altLang="en-US" sz="1400" dirty="0">
               <a:solidFill>
                 <a:schemeClr val="accent1"/>
               </a:solidFill>
-              <a:latin typeface="+mj-lt"/>
             </a:endParaRPr>
           </a:p>
         </p:txBody>
@@ -5559,7 +5573,7 @@
           <p:cNvPr id="10" name="矩形 9">
             <a:extLst>
               <a:ext uri="{FF2B5EF4-FFF2-40B4-BE49-F238E27FC236}">
-                <a16:creationId xmlns:a16="http://schemas.microsoft.com/office/drawing/2014/main" id="{27845620-1BD2-4CB4-A849-1D6F71C83D3D}"/>
+                <a16:creationId xmlns:a16="http://schemas.microsoft.com/office/drawing/2014/main" xmlns="" id="{27845620-1BD2-4CB4-A849-1D6F71C83D3D}"/>
               </a:ext>
             </a:extLst>
           </p:cNvPr>
@@ -5618,7 +5632,7 @@
           <p:cNvPr id="15" name="椭圆 14">
             <a:extLst>
               <a:ext uri="{FF2B5EF4-FFF2-40B4-BE49-F238E27FC236}">
-                <a16:creationId xmlns:a16="http://schemas.microsoft.com/office/drawing/2014/main" id="{84E5A175-3149-405F-9145-7535715A381B}"/>
+                <a16:creationId xmlns:a16="http://schemas.microsoft.com/office/drawing/2014/main" xmlns="" id="{84E5A175-3149-405F-9145-7535715A381B}"/>
               </a:ext>
             </a:extLst>
           </p:cNvPr>
@@ -5682,7 +5696,7 @@
           <p:cNvPr id="23" name="矩形 22">
             <a:extLst>
               <a:ext uri="{FF2B5EF4-FFF2-40B4-BE49-F238E27FC236}">
-                <a16:creationId xmlns:a16="http://schemas.microsoft.com/office/drawing/2014/main" id="{256BF839-5984-4814-99D1-E3F91C6B186D}"/>
+                <a16:creationId xmlns:a16="http://schemas.microsoft.com/office/drawing/2014/main" xmlns="" id="{256BF839-5984-4814-99D1-E3F91C6B186D}"/>
               </a:ext>
             </a:extLst>
           </p:cNvPr>
@@ -5727,7 +5741,7 @@
           <p:cNvPr id="30" name="矩形 29">
             <a:extLst>
               <a:ext uri="{FF2B5EF4-FFF2-40B4-BE49-F238E27FC236}">
-                <a16:creationId xmlns:a16="http://schemas.microsoft.com/office/drawing/2014/main" id="{108EDB90-29AC-41EE-8404-B98F5C9941E8}"/>
+                <a16:creationId xmlns:a16="http://schemas.microsoft.com/office/drawing/2014/main" xmlns="" id="{108EDB90-29AC-41EE-8404-B98F5C9941E8}"/>
               </a:ext>
             </a:extLst>
           </p:cNvPr>
@@ -5772,7 +5786,7 @@
           <p:cNvPr id="31" name="Group 13">
             <a:extLst>
               <a:ext uri="{FF2B5EF4-FFF2-40B4-BE49-F238E27FC236}">
-                <a16:creationId xmlns:a16="http://schemas.microsoft.com/office/drawing/2014/main" id="{7B266607-1E24-446A-AA08-188900624FAB}"/>
+                <a16:creationId xmlns:a16="http://schemas.microsoft.com/office/drawing/2014/main" xmlns="" id="{7B266607-1E24-446A-AA08-188900624FAB}"/>
               </a:ext>
             </a:extLst>
           </p:cNvPr>
@@ -5797,7 +5811,7 @@
             <p:cNvPr id="32" name="Freeform 14">
               <a:extLst>
                 <a:ext uri="{FF2B5EF4-FFF2-40B4-BE49-F238E27FC236}">
-                  <a16:creationId xmlns:a16="http://schemas.microsoft.com/office/drawing/2014/main" id="{A141E591-87D0-4A9D-84EA-6C3EEEDD2AC2}"/>
+                  <a16:creationId xmlns:a16="http://schemas.microsoft.com/office/drawing/2014/main" xmlns="" id="{A141E591-87D0-4A9D-84EA-6C3EEEDD2AC2}"/>
                 </a:ext>
               </a:extLst>
             </p:cNvPr>
@@ -5956,7 +5970,7 @@
             <p:cNvPr id="33" name="Freeform 15">
               <a:extLst>
                 <a:ext uri="{FF2B5EF4-FFF2-40B4-BE49-F238E27FC236}">
-                  <a16:creationId xmlns:a16="http://schemas.microsoft.com/office/drawing/2014/main" id="{AE3A265A-B4ED-4C0D-8793-0E1E83881147}"/>
+                  <a16:creationId xmlns:a16="http://schemas.microsoft.com/office/drawing/2014/main" xmlns="" id="{AE3A265A-B4ED-4C0D-8793-0E1E83881147}"/>
                 </a:ext>
               </a:extLst>
             </p:cNvPr>
@@ -6167,7 +6181,7 @@
           <p:cNvPr id="34" name="矩形 33">
             <a:extLst>
               <a:ext uri="{FF2B5EF4-FFF2-40B4-BE49-F238E27FC236}">
-                <a16:creationId xmlns:a16="http://schemas.microsoft.com/office/drawing/2014/main" id="{F2B290E5-515A-4DB8-9472-33B1686A97FA}"/>
+                <a16:creationId xmlns:a16="http://schemas.microsoft.com/office/drawing/2014/main" xmlns="" id="{F2B290E5-515A-4DB8-9472-33B1686A97FA}"/>
               </a:ext>
             </a:extLst>
           </p:cNvPr>
@@ -6212,7 +6226,7 @@
           <p:cNvPr id="35" name="Group 13">
             <a:extLst>
               <a:ext uri="{FF2B5EF4-FFF2-40B4-BE49-F238E27FC236}">
-                <a16:creationId xmlns:a16="http://schemas.microsoft.com/office/drawing/2014/main" id="{693906BC-7735-4725-8309-72D620A681DF}"/>
+                <a16:creationId xmlns:a16="http://schemas.microsoft.com/office/drawing/2014/main" xmlns="" id="{693906BC-7735-4725-8309-72D620A681DF}"/>
               </a:ext>
             </a:extLst>
           </p:cNvPr>
@@ -6237,7 +6251,7 @@
             <p:cNvPr id="36" name="Freeform 14">
               <a:extLst>
                 <a:ext uri="{FF2B5EF4-FFF2-40B4-BE49-F238E27FC236}">
-                  <a16:creationId xmlns:a16="http://schemas.microsoft.com/office/drawing/2014/main" id="{5A080266-FD71-491A-94E3-45981DDCAB35}"/>
+                  <a16:creationId xmlns:a16="http://schemas.microsoft.com/office/drawing/2014/main" xmlns="" id="{5A080266-FD71-491A-94E3-45981DDCAB35}"/>
                 </a:ext>
               </a:extLst>
             </p:cNvPr>
@@ -6396,7 +6410,7 @@
             <p:cNvPr id="37" name="Freeform 15">
               <a:extLst>
                 <a:ext uri="{FF2B5EF4-FFF2-40B4-BE49-F238E27FC236}">
-                  <a16:creationId xmlns:a16="http://schemas.microsoft.com/office/drawing/2014/main" id="{06855B9F-A534-49BD-8C81-1FC504DFE9C7}"/>
+                  <a16:creationId xmlns:a16="http://schemas.microsoft.com/office/drawing/2014/main" xmlns="" id="{06855B9F-A534-49BD-8C81-1FC504DFE9C7}"/>
                 </a:ext>
               </a:extLst>
             </p:cNvPr>
@@ -6607,7 +6621,7 @@
           <p:cNvPr id="38" name="矩形 37">
             <a:extLst>
               <a:ext uri="{FF2B5EF4-FFF2-40B4-BE49-F238E27FC236}">
-                <a16:creationId xmlns:a16="http://schemas.microsoft.com/office/drawing/2014/main" id="{9C36F1F9-0132-4F64-A577-185FEC85B26A}"/>
+                <a16:creationId xmlns:a16="http://schemas.microsoft.com/office/drawing/2014/main" xmlns="" id="{9C36F1F9-0132-4F64-A577-185FEC85B26A}"/>
               </a:ext>
             </a:extLst>
           </p:cNvPr>
@@ -6659,7 +6673,7 @@
           <p:cNvPr id="14" name="组合 13">
             <a:extLst>
               <a:ext uri="{FF2B5EF4-FFF2-40B4-BE49-F238E27FC236}">
-                <a16:creationId xmlns:a16="http://schemas.microsoft.com/office/drawing/2014/main" id="{4CB2E6AC-6FF4-4346-BF16-1B8A8397BE74}"/>
+                <a16:creationId xmlns:a16="http://schemas.microsoft.com/office/drawing/2014/main" xmlns="" id="{4CB2E6AC-6FF4-4346-BF16-1B8A8397BE74}"/>
               </a:ext>
             </a:extLst>
           </p:cNvPr>
@@ -6679,7 +6693,7 @@
             <p:cNvPr id="16" name="AutoShape 37">
               <a:extLst>
                 <a:ext uri="{FF2B5EF4-FFF2-40B4-BE49-F238E27FC236}">
-                  <a16:creationId xmlns:a16="http://schemas.microsoft.com/office/drawing/2014/main" id="{BEF2943C-F723-43ED-953B-E9EA2D3D9CD5}"/>
+                  <a16:creationId xmlns:a16="http://schemas.microsoft.com/office/drawing/2014/main" xmlns="" id="{BEF2943C-F723-43ED-953B-E9EA2D3D9CD5}"/>
                 </a:ext>
               </a:extLst>
             </p:cNvPr>
@@ -6969,7 +6983,7 @@
             <p:cNvPr id="17" name="AutoShape 38">
               <a:extLst>
                 <a:ext uri="{FF2B5EF4-FFF2-40B4-BE49-F238E27FC236}">
-                  <a16:creationId xmlns:a16="http://schemas.microsoft.com/office/drawing/2014/main" id="{B140BC38-64A4-40FE-ABDB-5A79EE08BADE}"/>
+                  <a16:creationId xmlns:a16="http://schemas.microsoft.com/office/drawing/2014/main" xmlns="" id="{B140BC38-64A4-40FE-ABDB-5A79EE08BADE}"/>
                 </a:ext>
               </a:extLst>
             </p:cNvPr>
@@ -7105,7 +7119,7 @@
             <p:cNvPr id="18" name="AutoShape 39">
               <a:extLst>
                 <a:ext uri="{FF2B5EF4-FFF2-40B4-BE49-F238E27FC236}">
-                  <a16:creationId xmlns:a16="http://schemas.microsoft.com/office/drawing/2014/main" id="{5FAA2FD2-DA69-4B62-87A3-7F4E881A3B32}"/>
+                  <a16:creationId xmlns:a16="http://schemas.microsoft.com/office/drawing/2014/main" xmlns="" id="{5FAA2FD2-DA69-4B62-87A3-7F4E881A3B32}"/>
                 </a:ext>
               </a:extLst>
             </p:cNvPr>
@@ -7241,7 +7255,7 @@
             <p:cNvPr id="19" name="AutoShape 40">
               <a:extLst>
                 <a:ext uri="{FF2B5EF4-FFF2-40B4-BE49-F238E27FC236}">
-                  <a16:creationId xmlns:a16="http://schemas.microsoft.com/office/drawing/2014/main" id="{2C527C80-D330-45B8-83F5-C20387E9514A}"/>
+                  <a16:creationId xmlns:a16="http://schemas.microsoft.com/office/drawing/2014/main" xmlns="" id="{2C527C80-D330-45B8-83F5-C20387E9514A}"/>
                 </a:ext>
               </a:extLst>
             </p:cNvPr>
@@ -7377,7 +7391,7 @@
             <p:cNvPr id="20" name="AutoShape 41">
               <a:extLst>
                 <a:ext uri="{FF2B5EF4-FFF2-40B4-BE49-F238E27FC236}">
-                  <a16:creationId xmlns:a16="http://schemas.microsoft.com/office/drawing/2014/main" id="{4BAD4E87-877A-445E-9151-0AE7681EF557}"/>
+                  <a16:creationId xmlns:a16="http://schemas.microsoft.com/office/drawing/2014/main" xmlns="" id="{4BAD4E87-877A-445E-9151-0AE7681EF557}"/>
                 </a:ext>
               </a:extLst>
             </p:cNvPr>
@@ -7490,7 +7504,7 @@
             <p:cNvPr id="21" name="AutoShape 42">
               <a:extLst>
                 <a:ext uri="{FF2B5EF4-FFF2-40B4-BE49-F238E27FC236}">
-                  <a16:creationId xmlns:a16="http://schemas.microsoft.com/office/drawing/2014/main" id="{D69DBD67-18A2-4608-9A3E-E9F2B913A9F5}"/>
+                  <a16:creationId xmlns:a16="http://schemas.microsoft.com/office/drawing/2014/main" xmlns="" id="{D69DBD67-18A2-4608-9A3E-E9F2B913A9F5}"/>
                 </a:ext>
               </a:extLst>
             </p:cNvPr>
@@ -7634,7 +7648,7 @@
           <p:cNvPr id="3" name="矩形 2">
             <a:extLst>
               <a:ext uri="{FF2B5EF4-FFF2-40B4-BE49-F238E27FC236}">
-                <a16:creationId xmlns:a16="http://schemas.microsoft.com/office/drawing/2014/main" id="{B1EF227F-F971-46C4-8C83-D820A502B67B}"/>
+                <a16:creationId xmlns:a16="http://schemas.microsoft.com/office/drawing/2014/main" xmlns="" id="{B1EF227F-F971-46C4-8C83-D820A502B67B}"/>
               </a:ext>
             </a:extLst>
           </p:cNvPr>
@@ -7679,7 +7693,7 @@
           <p:cNvPr id="4" name="矩形 3">
             <a:extLst>
               <a:ext uri="{FF2B5EF4-FFF2-40B4-BE49-F238E27FC236}">
-                <a16:creationId xmlns:a16="http://schemas.microsoft.com/office/drawing/2014/main" id="{9E909954-10C8-4280-953E-B54B27A00653}"/>
+                <a16:creationId xmlns:a16="http://schemas.microsoft.com/office/drawing/2014/main" xmlns="" id="{9E909954-10C8-4280-953E-B54B27A00653}"/>
               </a:ext>
             </a:extLst>
           </p:cNvPr>
@@ -7724,7 +7738,7 @@
           <p:cNvPr id="25" name="椭圆 24">
             <a:extLst>
               <a:ext uri="{FF2B5EF4-FFF2-40B4-BE49-F238E27FC236}">
-                <a16:creationId xmlns:a16="http://schemas.microsoft.com/office/drawing/2014/main" id="{010FB20D-028B-4C3E-8BFB-B3260BF28414}"/>
+                <a16:creationId xmlns:a16="http://schemas.microsoft.com/office/drawing/2014/main" xmlns="" id="{010FB20D-028B-4C3E-8BFB-B3260BF28414}"/>
               </a:ext>
             </a:extLst>
           </p:cNvPr>
@@ -7788,7 +7802,7 @@
           <p:cNvPr id="26" name="椭圆 25">
             <a:extLst>
               <a:ext uri="{FF2B5EF4-FFF2-40B4-BE49-F238E27FC236}">
-                <a16:creationId xmlns:a16="http://schemas.microsoft.com/office/drawing/2014/main" id="{61F5834F-8005-4078-8809-02B7D37E3331}"/>
+                <a16:creationId xmlns:a16="http://schemas.microsoft.com/office/drawing/2014/main" xmlns="" id="{61F5834F-8005-4078-8809-02B7D37E3331}"/>
               </a:ext>
             </a:extLst>
           </p:cNvPr>
@@ -7852,7 +7866,7 @@
           <p:cNvPr id="27" name="椭圆 26">
             <a:extLst>
               <a:ext uri="{FF2B5EF4-FFF2-40B4-BE49-F238E27FC236}">
-                <a16:creationId xmlns:a16="http://schemas.microsoft.com/office/drawing/2014/main" id="{878D40F1-EB22-460F-A891-F7D9B17B76B5}"/>
+                <a16:creationId xmlns:a16="http://schemas.microsoft.com/office/drawing/2014/main" xmlns="" id="{878D40F1-EB22-460F-A891-F7D9B17B76B5}"/>
               </a:ext>
             </a:extLst>
           </p:cNvPr>
@@ -7916,7 +7930,7 @@
           <p:cNvPr id="28" name="矩形 27">
             <a:extLst>
               <a:ext uri="{FF2B5EF4-FFF2-40B4-BE49-F238E27FC236}">
-                <a16:creationId xmlns:a16="http://schemas.microsoft.com/office/drawing/2014/main" id="{F87CF4BD-A4D2-437A-A8F3-93F91387E73C}"/>
+                <a16:creationId xmlns:a16="http://schemas.microsoft.com/office/drawing/2014/main" xmlns="" id="{F87CF4BD-A4D2-437A-A8F3-93F91387E73C}"/>
               </a:ext>
             </a:extLst>
           </p:cNvPr>
@@ -7961,7 +7975,7 @@
           <p:cNvPr id="29" name="矩形 28">
             <a:extLst>
               <a:ext uri="{FF2B5EF4-FFF2-40B4-BE49-F238E27FC236}">
-                <a16:creationId xmlns:a16="http://schemas.microsoft.com/office/drawing/2014/main" id="{4583D270-778A-4620-BB10-A936631F1B9A}"/>
+                <a16:creationId xmlns:a16="http://schemas.microsoft.com/office/drawing/2014/main" xmlns="" id="{4583D270-778A-4620-BB10-A936631F1B9A}"/>
               </a:ext>
             </a:extLst>
           </p:cNvPr>
@@ -8010,7 +8024,7 @@
           <p:cNvPr id="30" name="矩形 29">
             <a:extLst>
               <a:ext uri="{FF2B5EF4-FFF2-40B4-BE49-F238E27FC236}">
-                <a16:creationId xmlns:a16="http://schemas.microsoft.com/office/drawing/2014/main" id="{2533A8C9-C0DD-4291-9553-5EB1CB8494F0}"/>
+                <a16:creationId xmlns:a16="http://schemas.microsoft.com/office/drawing/2014/main" xmlns="" id="{2533A8C9-C0DD-4291-9553-5EB1CB8494F0}"/>
               </a:ext>
             </a:extLst>
           </p:cNvPr>
@@ -8055,7 +8069,7 @@
           <p:cNvPr id="31" name="矩形 30">
             <a:extLst>
               <a:ext uri="{FF2B5EF4-FFF2-40B4-BE49-F238E27FC236}">
-                <a16:creationId xmlns:a16="http://schemas.microsoft.com/office/drawing/2014/main" id="{2BB02169-9F6A-4235-B0CA-9BC2363AADBA}"/>
+                <a16:creationId xmlns:a16="http://schemas.microsoft.com/office/drawing/2014/main" xmlns="" id="{2BB02169-9F6A-4235-B0CA-9BC2363AADBA}"/>
               </a:ext>
             </a:extLst>
           </p:cNvPr>
@@ -8104,7 +8118,7 @@
           <p:cNvPr id="32" name="矩形 31">
             <a:extLst>
               <a:ext uri="{FF2B5EF4-FFF2-40B4-BE49-F238E27FC236}">
-                <a16:creationId xmlns:a16="http://schemas.microsoft.com/office/drawing/2014/main" id="{15E0D86B-CC83-4885-A6A1-FD121CE8D0D3}"/>
+                <a16:creationId xmlns:a16="http://schemas.microsoft.com/office/drawing/2014/main" xmlns="" id="{15E0D86B-CC83-4885-A6A1-FD121CE8D0D3}"/>
               </a:ext>
             </a:extLst>
           </p:cNvPr>
@@ -8149,7 +8163,7 @@
           <p:cNvPr id="33" name="矩形 32">
             <a:extLst>
               <a:ext uri="{FF2B5EF4-FFF2-40B4-BE49-F238E27FC236}">
-                <a16:creationId xmlns:a16="http://schemas.microsoft.com/office/drawing/2014/main" id="{B149B248-70BE-4D83-BE7E-1B9649610D59}"/>
+                <a16:creationId xmlns:a16="http://schemas.microsoft.com/office/drawing/2014/main" xmlns="" id="{B149B248-70BE-4D83-BE7E-1B9649610D59}"/>
               </a:ext>
             </a:extLst>
           </p:cNvPr>
@@ -8198,7 +8212,7 @@
           <p:cNvPr id="14" name="Group 112">
             <a:extLst>
               <a:ext uri="{FF2B5EF4-FFF2-40B4-BE49-F238E27FC236}">
-                <a16:creationId xmlns:a16="http://schemas.microsoft.com/office/drawing/2014/main" id="{613E52A4-EE4D-4CBB-8DE4-A4570FC801F6}"/>
+                <a16:creationId xmlns:a16="http://schemas.microsoft.com/office/drawing/2014/main" xmlns="" id="{613E52A4-EE4D-4CBB-8DE4-A4570FC801F6}"/>
               </a:ext>
             </a:extLst>
           </p:cNvPr>
@@ -8221,7 +8235,7 @@
             <p:cNvPr id="15" name="AutoShape 110">
               <a:extLst>
                 <a:ext uri="{FF2B5EF4-FFF2-40B4-BE49-F238E27FC236}">
-                  <a16:creationId xmlns:a16="http://schemas.microsoft.com/office/drawing/2014/main" id="{DE087891-21D7-4847-8863-D0AA10AD7215}"/>
+                  <a16:creationId xmlns:a16="http://schemas.microsoft.com/office/drawing/2014/main" xmlns="" id="{DE087891-21D7-4847-8863-D0AA10AD7215}"/>
                 </a:ext>
               </a:extLst>
             </p:cNvPr>
@@ -8362,7 +8376,7 @@
             <p:cNvPr id="16" name="AutoShape 111">
               <a:extLst>
                 <a:ext uri="{FF2B5EF4-FFF2-40B4-BE49-F238E27FC236}">
-                  <a16:creationId xmlns:a16="http://schemas.microsoft.com/office/drawing/2014/main" id="{F70ACFE0-ADE2-4AC8-98BB-EFEDF1D754E8}"/>
+                  <a16:creationId xmlns:a16="http://schemas.microsoft.com/office/drawing/2014/main" xmlns="" id="{F70ACFE0-ADE2-4AC8-98BB-EFEDF1D754E8}"/>
                 </a:ext>
               </a:extLst>
             </p:cNvPr>
@@ -8568,7 +8582,7 @@
           <p:cNvPr id="17" name="AutoShape 112">
             <a:extLst>
               <a:ext uri="{FF2B5EF4-FFF2-40B4-BE49-F238E27FC236}">
-                <a16:creationId xmlns:a16="http://schemas.microsoft.com/office/drawing/2014/main" id="{996C1251-FD47-4D40-A8AC-8D876AE3DD55}"/>
+                <a16:creationId xmlns:a16="http://schemas.microsoft.com/office/drawing/2014/main" xmlns="" id="{996C1251-FD47-4D40-A8AC-8D876AE3DD55}"/>
               </a:ext>
             </a:extLst>
           </p:cNvPr>
@@ -8938,7 +8952,7 @@
           <p:cNvPr id="18" name="组合 17">
             <a:extLst>
               <a:ext uri="{FF2B5EF4-FFF2-40B4-BE49-F238E27FC236}">
-                <a16:creationId xmlns:a16="http://schemas.microsoft.com/office/drawing/2014/main" id="{34C010D2-8141-42ED-81DA-6453F4965C10}"/>
+                <a16:creationId xmlns:a16="http://schemas.microsoft.com/office/drawing/2014/main" xmlns="" id="{34C010D2-8141-42ED-81DA-6453F4965C10}"/>
               </a:ext>
             </a:extLst>
           </p:cNvPr>
@@ -8961,7 +8975,7 @@
             <p:cNvPr id="19" name="AutoShape 113">
               <a:extLst>
                 <a:ext uri="{FF2B5EF4-FFF2-40B4-BE49-F238E27FC236}">
-                  <a16:creationId xmlns:a16="http://schemas.microsoft.com/office/drawing/2014/main" id="{030F8972-9831-43BE-B4AA-A153450450C8}"/>
+                  <a16:creationId xmlns:a16="http://schemas.microsoft.com/office/drawing/2014/main" xmlns="" id="{030F8972-9831-43BE-B4AA-A153450450C8}"/>
                 </a:ext>
               </a:extLst>
             </p:cNvPr>
@@ -9185,7 +9199,7 @@
             <p:cNvPr id="20" name="AutoShape 114">
               <a:extLst>
                 <a:ext uri="{FF2B5EF4-FFF2-40B4-BE49-F238E27FC236}">
-                  <a16:creationId xmlns:a16="http://schemas.microsoft.com/office/drawing/2014/main" id="{EF8DF06C-8B4A-4C60-B1B0-7914D1E6D5DD}"/>
+                  <a16:creationId xmlns:a16="http://schemas.microsoft.com/office/drawing/2014/main" xmlns="" id="{EF8DF06C-8B4A-4C60-B1B0-7914D1E6D5DD}"/>
                 </a:ext>
               </a:extLst>
             </p:cNvPr>
@@ -9337,7 +9351,7 @@
           <p:cNvPr id="3" name="矩形 2">
             <a:extLst>
               <a:ext uri="{FF2B5EF4-FFF2-40B4-BE49-F238E27FC236}">
-                <a16:creationId xmlns:a16="http://schemas.microsoft.com/office/drawing/2014/main" id="{B1EF227F-F971-46C4-8C83-D820A502B67B}"/>
+                <a16:creationId xmlns:a16="http://schemas.microsoft.com/office/drawing/2014/main" xmlns="" id="{B1EF227F-F971-46C4-8C83-D820A502B67B}"/>
               </a:ext>
             </a:extLst>
           </p:cNvPr>
@@ -9382,7 +9396,7 @@
           <p:cNvPr id="4" name="矩形 3">
             <a:extLst>
               <a:ext uri="{FF2B5EF4-FFF2-40B4-BE49-F238E27FC236}">
-                <a16:creationId xmlns:a16="http://schemas.microsoft.com/office/drawing/2014/main" id="{9E909954-10C8-4280-953E-B54B27A00653}"/>
+                <a16:creationId xmlns:a16="http://schemas.microsoft.com/office/drawing/2014/main" xmlns="" id="{9E909954-10C8-4280-953E-B54B27A00653}"/>
               </a:ext>
             </a:extLst>
           </p:cNvPr>
@@ -9427,7 +9441,7 @@
           <p:cNvPr id="37" name="矩形 36">
             <a:extLst>
               <a:ext uri="{FF2B5EF4-FFF2-40B4-BE49-F238E27FC236}">
-                <a16:creationId xmlns:a16="http://schemas.microsoft.com/office/drawing/2014/main" id="{853D049B-D811-4E11-B8DF-4B291090D5B4}"/>
+                <a16:creationId xmlns:a16="http://schemas.microsoft.com/office/drawing/2014/main" xmlns="" id="{853D049B-D811-4E11-B8DF-4B291090D5B4}"/>
               </a:ext>
             </a:extLst>
           </p:cNvPr>
@@ -9476,7 +9490,7 @@
           <p:cNvPr id="6" name="矩形 5">
             <a:extLst>
               <a:ext uri="{FF2B5EF4-FFF2-40B4-BE49-F238E27FC236}">
-                <a16:creationId xmlns:a16="http://schemas.microsoft.com/office/drawing/2014/main" id="{2BF95329-9BF8-4E46-9099-2AF9AFCA0714}"/>
+                <a16:creationId xmlns:a16="http://schemas.microsoft.com/office/drawing/2014/main" xmlns="" id="{2BF95329-9BF8-4E46-9099-2AF9AFCA0714}"/>
               </a:ext>
             </a:extLst>
           </p:cNvPr>
@@ -9528,7 +9542,7 @@
           <p:cNvPr id="36" name="矩形 35">
             <a:extLst>
               <a:ext uri="{FF2B5EF4-FFF2-40B4-BE49-F238E27FC236}">
-                <a16:creationId xmlns:a16="http://schemas.microsoft.com/office/drawing/2014/main" id="{DDDD06C2-0A95-4B14-9E09-89CC4B302BB0}"/>
+                <a16:creationId xmlns:a16="http://schemas.microsoft.com/office/drawing/2014/main" xmlns="" id="{DDDD06C2-0A95-4B14-9E09-89CC4B302BB0}"/>
               </a:ext>
             </a:extLst>
           </p:cNvPr>
@@ -9576,7 +9590,7 @@
           <p:cNvPr id="41" name="矩形 40">
             <a:extLst>
               <a:ext uri="{FF2B5EF4-FFF2-40B4-BE49-F238E27FC236}">
-                <a16:creationId xmlns:a16="http://schemas.microsoft.com/office/drawing/2014/main" id="{9C3E59D9-4D54-4962-99AE-28713C1797AD}"/>
+                <a16:creationId xmlns:a16="http://schemas.microsoft.com/office/drawing/2014/main" xmlns="" id="{9C3E59D9-4D54-4962-99AE-28713C1797AD}"/>
               </a:ext>
             </a:extLst>
           </p:cNvPr>
@@ -9625,7 +9639,7 @@
           <p:cNvPr id="62" name="矩形 61">
             <a:extLst>
               <a:ext uri="{FF2B5EF4-FFF2-40B4-BE49-F238E27FC236}">
-                <a16:creationId xmlns:a16="http://schemas.microsoft.com/office/drawing/2014/main" id="{4557A165-85FE-4CC6-B235-B9C3D2906292}"/>
+                <a16:creationId xmlns:a16="http://schemas.microsoft.com/office/drawing/2014/main" xmlns="" id="{4557A165-85FE-4CC6-B235-B9C3D2906292}"/>
               </a:ext>
             </a:extLst>
           </p:cNvPr>
@@ -9677,7 +9691,7 @@
           <p:cNvPr id="63" name="矩形 62">
             <a:extLst>
               <a:ext uri="{FF2B5EF4-FFF2-40B4-BE49-F238E27FC236}">
-                <a16:creationId xmlns:a16="http://schemas.microsoft.com/office/drawing/2014/main" id="{DCED1CF3-02E4-407A-8884-FCB793328894}"/>
+                <a16:creationId xmlns:a16="http://schemas.microsoft.com/office/drawing/2014/main" xmlns="" id="{DCED1CF3-02E4-407A-8884-FCB793328894}"/>
               </a:ext>
             </a:extLst>
           </p:cNvPr>
@@ -9725,7 +9739,7 @@
           <p:cNvPr id="64" name="矩形 63">
             <a:extLst>
               <a:ext uri="{FF2B5EF4-FFF2-40B4-BE49-F238E27FC236}">
-                <a16:creationId xmlns:a16="http://schemas.microsoft.com/office/drawing/2014/main" id="{629F090B-35B3-44C9-8E41-3547F49F29ED}"/>
+                <a16:creationId xmlns:a16="http://schemas.microsoft.com/office/drawing/2014/main" xmlns="" id="{629F090B-35B3-44C9-8E41-3547F49F29ED}"/>
               </a:ext>
             </a:extLst>
           </p:cNvPr>
@@ -9774,7 +9788,7 @@
           <p:cNvPr id="65" name="矩形 64">
             <a:extLst>
               <a:ext uri="{FF2B5EF4-FFF2-40B4-BE49-F238E27FC236}">
-                <a16:creationId xmlns:a16="http://schemas.microsoft.com/office/drawing/2014/main" id="{8E9D5E73-FF53-49F4-81C9-63307E8DF7C8}"/>
+                <a16:creationId xmlns:a16="http://schemas.microsoft.com/office/drawing/2014/main" xmlns="" id="{8E9D5E73-FF53-49F4-81C9-63307E8DF7C8}"/>
               </a:ext>
             </a:extLst>
           </p:cNvPr>
@@ -9826,7 +9840,7 @@
           <p:cNvPr id="66" name="矩形 65">
             <a:extLst>
               <a:ext uri="{FF2B5EF4-FFF2-40B4-BE49-F238E27FC236}">
-                <a16:creationId xmlns:a16="http://schemas.microsoft.com/office/drawing/2014/main" id="{D83C1B47-D9F8-463A-B46A-5CDACDCC81F4}"/>
+                <a16:creationId xmlns:a16="http://schemas.microsoft.com/office/drawing/2014/main" xmlns="" id="{D83C1B47-D9F8-463A-B46A-5CDACDCC81F4}"/>
               </a:ext>
             </a:extLst>
           </p:cNvPr>
@@ -9904,7 +9918,7 @@
           <p:cNvPr id="10" name="矩形 9">
             <a:extLst>
               <a:ext uri="{FF2B5EF4-FFF2-40B4-BE49-F238E27FC236}">
-                <a16:creationId xmlns:a16="http://schemas.microsoft.com/office/drawing/2014/main" id="{27845620-1BD2-4CB4-A849-1D6F71C83D3D}"/>
+                <a16:creationId xmlns:a16="http://schemas.microsoft.com/office/drawing/2014/main" xmlns="" id="{27845620-1BD2-4CB4-A849-1D6F71C83D3D}"/>
               </a:ext>
             </a:extLst>
           </p:cNvPr>
@@ -9963,7 +9977,7 @@
           <p:cNvPr id="15" name="椭圆 14">
             <a:extLst>
               <a:ext uri="{FF2B5EF4-FFF2-40B4-BE49-F238E27FC236}">
-                <a16:creationId xmlns:a16="http://schemas.microsoft.com/office/drawing/2014/main" id="{84E5A175-3149-405F-9145-7535715A381B}"/>
+                <a16:creationId xmlns:a16="http://schemas.microsoft.com/office/drawing/2014/main" xmlns="" id="{84E5A175-3149-405F-9145-7535715A381B}"/>
               </a:ext>
             </a:extLst>
           </p:cNvPr>
@@ -10027,7 +10041,7 @@
           <p:cNvPr id="23" name="矩形 22">
             <a:extLst>
               <a:ext uri="{FF2B5EF4-FFF2-40B4-BE49-F238E27FC236}">
-                <a16:creationId xmlns:a16="http://schemas.microsoft.com/office/drawing/2014/main" id="{256BF839-5984-4814-99D1-E3F91C6B186D}"/>
+                <a16:creationId xmlns:a16="http://schemas.microsoft.com/office/drawing/2014/main" xmlns="" id="{256BF839-5984-4814-99D1-E3F91C6B186D}"/>
               </a:ext>
             </a:extLst>
           </p:cNvPr>
@@ -10072,7 +10086,7 @@
           <p:cNvPr id="30" name="矩形 29">
             <a:extLst>
               <a:ext uri="{FF2B5EF4-FFF2-40B4-BE49-F238E27FC236}">
-                <a16:creationId xmlns:a16="http://schemas.microsoft.com/office/drawing/2014/main" id="{108EDB90-29AC-41EE-8404-B98F5C9941E8}"/>
+                <a16:creationId xmlns:a16="http://schemas.microsoft.com/office/drawing/2014/main" xmlns="" id="{108EDB90-29AC-41EE-8404-B98F5C9941E8}"/>
               </a:ext>
             </a:extLst>
           </p:cNvPr>
@@ -10117,7 +10131,7 @@
           <p:cNvPr id="6" name="AutoShape 59">
             <a:extLst>
               <a:ext uri="{FF2B5EF4-FFF2-40B4-BE49-F238E27FC236}">
-                <a16:creationId xmlns:a16="http://schemas.microsoft.com/office/drawing/2014/main" id="{65296ADF-6826-4E74-AAC1-75AE73C7BE4D}"/>
+                <a16:creationId xmlns:a16="http://schemas.microsoft.com/office/drawing/2014/main" xmlns="" id="{65296ADF-6826-4E74-AAC1-75AE73C7BE4D}"/>
               </a:ext>
             </a:extLst>
           </p:cNvPr>
@@ -10375,7 +10389,7 @@
           <p:cNvPr id="23" name="图片 22">
             <a:extLst>
               <a:ext uri="{FF2B5EF4-FFF2-40B4-BE49-F238E27FC236}">
-                <a16:creationId xmlns:a16="http://schemas.microsoft.com/office/drawing/2014/main" id="{38200A38-7C1C-4B49-ACC0-4CFFD2730AC7}"/>
+                <a16:creationId xmlns:a16="http://schemas.microsoft.com/office/drawing/2014/main" xmlns="" id="{38200A38-7C1C-4B49-ACC0-4CFFD2730AC7}"/>
               </a:ext>
             </a:extLst>
           </p:cNvPr>
@@ -10411,7 +10425,7 @@
           <p:cNvPr id="3" name="矩形 2">
             <a:extLst>
               <a:ext uri="{FF2B5EF4-FFF2-40B4-BE49-F238E27FC236}">
-                <a16:creationId xmlns:a16="http://schemas.microsoft.com/office/drawing/2014/main" id="{B1EF227F-F971-46C4-8C83-D820A502B67B}"/>
+                <a16:creationId xmlns:a16="http://schemas.microsoft.com/office/drawing/2014/main" xmlns="" id="{B1EF227F-F971-46C4-8C83-D820A502B67B}"/>
               </a:ext>
             </a:extLst>
           </p:cNvPr>
@@ -10456,7 +10470,7 @@
           <p:cNvPr id="4" name="矩形 3">
             <a:extLst>
               <a:ext uri="{FF2B5EF4-FFF2-40B4-BE49-F238E27FC236}">
-                <a16:creationId xmlns:a16="http://schemas.microsoft.com/office/drawing/2014/main" id="{9E909954-10C8-4280-953E-B54B27A00653}"/>
+                <a16:creationId xmlns:a16="http://schemas.microsoft.com/office/drawing/2014/main" xmlns="" id="{9E909954-10C8-4280-953E-B54B27A00653}"/>
               </a:ext>
             </a:extLst>
           </p:cNvPr>
@@ -10501,7 +10515,7 @@
           <p:cNvPr id="5" name="椭圆 4">
             <a:extLst>
               <a:ext uri="{FF2B5EF4-FFF2-40B4-BE49-F238E27FC236}">
-                <a16:creationId xmlns:a16="http://schemas.microsoft.com/office/drawing/2014/main" id="{0BCF9059-DFCD-4124-B96A-B8AAC763B297}"/>
+                <a16:creationId xmlns:a16="http://schemas.microsoft.com/office/drawing/2014/main" xmlns="" id="{0BCF9059-DFCD-4124-B96A-B8AAC763B297}"/>
               </a:ext>
             </a:extLst>
           </p:cNvPr>
@@ -10565,7 +10579,7 @@
           <p:cNvPr id="6" name="椭圆 5">
             <a:extLst>
               <a:ext uri="{FF2B5EF4-FFF2-40B4-BE49-F238E27FC236}">
-                <a16:creationId xmlns:a16="http://schemas.microsoft.com/office/drawing/2014/main" id="{86688880-0542-4207-8A9B-98DDC0C850D9}"/>
+                <a16:creationId xmlns:a16="http://schemas.microsoft.com/office/drawing/2014/main" xmlns="" id="{86688880-0542-4207-8A9B-98DDC0C850D9}"/>
               </a:ext>
             </a:extLst>
           </p:cNvPr>
@@ -10629,7 +10643,7 @@
           <p:cNvPr id="7" name="椭圆 6">
             <a:extLst>
               <a:ext uri="{FF2B5EF4-FFF2-40B4-BE49-F238E27FC236}">
-                <a16:creationId xmlns:a16="http://schemas.microsoft.com/office/drawing/2014/main" id="{571F953D-40B0-4418-889E-104D28282010}"/>
+                <a16:creationId xmlns:a16="http://schemas.microsoft.com/office/drawing/2014/main" xmlns="" id="{571F953D-40B0-4418-889E-104D28282010}"/>
               </a:ext>
             </a:extLst>
           </p:cNvPr>
@@ -10693,7 +10707,7 @@
           <p:cNvPr id="8" name="椭圆 7">
             <a:extLst>
               <a:ext uri="{FF2B5EF4-FFF2-40B4-BE49-F238E27FC236}">
-                <a16:creationId xmlns:a16="http://schemas.microsoft.com/office/drawing/2014/main" id="{2EB6275A-F332-4F3A-A2C1-DD2BEACC4A45}"/>
+                <a16:creationId xmlns:a16="http://schemas.microsoft.com/office/drawing/2014/main" xmlns="" id="{2EB6275A-F332-4F3A-A2C1-DD2BEACC4A45}"/>
               </a:ext>
             </a:extLst>
           </p:cNvPr>
@@ -10757,7 +10771,7 @@
           <p:cNvPr id="9" name="矩形 8" descr="e7d195523061f1c09e9d68d7cf438b91ef959ecb14fc25d26BBA7F7DBC18E55DFF4014AF651F0BF2569D4B6C1DA7F1A4683A481403BD872FC687266AD13265C1DE7C373772FD8728ABDD69ADD03BFF5BE2862BC891DBB79E672B5B52FF6B6217AFCAC6C2F3A1232EB7C80E1512C57F8669BB536BD78BD12EE25DEB38FF9E499789FC704E5E78726B4D86793C4600AB41">
             <a:extLst>
               <a:ext uri="{FF2B5EF4-FFF2-40B4-BE49-F238E27FC236}">
-                <a16:creationId xmlns:a16="http://schemas.microsoft.com/office/drawing/2014/main" id="{8FED6F2E-B8A4-49B9-9689-D86A5F3D6816}"/>
+                <a16:creationId xmlns:a16="http://schemas.microsoft.com/office/drawing/2014/main" xmlns="" id="{8FED6F2E-B8A4-49B9-9689-D86A5F3D6816}"/>
               </a:ext>
             </a:extLst>
           </p:cNvPr>
@@ -10811,7 +10825,7 @@
           <p:cNvPr id="10" name="矩形 9" descr="e7d195523061f1c09e9d68d7cf438b91ef959ecb14fc25d26BBA7F7DBC18E55DFF4014AF651F0BF2569D4B6C1DA7F1A4683A481403BD872FC687266AD13265C1DE7C373772FD8728ABDD69ADD03BFF5BE2862BC891DBB79E672B5B52FF6B6217AFCAC6C2F3A1232EB7C80E1512C57F8669BB536BD78BD12EE25DEB38FF9E499789FC704E5E78726B4D86793C4600AB41">
             <a:extLst>
               <a:ext uri="{FF2B5EF4-FFF2-40B4-BE49-F238E27FC236}">
-                <a16:creationId xmlns:a16="http://schemas.microsoft.com/office/drawing/2014/main" id="{6A7B0D22-026C-494E-A479-70FC6AF63BD4}"/>
+                <a16:creationId xmlns:a16="http://schemas.microsoft.com/office/drawing/2014/main" xmlns="" id="{6A7B0D22-026C-494E-A479-70FC6AF63BD4}"/>
               </a:ext>
             </a:extLst>
           </p:cNvPr>
@@ -10865,7 +10879,7 @@
           <p:cNvPr id="11" name="矩形 10" descr="e7d195523061f1c09e9d68d7cf438b91ef959ecb14fc25d26BBA7F7DBC18E55DFF4014AF651F0BF2569D4B6C1DA7F1A4683A481403BD872FC687266AD13265C1DE7C373772FD8728ABDD69ADD03BFF5BE2862BC891DBB79E672B5B52FF6B6217AFCAC6C2F3A1232EB7C80E1512C57F8669BB536BD78BD12EE25DEB38FF9E499789FC704E5E78726B4D86793C4600AB41">
             <a:extLst>
               <a:ext uri="{FF2B5EF4-FFF2-40B4-BE49-F238E27FC236}">
-                <a16:creationId xmlns:a16="http://schemas.microsoft.com/office/drawing/2014/main" id="{55148554-5F5A-4463-B305-91F966962652}"/>
+                <a16:creationId xmlns:a16="http://schemas.microsoft.com/office/drawing/2014/main" xmlns="" id="{55148554-5F5A-4463-B305-91F966962652}"/>
               </a:ext>
             </a:extLst>
           </p:cNvPr>
@@ -10919,7 +10933,7 @@
           <p:cNvPr id="12" name="矩形 11" descr="e7d195523061f1c09e9d68d7cf438b91ef959ecb14fc25d26BBA7F7DBC18E55DFF4014AF651F0BF2569D4B6C1DA7F1A4683A481403BD872FC687266AD13265C1DE7C373772FD8728ABDD69ADD03BFF5BE2862BC891DBB79E672B5B52FF6B6217AFCAC6C2F3A1232EB7C80E1512C57F8669BB536BD78BD12EE25DEB38FF9E499789FC704E5E78726B4D86793C4600AB41">
             <a:extLst>
               <a:ext uri="{FF2B5EF4-FFF2-40B4-BE49-F238E27FC236}">
-                <a16:creationId xmlns:a16="http://schemas.microsoft.com/office/drawing/2014/main" id="{74945902-6D7E-44B6-9796-5A7772D5B3E0}"/>
+                <a16:creationId xmlns:a16="http://schemas.microsoft.com/office/drawing/2014/main" xmlns="" id="{74945902-6D7E-44B6-9796-5A7772D5B3E0}"/>
               </a:ext>
             </a:extLst>
           </p:cNvPr>
@@ -10973,7 +10987,7 @@
           <p:cNvPr id="13" name="Group 21">
             <a:extLst>
               <a:ext uri="{FF2B5EF4-FFF2-40B4-BE49-F238E27FC236}">
-                <a16:creationId xmlns:a16="http://schemas.microsoft.com/office/drawing/2014/main" id="{2D2844CE-D33D-40FA-9067-6ADCF32134CB}"/>
+                <a16:creationId xmlns:a16="http://schemas.microsoft.com/office/drawing/2014/main" xmlns="" id="{2D2844CE-D33D-40FA-9067-6ADCF32134CB}"/>
               </a:ext>
             </a:extLst>
           </p:cNvPr>
@@ -10998,7 +11012,7 @@
             <p:cNvPr id="14" name="Freeform 22">
               <a:extLst>
                 <a:ext uri="{FF2B5EF4-FFF2-40B4-BE49-F238E27FC236}">
-                  <a16:creationId xmlns:a16="http://schemas.microsoft.com/office/drawing/2014/main" id="{F6D9A4FC-03C9-4ACB-9184-1100E1DE3E6D}"/>
+                  <a16:creationId xmlns:a16="http://schemas.microsoft.com/office/drawing/2014/main" xmlns="" id="{F6D9A4FC-03C9-4ACB-9184-1100E1DE3E6D}"/>
                 </a:ext>
               </a:extLst>
             </p:cNvPr>
@@ -11142,7 +11156,7 @@
             <p:cNvPr id="15" name="Freeform 23">
               <a:extLst>
                 <a:ext uri="{FF2B5EF4-FFF2-40B4-BE49-F238E27FC236}">
-                  <a16:creationId xmlns:a16="http://schemas.microsoft.com/office/drawing/2014/main" id="{61A25A34-ECE0-4E65-9A3E-FC458F9CD972}"/>
+                  <a16:creationId xmlns:a16="http://schemas.microsoft.com/office/drawing/2014/main" xmlns="" id="{61A25A34-ECE0-4E65-9A3E-FC458F9CD972}"/>
                 </a:ext>
               </a:extLst>
             </p:cNvPr>
@@ -11517,7 +11531,7 @@
             <p:cNvPr id="16" name="Freeform 24">
               <a:extLst>
                 <a:ext uri="{FF2B5EF4-FFF2-40B4-BE49-F238E27FC236}">
-                  <a16:creationId xmlns:a16="http://schemas.microsoft.com/office/drawing/2014/main" id="{C8F4FA67-53E9-45EF-8B17-AB8C42F564F5}"/>
+                  <a16:creationId xmlns:a16="http://schemas.microsoft.com/office/drawing/2014/main" xmlns="" id="{C8F4FA67-53E9-45EF-8B17-AB8C42F564F5}"/>
                 </a:ext>
               </a:extLst>
             </p:cNvPr>
@@ -11893,7 +11907,7 @@
             <p:cNvPr id="17" name="Freeform 25">
               <a:extLst>
                 <a:ext uri="{FF2B5EF4-FFF2-40B4-BE49-F238E27FC236}">
-                  <a16:creationId xmlns:a16="http://schemas.microsoft.com/office/drawing/2014/main" id="{9B29321A-875E-4F5A-9FFE-826A78D267AB}"/>
+                  <a16:creationId xmlns:a16="http://schemas.microsoft.com/office/drawing/2014/main" xmlns="" id="{9B29321A-875E-4F5A-9FFE-826A78D267AB}"/>
                 </a:ext>
               </a:extLst>
             </p:cNvPr>
@@ -12131,7 +12145,7 @@
           <p:cNvPr id="18" name="Freeform 21">
             <a:extLst>
               <a:ext uri="{FF2B5EF4-FFF2-40B4-BE49-F238E27FC236}">
-                <a16:creationId xmlns:a16="http://schemas.microsoft.com/office/drawing/2014/main" id="{86FD6BE6-E832-4A70-857D-44E5A01C5DC1}"/>
+                <a16:creationId xmlns:a16="http://schemas.microsoft.com/office/drawing/2014/main" xmlns="" id="{86FD6BE6-E832-4A70-857D-44E5A01C5DC1}"/>
               </a:ext>
             </a:extLst>
           </p:cNvPr>
@@ -12729,7 +12743,7 @@
           <p:cNvPr id="19" name="Freeform 9">
             <a:extLst>
               <a:ext uri="{FF2B5EF4-FFF2-40B4-BE49-F238E27FC236}">
-                <a16:creationId xmlns:a16="http://schemas.microsoft.com/office/drawing/2014/main" id="{7A53962F-3837-4E00-AD41-FB87A0EBD497}"/>
+                <a16:creationId xmlns:a16="http://schemas.microsoft.com/office/drawing/2014/main" xmlns="" id="{7A53962F-3837-4E00-AD41-FB87A0EBD497}"/>
               </a:ext>
             </a:extLst>
           </p:cNvPr>
@@ -13070,7 +13084,7 @@
           <p:cNvPr id="20" name="Group 12">
             <a:extLst>
               <a:ext uri="{FF2B5EF4-FFF2-40B4-BE49-F238E27FC236}">
-                <a16:creationId xmlns:a16="http://schemas.microsoft.com/office/drawing/2014/main" id="{683318D5-7CEE-44D5-AE4C-A717B456833F}"/>
+                <a16:creationId xmlns:a16="http://schemas.microsoft.com/office/drawing/2014/main" xmlns="" id="{683318D5-7CEE-44D5-AE4C-A717B456833F}"/>
               </a:ext>
             </a:extLst>
           </p:cNvPr>
@@ -13095,7 +13109,7 @@
             <p:cNvPr id="21" name="Freeform 13">
               <a:extLst>
                 <a:ext uri="{FF2B5EF4-FFF2-40B4-BE49-F238E27FC236}">
-                  <a16:creationId xmlns:a16="http://schemas.microsoft.com/office/drawing/2014/main" id="{6DD9C2A9-DE1C-46A8-B62A-77F27535A761}"/>
+                  <a16:creationId xmlns:a16="http://schemas.microsoft.com/office/drawing/2014/main" xmlns="" id="{6DD9C2A9-DE1C-46A8-B62A-77F27535A761}"/>
                 </a:ext>
               </a:extLst>
             </p:cNvPr>
@@ -14027,7 +14041,7 @@
             <p:cNvPr id="22" name="Freeform 14">
               <a:extLst>
                 <a:ext uri="{FF2B5EF4-FFF2-40B4-BE49-F238E27FC236}">
-                  <a16:creationId xmlns:a16="http://schemas.microsoft.com/office/drawing/2014/main" id="{C841C056-4395-43ED-AA5A-59E67BC7CD61}"/>
+                  <a16:creationId xmlns:a16="http://schemas.microsoft.com/office/drawing/2014/main" xmlns="" id="{C841C056-4395-43ED-AA5A-59E67BC7CD61}"/>
                 </a:ext>
               </a:extLst>
             </p:cNvPr>
@@ -14187,7 +14201,7 @@
           <p:cNvPr id="31" name="组合 30">
             <a:extLst>
               <a:ext uri="{FF2B5EF4-FFF2-40B4-BE49-F238E27FC236}">
-                <a16:creationId xmlns:a16="http://schemas.microsoft.com/office/drawing/2014/main" id="{E4922C03-0E1C-47AC-925C-1518123F30FE}"/>
+                <a16:creationId xmlns:a16="http://schemas.microsoft.com/office/drawing/2014/main" xmlns="" id="{E4922C03-0E1C-47AC-925C-1518123F30FE}"/>
               </a:ext>
             </a:extLst>
           </p:cNvPr>
@@ -14207,7 +14221,7 @@
             <p:cNvPr id="32" name="椭圆 31">
               <a:extLst>
                 <a:ext uri="{FF2B5EF4-FFF2-40B4-BE49-F238E27FC236}">
-                  <a16:creationId xmlns:a16="http://schemas.microsoft.com/office/drawing/2014/main" id="{030DD17F-1363-4414-AA42-72B7211CEC38}"/>
+                  <a16:creationId xmlns:a16="http://schemas.microsoft.com/office/drawing/2014/main" xmlns="" id="{030DD17F-1363-4414-AA42-72B7211CEC38}"/>
                 </a:ext>
               </a:extLst>
             </p:cNvPr>
@@ -14300,7 +14314,7 @@
             <p:cNvPr id="33" name="组合 32">
               <a:extLst>
                 <a:ext uri="{FF2B5EF4-FFF2-40B4-BE49-F238E27FC236}">
-                  <a16:creationId xmlns:a16="http://schemas.microsoft.com/office/drawing/2014/main" id="{084345FC-9422-4E4C-B84D-4784040309A9}"/>
+                  <a16:creationId xmlns:a16="http://schemas.microsoft.com/office/drawing/2014/main" xmlns="" id="{084345FC-9422-4E4C-B84D-4784040309A9}"/>
                 </a:ext>
               </a:extLst>
             </p:cNvPr>
@@ -14323,7 +14337,7 @@
               <p:cNvPr id="34" name="AutoShape 43">
                 <a:extLst>
                   <a:ext uri="{FF2B5EF4-FFF2-40B4-BE49-F238E27FC236}">
-                    <a16:creationId xmlns:a16="http://schemas.microsoft.com/office/drawing/2014/main" id="{6BEF50D8-583A-44F7-AC5C-2B7E097C542C}"/>
+                    <a16:creationId xmlns:a16="http://schemas.microsoft.com/office/drawing/2014/main" xmlns="" id="{6BEF50D8-583A-44F7-AC5C-2B7E097C542C}"/>
                   </a:ext>
                 </a:extLst>
               </p:cNvPr>
@@ -14582,7 +14596,7 @@
               <p:cNvPr id="35" name="AutoShape 44">
                 <a:extLst>
                   <a:ext uri="{FF2B5EF4-FFF2-40B4-BE49-F238E27FC236}">
-                    <a16:creationId xmlns:a16="http://schemas.microsoft.com/office/drawing/2014/main" id="{1B5FB801-B6DE-4A2E-93D7-867691CCB1BE}"/>
+                    <a16:creationId xmlns:a16="http://schemas.microsoft.com/office/drawing/2014/main" xmlns="" id="{1B5FB801-B6DE-4A2E-93D7-867691CCB1BE}"/>
                   </a:ext>
                 </a:extLst>
               </p:cNvPr>
@@ -14713,7 +14727,7 @@
               <p:cNvPr id="36" name="AutoShape 45">
                 <a:extLst>
                   <a:ext uri="{FF2B5EF4-FFF2-40B4-BE49-F238E27FC236}">
-                    <a16:creationId xmlns:a16="http://schemas.microsoft.com/office/drawing/2014/main" id="{9B8D4ABD-004D-4FB7-A546-915F81B185D3}"/>
+                    <a16:creationId xmlns:a16="http://schemas.microsoft.com/office/drawing/2014/main" xmlns="" id="{9B8D4ABD-004D-4FB7-A546-915F81B185D3}"/>
                   </a:ext>
                 </a:extLst>
               </p:cNvPr>
@@ -14870,7 +14884,7 @@
           <p:cNvPr id="10" name="矩形 9">
             <a:extLst>
               <a:ext uri="{FF2B5EF4-FFF2-40B4-BE49-F238E27FC236}">
-                <a16:creationId xmlns:a16="http://schemas.microsoft.com/office/drawing/2014/main" id="{27845620-1BD2-4CB4-A849-1D6F71C83D3D}"/>
+                <a16:creationId xmlns:a16="http://schemas.microsoft.com/office/drawing/2014/main" xmlns="" id="{27845620-1BD2-4CB4-A849-1D6F71C83D3D}"/>
               </a:ext>
             </a:extLst>
           </p:cNvPr>
@@ -14929,7 +14943,7 @@
           <p:cNvPr id="15" name="椭圆 14">
             <a:extLst>
               <a:ext uri="{FF2B5EF4-FFF2-40B4-BE49-F238E27FC236}">
-                <a16:creationId xmlns:a16="http://schemas.microsoft.com/office/drawing/2014/main" id="{84E5A175-3149-405F-9145-7535715A381B}"/>
+                <a16:creationId xmlns:a16="http://schemas.microsoft.com/office/drawing/2014/main" xmlns="" id="{84E5A175-3149-405F-9145-7535715A381B}"/>
               </a:ext>
             </a:extLst>
           </p:cNvPr>
@@ -14993,7 +15007,7 @@
           <p:cNvPr id="23" name="矩形 22">
             <a:extLst>
               <a:ext uri="{FF2B5EF4-FFF2-40B4-BE49-F238E27FC236}">
-                <a16:creationId xmlns:a16="http://schemas.microsoft.com/office/drawing/2014/main" id="{256BF839-5984-4814-99D1-E3F91C6B186D}"/>
+                <a16:creationId xmlns:a16="http://schemas.microsoft.com/office/drawing/2014/main" xmlns="" id="{256BF839-5984-4814-99D1-E3F91C6B186D}"/>
               </a:ext>
             </a:extLst>
           </p:cNvPr>
@@ -15038,7 +15052,7 @@
           <p:cNvPr id="30" name="矩形 29">
             <a:extLst>
               <a:ext uri="{FF2B5EF4-FFF2-40B4-BE49-F238E27FC236}">
-                <a16:creationId xmlns:a16="http://schemas.microsoft.com/office/drawing/2014/main" id="{108EDB90-29AC-41EE-8404-B98F5C9941E8}"/>
+                <a16:creationId xmlns:a16="http://schemas.microsoft.com/office/drawing/2014/main" xmlns="" id="{108EDB90-29AC-41EE-8404-B98F5C9941E8}"/>
               </a:ext>
             </a:extLst>
           </p:cNvPr>
@@ -15083,7 +15097,7 @@
           <p:cNvPr id="6" name="AutoShape 59">
             <a:extLst>
               <a:ext uri="{FF2B5EF4-FFF2-40B4-BE49-F238E27FC236}">
-                <a16:creationId xmlns:a16="http://schemas.microsoft.com/office/drawing/2014/main" id="{65296ADF-6826-4E74-AAC1-75AE73C7BE4D}"/>
+                <a16:creationId xmlns:a16="http://schemas.microsoft.com/office/drawing/2014/main" xmlns="" id="{65296ADF-6826-4E74-AAC1-75AE73C7BE4D}"/>
               </a:ext>
             </a:extLst>
           </p:cNvPr>
@@ -15341,7 +15355,7 @@
           <p:cNvPr id="3" name="矩形 2">
             <a:extLst>
               <a:ext uri="{FF2B5EF4-FFF2-40B4-BE49-F238E27FC236}">
-                <a16:creationId xmlns:a16="http://schemas.microsoft.com/office/drawing/2014/main" id="{B1EF227F-F971-46C4-8C83-D820A502B67B}"/>
+                <a16:creationId xmlns:a16="http://schemas.microsoft.com/office/drawing/2014/main" xmlns="" id="{B1EF227F-F971-46C4-8C83-D820A502B67B}"/>
               </a:ext>
             </a:extLst>
           </p:cNvPr>
@@ -15386,7 +15400,7 @@
           <p:cNvPr id="4" name="矩形 3">
             <a:extLst>
               <a:ext uri="{FF2B5EF4-FFF2-40B4-BE49-F238E27FC236}">
-                <a16:creationId xmlns:a16="http://schemas.microsoft.com/office/drawing/2014/main" id="{9E909954-10C8-4280-953E-B54B27A00653}"/>
+                <a16:creationId xmlns:a16="http://schemas.microsoft.com/office/drawing/2014/main" xmlns="" id="{9E909954-10C8-4280-953E-B54B27A00653}"/>
               </a:ext>
             </a:extLst>
           </p:cNvPr>
@@ -15431,7 +15445,7 @@
           <p:cNvPr id="14" name="Freeform 11">
             <a:extLst>
               <a:ext uri="{FF2B5EF4-FFF2-40B4-BE49-F238E27FC236}">
-                <a16:creationId xmlns:a16="http://schemas.microsoft.com/office/drawing/2014/main" id="{76CCE28B-FAE8-4E45-B027-9AE0F6FDD740}"/>
+                <a16:creationId xmlns:a16="http://schemas.microsoft.com/office/drawing/2014/main" xmlns="" id="{76CCE28B-FAE8-4E45-B027-9AE0F6FDD740}"/>
               </a:ext>
             </a:extLst>
           </p:cNvPr>
@@ -15606,7 +15620,7 @@
           <p:cNvPr id="15" name="Freeform 12">
             <a:extLst>
               <a:ext uri="{FF2B5EF4-FFF2-40B4-BE49-F238E27FC236}">
-                <a16:creationId xmlns:a16="http://schemas.microsoft.com/office/drawing/2014/main" id="{5E97AAEC-9069-437C-ADA1-E758369A72D8}"/>
+                <a16:creationId xmlns:a16="http://schemas.microsoft.com/office/drawing/2014/main" xmlns="" id="{5E97AAEC-9069-437C-ADA1-E758369A72D8}"/>
               </a:ext>
             </a:extLst>
           </p:cNvPr>
@@ -15781,7 +15795,7 @@
           <p:cNvPr id="16" name="Freeform 13">
             <a:extLst>
               <a:ext uri="{FF2B5EF4-FFF2-40B4-BE49-F238E27FC236}">
-                <a16:creationId xmlns:a16="http://schemas.microsoft.com/office/drawing/2014/main" id="{CE8F69A0-1FF3-485C-B278-BD033048388F}"/>
+                <a16:creationId xmlns:a16="http://schemas.microsoft.com/office/drawing/2014/main" xmlns="" id="{CE8F69A0-1FF3-485C-B278-BD033048388F}"/>
               </a:ext>
             </a:extLst>
           </p:cNvPr>
@@ -15956,7 +15970,7 @@
           <p:cNvPr id="17" name="Freeform 14">
             <a:extLst>
               <a:ext uri="{FF2B5EF4-FFF2-40B4-BE49-F238E27FC236}">
-                <a16:creationId xmlns:a16="http://schemas.microsoft.com/office/drawing/2014/main" id="{C84D7587-7375-4AF9-92DE-AD9CF6E3DE57}"/>
+                <a16:creationId xmlns:a16="http://schemas.microsoft.com/office/drawing/2014/main" xmlns="" id="{C84D7587-7375-4AF9-92DE-AD9CF6E3DE57}"/>
               </a:ext>
             </a:extLst>
           </p:cNvPr>
@@ -16131,7 +16145,7 @@
           <p:cNvPr id="19" name="矩形 18">
             <a:extLst>
               <a:ext uri="{FF2B5EF4-FFF2-40B4-BE49-F238E27FC236}">
-                <a16:creationId xmlns:a16="http://schemas.microsoft.com/office/drawing/2014/main" id="{C237959A-D7AD-41A7-A218-E549BB189D7E}"/>
+                <a16:creationId xmlns:a16="http://schemas.microsoft.com/office/drawing/2014/main" xmlns="" id="{C237959A-D7AD-41A7-A218-E549BB189D7E}"/>
               </a:ext>
             </a:extLst>
           </p:cNvPr>
@@ -16183,7 +16197,7 @@
           <p:cNvPr id="20" name="矩形 19">
             <a:extLst>
               <a:ext uri="{FF2B5EF4-FFF2-40B4-BE49-F238E27FC236}">
-                <a16:creationId xmlns:a16="http://schemas.microsoft.com/office/drawing/2014/main" id="{8CE6AFD7-581C-4CD9-A78D-1F9FC6FE4AA5}"/>
+                <a16:creationId xmlns:a16="http://schemas.microsoft.com/office/drawing/2014/main" xmlns="" id="{8CE6AFD7-581C-4CD9-A78D-1F9FC6FE4AA5}"/>
               </a:ext>
             </a:extLst>
           </p:cNvPr>
@@ -16235,7 +16249,7 @@
           <p:cNvPr id="21" name="矩形 20">
             <a:extLst>
               <a:ext uri="{FF2B5EF4-FFF2-40B4-BE49-F238E27FC236}">
-                <a16:creationId xmlns:a16="http://schemas.microsoft.com/office/drawing/2014/main" id="{ACB21E63-CDFF-451B-A815-DDF76A11D637}"/>
+                <a16:creationId xmlns:a16="http://schemas.microsoft.com/office/drawing/2014/main" xmlns="" id="{ACB21E63-CDFF-451B-A815-DDF76A11D637}"/>
               </a:ext>
             </a:extLst>
           </p:cNvPr>
@@ -16287,7 +16301,7 @@
           <p:cNvPr id="22" name="矩形 21">
             <a:extLst>
               <a:ext uri="{FF2B5EF4-FFF2-40B4-BE49-F238E27FC236}">
-                <a16:creationId xmlns:a16="http://schemas.microsoft.com/office/drawing/2014/main" id="{A22B6194-A170-463B-B6FA-7DDCBE954616}"/>
+                <a16:creationId xmlns:a16="http://schemas.microsoft.com/office/drawing/2014/main" xmlns="" id="{A22B6194-A170-463B-B6FA-7DDCBE954616}"/>
               </a:ext>
             </a:extLst>
           </p:cNvPr>
@@ -16339,7 +16353,7 @@
           <p:cNvPr id="23" name="矩形 22" descr="e7d195523061f1c09e9d68d7cf438b91ef959ecb14fc25d26BBA7F7DBC18E55DFF4014AF651F0BF2569D4B6C1DA7F1A4683A481403BD872FC687266AD13265C1DE7C373772FD8728ABDD69ADD03BFF5BE2862BC891DBB79E672B5B52FF6B6217AFCAC6C2F3A1232EB7C80E1512C57F8669BB536BD78BD12EE25DEB38FF9E499789FC704E5E78726B4D86793C4600AB41">
             <a:extLst>
               <a:ext uri="{FF2B5EF4-FFF2-40B4-BE49-F238E27FC236}">
-                <a16:creationId xmlns:a16="http://schemas.microsoft.com/office/drawing/2014/main" id="{209A3912-92EB-4CA8-8745-1148298E2830}"/>
+                <a16:creationId xmlns:a16="http://schemas.microsoft.com/office/drawing/2014/main" xmlns="" id="{209A3912-92EB-4CA8-8745-1148298E2830}"/>
               </a:ext>
             </a:extLst>
           </p:cNvPr>
@@ -16393,7 +16407,7 @@
           <p:cNvPr id="24" name="矩形 23" descr="e7d195523061f1c09e9d68d7cf438b91ef959ecb14fc25d26BBA7F7DBC18E55DFF4014AF651F0BF2569D4B6C1DA7F1A4683A481403BD872FC687266AD13265C1DE7C373772FD8728ABDD69ADD03BFF5BE2862BC891DBB79E672B5B52FF6B6217AFCAC6C2F3A1232EB7C80E1512C57F8669BB536BD78BD12EE25DEB38FF9E499789FC704E5E78726B4D86793C4600AB41">
             <a:extLst>
               <a:ext uri="{FF2B5EF4-FFF2-40B4-BE49-F238E27FC236}">
-                <a16:creationId xmlns:a16="http://schemas.microsoft.com/office/drawing/2014/main" id="{16104896-CC54-4287-BC6F-037ACD09CF7F}"/>
+                <a16:creationId xmlns:a16="http://schemas.microsoft.com/office/drawing/2014/main" xmlns="" id="{16104896-CC54-4287-BC6F-037ACD09CF7F}"/>
               </a:ext>
             </a:extLst>
           </p:cNvPr>
@@ -16447,7 +16461,7 @@
           <p:cNvPr id="25" name="矩形 24" descr="e7d195523061f1c09e9d68d7cf438b91ef959ecb14fc25d26BBA7F7DBC18E55DFF4014AF651F0BF2569D4B6C1DA7F1A4683A481403BD872FC687266AD13265C1DE7C373772FD8728ABDD69ADD03BFF5BE2862BC891DBB79E672B5B52FF6B6217AFCAC6C2F3A1232EB7C80E1512C57F8669BB536BD78BD12EE25DEB38FF9E499789FC704E5E78726B4D86793C4600AB41">
             <a:extLst>
               <a:ext uri="{FF2B5EF4-FFF2-40B4-BE49-F238E27FC236}">
-                <a16:creationId xmlns:a16="http://schemas.microsoft.com/office/drawing/2014/main" id="{12606651-715A-4752-AC34-42408296CB2C}"/>
+                <a16:creationId xmlns:a16="http://schemas.microsoft.com/office/drawing/2014/main" xmlns="" id="{12606651-715A-4752-AC34-42408296CB2C}"/>
               </a:ext>
             </a:extLst>
           </p:cNvPr>
@@ -16501,7 +16515,7 @@
           <p:cNvPr id="26" name="矩形 25" descr="e7d195523061f1c09e9d68d7cf438b91ef959ecb14fc25d26BBA7F7DBC18E55DFF4014AF651F0BF2569D4B6C1DA7F1A4683A481403BD872FC687266AD13265C1DE7C373772FD8728ABDD69ADD03BFF5BE2862BC891DBB79E672B5B52FF6B6217AFCAC6C2F3A1232EB7C80E1512C57F8669BB536BD78BD12EE25DEB38FF9E499789FC704E5E78726B4D86793C4600AB41">
             <a:extLst>
               <a:ext uri="{FF2B5EF4-FFF2-40B4-BE49-F238E27FC236}">
-                <a16:creationId xmlns:a16="http://schemas.microsoft.com/office/drawing/2014/main" id="{ADB81C40-7FDD-427A-93E5-22D0D84A36E9}"/>
+                <a16:creationId xmlns:a16="http://schemas.microsoft.com/office/drawing/2014/main" xmlns="" id="{ADB81C40-7FDD-427A-93E5-22D0D84A36E9}"/>
               </a:ext>
             </a:extLst>
           </p:cNvPr>
@@ -16585,7 +16599,7 @@
           <p:cNvPr id="10" name="矩形 9">
             <a:extLst>
               <a:ext uri="{FF2B5EF4-FFF2-40B4-BE49-F238E27FC236}">
-                <a16:creationId xmlns:a16="http://schemas.microsoft.com/office/drawing/2014/main" id="{27845620-1BD2-4CB4-A849-1D6F71C83D3D}"/>
+                <a16:creationId xmlns:a16="http://schemas.microsoft.com/office/drawing/2014/main" xmlns="" id="{27845620-1BD2-4CB4-A849-1D6F71C83D3D}"/>
               </a:ext>
             </a:extLst>
           </p:cNvPr>
@@ -16673,7 +16687,7 @@
           <p:cNvPr id="11" name="文本框 10">
             <a:extLst>
               <a:ext uri="{FF2B5EF4-FFF2-40B4-BE49-F238E27FC236}">
-                <a16:creationId xmlns:a16="http://schemas.microsoft.com/office/drawing/2014/main" id="{F308687F-5083-4900-B884-1ED108CE6C82}"/>
+                <a16:creationId xmlns:a16="http://schemas.microsoft.com/office/drawing/2014/main" xmlns="" id="{F308687F-5083-4900-B884-1ED108CE6C82}"/>
               </a:ext>
             </a:extLst>
           </p:cNvPr>
@@ -16713,7 +16727,7 @@
           <p:cNvPr id="14" name="直接连接符 13">
             <a:extLst>
               <a:ext uri="{FF2B5EF4-FFF2-40B4-BE49-F238E27FC236}">
-                <a16:creationId xmlns:a16="http://schemas.microsoft.com/office/drawing/2014/main" id="{CF3A8B31-6E44-4C33-990E-9C86ACE33E11}"/>
+                <a16:creationId xmlns:a16="http://schemas.microsoft.com/office/drawing/2014/main" xmlns="" id="{CF3A8B31-6E44-4C33-990E-9C86ACE33E11}"/>
               </a:ext>
             </a:extLst>
           </p:cNvPr>
@@ -16754,7 +16768,7 @@
           <p:cNvPr id="27" name="组合 26">
             <a:extLst>
               <a:ext uri="{FF2B5EF4-FFF2-40B4-BE49-F238E27FC236}">
-                <a16:creationId xmlns:a16="http://schemas.microsoft.com/office/drawing/2014/main" id="{83952E80-526F-44CB-8C16-C6E50D239736}"/>
+                <a16:creationId xmlns:a16="http://schemas.microsoft.com/office/drawing/2014/main" xmlns="" id="{83952E80-526F-44CB-8C16-C6E50D239736}"/>
               </a:ext>
             </a:extLst>
           </p:cNvPr>
@@ -16774,7 +16788,7 @@
             <p:cNvPr id="15" name="椭圆 14">
               <a:extLst>
                 <a:ext uri="{FF2B5EF4-FFF2-40B4-BE49-F238E27FC236}">
-                  <a16:creationId xmlns:a16="http://schemas.microsoft.com/office/drawing/2014/main" id="{84E5A175-3149-405F-9145-7535715A381B}"/>
+                  <a16:creationId xmlns:a16="http://schemas.microsoft.com/office/drawing/2014/main" xmlns="" id="{84E5A175-3149-405F-9145-7535715A381B}"/>
                 </a:ext>
               </a:extLst>
             </p:cNvPr>
@@ -16867,7 +16881,7 @@
             <p:cNvPr id="16" name="组合 15">
               <a:extLst>
                 <a:ext uri="{FF2B5EF4-FFF2-40B4-BE49-F238E27FC236}">
-                  <a16:creationId xmlns:a16="http://schemas.microsoft.com/office/drawing/2014/main" id="{9E5B9E45-F93C-4A06-BA66-41DF7365FA50}"/>
+                  <a16:creationId xmlns:a16="http://schemas.microsoft.com/office/drawing/2014/main" xmlns="" id="{9E5B9E45-F93C-4A06-BA66-41DF7365FA50}"/>
                 </a:ext>
               </a:extLst>
             </p:cNvPr>
@@ -16890,7 +16904,7 @@
               <p:cNvPr id="17" name="AutoShape 43">
                 <a:extLst>
                   <a:ext uri="{FF2B5EF4-FFF2-40B4-BE49-F238E27FC236}">
-                    <a16:creationId xmlns:a16="http://schemas.microsoft.com/office/drawing/2014/main" id="{96F486C0-B983-41F9-81CB-6C1B1A8DC566}"/>
+                    <a16:creationId xmlns:a16="http://schemas.microsoft.com/office/drawing/2014/main" xmlns="" id="{96F486C0-B983-41F9-81CB-6C1B1A8DC566}"/>
                   </a:ext>
                 </a:extLst>
               </p:cNvPr>
@@ -17149,7 +17163,7 @@
               <p:cNvPr id="18" name="AutoShape 44">
                 <a:extLst>
                   <a:ext uri="{FF2B5EF4-FFF2-40B4-BE49-F238E27FC236}">
-                    <a16:creationId xmlns:a16="http://schemas.microsoft.com/office/drawing/2014/main" id="{BF50BDB9-1337-4389-911A-562AACE0FBF2}"/>
+                    <a16:creationId xmlns:a16="http://schemas.microsoft.com/office/drawing/2014/main" xmlns="" id="{BF50BDB9-1337-4389-911A-562AACE0FBF2}"/>
                   </a:ext>
                 </a:extLst>
               </p:cNvPr>
@@ -17280,7 +17294,7 @@
               <p:cNvPr id="19" name="AutoShape 45">
                 <a:extLst>
                   <a:ext uri="{FF2B5EF4-FFF2-40B4-BE49-F238E27FC236}">
-                    <a16:creationId xmlns:a16="http://schemas.microsoft.com/office/drawing/2014/main" id="{1A5323F7-E69F-4BEF-A706-7DF4426CACEB}"/>
+                    <a16:creationId xmlns:a16="http://schemas.microsoft.com/office/drawing/2014/main" xmlns="" id="{1A5323F7-E69F-4BEF-A706-7DF4426CACEB}"/>
                   </a:ext>
                 </a:extLst>
               </p:cNvPr>
@@ -17407,7 +17421,7 @@
           <p:cNvPr id="20" name="文本框 19">
             <a:extLst>
               <a:ext uri="{FF2B5EF4-FFF2-40B4-BE49-F238E27FC236}">
-                <a16:creationId xmlns:a16="http://schemas.microsoft.com/office/drawing/2014/main" id="{81315CB3-1490-479A-880F-0D1C623254E2}"/>
+                <a16:creationId xmlns:a16="http://schemas.microsoft.com/office/drawing/2014/main" xmlns="" id="{81315CB3-1490-479A-880F-0D1C623254E2}"/>
               </a:ext>
             </a:extLst>
           </p:cNvPr>
@@ -17495,7 +17509,7 @@
           <p:cNvPr id="22" name="文本框 21">
             <a:extLst>
               <a:ext uri="{FF2B5EF4-FFF2-40B4-BE49-F238E27FC236}">
-                <a16:creationId xmlns:a16="http://schemas.microsoft.com/office/drawing/2014/main" id="{695E45D2-4F7B-4220-B1CA-9BBB51D684F4}"/>
+                <a16:creationId xmlns:a16="http://schemas.microsoft.com/office/drawing/2014/main" xmlns="" id="{695E45D2-4F7B-4220-B1CA-9BBB51D684F4}"/>
               </a:ext>
             </a:extLst>
           </p:cNvPr>
@@ -17594,7 +17608,7 @@
           <p:cNvPr id="26" name="文本框 25">
             <a:extLst>
               <a:ext uri="{FF2B5EF4-FFF2-40B4-BE49-F238E27FC236}">
-                <a16:creationId xmlns:a16="http://schemas.microsoft.com/office/drawing/2014/main" id="{E44EA276-324F-46D1-84EF-132808518A55}"/>
+                <a16:creationId xmlns:a16="http://schemas.microsoft.com/office/drawing/2014/main" xmlns="" id="{E44EA276-324F-46D1-84EF-132808518A55}"/>
               </a:ext>
             </a:extLst>
           </p:cNvPr>
@@ -17665,7 +17679,7 @@
           <p:cNvPr id="2" name="文本框 1">
             <a:extLst>
               <a:ext uri="{FF2B5EF4-FFF2-40B4-BE49-F238E27FC236}">
-                <a16:creationId xmlns:a16="http://schemas.microsoft.com/office/drawing/2014/main" id="{4DDA22EB-20CE-408C-85B4-8B6AF0706B36}"/>
+                <a16:creationId xmlns:a16="http://schemas.microsoft.com/office/drawing/2014/main" xmlns="" id="{4DDA22EB-20CE-408C-85B4-8B6AF0706B36}"/>
               </a:ext>
             </a:extLst>
           </p:cNvPr>
@@ -17704,7 +17718,7 @@
           <p:cNvPr id="4" name="直接连接符 3">
             <a:extLst>
               <a:ext uri="{FF2B5EF4-FFF2-40B4-BE49-F238E27FC236}">
-                <a16:creationId xmlns:a16="http://schemas.microsoft.com/office/drawing/2014/main" id="{F0A0F34D-04C9-4B6F-9537-C4B94B15C82E}"/>
+                <a16:creationId xmlns:a16="http://schemas.microsoft.com/office/drawing/2014/main" xmlns="" id="{F0A0F34D-04C9-4B6F-9537-C4B94B15C82E}"/>
               </a:ext>
             </a:extLst>
           </p:cNvPr>
@@ -17745,7 +17759,7 @@
           <p:cNvPr id="5" name="文本框 4">
             <a:extLst>
               <a:ext uri="{FF2B5EF4-FFF2-40B4-BE49-F238E27FC236}">
-                <a16:creationId xmlns:a16="http://schemas.microsoft.com/office/drawing/2014/main" id="{DA28BF9B-EF97-4747-AD9D-72C93554A059}"/>
+                <a16:creationId xmlns:a16="http://schemas.microsoft.com/office/drawing/2014/main" xmlns="" id="{DA28BF9B-EF97-4747-AD9D-72C93554A059}"/>
               </a:ext>
             </a:extLst>
           </p:cNvPr>
@@ -17791,7 +17805,7 @@
           <p:cNvPr id="6" name="椭圆 5">
             <a:extLst>
               <a:ext uri="{FF2B5EF4-FFF2-40B4-BE49-F238E27FC236}">
-                <a16:creationId xmlns:a16="http://schemas.microsoft.com/office/drawing/2014/main" id="{4CB3FFBD-331E-42F6-83E7-4E7290D02507}"/>
+                <a16:creationId xmlns:a16="http://schemas.microsoft.com/office/drawing/2014/main" xmlns="" id="{4CB3FFBD-331E-42F6-83E7-4E7290D02507}"/>
               </a:ext>
             </a:extLst>
           </p:cNvPr>
@@ -17855,7 +17869,7 @@
           <p:cNvPr id="7" name="矩形 6">
             <a:extLst>
               <a:ext uri="{FF2B5EF4-FFF2-40B4-BE49-F238E27FC236}">
-                <a16:creationId xmlns:a16="http://schemas.microsoft.com/office/drawing/2014/main" id="{B697FF0D-B812-4518-824F-8AF2AC26DB85}"/>
+                <a16:creationId xmlns:a16="http://schemas.microsoft.com/office/drawing/2014/main" xmlns="" id="{B697FF0D-B812-4518-824F-8AF2AC26DB85}"/>
               </a:ext>
             </a:extLst>
           </p:cNvPr>
@@ -17907,7 +17921,7 @@
           <p:cNvPr id="8" name="椭圆 7">
             <a:extLst>
               <a:ext uri="{FF2B5EF4-FFF2-40B4-BE49-F238E27FC236}">
-                <a16:creationId xmlns:a16="http://schemas.microsoft.com/office/drawing/2014/main" id="{61AD739D-6B1B-41EA-8079-419F27465730}"/>
+                <a16:creationId xmlns:a16="http://schemas.microsoft.com/office/drawing/2014/main" xmlns="" id="{61AD739D-6B1B-41EA-8079-419F27465730}"/>
               </a:ext>
             </a:extLst>
           </p:cNvPr>
@@ -17971,7 +17985,7 @@
           <p:cNvPr id="9" name="矩形 8">
             <a:extLst>
               <a:ext uri="{FF2B5EF4-FFF2-40B4-BE49-F238E27FC236}">
-                <a16:creationId xmlns:a16="http://schemas.microsoft.com/office/drawing/2014/main" id="{5E39C0C3-772E-4B36-B074-9A7345360EAE}"/>
+                <a16:creationId xmlns:a16="http://schemas.microsoft.com/office/drawing/2014/main" xmlns="" id="{5E39C0C3-772E-4B36-B074-9A7345360EAE}"/>
               </a:ext>
             </a:extLst>
           </p:cNvPr>
@@ -18024,7 +18038,7 @@
           <p:cNvPr id="10" name="椭圆 9">
             <a:extLst>
               <a:ext uri="{FF2B5EF4-FFF2-40B4-BE49-F238E27FC236}">
-                <a16:creationId xmlns:a16="http://schemas.microsoft.com/office/drawing/2014/main" id="{F45FF37A-03C7-4681-8C7A-BB81B7A4E0AF}"/>
+                <a16:creationId xmlns:a16="http://schemas.microsoft.com/office/drawing/2014/main" xmlns="" id="{F45FF37A-03C7-4681-8C7A-BB81B7A4E0AF}"/>
               </a:ext>
             </a:extLst>
           </p:cNvPr>
@@ -18088,7 +18102,7 @@
           <p:cNvPr id="11" name="矩形 10">
             <a:extLst>
               <a:ext uri="{FF2B5EF4-FFF2-40B4-BE49-F238E27FC236}">
-                <a16:creationId xmlns:a16="http://schemas.microsoft.com/office/drawing/2014/main" id="{2F5E705C-613F-431D-9818-5CD0BE8539EB}"/>
+                <a16:creationId xmlns:a16="http://schemas.microsoft.com/office/drawing/2014/main" xmlns="" id="{2F5E705C-613F-431D-9818-5CD0BE8539EB}"/>
               </a:ext>
             </a:extLst>
           </p:cNvPr>
@@ -18141,7 +18155,7 @@
           <p:cNvPr id="12" name="椭圆 11">
             <a:extLst>
               <a:ext uri="{FF2B5EF4-FFF2-40B4-BE49-F238E27FC236}">
-                <a16:creationId xmlns:a16="http://schemas.microsoft.com/office/drawing/2014/main" id="{BA9CD052-A7F1-4058-8F7A-03A277ACB590}"/>
+                <a16:creationId xmlns:a16="http://schemas.microsoft.com/office/drawing/2014/main" xmlns="" id="{BA9CD052-A7F1-4058-8F7A-03A277ACB590}"/>
               </a:ext>
             </a:extLst>
           </p:cNvPr>
@@ -18205,7 +18219,7 @@
           <p:cNvPr id="13" name="矩形 12">
             <a:extLst>
               <a:ext uri="{FF2B5EF4-FFF2-40B4-BE49-F238E27FC236}">
-                <a16:creationId xmlns:a16="http://schemas.microsoft.com/office/drawing/2014/main" id="{F09E2613-AA62-40E9-A789-F6A2C1BFA7CA}"/>
+                <a16:creationId xmlns:a16="http://schemas.microsoft.com/office/drawing/2014/main" xmlns="" id="{F09E2613-AA62-40E9-A789-F6A2C1BFA7CA}"/>
               </a:ext>
             </a:extLst>
           </p:cNvPr>
@@ -18258,7 +18272,7 @@
           <p:cNvPr id="14" name="椭圆 13">
             <a:extLst>
               <a:ext uri="{FF2B5EF4-FFF2-40B4-BE49-F238E27FC236}">
-                <a16:creationId xmlns:a16="http://schemas.microsoft.com/office/drawing/2014/main" id="{320AB2B9-C84D-4831-B7F4-B6979398F0C3}"/>
+                <a16:creationId xmlns:a16="http://schemas.microsoft.com/office/drawing/2014/main" xmlns="" id="{320AB2B9-C84D-4831-B7F4-B6979398F0C3}"/>
               </a:ext>
             </a:extLst>
           </p:cNvPr>
@@ -18322,7 +18336,7 @@
           <p:cNvPr id="15" name="矩形 14">
             <a:extLst>
               <a:ext uri="{FF2B5EF4-FFF2-40B4-BE49-F238E27FC236}">
-                <a16:creationId xmlns:a16="http://schemas.microsoft.com/office/drawing/2014/main" id="{923BB013-6740-498D-8F30-E109BBBB1D3F}"/>
+                <a16:creationId xmlns:a16="http://schemas.microsoft.com/office/drawing/2014/main" xmlns="" id="{923BB013-6740-498D-8F30-E109BBBB1D3F}"/>
               </a:ext>
             </a:extLst>
           </p:cNvPr>
@@ -18375,7 +18389,7 @@
           <p:cNvPr id="16" name="文本框 15">
             <a:extLst>
               <a:ext uri="{FF2B5EF4-FFF2-40B4-BE49-F238E27FC236}">
-                <a16:creationId xmlns:a16="http://schemas.microsoft.com/office/drawing/2014/main" id="{35B809C4-5FEA-410E-B945-C8E99E3168E7}"/>
+                <a16:creationId xmlns:a16="http://schemas.microsoft.com/office/drawing/2014/main" xmlns="" id="{35B809C4-5FEA-410E-B945-C8E99E3168E7}"/>
               </a:ext>
             </a:extLst>
           </p:cNvPr>
@@ -18422,7 +18436,7 @@
           <p:cNvPr id="17" name="文本框 16">
             <a:extLst>
               <a:ext uri="{FF2B5EF4-FFF2-40B4-BE49-F238E27FC236}">
-                <a16:creationId xmlns:a16="http://schemas.microsoft.com/office/drawing/2014/main" id="{F75C41DC-A784-4EED-9C7A-DDA83A9D9C79}"/>
+                <a16:creationId xmlns:a16="http://schemas.microsoft.com/office/drawing/2014/main" xmlns="" id="{F75C41DC-A784-4EED-9C7A-DDA83A9D9C79}"/>
               </a:ext>
             </a:extLst>
           </p:cNvPr>
@@ -18469,7 +18483,7 @@
           <p:cNvPr id="18" name="文本框 17">
             <a:extLst>
               <a:ext uri="{FF2B5EF4-FFF2-40B4-BE49-F238E27FC236}">
-                <a16:creationId xmlns:a16="http://schemas.microsoft.com/office/drawing/2014/main" id="{24B8F62E-2895-474D-8436-CCA11BEA2F3F}"/>
+                <a16:creationId xmlns:a16="http://schemas.microsoft.com/office/drawing/2014/main" xmlns="" id="{24B8F62E-2895-474D-8436-CCA11BEA2F3F}"/>
               </a:ext>
             </a:extLst>
           </p:cNvPr>
@@ -18516,7 +18530,7 @@
           <p:cNvPr id="19" name="文本框 18">
             <a:extLst>
               <a:ext uri="{FF2B5EF4-FFF2-40B4-BE49-F238E27FC236}">
-                <a16:creationId xmlns:a16="http://schemas.microsoft.com/office/drawing/2014/main" id="{FE2226A0-E0FA-4B03-98BB-815BDC71D906}"/>
+                <a16:creationId xmlns:a16="http://schemas.microsoft.com/office/drawing/2014/main" xmlns="" id="{FE2226A0-E0FA-4B03-98BB-815BDC71D906}"/>
               </a:ext>
             </a:extLst>
           </p:cNvPr>
@@ -18563,7 +18577,7 @@
           <p:cNvPr id="21" name="文本框 20">
             <a:extLst>
               <a:ext uri="{FF2B5EF4-FFF2-40B4-BE49-F238E27FC236}">
-                <a16:creationId xmlns:a16="http://schemas.microsoft.com/office/drawing/2014/main" id="{4F12D664-4B09-4167-AF76-AAE290FDA9DB}"/>
+                <a16:creationId xmlns:a16="http://schemas.microsoft.com/office/drawing/2014/main" xmlns="" id="{4F12D664-4B09-4167-AF76-AAE290FDA9DB}"/>
               </a:ext>
             </a:extLst>
           </p:cNvPr>
@@ -18640,7 +18654,7 @@
           <p:cNvPr id="10" name="矩形 9">
             <a:extLst>
               <a:ext uri="{FF2B5EF4-FFF2-40B4-BE49-F238E27FC236}">
-                <a16:creationId xmlns:a16="http://schemas.microsoft.com/office/drawing/2014/main" id="{27845620-1BD2-4CB4-A849-1D6F71C83D3D}"/>
+                <a16:creationId xmlns:a16="http://schemas.microsoft.com/office/drawing/2014/main" xmlns="" id="{27845620-1BD2-4CB4-A849-1D6F71C83D3D}"/>
               </a:ext>
             </a:extLst>
           </p:cNvPr>
@@ -18699,7 +18713,7 @@
           <p:cNvPr id="15" name="椭圆 14">
             <a:extLst>
               <a:ext uri="{FF2B5EF4-FFF2-40B4-BE49-F238E27FC236}">
-                <a16:creationId xmlns:a16="http://schemas.microsoft.com/office/drawing/2014/main" id="{84E5A175-3149-405F-9145-7535715A381B}"/>
+                <a16:creationId xmlns:a16="http://schemas.microsoft.com/office/drawing/2014/main" xmlns="" id="{84E5A175-3149-405F-9145-7535715A381B}"/>
               </a:ext>
             </a:extLst>
           </p:cNvPr>
@@ -18763,7 +18777,7 @@
           <p:cNvPr id="23" name="矩形 22">
             <a:extLst>
               <a:ext uri="{FF2B5EF4-FFF2-40B4-BE49-F238E27FC236}">
-                <a16:creationId xmlns:a16="http://schemas.microsoft.com/office/drawing/2014/main" id="{256BF839-5984-4814-99D1-E3F91C6B186D}"/>
+                <a16:creationId xmlns:a16="http://schemas.microsoft.com/office/drawing/2014/main" xmlns="" id="{256BF839-5984-4814-99D1-E3F91C6B186D}"/>
               </a:ext>
             </a:extLst>
           </p:cNvPr>
@@ -18825,7 +18839,7 @@
           <p:cNvPr id="30" name="矩形 29">
             <a:extLst>
               <a:ext uri="{FF2B5EF4-FFF2-40B4-BE49-F238E27FC236}">
-                <a16:creationId xmlns:a16="http://schemas.microsoft.com/office/drawing/2014/main" id="{108EDB90-29AC-41EE-8404-B98F5C9941E8}"/>
+                <a16:creationId xmlns:a16="http://schemas.microsoft.com/office/drawing/2014/main" xmlns="" id="{108EDB90-29AC-41EE-8404-B98F5C9941E8}"/>
               </a:ext>
             </a:extLst>
           </p:cNvPr>
@@ -18870,7 +18884,7 @@
           <p:cNvPr id="31" name="Group 13">
             <a:extLst>
               <a:ext uri="{FF2B5EF4-FFF2-40B4-BE49-F238E27FC236}">
-                <a16:creationId xmlns:a16="http://schemas.microsoft.com/office/drawing/2014/main" id="{7B266607-1E24-446A-AA08-188900624FAB}"/>
+                <a16:creationId xmlns:a16="http://schemas.microsoft.com/office/drawing/2014/main" xmlns="" id="{7B266607-1E24-446A-AA08-188900624FAB}"/>
               </a:ext>
             </a:extLst>
           </p:cNvPr>
@@ -18895,7 +18909,7 @@
             <p:cNvPr id="32" name="Freeform 14">
               <a:extLst>
                 <a:ext uri="{FF2B5EF4-FFF2-40B4-BE49-F238E27FC236}">
-                  <a16:creationId xmlns:a16="http://schemas.microsoft.com/office/drawing/2014/main" id="{A141E591-87D0-4A9D-84EA-6C3EEEDD2AC2}"/>
+                  <a16:creationId xmlns:a16="http://schemas.microsoft.com/office/drawing/2014/main" xmlns="" id="{A141E591-87D0-4A9D-84EA-6C3EEEDD2AC2}"/>
                 </a:ext>
               </a:extLst>
             </p:cNvPr>
@@ -19054,7 +19068,7 @@
             <p:cNvPr id="33" name="Freeform 15">
               <a:extLst>
                 <a:ext uri="{FF2B5EF4-FFF2-40B4-BE49-F238E27FC236}">
-                  <a16:creationId xmlns:a16="http://schemas.microsoft.com/office/drawing/2014/main" id="{AE3A265A-B4ED-4C0D-8793-0E1E83881147}"/>
+                  <a16:creationId xmlns:a16="http://schemas.microsoft.com/office/drawing/2014/main" xmlns="" id="{AE3A265A-B4ED-4C0D-8793-0E1E83881147}"/>
                 </a:ext>
               </a:extLst>
             </p:cNvPr>
@@ -19265,7 +19279,7 @@
           <p:cNvPr id="34" name="矩形 33">
             <a:extLst>
               <a:ext uri="{FF2B5EF4-FFF2-40B4-BE49-F238E27FC236}">
-                <a16:creationId xmlns:a16="http://schemas.microsoft.com/office/drawing/2014/main" id="{F2B290E5-515A-4DB8-9472-33B1686A97FA}"/>
+                <a16:creationId xmlns:a16="http://schemas.microsoft.com/office/drawing/2014/main" xmlns="" id="{F2B290E5-515A-4DB8-9472-33B1686A97FA}"/>
               </a:ext>
             </a:extLst>
           </p:cNvPr>
@@ -19317,7 +19331,7 @@
           <p:cNvPr id="35" name="Group 13">
             <a:extLst>
               <a:ext uri="{FF2B5EF4-FFF2-40B4-BE49-F238E27FC236}">
-                <a16:creationId xmlns:a16="http://schemas.microsoft.com/office/drawing/2014/main" id="{693906BC-7735-4725-8309-72D620A681DF}"/>
+                <a16:creationId xmlns:a16="http://schemas.microsoft.com/office/drawing/2014/main" xmlns="" id="{693906BC-7735-4725-8309-72D620A681DF}"/>
               </a:ext>
             </a:extLst>
           </p:cNvPr>
@@ -19342,7 +19356,7 @@
             <p:cNvPr id="36" name="Freeform 14">
               <a:extLst>
                 <a:ext uri="{FF2B5EF4-FFF2-40B4-BE49-F238E27FC236}">
-                  <a16:creationId xmlns:a16="http://schemas.microsoft.com/office/drawing/2014/main" id="{5A080266-FD71-491A-94E3-45981DDCAB35}"/>
+                  <a16:creationId xmlns:a16="http://schemas.microsoft.com/office/drawing/2014/main" xmlns="" id="{5A080266-FD71-491A-94E3-45981DDCAB35}"/>
                 </a:ext>
               </a:extLst>
             </p:cNvPr>
@@ -19501,7 +19515,7 @@
             <p:cNvPr id="37" name="Freeform 15">
               <a:extLst>
                 <a:ext uri="{FF2B5EF4-FFF2-40B4-BE49-F238E27FC236}">
-                  <a16:creationId xmlns:a16="http://schemas.microsoft.com/office/drawing/2014/main" id="{06855B9F-A534-49BD-8C81-1FC504DFE9C7}"/>
+                  <a16:creationId xmlns:a16="http://schemas.microsoft.com/office/drawing/2014/main" xmlns="" id="{06855B9F-A534-49BD-8C81-1FC504DFE9C7}"/>
                 </a:ext>
               </a:extLst>
             </p:cNvPr>
@@ -19712,7 +19726,7 @@
           <p:cNvPr id="38" name="矩形 37">
             <a:extLst>
               <a:ext uri="{FF2B5EF4-FFF2-40B4-BE49-F238E27FC236}">
-                <a16:creationId xmlns:a16="http://schemas.microsoft.com/office/drawing/2014/main" id="{9C36F1F9-0132-4F64-A577-185FEC85B26A}"/>
+                <a16:creationId xmlns:a16="http://schemas.microsoft.com/office/drawing/2014/main" xmlns="" id="{9C36F1F9-0132-4F64-A577-185FEC85B26A}"/>
               </a:ext>
             </a:extLst>
           </p:cNvPr>
@@ -19764,7 +19778,7 @@
           <p:cNvPr id="14" name="组合 13">
             <a:extLst>
               <a:ext uri="{FF2B5EF4-FFF2-40B4-BE49-F238E27FC236}">
-                <a16:creationId xmlns:a16="http://schemas.microsoft.com/office/drawing/2014/main" id="{1ED84EDF-6D20-40CB-82F4-D0D8A54B63CC}"/>
+                <a16:creationId xmlns:a16="http://schemas.microsoft.com/office/drawing/2014/main" xmlns="" id="{1ED84EDF-6D20-40CB-82F4-D0D8A54B63CC}"/>
               </a:ext>
             </a:extLst>
           </p:cNvPr>
@@ -19787,7 +19801,7 @@
             <p:cNvPr id="16" name="AutoShape 126">
               <a:extLst>
                 <a:ext uri="{FF2B5EF4-FFF2-40B4-BE49-F238E27FC236}">
-                  <a16:creationId xmlns:a16="http://schemas.microsoft.com/office/drawing/2014/main" id="{47CF404B-B45D-4987-B666-AF99E1CE006C}"/>
+                  <a16:creationId xmlns:a16="http://schemas.microsoft.com/office/drawing/2014/main" xmlns="" id="{47CF404B-B45D-4987-B666-AF99E1CE006C}"/>
                 </a:ext>
               </a:extLst>
             </p:cNvPr>
@@ -19988,7 +20002,7 @@
             <p:cNvPr id="17" name="AutoShape 127">
               <a:extLst>
                 <a:ext uri="{FF2B5EF4-FFF2-40B4-BE49-F238E27FC236}">
-                  <a16:creationId xmlns:a16="http://schemas.microsoft.com/office/drawing/2014/main" id="{C365FB4B-28E1-46C2-A223-FEF89539A53E}"/>
+                  <a16:creationId xmlns:a16="http://schemas.microsoft.com/office/drawing/2014/main" xmlns="" id="{C365FB4B-28E1-46C2-A223-FEF89539A53E}"/>
                 </a:ext>
               </a:extLst>
             </p:cNvPr>
@@ -20140,7 +20154,7 @@
           <p:cNvPr id="3" name="矩形 2">
             <a:extLst>
               <a:ext uri="{FF2B5EF4-FFF2-40B4-BE49-F238E27FC236}">
-                <a16:creationId xmlns:a16="http://schemas.microsoft.com/office/drawing/2014/main" id="{B1EF227F-F971-46C4-8C83-D820A502B67B}"/>
+                <a16:creationId xmlns:a16="http://schemas.microsoft.com/office/drawing/2014/main" xmlns="" id="{B1EF227F-F971-46C4-8C83-D820A502B67B}"/>
               </a:ext>
             </a:extLst>
           </p:cNvPr>
@@ -20202,7 +20216,7 @@
           <p:cNvPr id="4" name="矩形 3">
             <a:extLst>
               <a:ext uri="{FF2B5EF4-FFF2-40B4-BE49-F238E27FC236}">
-                <a16:creationId xmlns:a16="http://schemas.microsoft.com/office/drawing/2014/main" id="{9E909954-10C8-4280-953E-B54B27A00653}"/>
+                <a16:creationId xmlns:a16="http://schemas.microsoft.com/office/drawing/2014/main" xmlns="" id="{9E909954-10C8-4280-953E-B54B27A00653}"/>
               </a:ext>
             </a:extLst>
           </p:cNvPr>
@@ -20247,7 +20261,7 @@
           <p:cNvPr id="10" name="矩形 9">
             <a:extLst>
               <a:ext uri="{FF2B5EF4-FFF2-40B4-BE49-F238E27FC236}">
-                <a16:creationId xmlns:a16="http://schemas.microsoft.com/office/drawing/2014/main" id="{CE10450C-9C9B-41A8-8B83-4C36E9532438}"/>
+                <a16:creationId xmlns:a16="http://schemas.microsoft.com/office/drawing/2014/main" xmlns="" id="{CE10450C-9C9B-41A8-8B83-4C36E9532438}"/>
               </a:ext>
             </a:extLst>
           </p:cNvPr>
@@ -20311,7 +20325,7 @@
           <p:cNvPr id="11" name="矩形 10">
             <a:extLst>
               <a:ext uri="{FF2B5EF4-FFF2-40B4-BE49-F238E27FC236}">
-                <a16:creationId xmlns:a16="http://schemas.microsoft.com/office/drawing/2014/main" id="{CAF9D752-0B17-4E23-9925-82839F70EC8D}"/>
+                <a16:creationId xmlns:a16="http://schemas.microsoft.com/office/drawing/2014/main" xmlns="" id="{CAF9D752-0B17-4E23-9925-82839F70EC8D}"/>
               </a:ext>
             </a:extLst>
           </p:cNvPr>
@@ -20356,7 +20370,7 @@
           <p:cNvPr id="12" name="矩形 11">
             <a:extLst>
               <a:ext uri="{FF2B5EF4-FFF2-40B4-BE49-F238E27FC236}">
-                <a16:creationId xmlns:a16="http://schemas.microsoft.com/office/drawing/2014/main" id="{5B860AC1-6E66-4E6F-87EF-D7AF0A0FADCB}"/>
+                <a16:creationId xmlns:a16="http://schemas.microsoft.com/office/drawing/2014/main" xmlns="" id="{5B860AC1-6E66-4E6F-87EF-D7AF0A0FADCB}"/>
               </a:ext>
             </a:extLst>
           </p:cNvPr>
@@ -20405,7 +20419,7 @@
           <p:cNvPr id="13" name="矩形 12">
             <a:extLst>
               <a:ext uri="{FF2B5EF4-FFF2-40B4-BE49-F238E27FC236}">
-                <a16:creationId xmlns:a16="http://schemas.microsoft.com/office/drawing/2014/main" id="{4D3BA20D-4426-4E60-A325-7F7F52FC7B9E}"/>
+                <a16:creationId xmlns:a16="http://schemas.microsoft.com/office/drawing/2014/main" xmlns="" id="{4D3BA20D-4426-4E60-A325-7F7F52FC7B9E}"/>
               </a:ext>
             </a:extLst>
           </p:cNvPr>
@@ -20469,7 +20483,7 @@
           <p:cNvPr id="14" name="矩形 13">
             <a:extLst>
               <a:ext uri="{FF2B5EF4-FFF2-40B4-BE49-F238E27FC236}">
-                <a16:creationId xmlns:a16="http://schemas.microsoft.com/office/drawing/2014/main" id="{3420253E-7BF7-408D-8FF2-DEC4CF1BE876}"/>
+                <a16:creationId xmlns:a16="http://schemas.microsoft.com/office/drawing/2014/main" xmlns="" id="{3420253E-7BF7-408D-8FF2-DEC4CF1BE876}"/>
               </a:ext>
             </a:extLst>
           </p:cNvPr>
@@ -20514,7 +20528,7 @@
           <p:cNvPr id="15" name="矩形 14">
             <a:extLst>
               <a:ext uri="{FF2B5EF4-FFF2-40B4-BE49-F238E27FC236}">
-                <a16:creationId xmlns:a16="http://schemas.microsoft.com/office/drawing/2014/main" id="{FBF4AE5F-819F-4502-93E0-A5DCD044BD55}"/>
+                <a16:creationId xmlns:a16="http://schemas.microsoft.com/office/drawing/2014/main" xmlns="" id="{FBF4AE5F-819F-4502-93E0-A5DCD044BD55}"/>
               </a:ext>
             </a:extLst>
           </p:cNvPr>
@@ -20563,7 +20577,7 @@
           <p:cNvPr id="16" name="矩形 15">
             <a:extLst>
               <a:ext uri="{FF2B5EF4-FFF2-40B4-BE49-F238E27FC236}">
-                <a16:creationId xmlns:a16="http://schemas.microsoft.com/office/drawing/2014/main" id="{E52881E8-682A-44A4-AB1A-964E6ECCB854}"/>
+                <a16:creationId xmlns:a16="http://schemas.microsoft.com/office/drawing/2014/main" xmlns="" id="{E52881E8-682A-44A4-AB1A-964E6ECCB854}"/>
               </a:ext>
             </a:extLst>
           </p:cNvPr>
@@ -20627,7 +20641,7 @@
           <p:cNvPr id="17" name="矩形 16">
             <a:extLst>
               <a:ext uri="{FF2B5EF4-FFF2-40B4-BE49-F238E27FC236}">
-                <a16:creationId xmlns:a16="http://schemas.microsoft.com/office/drawing/2014/main" id="{C7CE0687-0AC7-4615-90C3-01EC8259BB58}"/>
+                <a16:creationId xmlns:a16="http://schemas.microsoft.com/office/drawing/2014/main" xmlns="" id="{C7CE0687-0AC7-4615-90C3-01EC8259BB58}"/>
               </a:ext>
             </a:extLst>
           </p:cNvPr>
@@ -20672,7 +20686,7 @@
           <p:cNvPr id="18" name="矩形 17">
             <a:extLst>
               <a:ext uri="{FF2B5EF4-FFF2-40B4-BE49-F238E27FC236}">
-                <a16:creationId xmlns:a16="http://schemas.microsoft.com/office/drawing/2014/main" id="{DA937DE2-2DC5-49C9-BCFF-F37C0430AAA1}"/>
+                <a16:creationId xmlns:a16="http://schemas.microsoft.com/office/drawing/2014/main" xmlns="" id="{DA937DE2-2DC5-49C9-BCFF-F37C0430AAA1}"/>
               </a:ext>
             </a:extLst>
           </p:cNvPr>
@@ -20721,7 +20735,7 @@
           <p:cNvPr id="19" name="矩形 18">
             <a:extLst>
               <a:ext uri="{FF2B5EF4-FFF2-40B4-BE49-F238E27FC236}">
-                <a16:creationId xmlns:a16="http://schemas.microsoft.com/office/drawing/2014/main" id="{0E89C1E5-557C-4559-8ABD-87C8571668B2}"/>
+                <a16:creationId xmlns:a16="http://schemas.microsoft.com/office/drawing/2014/main" xmlns="" id="{0E89C1E5-557C-4559-8ABD-87C8571668B2}"/>
               </a:ext>
             </a:extLst>
           </p:cNvPr>
@@ -20785,7 +20799,7 @@
           <p:cNvPr id="20" name="矩形 19">
             <a:extLst>
               <a:ext uri="{FF2B5EF4-FFF2-40B4-BE49-F238E27FC236}">
-                <a16:creationId xmlns:a16="http://schemas.microsoft.com/office/drawing/2014/main" id="{516859CB-8478-4DC1-92C5-7E7E7254BF5A}"/>
+                <a16:creationId xmlns:a16="http://schemas.microsoft.com/office/drawing/2014/main" xmlns="" id="{516859CB-8478-4DC1-92C5-7E7E7254BF5A}"/>
               </a:ext>
             </a:extLst>
           </p:cNvPr>
@@ -20830,7 +20844,7 @@
           <p:cNvPr id="21" name="矩形 20">
             <a:extLst>
               <a:ext uri="{FF2B5EF4-FFF2-40B4-BE49-F238E27FC236}">
-                <a16:creationId xmlns:a16="http://schemas.microsoft.com/office/drawing/2014/main" id="{A67A3DEB-B2D5-45F6-9291-2775B74701E5}"/>
+                <a16:creationId xmlns:a16="http://schemas.microsoft.com/office/drawing/2014/main" xmlns="" id="{A67A3DEB-B2D5-45F6-9291-2775B74701E5}"/>
               </a:ext>
             </a:extLst>
           </p:cNvPr>
@@ -20879,7 +20893,7 @@
           <p:cNvPr id="22" name="AutoShape 112">
             <a:extLst>
               <a:ext uri="{FF2B5EF4-FFF2-40B4-BE49-F238E27FC236}">
-                <a16:creationId xmlns:a16="http://schemas.microsoft.com/office/drawing/2014/main" id="{8EACCD8E-F7F5-438A-8A22-7CC39479F4B3}"/>
+                <a16:creationId xmlns:a16="http://schemas.microsoft.com/office/drawing/2014/main" xmlns="" id="{8EACCD8E-F7F5-438A-8A22-7CC39479F4B3}"/>
               </a:ext>
             </a:extLst>
           </p:cNvPr>
@@ -21249,7 +21263,7 @@
           <p:cNvPr id="23" name="组合 22">
             <a:extLst>
               <a:ext uri="{FF2B5EF4-FFF2-40B4-BE49-F238E27FC236}">
-                <a16:creationId xmlns:a16="http://schemas.microsoft.com/office/drawing/2014/main" id="{08AF2725-52EC-4D91-9269-F7892BCC1FCA}"/>
+                <a16:creationId xmlns:a16="http://schemas.microsoft.com/office/drawing/2014/main" xmlns="" id="{08AF2725-52EC-4D91-9269-F7892BCC1FCA}"/>
               </a:ext>
             </a:extLst>
           </p:cNvPr>
@@ -21272,7 +21286,7 @@
             <p:cNvPr id="24" name="AutoShape 113">
               <a:extLst>
                 <a:ext uri="{FF2B5EF4-FFF2-40B4-BE49-F238E27FC236}">
-                  <a16:creationId xmlns:a16="http://schemas.microsoft.com/office/drawing/2014/main" id="{72536BB5-E4FF-4F2C-9DD9-D1E912EF9C27}"/>
+                  <a16:creationId xmlns:a16="http://schemas.microsoft.com/office/drawing/2014/main" xmlns="" id="{72536BB5-E4FF-4F2C-9DD9-D1E912EF9C27}"/>
                 </a:ext>
               </a:extLst>
             </p:cNvPr>
@@ -21496,7 +21510,7 @@
             <p:cNvPr id="25" name="AutoShape 114">
               <a:extLst>
                 <a:ext uri="{FF2B5EF4-FFF2-40B4-BE49-F238E27FC236}">
-                  <a16:creationId xmlns:a16="http://schemas.microsoft.com/office/drawing/2014/main" id="{3AF59223-5E17-404B-984D-6280C14C5747}"/>
+                  <a16:creationId xmlns:a16="http://schemas.microsoft.com/office/drawing/2014/main" xmlns="" id="{3AF59223-5E17-404B-984D-6280C14C5747}"/>
                 </a:ext>
               </a:extLst>
             </p:cNvPr>
@@ -21618,7 +21632,7 @@
           <p:cNvPr id="26" name="组合 25">
             <a:extLst>
               <a:ext uri="{FF2B5EF4-FFF2-40B4-BE49-F238E27FC236}">
-                <a16:creationId xmlns:a16="http://schemas.microsoft.com/office/drawing/2014/main" id="{AA2C3D01-B364-431C-AFBB-7DBDBA5D9D46}"/>
+                <a16:creationId xmlns:a16="http://schemas.microsoft.com/office/drawing/2014/main" xmlns="" id="{AA2C3D01-B364-431C-AFBB-7DBDBA5D9D46}"/>
               </a:ext>
             </a:extLst>
           </p:cNvPr>
@@ -21641,7 +21655,7 @@
             <p:cNvPr id="27" name="AutoShape 123">
               <a:extLst>
                 <a:ext uri="{FF2B5EF4-FFF2-40B4-BE49-F238E27FC236}">
-                  <a16:creationId xmlns:a16="http://schemas.microsoft.com/office/drawing/2014/main" id="{8FFAAB3B-565B-4B6E-929B-C9DC1EA0D472}"/>
+                  <a16:creationId xmlns:a16="http://schemas.microsoft.com/office/drawing/2014/main" xmlns="" id="{8FFAAB3B-565B-4B6E-929B-C9DC1EA0D472}"/>
                 </a:ext>
               </a:extLst>
             </p:cNvPr>
@@ -22162,7 +22176,7 @@
             <p:cNvPr id="28" name="AutoShape 124">
               <a:extLst>
                 <a:ext uri="{FF2B5EF4-FFF2-40B4-BE49-F238E27FC236}">
-                  <a16:creationId xmlns:a16="http://schemas.microsoft.com/office/drawing/2014/main" id="{23EE37BC-E06F-46E0-9A58-B8E7E9453B0E}"/>
+                  <a16:creationId xmlns:a16="http://schemas.microsoft.com/office/drawing/2014/main" xmlns="" id="{23EE37BC-E06F-46E0-9A58-B8E7E9453B0E}"/>
                 </a:ext>
               </a:extLst>
             </p:cNvPr>
@@ -22296,7 +22310,7 @@
             <p:cNvPr id="29" name="AutoShape 125">
               <a:extLst>
                 <a:ext uri="{FF2B5EF4-FFF2-40B4-BE49-F238E27FC236}">
-                  <a16:creationId xmlns:a16="http://schemas.microsoft.com/office/drawing/2014/main" id="{D27CE1DF-9683-4F93-8892-ECF940291B96}"/>
+                  <a16:creationId xmlns:a16="http://schemas.microsoft.com/office/drawing/2014/main" xmlns="" id="{D27CE1DF-9683-4F93-8892-ECF940291B96}"/>
                 </a:ext>
               </a:extLst>
             </p:cNvPr>
@@ -22431,7 +22445,7 @@
           <p:cNvPr id="30" name="组合 29">
             <a:extLst>
               <a:ext uri="{FF2B5EF4-FFF2-40B4-BE49-F238E27FC236}">
-                <a16:creationId xmlns:a16="http://schemas.microsoft.com/office/drawing/2014/main" id="{51852231-DBA4-4459-A525-9D6F0328D398}"/>
+                <a16:creationId xmlns:a16="http://schemas.microsoft.com/office/drawing/2014/main" xmlns="" id="{51852231-DBA4-4459-A525-9D6F0328D398}"/>
               </a:ext>
             </a:extLst>
           </p:cNvPr>
@@ -22454,7 +22468,7 @@
             <p:cNvPr id="31" name="AutoShape 126">
               <a:extLst>
                 <a:ext uri="{FF2B5EF4-FFF2-40B4-BE49-F238E27FC236}">
-                  <a16:creationId xmlns:a16="http://schemas.microsoft.com/office/drawing/2014/main" id="{3A999974-19D3-44F7-BF39-C052E0153F33}"/>
+                  <a16:creationId xmlns:a16="http://schemas.microsoft.com/office/drawing/2014/main" xmlns="" id="{3A999974-19D3-44F7-BF39-C052E0153F33}"/>
                 </a:ext>
               </a:extLst>
             </p:cNvPr>
@@ -22655,7 +22669,7 @@
             <p:cNvPr id="32" name="AutoShape 127">
               <a:extLst>
                 <a:ext uri="{FF2B5EF4-FFF2-40B4-BE49-F238E27FC236}">
-                  <a16:creationId xmlns:a16="http://schemas.microsoft.com/office/drawing/2014/main" id="{AA83F5E9-B885-450C-9308-5D18FF3B7BA7}"/>
+                  <a16:creationId xmlns:a16="http://schemas.microsoft.com/office/drawing/2014/main" xmlns="" id="{AA83F5E9-B885-450C-9308-5D18FF3B7BA7}"/>
                 </a:ext>
               </a:extLst>
             </p:cNvPr>
@@ -22807,7 +22821,7 @@
           <p:cNvPr id="26" name="矩形 25">
             <a:extLst>
               <a:ext uri="{FF2B5EF4-FFF2-40B4-BE49-F238E27FC236}">
-                <a16:creationId xmlns:a16="http://schemas.microsoft.com/office/drawing/2014/main" id="{43472C6A-CD4B-4B7B-9F48-350D9E4EBCB3}"/>
+                <a16:creationId xmlns:a16="http://schemas.microsoft.com/office/drawing/2014/main" xmlns="" id="{43472C6A-CD4B-4B7B-9F48-350D9E4EBCB3}"/>
               </a:ext>
             </a:extLst>
           </p:cNvPr>
@@ -22856,7 +22870,7 @@
           <p:cNvPr id="6" name="图片 5">
             <a:extLst>
               <a:ext uri="{FF2B5EF4-FFF2-40B4-BE49-F238E27FC236}">
-                <a16:creationId xmlns:a16="http://schemas.microsoft.com/office/drawing/2014/main" id="{15DCC740-3811-46CA-A9AC-FB7445464E16}"/>
+                <a16:creationId xmlns:a16="http://schemas.microsoft.com/office/drawing/2014/main" xmlns="" id="{15DCC740-3811-46CA-A9AC-FB7445464E16}"/>
               </a:ext>
             </a:extLst>
           </p:cNvPr>
@@ -22892,7 +22906,7 @@
           <p:cNvPr id="3" name="矩形 2">
             <a:extLst>
               <a:ext uri="{FF2B5EF4-FFF2-40B4-BE49-F238E27FC236}">
-                <a16:creationId xmlns:a16="http://schemas.microsoft.com/office/drawing/2014/main" id="{B1EF227F-F971-46C4-8C83-D820A502B67B}"/>
+                <a16:creationId xmlns:a16="http://schemas.microsoft.com/office/drawing/2014/main" xmlns="" id="{B1EF227F-F971-46C4-8C83-D820A502B67B}"/>
               </a:ext>
             </a:extLst>
           </p:cNvPr>
@@ -22937,7 +22951,7 @@
           <p:cNvPr id="4" name="矩形 3">
             <a:extLst>
               <a:ext uri="{FF2B5EF4-FFF2-40B4-BE49-F238E27FC236}">
-                <a16:creationId xmlns:a16="http://schemas.microsoft.com/office/drawing/2014/main" id="{9E909954-10C8-4280-953E-B54B27A00653}"/>
+                <a16:creationId xmlns:a16="http://schemas.microsoft.com/office/drawing/2014/main" xmlns="" id="{9E909954-10C8-4280-953E-B54B27A00653}"/>
               </a:ext>
             </a:extLst>
           </p:cNvPr>
@@ -22982,7 +22996,7 @@
           <p:cNvPr id="25" name="图片 24">
             <a:extLst>
               <a:ext uri="{FF2B5EF4-FFF2-40B4-BE49-F238E27FC236}">
-                <a16:creationId xmlns:a16="http://schemas.microsoft.com/office/drawing/2014/main" id="{73D54D65-F68A-4145-AAEA-8CD320E0F3B1}"/>
+                <a16:creationId xmlns:a16="http://schemas.microsoft.com/office/drawing/2014/main" xmlns="" id="{73D54D65-F68A-4145-AAEA-8CD320E0F3B1}"/>
               </a:ext>
             </a:extLst>
           </p:cNvPr>
@@ -23018,7 +23032,7 @@
           <p:cNvPr id="27" name="矩形 26">
             <a:extLst>
               <a:ext uri="{FF2B5EF4-FFF2-40B4-BE49-F238E27FC236}">
-                <a16:creationId xmlns:a16="http://schemas.microsoft.com/office/drawing/2014/main" id="{B75F93CF-3DCA-4826-923A-B1601135DAD3}"/>
+                <a16:creationId xmlns:a16="http://schemas.microsoft.com/office/drawing/2014/main" xmlns="" id="{B75F93CF-3DCA-4826-923A-B1601135DAD3}"/>
               </a:ext>
             </a:extLst>
           </p:cNvPr>
@@ -23063,7 +23077,7 @@
           <p:cNvPr id="28" name="矩形 27">
             <a:extLst>
               <a:ext uri="{FF2B5EF4-FFF2-40B4-BE49-F238E27FC236}">
-                <a16:creationId xmlns:a16="http://schemas.microsoft.com/office/drawing/2014/main" id="{5A7AE200-7CBF-47A8-BFC3-5EE3783AF59A}"/>
+                <a16:creationId xmlns:a16="http://schemas.microsoft.com/office/drawing/2014/main" xmlns="" id="{5A7AE200-7CBF-47A8-BFC3-5EE3783AF59A}"/>
               </a:ext>
             </a:extLst>
           </p:cNvPr>
@@ -23109,7 +23123,7 @@
           <p:cNvPr id="29" name="椭圆 28">
             <a:extLst>
               <a:ext uri="{FF2B5EF4-FFF2-40B4-BE49-F238E27FC236}">
-                <a16:creationId xmlns:a16="http://schemas.microsoft.com/office/drawing/2014/main" id="{D33AB898-91D3-49AF-BFAA-50C82A809FC9}"/>
+                <a16:creationId xmlns:a16="http://schemas.microsoft.com/office/drawing/2014/main" xmlns="" id="{D33AB898-91D3-49AF-BFAA-50C82A809FC9}"/>
               </a:ext>
             </a:extLst>
           </p:cNvPr>
@@ -23173,7 +23187,7 @@
           <p:cNvPr id="30" name="椭圆 29">
             <a:extLst>
               <a:ext uri="{FF2B5EF4-FFF2-40B4-BE49-F238E27FC236}">
-                <a16:creationId xmlns:a16="http://schemas.microsoft.com/office/drawing/2014/main" id="{0122DECD-DE99-4981-844D-0E38BB114A8D}"/>
+                <a16:creationId xmlns:a16="http://schemas.microsoft.com/office/drawing/2014/main" xmlns="" id="{0122DECD-DE99-4981-844D-0E38BB114A8D}"/>
               </a:ext>
             </a:extLst>
           </p:cNvPr>
@@ -23237,7 +23251,7 @@
           <p:cNvPr id="31" name="矩形 30">
             <a:extLst>
               <a:ext uri="{FF2B5EF4-FFF2-40B4-BE49-F238E27FC236}">
-                <a16:creationId xmlns:a16="http://schemas.microsoft.com/office/drawing/2014/main" id="{4E72295C-1C6B-4477-BB61-51C9EAC2B8E8}"/>
+                <a16:creationId xmlns:a16="http://schemas.microsoft.com/office/drawing/2014/main" xmlns="" id="{4E72295C-1C6B-4477-BB61-51C9EAC2B8E8}"/>
               </a:ext>
             </a:extLst>
           </p:cNvPr>
@@ -23286,7 +23300,7 @@
           <p:cNvPr id="32" name="矩形 31">
             <a:extLst>
               <a:ext uri="{FF2B5EF4-FFF2-40B4-BE49-F238E27FC236}">
-                <a16:creationId xmlns:a16="http://schemas.microsoft.com/office/drawing/2014/main" id="{6724EFDA-2C65-40C4-A4CD-545800692528}"/>
+                <a16:creationId xmlns:a16="http://schemas.microsoft.com/office/drawing/2014/main" xmlns="" id="{6724EFDA-2C65-40C4-A4CD-545800692528}"/>
               </a:ext>
             </a:extLst>
           </p:cNvPr>
@@ -23335,7 +23349,7 @@
           <p:cNvPr id="15" name="组合 14">
             <a:extLst>
               <a:ext uri="{FF2B5EF4-FFF2-40B4-BE49-F238E27FC236}">
-                <a16:creationId xmlns:a16="http://schemas.microsoft.com/office/drawing/2014/main" id="{8AA21313-A925-4B7F-B556-8FB7A8A7EA46}"/>
+                <a16:creationId xmlns:a16="http://schemas.microsoft.com/office/drawing/2014/main" xmlns="" id="{8AA21313-A925-4B7F-B556-8FB7A8A7EA46}"/>
               </a:ext>
             </a:extLst>
           </p:cNvPr>
@@ -23355,7 +23369,7 @@
             <p:cNvPr id="16" name="AutoShape 37">
               <a:extLst>
                 <a:ext uri="{FF2B5EF4-FFF2-40B4-BE49-F238E27FC236}">
-                  <a16:creationId xmlns:a16="http://schemas.microsoft.com/office/drawing/2014/main" id="{90DC2582-9CA2-4589-AC65-AA61516FE008}"/>
+                  <a16:creationId xmlns:a16="http://schemas.microsoft.com/office/drawing/2014/main" xmlns="" id="{90DC2582-9CA2-4589-AC65-AA61516FE008}"/>
                 </a:ext>
               </a:extLst>
             </p:cNvPr>
@@ -23645,7 +23659,7 @@
             <p:cNvPr id="17" name="AutoShape 38">
               <a:extLst>
                 <a:ext uri="{FF2B5EF4-FFF2-40B4-BE49-F238E27FC236}">
-                  <a16:creationId xmlns:a16="http://schemas.microsoft.com/office/drawing/2014/main" id="{4548D2E2-6A51-491D-A1DC-72C20B5A5E94}"/>
+                  <a16:creationId xmlns:a16="http://schemas.microsoft.com/office/drawing/2014/main" xmlns="" id="{4548D2E2-6A51-491D-A1DC-72C20B5A5E94}"/>
                 </a:ext>
               </a:extLst>
             </p:cNvPr>
@@ -23781,7 +23795,7 @@
             <p:cNvPr id="18" name="AutoShape 39">
               <a:extLst>
                 <a:ext uri="{FF2B5EF4-FFF2-40B4-BE49-F238E27FC236}">
-                  <a16:creationId xmlns:a16="http://schemas.microsoft.com/office/drawing/2014/main" id="{D168534D-AF8B-4165-B659-91122FCFCE82}"/>
+                  <a16:creationId xmlns:a16="http://schemas.microsoft.com/office/drawing/2014/main" xmlns="" id="{D168534D-AF8B-4165-B659-91122FCFCE82}"/>
                 </a:ext>
               </a:extLst>
             </p:cNvPr>
@@ -23917,7 +23931,7 @@
             <p:cNvPr id="19" name="AutoShape 40">
               <a:extLst>
                 <a:ext uri="{FF2B5EF4-FFF2-40B4-BE49-F238E27FC236}">
-                  <a16:creationId xmlns:a16="http://schemas.microsoft.com/office/drawing/2014/main" id="{568D3028-93C0-4884-86E6-6741448EE783}"/>
+                  <a16:creationId xmlns:a16="http://schemas.microsoft.com/office/drawing/2014/main" xmlns="" id="{568D3028-93C0-4884-86E6-6741448EE783}"/>
                 </a:ext>
               </a:extLst>
             </p:cNvPr>
@@ -24053,7 +24067,7 @@
             <p:cNvPr id="20" name="AutoShape 41">
               <a:extLst>
                 <a:ext uri="{FF2B5EF4-FFF2-40B4-BE49-F238E27FC236}">
-                  <a16:creationId xmlns:a16="http://schemas.microsoft.com/office/drawing/2014/main" id="{9E04ABE0-3D2C-4993-81B4-8517C7757810}"/>
+                  <a16:creationId xmlns:a16="http://schemas.microsoft.com/office/drawing/2014/main" xmlns="" id="{9E04ABE0-3D2C-4993-81B4-8517C7757810}"/>
                 </a:ext>
               </a:extLst>
             </p:cNvPr>
@@ -24166,7 +24180,7 @@
             <p:cNvPr id="21" name="AutoShape 42">
               <a:extLst>
                 <a:ext uri="{FF2B5EF4-FFF2-40B4-BE49-F238E27FC236}">
-                  <a16:creationId xmlns:a16="http://schemas.microsoft.com/office/drawing/2014/main" id="{BE0171F6-B5CA-405D-856B-F1792EFD7360}"/>
+                  <a16:creationId xmlns:a16="http://schemas.microsoft.com/office/drawing/2014/main" xmlns="" id="{BE0171F6-B5CA-405D-856B-F1792EFD7360}"/>
                 </a:ext>
               </a:extLst>
             </p:cNvPr>
@@ -24280,7 +24294,7 @@
           <p:cNvPr id="22" name="组合 21">
             <a:extLst>
               <a:ext uri="{FF2B5EF4-FFF2-40B4-BE49-F238E27FC236}">
-                <a16:creationId xmlns:a16="http://schemas.microsoft.com/office/drawing/2014/main" id="{98DDF874-B6D1-40B8-A5E4-3C20E4EB3E4B}"/>
+                <a16:creationId xmlns:a16="http://schemas.microsoft.com/office/drawing/2014/main" xmlns="" id="{98DDF874-B6D1-40B8-A5E4-3C20E4EB3E4B}"/>
               </a:ext>
             </a:extLst>
           </p:cNvPr>
@@ -24303,7 +24317,7 @@
             <p:cNvPr id="23" name="AutoShape 126">
               <a:extLst>
                 <a:ext uri="{FF2B5EF4-FFF2-40B4-BE49-F238E27FC236}">
-                  <a16:creationId xmlns:a16="http://schemas.microsoft.com/office/drawing/2014/main" id="{71F646CD-26AC-4D3A-B93A-02FF060A0AC8}"/>
+                  <a16:creationId xmlns:a16="http://schemas.microsoft.com/office/drawing/2014/main" xmlns="" id="{71F646CD-26AC-4D3A-B93A-02FF060A0AC8}"/>
                 </a:ext>
               </a:extLst>
             </p:cNvPr>
@@ -24504,7 +24518,7 @@
             <p:cNvPr id="24" name="AutoShape 127">
               <a:extLst>
                 <a:ext uri="{FF2B5EF4-FFF2-40B4-BE49-F238E27FC236}">
-                  <a16:creationId xmlns:a16="http://schemas.microsoft.com/office/drawing/2014/main" id="{BFE64607-A965-47A3-89DF-E49FCB736D25}"/>
+                  <a16:creationId xmlns:a16="http://schemas.microsoft.com/office/drawing/2014/main" xmlns="" id="{BFE64607-A965-47A3-89DF-E49FCB736D25}"/>
                 </a:ext>
               </a:extLst>
             </p:cNvPr>
@@ -24656,7 +24670,7 @@
           <p:cNvPr id="10" name="矩形 9">
             <a:extLst>
               <a:ext uri="{FF2B5EF4-FFF2-40B4-BE49-F238E27FC236}">
-                <a16:creationId xmlns:a16="http://schemas.microsoft.com/office/drawing/2014/main" id="{27845620-1BD2-4CB4-A849-1D6F71C83D3D}"/>
+                <a16:creationId xmlns:a16="http://schemas.microsoft.com/office/drawing/2014/main" xmlns="" id="{27845620-1BD2-4CB4-A849-1D6F71C83D3D}"/>
               </a:ext>
             </a:extLst>
           </p:cNvPr>
@@ -24715,7 +24729,7 @@
           <p:cNvPr id="15" name="椭圆 14">
             <a:extLst>
               <a:ext uri="{FF2B5EF4-FFF2-40B4-BE49-F238E27FC236}">
-                <a16:creationId xmlns:a16="http://schemas.microsoft.com/office/drawing/2014/main" id="{84E5A175-3149-405F-9145-7535715A381B}"/>
+                <a16:creationId xmlns:a16="http://schemas.microsoft.com/office/drawing/2014/main" xmlns="" id="{84E5A175-3149-405F-9145-7535715A381B}"/>
               </a:ext>
             </a:extLst>
           </p:cNvPr>
@@ -24779,7 +24793,7 @@
           <p:cNvPr id="23" name="矩形 22">
             <a:extLst>
               <a:ext uri="{FF2B5EF4-FFF2-40B4-BE49-F238E27FC236}">
-                <a16:creationId xmlns:a16="http://schemas.microsoft.com/office/drawing/2014/main" id="{256BF839-5984-4814-99D1-E3F91C6B186D}"/>
+                <a16:creationId xmlns:a16="http://schemas.microsoft.com/office/drawing/2014/main" xmlns="" id="{256BF839-5984-4814-99D1-E3F91C6B186D}"/>
               </a:ext>
             </a:extLst>
           </p:cNvPr>
@@ -24824,7 +24838,7 @@
           <p:cNvPr id="30" name="矩形 29">
             <a:extLst>
               <a:ext uri="{FF2B5EF4-FFF2-40B4-BE49-F238E27FC236}">
-                <a16:creationId xmlns:a16="http://schemas.microsoft.com/office/drawing/2014/main" id="{108EDB90-29AC-41EE-8404-B98F5C9941E8}"/>
+                <a16:creationId xmlns:a16="http://schemas.microsoft.com/office/drawing/2014/main" xmlns="" id="{108EDB90-29AC-41EE-8404-B98F5C9941E8}"/>
               </a:ext>
             </a:extLst>
           </p:cNvPr>
@@ -24869,7 +24883,7 @@
           <p:cNvPr id="31" name="Group 13">
             <a:extLst>
               <a:ext uri="{FF2B5EF4-FFF2-40B4-BE49-F238E27FC236}">
-                <a16:creationId xmlns:a16="http://schemas.microsoft.com/office/drawing/2014/main" id="{7B266607-1E24-446A-AA08-188900624FAB}"/>
+                <a16:creationId xmlns:a16="http://schemas.microsoft.com/office/drawing/2014/main" xmlns="" id="{7B266607-1E24-446A-AA08-188900624FAB}"/>
               </a:ext>
             </a:extLst>
           </p:cNvPr>
@@ -24894,7 +24908,7 @@
             <p:cNvPr id="32" name="Freeform 14">
               <a:extLst>
                 <a:ext uri="{FF2B5EF4-FFF2-40B4-BE49-F238E27FC236}">
-                  <a16:creationId xmlns:a16="http://schemas.microsoft.com/office/drawing/2014/main" id="{A141E591-87D0-4A9D-84EA-6C3EEEDD2AC2}"/>
+                  <a16:creationId xmlns:a16="http://schemas.microsoft.com/office/drawing/2014/main" xmlns="" id="{A141E591-87D0-4A9D-84EA-6C3EEEDD2AC2}"/>
                 </a:ext>
               </a:extLst>
             </p:cNvPr>
@@ -25053,7 +25067,7 @@
             <p:cNvPr id="33" name="Freeform 15">
               <a:extLst>
                 <a:ext uri="{FF2B5EF4-FFF2-40B4-BE49-F238E27FC236}">
-                  <a16:creationId xmlns:a16="http://schemas.microsoft.com/office/drawing/2014/main" id="{AE3A265A-B4ED-4C0D-8793-0E1E83881147}"/>
+                  <a16:creationId xmlns:a16="http://schemas.microsoft.com/office/drawing/2014/main" xmlns="" id="{AE3A265A-B4ED-4C0D-8793-0E1E83881147}"/>
                 </a:ext>
               </a:extLst>
             </p:cNvPr>
@@ -25264,7 +25278,7 @@
           <p:cNvPr id="34" name="矩形 33">
             <a:extLst>
               <a:ext uri="{FF2B5EF4-FFF2-40B4-BE49-F238E27FC236}">
-                <a16:creationId xmlns:a16="http://schemas.microsoft.com/office/drawing/2014/main" id="{F2B290E5-515A-4DB8-9472-33B1686A97FA}"/>
+                <a16:creationId xmlns:a16="http://schemas.microsoft.com/office/drawing/2014/main" xmlns="" id="{F2B290E5-515A-4DB8-9472-33B1686A97FA}"/>
               </a:ext>
             </a:extLst>
           </p:cNvPr>
@@ -25316,7 +25330,7 @@
           <p:cNvPr id="35" name="Group 13">
             <a:extLst>
               <a:ext uri="{FF2B5EF4-FFF2-40B4-BE49-F238E27FC236}">
-                <a16:creationId xmlns:a16="http://schemas.microsoft.com/office/drawing/2014/main" id="{693906BC-7735-4725-8309-72D620A681DF}"/>
+                <a16:creationId xmlns:a16="http://schemas.microsoft.com/office/drawing/2014/main" xmlns="" id="{693906BC-7735-4725-8309-72D620A681DF}"/>
               </a:ext>
             </a:extLst>
           </p:cNvPr>
@@ -25341,7 +25355,7 @@
             <p:cNvPr id="36" name="Freeform 14">
               <a:extLst>
                 <a:ext uri="{FF2B5EF4-FFF2-40B4-BE49-F238E27FC236}">
-                  <a16:creationId xmlns:a16="http://schemas.microsoft.com/office/drawing/2014/main" id="{5A080266-FD71-491A-94E3-45981DDCAB35}"/>
+                  <a16:creationId xmlns:a16="http://schemas.microsoft.com/office/drawing/2014/main" xmlns="" id="{5A080266-FD71-491A-94E3-45981DDCAB35}"/>
                 </a:ext>
               </a:extLst>
             </p:cNvPr>
@@ -25500,7 +25514,7 @@
             <p:cNvPr id="37" name="Freeform 15">
               <a:extLst>
                 <a:ext uri="{FF2B5EF4-FFF2-40B4-BE49-F238E27FC236}">
-                  <a16:creationId xmlns:a16="http://schemas.microsoft.com/office/drawing/2014/main" id="{06855B9F-A534-49BD-8C81-1FC504DFE9C7}"/>
+                  <a16:creationId xmlns:a16="http://schemas.microsoft.com/office/drawing/2014/main" xmlns="" id="{06855B9F-A534-49BD-8C81-1FC504DFE9C7}"/>
                 </a:ext>
               </a:extLst>
             </p:cNvPr>
@@ -25711,7 +25725,7 @@
           <p:cNvPr id="38" name="矩形 37">
             <a:extLst>
               <a:ext uri="{FF2B5EF4-FFF2-40B4-BE49-F238E27FC236}">
-                <a16:creationId xmlns:a16="http://schemas.microsoft.com/office/drawing/2014/main" id="{9C36F1F9-0132-4F64-A577-185FEC85B26A}"/>
+                <a16:creationId xmlns:a16="http://schemas.microsoft.com/office/drawing/2014/main" xmlns="" id="{9C36F1F9-0132-4F64-A577-185FEC85B26A}"/>
               </a:ext>
             </a:extLst>
           </p:cNvPr>
@@ -25763,7 +25777,7 @@
           <p:cNvPr id="39" name="Group 13">
             <a:extLst>
               <a:ext uri="{FF2B5EF4-FFF2-40B4-BE49-F238E27FC236}">
-                <a16:creationId xmlns:a16="http://schemas.microsoft.com/office/drawing/2014/main" id="{98064903-8138-4B9B-8F69-AA5FCB98496A}"/>
+                <a16:creationId xmlns:a16="http://schemas.microsoft.com/office/drawing/2014/main" xmlns="" id="{98064903-8138-4B9B-8F69-AA5FCB98496A}"/>
               </a:ext>
             </a:extLst>
           </p:cNvPr>
@@ -25788,7 +25802,7 @@
             <p:cNvPr id="40" name="Freeform 14">
               <a:extLst>
                 <a:ext uri="{FF2B5EF4-FFF2-40B4-BE49-F238E27FC236}">
-                  <a16:creationId xmlns:a16="http://schemas.microsoft.com/office/drawing/2014/main" id="{DAFBBBDA-03A3-4E52-A19F-DB6E55F07C7E}"/>
+                  <a16:creationId xmlns:a16="http://schemas.microsoft.com/office/drawing/2014/main" xmlns="" id="{DAFBBBDA-03A3-4E52-A19F-DB6E55F07C7E}"/>
                 </a:ext>
               </a:extLst>
             </p:cNvPr>
@@ -25947,7 +25961,7 @@
             <p:cNvPr id="41" name="Freeform 15">
               <a:extLst>
                 <a:ext uri="{FF2B5EF4-FFF2-40B4-BE49-F238E27FC236}">
-                  <a16:creationId xmlns:a16="http://schemas.microsoft.com/office/drawing/2014/main" id="{35A49CD6-13AF-4131-82DB-6CFC45BBFB55}"/>
+                  <a16:creationId xmlns:a16="http://schemas.microsoft.com/office/drawing/2014/main" xmlns="" id="{35A49CD6-13AF-4131-82DB-6CFC45BBFB55}"/>
                 </a:ext>
               </a:extLst>
             </p:cNvPr>
@@ -26158,7 +26172,7 @@
           <p:cNvPr id="42" name="矩形 41">
             <a:extLst>
               <a:ext uri="{FF2B5EF4-FFF2-40B4-BE49-F238E27FC236}">
-                <a16:creationId xmlns:a16="http://schemas.microsoft.com/office/drawing/2014/main" id="{D88F91BD-50E5-454F-ACDA-28AE37927CF2}"/>
+                <a16:creationId xmlns:a16="http://schemas.microsoft.com/office/drawing/2014/main" xmlns="" id="{D88F91BD-50E5-454F-ACDA-28AE37927CF2}"/>
               </a:ext>
             </a:extLst>
           </p:cNvPr>
@@ -26210,7 +26224,7 @@
           <p:cNvPr id="18" name="Group 69">
             <a:extLst>
               <a:ext uri="{FF2B5EF4-FFF2-40B4-BE49-F238E27FC236}">
-                <a16:creationId xmlns:a16="http://schemas.microsoft.com/office/drawing/2014/main" id="{0C0D9A6B-42F3-4578-ABEA-AEFCCC2C6BF2}"/>
+                <a16:creationId xmlns:a16="http://schemas.microsoft.com/office/drawing/2014/main" xmlns="" id="{0C0D9A6B-42F3-4578-ABEA-AEFCCC2C6BF2}"/>
               </a:ext>
             </a:extLst>
           </p:cNvPr>
@@ -26233,7 +26247,7 @@
             <p:cNvPr id="19" name="AutoShape 69">
               <a:extLst>
                 <a:ext uri="{FF2B5EF4-FFF2-40B4-BE49-F238E27FC236}">
-                  <a16:creationId xmlns:a16="http://schemas.microsoft.com/office/drawing/2014/main" id="{808B1BF4-E407-4CF4-9389-8625003A8845}"/>
+                  <a16:creationId xmlns:a16="http://schemas.microsoft.com/office/drawing/2014/main" xmlns="" id="{808B1BF4-E407-4CF4-9389-8625003A8845}"/>
                 </a:ext>
               </a:extLst>
             </p:cNvPr>
@@ -26440,7 +26454,7 @@
             <p:cNvPr id="20" name="AutoShape 70">
               <a:extLst>
                 <a:ext uri="{FF2B5EF4-FFF2-40B4-BE49-F238E27FC236}">
-                  <a16:creationId xmlns:a16="http://schemas.microsoft.com/office/drawing/2014/main" id="{37E1F46E-AE97-4B1A-A7EE-33CFD92774D3}"/>
+                  <a16:creationId xmlns:a16="http://schemas.microsoft.com/office/drawing/2014/main" xmlns="" id="{37E1F46E-AE97-4B1A-A7EE-33CFD92774D3}"/>
                 </a:ext>
               </a:extLst>
             </p:cNvPr>
@@ -26557,7 +26571,7 @@
             <p:cNvPr id="21" name="AutoShape 71">
               <a:extLst>
                 <a:ext uri="{FF2B5EF4-FFF2-40B4-BE49-F238E27FC236}">
-                  <a16:creationId xmlns:a16="http://schemas.microsoft.com/office/drawing/2014/main" id="{E4714992-6D51-4BE9-AD0D-211B5E9950BD}"/>
+                  <a16:creationId xmlns:a16="http://schemas.microsoft.com/office/drawing/2014/main" xmlns="" id="{E4714992-6D51-4BE9-AD0D-211B5E9950BD}"/>
                 </a:ext>
               </a:extLst>
             </p:cNvPr>
@@ -26674,7 +26688,7 @@
             <p:cNvPr id="22" name="AutoShape 72">
               <a:extLst>
                 <a:ext uri="{FF2B5EF4-FFF2-40B4-BE49-F238E27FC236}">
-                  <a16:creationId xmlns:a16="http://schemas.microsoft.com/office/drawing/2014/main" id="{8CB74BEB-A976-4CD8-8061-4946EBFDF886}"/>
+                  <a16:creationId xmlns:a16="http://schemas.microsoft.com/office/drawing/2014/main" xmlns="" id="{8CB74BEB-A976-4CD8-8061-4946EBFDF886}"/>
                 </a:ext>
               </a:extLst>
             </p:cNvPr>
@@ -26791,7 +26805,7 @@
             <p:cNvPr id="24" name="AutoShape 73">
               <a:extLst>
                 <a:ext uri="{FF2B5EF4-FFF2-40B4-BE49-F238E27FC236}">
-                  <a16:creationId xmlns:a16="http://schemas.microsoft.com/office/drawing/2014/main" id="{F4C9D249-032C-475A-8DD4-7133757C6228}"/>
+                  <a16:creationId xmlns:a16="http://schemas.microsoft.com/office/drawing/2014/main" xmlns="" id="{F4C9D249-032C-475A-8DD4-7133757C6228}"/>
                 </a:ext>
               </a:extLst>
             </p:cNvPr>
@@ -26908,7 +26922,7 @@
             <p:cNvPr id="25" name="AutoShape 74">
               <a:extLst>
                 <a:ext uri="{FF2B5EF4-FFF2-40B4-BE49-F238E27FC236}">
-                  <a16:creationId xmlns:a16="http://schemas.microsoft.com/office/drawing/2014/main" id="{FD06EE78-DB9C-4147-A792-1A1651C56D70}"/>
+                  <a16:creationId xmlns:a16="http://schemas.microsoft.com/office/drawing/2014/main" xmlns="" id="{FD06EE78-DB9C-4147-A792-1A1651C56D70}"/>
                 </a:ext>
               </a:extLst>
             </p:cNvPr>
@@ -27025,7 +27039,7 @@
             <p:cNvPr id="26" name="AutoShape 75">
               <a:extLst>
                 <a:ext uri="{FF2B5EF4-FFF2-40B4-BE49-F238E27FC236}">
-                  <a16:creationId xmlns:a16="http://schemas.microsoft.com/office/drawing/2014/main" id="{215CB5EA-D210-42AC-9249-48C0507C375E}"/>
+                  <a16:creationId xmlns:a16="http://schemas.microsoft.com/office/drawing/2014/main" xmlns="" id="{215CB5EA-D210-42AC-9249-48C0507C375E}"/>
                 </a:ext>
               </a:extLst>
             </p:cNvPr>
@@ -27142,7 +27156,7 @@
             <p:cNvPr id="27" name="AutoShape 76">
               <a:extLst>
                 <a:ext uri="{FF2B5EF4-FFF2-40B4-BE49-F238E27FC236}">
-                  <a16:creationId xmlns:a16="http://schemas.microsoft.com/office/drawing/2014/main" id="{2CBFB27D-BCA6-4B68-AE6C-561D9E126604}"/>
+                  <a16:creationId xmlns:a16="http://schemas.microsoft.com/office/drawing/2014/main" xmlns="" id="{2CBFB27D-BCA6-4B68-AE6C-561D9E126604}"/>
                 </a:ext>
               </a:extLst>
             </p:cNvPr>
@@ -27259,7 +27273,7 @@
             <p:cNvPr id="28" name="AutoShape 77">
               <a:extLst>
                 <a:ext uri="{FF2B5EF4-FFF2-40B4-BE49-F238E27FC236}">
-                  <a16:creationId xmlns:a16="http://schemas.microsoft.com/office/drawing/2014/main" id="{86B979D6-CB09-4658-9DE3-B08511D49F0E}"/>
+                  <a16:creationId xmlns:a16="http://schemas.microsoft.com/office/drawing/2014/main" xmlns="" id="{86B979D6-CB09-4658-9DE3-B08511D49F0E}"/>
                 </a:ext>
               </a:extLst>
             </p:cNvPr>
@@ -27431,7 +27445,7 @@
           <p:cNvPr id="3" name="矩形 2">
             <a:extLst>
               <a:ext uri="{FF2B5EF4-FFF2-40B4-BE49-F238E27FC236}">
-                <a16:creationId xmlns:a16="http://schemas.microsoft.com/office/drawing/2014/main" id="{B1EF227F-F971-46C4-8C83-D820A502B67B}"/>
+                <a16:creationId xmlns:a16="http://schemas.microsoft.com/office/drawing/2014/main" xmlns="" id="{B1EF227F-F971-46C4-8C83-D820A502B67B}"/>
               </a:ext>
             </a:extLst>
           </p:cNvPr>
@@ -27476,7 +27490,7 @@
           <p:cNvPr id="4" name="矩形 3">
             <a:extLst>
               <a:ext uri="{FF2B5EF4-FFF2-40B4-BE49-F238E27FC236}">
-                <a16:creationId xmlns:a16="http://schemas.microsoft.com/office/drawing/2014/main" id="{9E909954-10C8-4280-953E-B54B27A00653}"/>
+                <a16:creationId xmlns:a16="http://schemas.microsoft.com/office/drawing/2014/main" xmlns="" id="{9E909954-10C8-4280-953E-B54B27A00653}"/>
               </a:ext>
             </a:extLst>
           </p:cNvPr>
@@ -27521,7 +27535,7 @@
           <p:cNvPr id="34" name="图片 33">
             <a:extLst>
               <a:ext uri="{FF2B5EF4-FFF2-40B4-BE49-F238E27FC236}">
-                <a16:creationId xmlns:a16="http://schemas.microsoft.com/office/drawing/2014/main" id="{F8E3B286-DAAA-4F07-A77A-092F9E165095}"/>
+                <a16:creationId xmlns:a16="http://schemas.microsoft.com/office/drawing/2014/main" xmlns="" id="{F8E3B286-DAAA-4F07-A77A-092F9E165095}"/>
               </a:ext>
             </a:extLst>
           </p:cNvPr>
@@ -27557,7 +27571,7 @@
           <p:cNvPr id="35" name="矩形 34">
             <a:extLst>
               <a:ext uri="{FF2B5EF4-FFF2-40B4-BE49-F238E27FC236}">
-                <a16:creationId xmlns:a16="http://schemas.microsoft.com/office/drawing/2014/main" id="{54AF0322-B4A2-40B1-9A55-B38BB637D31D}"/>
+                <a16:creationId xmlns:a16="http://schemas.microsoft.com/office/drawing/2014/main" xmlns="" id="{54AF0322-B4A2-40B1-9A55-B38BB637D31D}"/>
               </a:ext>
             </a:extLst>
           </p:cNvPr>
@@ -27621,7 +27635,7 @@
           <p:cNvPr id="36" name="矩形 35">
             <a:extLst>
               <a:ext uri="{FF2B5EF4-FFF2-40B4-BE49-F238E27FC236}">
-                <a16:creationId xmlns:a16="http://schemas.microsoft.com/office/drawing/2014/main" id="{8493C5D9-4D1D-43FC-8B4E-3EA5B187A304}"/>
+                <a16:creationId xmlns:a16="http://schemas.microsoft.com/office/drawing/2014/main" xmlns="" id="{8493C5D9-4D1D-43FC-8B4E-3EA5B187A304}"/>
               </a:ext>
             </a:extLst>
           </p:cNvPr>
@@ -27666,7 +27680,7 @@
           <p:cNvPr id="37" name="矩形 36">
             <a:extLst>
               <a:ext uri="{FF2B5EF4-FFF2-40B4-BE49-F238E27FC236}">
-                <a16:creationId xmlns:a16="http://schemas.microsoft.com/office/drawing/2014/main" id="{5B81C827-0FE4-40E1-8D00-0959CC7BC2F9}"/>
+                <a16:creationId xmlns:a16="http://schemas.microsoft.com/office/drawing/2014/main" xmlns="" id="{5B81C827-0FE4-40E1-8D00-0959CC7BC2F9}"/>
               </a:ext>
             </a:extLst>
           </p:cNvPr>
@@ -27712,7 +27726,7 @@
           <p:cNvPr id="38" name="椭圆 37">
             <a:extLst>
               <a:ext uri="{FF2B5EF4-FFF2-40B4-BE49-F238E27FC236}">
-                <a16:creationId xmlns:a16="http://schemas.microsoft.com/office/drawing/2014/main" id="{E5869446-5A6C-4FEF-953E-E327B000A458}"/>
+                <a16:creationId xmlns:a16="http://schemas.microsoft.com/office/drawing/2014/main" xmlns="" id="{E5869446-5A6C-4FEF-953E-E327B000A458}"/>
               </a:ext>
             </a:extLst>
           </p:cNvPr>
@@ -27764,7 +27778,7 @@
           <p:cNvPr id="39" name="椭圆 38">
             <a:extLst>
               <a:ext uri="{FF2B5EF4-FFF2-40B4-BE49-F238E27FC236}">
-                <a16:creationId xmlns:a16="http://schemas.microsoft.com/office/drawing/2014/main" id="{59775499-062C-4B20-A38F-156BBA604179}"/>
+                <a16:creationId xmlns:a16="http://schemas.microsoft.com/office/drawing/2014/main" xmlns="" id="{59775499-062C-4B20-A38F-156BBA604179}"/>
               </a:ext>
             </a:extLst>
           </p:cNvPr>
@@ -27816,7 +27830,7 @@
           <p:cNvPr id="40" name="矩形 39">
             <a:extLst>
               <a:ext uri="{FF2B5EF4-FFF2-40B4-BE49-F238E27FC236}">
-                <a16:creationId xmlns:a16="http://schemas.microsoft.com/office/drawing/2014/main" id="{F79A2B3F-B989-434C-BECD-EDE83906BD60}"/>
+                <a16:creationId xmlns:a16="http://schemas.microsoft.com/office/drawing/2014/main" xmlns="" id="{F79A2B3F-B989-434C-BECD-EDE83906BD60}"/>
               </a:ext>
             </a:extLst>
           </p:cNvPr>
@@ -27862,7 +27876,7 @@
           <p:cNvPr id="41" name="矩形 40">
             <a:extLst>
               <a:ext uri="{FF2B5EF4-FFF2-40B4-BE49-F238E27FC236}">
-                <a16:creationId xmlns:a16="http://schemas.microsoft.com/office/drawing/2014/main" id="{E7E57A3C-8443-49FF-9826-9C5E2E058FD6}"/>
+                <a16:creationId xmlns:a16="http://schemas.microsoft.com/office/drawing/2014/main" xmlns="" id="{E7E57A3C-8443-49FF-9826-9C5E2E058FD6}"/>
               </a:ext>
             </a:extLst>
           </p:cNvPr>
@@ -27908,7 +27922,7 @@
           <p:cNvPr id="13" name="Group 69">
             <a:extLst>
               <a:ext uri="{FF2B5EF4-FFF2-40B4-BE49-F238E27FC236}">
-                <a16:creationId xmlns:a16="http://schemas.microsoft.com/office/drawing/2014/main" id="{AB4DA541-D62E-4DEA-AA34-72DECD7657D7}"/>
+                <a16:creationId xmlns:a16="http://schemas.microsoft.com/office/drawing/2014/main" xmlns="" id="{AB4DA541-D62E-4DEA-AA34-72DECD7657D7}"/>
               </a:ext>
             </a:extLst>
           </p:cNvPr>
@@ -27931,7 +27945,7 @@
             <p:cNvPr id="14" name="AutoShape 69">
               <a:extLst>
                 <a:ext uri="{FF2B5EF4-FFF2-40B4-BE49-F238E27FC236}">
-                  <a16:creationId xmlns:a16="http://schemas.microsoft.com/office/drawing/2014/main" id="{E15ABEED-E4CA-4CED-9584-EA4288A74F38}"/>
+                  <a16:creationId xmlns:a16="http://schemas.microsoft.com/office/drawing/2014/main" xmlns="" id="{E15ABEED-E4CA-4CED-9584-EA4288A74F38}"/>
                 </a:ext>
               </a:extLst>
             </p:cNvPr>
@@ -28138,7 +28152,7 @@
             <p:cNvPr id="15" name="AutoShape 70">
               <a:extLst>
                 <a:ext uri="{FF2B5EF4-FFF2-40B4-BE49-F238E27FC236}">
-                  <a16:creationId xmlns:a16="http://schemas.microsoft.com/office/drawing/2014/main" id="{1D907B55-E7F0-4E9F-A792-4B98F318F5B2}"/>
+                  <a16:creationId xmlns:a16="http://schemas.microsoft.com/office/drawing/2014/main" xmlns="" id="{1D907B55-E7F0-4E9F-A792-4B98F318F5B2}"/>
                 </a:ext>
               </a:extLst>
             </p:cNvPr>
@@ -28255,7 +28269,7 @@
             <p:cNvPr id="16" name="AutoShape 71">
               <a:extLst>
                 <a:ext uri="{FF2B5EF4-FFF2-40B4-BE49-F238E27FC236}">
-                  <a16:creationId xmlns:a16="http://schemas.microsoft.com/office/drawing/2014/main" id="{14B073FD-8752-4152-B96B-CA2AA8BD8461}"/>
+                  <a16:creationId xmlns:a16="http://schemas.microsoft.com/office/drawing/2014/main" xmlns="" id="{14B073FD-8752-4152-B96B-CA2AA8BD8461}"/>
                 </a:ext>
               </a:extLst>
             </p:cNvPr>
@@ -28372,7 +28386,7 @@
             <p:cNvPr id="17" name="AutoShape 72">
               <a:extLst>
                 <a:ext uri="{FF2B5EF4-FFF2-40B4-BE49-F238E27FC236}">
-                  <a16:creationId xmlns:a16="http://schemas.microsoft.com/office/drawing/2014/main" id="{09A1A286-01FD-4F8A-AEAE-00E63A5867D7}"/>
+                  <a16:creationId xmlns:a16="http://schemas.microsoft.com/office/drawing/2014/main" xmlns="" id="{09A1A286-01FD-4F8A-AEAE-00E63A5867D7}"/>
                 </a:ext>
               </a:extLst>
             </p:cNvPr>
@@ -28489,7 +28503,7 @@
             <p:cNvPr id="18" name="AutoShape 73">
               <a:extLst>
                 <a:ext uri="{FF2B5EF4-FFF2-40B4-BE49-F238E27FC236}">
-                  <a16:creationId xmlns:a16="http://schemas.microsoft.com/office/drawing/2014/main" id="{97AC18C2-BE5B-42A9-AA93-3E9879DE662C}"/>
+                  <a16:creationId xmlns:a16="http://schemas.microsoft.com/office/drawing/2014/main" xmlns="" id="{97AC18C2-BE5B-42A9-AA93-3E9879DE662C}"/>
                 </a:ext>
               </a:extLst>
             </p:cNvPr>
@@ -28606,7 +28620,7 @@
             <p:cNvPr id="19" name="AutoShape 74">
               <a:extLst>
                 <a:ext uri="{FF2B5EF4-FFF2-40B4-BE49-F238E27FC236}">
-                  <a16:creationId xmlns:a16="http://schemas.microsoft.com/office/drawing/2014/main" id="{43A4495B-4792-4837-8303-5ADDACB3DCCF}"/>
+                  <a16:creationId xmlns:a16="http://schemas.microsoft.com/office/drawing/2014/main" xmlns="" id="{43A4495B-4792-4837-8303-5ADDACB3DCCF}"/>
                 </a:ext>
               </a:extLst>
             </p:cNvPr>
@@ -28723,7 +28737,7 @@
             <p:cNvPr id="20" name="AutoShape 75">
               <a:extLst>
                 <a:ext uri="{FF2B5EF4-FFF2-40B4-BE49-F238E27FC236}">
-                  <a16:creationId xmlns:a16="http://schemas.microsoft.com/office/drawing/2014/main" id="{ACD6B7AE-6181-402C-BB49-48E26BC67D71}"/>
+                  <a16:creationId xmlns:a16="http://schemas.microsoft.com/office/drawing/2014/main" xmlns="" id="{ACD6B7AE-6181-402C-BB49-48E26BC67D71}"/>
                 </a:ext>
               </a:extLst>
             </p:cNvPr>
@@ -28840,7 +28854,7 @@
             <p:cNvPr id="21" name="AutoShape 76">
               <a:extLst>
                 <a:ext uri="{FF2B5EF4-FFF2-40B4-BE49-F238E27FC236}">
-                  <a16:creationId xmlns:a16="http://schemas.microsoft.com/office/drawing/2014/main" id="{555AF690-63F9-4CED-A41F-BDA23C51D0F8}"/>
+                  <a16:creationId xmlns:a16="http://schemas.microsoft.com/office/drawing/2014/main" xmlns="" id="{555AF690-63F9-4CED-A41F-BDA23C51D0F8}"/>
                 </a:ext>
               </a:extLst>
             </p:cNvPr>
@@ -28957,7 +28971,7 @@
             <p:cNvPr id="22" name="AutoShape 77">
               <a:extLst>
                 <a:ext uri="{FF2B5EF4-FFF2-40B4-BE49-F238E27FC236}">
-                  <a16:creationId xmlns:a16="http://schemas.microsoft.com/office/drawing/2014/main" id="{BA5691DF-DA2B-4244-A123-6AF505ACC8F0}"/>
+                  <a16:creationId xmlns:a16="http://schemas.microsoft.com/office/drawing/2014/main" xmlns="" id="{BA5691DF-DA2B-4244-A123-6AF505ACC8F0}"/>
                 </a:ext>
               </a:extLst>
             </p:cNvPr>
@@ -29099,7 +29113,7 @@
           <p:cNvPr id="23" name="AutoShape 112">
             <a:extLst>
               <a:ext uri="{FF2B5EF4-FFF2-40B4-BE49-F238E27FC236}">
-                <a16:creationId xmlns:a16="http://schemas.microsoft.com/office/drawing/2014/main" id="{DD39E160-5434-464B-907D-F3ADCFBAAD93}"/>
+                <a16:creationId xmlns:a16="http://schemas.microsoft.com/office/drawing/2014/main" xmlns="" id="{DD39E160-5434-464B-907D-F3ADCFBAAD93}"/>
               </a:ext>
             </a:extLst>
           </p:cNvPr>
@@ -29499,7 +29513,7 @@
           <p:cNvPr id="3" name="矩形 2">
             <a:extLst>
               <a:ext uri="{FF2B5EF4-FFF2-40B4-BE49-F238E27FC236}">
-                <a16:creationId xmlns:a16="http://schemas.microsoft.com/office/drawing/2014/main" id="{B1EF227F-F971-46C4-8C83-D820A502B67B}"/>
+                <a16:creationId xmlns:a16="http://schemas.microsoft.com/office/drawing/2014/main" xmlns="" id="{B1EF227F-F971-46C4-8C83-D820A502B67B}"/>
               </a:ext>
             </a:extLst>
           </p:cNvPr>
@@ -29544,7 +29558,7 @@
           <p:cNvPr id="4" name="矩形 3">
             <a:extLst>
               <a:ext uri="{FF2B5EF4-FFF2-40B4-BE49-F238E27FC236}">
-                <a16:creationId xmlns:a16="http://schemas.microsoft.com/office/drawing/2014/main" id="{9E909954-10C8-4280-953E-B54B27A00653}"/>
+                <a16:creationId xmlns:a16="http://schemas.microsoft.com/office/drawing/2014/main" xmlns="" id="{9E909954-10C8-4280-953E-B54B27A00653}"/>
               </a:ext>
             </a:extLst>
           </p:cNvPr>
@@ -29589,7 +29603,7 @@
           <p:cNvPr id="42" name="Group 34">
             <a:extLst>
               <a:ext uri="{FF2B5EF4-FFF2-40B4-BE49-F238E27FC236}">
-                <a16:creationId xmlns:a16="http://schemas.microsoft.com/office/drawing/2014/main" id="{30FDCFE4-D1B5-478F-9C8E-DFEC078CB627}"/>
+                <a16:creationId xmlns:a16="http://schemas.microsoft.com/office/drawing/2014/main" xmlns="" id="{30FDCFE4-D1B5-478F-9C8E-DFEC078CB627}"/>
               </a:ext>
             </a:extLst>
           </p:cNvPr>
@@ -29614,7 +29628,7 @@
             <p:cNvPr id="43" name="Rectangle 20">
               <a:extLst>
                 <a:ext uri="{FF2B5EF4-FFF2-40B4-BE49-F238E27FC236}">
-                  <a16:creationId xmlns:a16="http://schemas.microsoft.com/office/drawing/2014/main" id="{F499029D-15B2-45BF-B68F-6D3611654D6E}"/>
+                  <a16:creationId xmlns:a16="http://schemas.microsoft.com/office/drawing/2014/main" xmlns="" id="{F499029D-15B2-45BF-B68F-6D3611654D6E}"/>
                 </a:ext>
               </a:extLst>
             </p:cNvPr>
@@ -29670,7 +29684,7 @@
             <p:cNvPr id="44" name="Freeform 22">
               <a:extLst>
                 <a:ext uri="{FF2B5EF4-FFF2-40B4-BE49-F238E27FC236}">
-                  <a16:creationId xmlns:a16="http://schemas.microsoft.com/office/drawing/2014/main" id="{BA3997CB-B10A-4373-8F94-20C998446FB5}"/>
+                  <a16:creationId xmlns:a16="http://schemas.microsoft.com/office/drawing/2014/main" xmlns="" id="{BA3997CB-B10A-4373-8F94-20C998446FB5}"/>
                 </a:ext>
               </a:extLst>
             </p:cNvPr>
@@ -29780,7 +29794,7 @@
           <p:cNvPr id="45" name="Group 35">
             <a:extLst>
               <a:ext uri="{FF2B5EF4-FFF2-40B4-BE49-F238E27FC236}">
-                <a16:creationId xmlns:a16="http://schemas.microsoft.com/office/drawing/2014/main" id="{4C13581F-D7D9-49B8-972E-2761F606FF36}"/>
+                <a16:creationId xmlns:a16="http://schemas.microsoft.com/office/drawing/2014/main" xmlns="" id="{4C13581F-D7D9-49B8-972E-2761F606FF36}"/>
               </a:ext>
             </a:extLst>
           </p:cNvPr>
@@ -29805,7 +29819,7 @@
             <p:cNvPr id="46" name="Rectangle 24">
               <a:extLst>
                 <a:ext uri="{FF2B5EF4-FFF2-40B4-BE49-F238E27FC236}">
-                  <a16:creationId xmlns:a16="http://schemas.microsoft.com/office/drawing/2014/main" id="{1EE99D02-BAC0-4FB2-9821-BA3A85C33B6D}"/>
+                  <a16:creationId xmlns:a16="http://schemas.microsoft.com/office/drawing/2014/main" xmlns="" id="{1EE99D02-BAC0-4FB2-9821-BA3A85C33B6D}"/>
                 </a:ext>
               </a:extLst>
             </p:cNvPr>
@@ -29861,7 +29875,7 @@
             <p:cNvPr id="47" name="Freeform 26">
               <a:extLst>
                 <a:ext uri="{FF2B5EF4-FFF2-40B4-BE49-F238E27FC236}">
-                  <a16:creationId xmlns:a16="http://schemas.microsoft.com/office/drawing/2014/main" id="{D105B37C-FD1B-4E6D-8C31-ECBE31198487}"/>
+                  <a16:creationId xmlns:a16="http://schemas.microsoft.com/office/drawing/2014/main" xmlns="" id="{D105B37C-FD1B-4E6D-8C31-ECBE31198487}"/>
                 </a:ext>
               </a:extLst>
             </p:cNvPr>
@@ -29971,7 +29985,7 @@
           <p:cNvPr id="48" name="Group 34">
             <a:extLst>
               <a:ext uri="{FF2B5EF4-FFF2-40B4-BE49-F238E27FC236}">
-                <a16:creationId xmlns:a16="http://schemas.microsoft.com/office/drawing/2014/main" id="{1BBCCD85-7885-4F4B-9662-535ABCEEE453}"/>
+                <a16:creationId xmlns:a16="http://schemas.microsoft.com/office/drawing/2014/main" xmlns="" id="{1BBCCD85-7885-4F4B-9662-535ABCEEE453}"/>
               </a:ext>
             </a:extLst>
           </p:cNvPr>
@@ -29996,7 +30010,7 @@
             <p:cNvPr id="49" name="Rectangle 20">
               <a:extLst>
                 <a:ext uri="{FF2B5EF4-FFF2-40B4-BE49-F238E27FC236}">
-                  <a16:creationId xmlns:a16="http://schemas.microsoft.com/office/drawing/2014/main" id="{63E57EFB-604B-4359-8F08-9AF5C1545A6F}"/>
+                  <a16:creationId xmlns:a16="http://schemas.microsoft.com/office/drawing/2014/main" xmlns="" id="{63E57EFB-604B-4359-8F08-9AF5C1545A6F}"/>
                 </a:ext>
               </a:extLst>
             </p:cNvPr>
@@ -30052,7 +30066,7 @@
             <p:cNvPr id="50" name="Freeform 22">
               <a:extLst>
                 <a:ext uri="{FF2B5EF4-FFF2-40B4-BE49-F238E27FC236}">
-                  <a16:creationId xmlns:a16="http://schemas.microsoft.com/office/drawing/2014/main" id="{E87CA9D2-BFCC-431E-9466-A41326FE24DA}"/>
+                  <a16:creationId xmlns:a16="http://schemas.microsoft.com/office/drawing/2014/main" xmlns="" id="{E87CA9D2-BFCC-431E-9466-A41326FE24DA}"/>
                 </a:ext>
               </a:extLst>
             </p:cNvPr>
@@ -30162,7 +30176,7 @@
           <p:cNvPr id="51" name="Group 35">
             <a:extLst>
               <a:ext uri="{FF2B5EF4-FFF2-40B4-BE49-F238E27FC236}">
-                <a16:creationId xmlns:a16="http://schemas.microsoft.com/office/drawing/2014/main" id="{FD003959-85C7-4EAF-ABDB-194B44EECA54}"/>
+                <a16:creationId xmlns:a16="http://schemas.microsoft.com/office/drawing/2014/main" xmlns="" id="{FD003959-85C7-4EAF-ABDB-194B44EECA54}"/>
               </a:ext>
             </a:extLst>
           </p:cNvPr>
@@ -30187,7 +30201,7 @@
             <p:cNvPr id="52" name="Rectangle 24">
               <a:extLst>
                 <a:ext uri="{FF2B5EF4-FFF2-40B4-BE49-F238E27FC236}">
-                  <a16:creationId xmlns:a16="http://schemas.microsoft.com/office/drawing/2014/main" id="{EB8560F1-358F-4D0D-8ECF-E911B946C8FE}"/>
+                  <a16:creationId xmlns:a16="http://schemas.microsoft.com/office/drawing/2014/main" xmlns="" id="{EB8560F1-358F-4D0D-8ECF-E911B946C8FE}"/>
                 </a:ext>
               </a:extLst>
             </p:cNvPr>
@@ -30243,7 +30257,7 @@
             <p:cNvPr id="53" name="Freeform 26">
               <a:extLst>
                 <a:ext uri="{FF2B5EF4-FFF2-40B4-BE49-F238E27FC236}">
-                  <a16:creationId xmlns:a16="http://schemas.microsoft.com/office/drawing/2014/main" id="{6961FAAA-AEE7-4D48-9EE1-330403005E06}"/>
+                  <a16:creationId xmlns:a16="http://schemas.microsoft.com/office/drawing/2014/main" xmlns="" id="{6961FAAA-AEE7-4D48-9EE1-330403005E06}"/>
                 </a:ext>
               </a:extLst>
             </p:cNvPr>
@@ -30353,7 +30367,7 @@
           <p:cNvPr id="54" name="矩形 53">
             <a:extLst>
               <a:ext uri="{FF2B5EF4-FFF2-40B4-BE49-F238E27FC236}">
-                <a16:creationId xmlns:a16="http://schemas.microsoft.com/office/drawing/2014/main" id="{EC5FE752-016E-46FC-A498-3EF5413EDD87}"/>
+                <a16:creationId xmlns:a16="http://schemas.microsoft.com/office/drawing/2014/main" xmlns="" id="{EC5FE752-016E-46FC-A498-3EF5413EDD87}"/>
               </a:ext>
             </a:extLst>
           </p:cNvPr>
@@ -30398,7 +30412,7 @@
           <p:cNvPr id="55" name="矩形 54">
             <a:extLst>
               <a:ext uri="{FF2B5EF4-FFF2-40B4-BE49-F238E27FC236}">
-                <a16:creationId xmlns:a16="http://schemas.microsoft.com/office/drawing/2014/main" id="{1CC3500D-29BB-472C-8039-AF934D6DDC8C}"/>
+                <a16:creationId xmlns:a16="http://schemas.microsoft.com/office/drawing/2014/main" xmlns="" id="{1CC3500D-29BB-472C-8039-AF934D6DDC8C}"/>
               </a:ext>
             </a:extLst>
           </p:cNvPr>
@@ -30447,7 +30461,7 @@
           <p:cNvPr id="56" name="矩形 55">
             <a:extLst>
               <a:ext uri="{FF2B5EF4-FFF2-40B4-BE49-F238E27FC236}">
-                <a16:creationId xmlns:a16="http://schemas.microsoft.com/office/drawing/2014/main" id="{C17C7266-0F9C-4729-A9C3-08616C2F864D}"/>
+                <a16:creationId xmlns:a16="http://schemas.microsoft.com/office/drawing/2014/main" xmlns="" id="{C17C7266-0F9C-4729-A9C3-08616C2F864D}"/>
               </a:ext>
             </a:extLst>
           </p:cNvPr>
@@ -30492,7 +30506,7 @@
           <p:cNvPr id="57" name="矩形 56">
             <a:extLst>
               <a:ext uri="{FF2B5EF4-FFF2-40B4-BE49-F238E27FC236}">
-                <a16:creationId xmlns:a16="http://schemas.microsoft.com/office/drawing/2014/main" id="{09A154E0-3D28-435F-A44C-5F5A5D519612}"/>
+                <a16:creationId xmlns:a16="http://schemas.microsoft.com/office/drawing/2014/main" xmlns="" id="{09A154E0-3D28-435F-A44C-5F5A5D519612}"/>
               </a:ext>
             </a:extLst>
           </p:cNvPr>
@@ -30541,7 +30555,7 @@
           <p:cNvPr id="58" name="矩形 57">
             <a:extLst>
               <a:ext uri="{FF2B5EF4-FFF2-40B4-BE49-F238E27FC236}">
-                <a16:creationId xmlns:a16="http://schemas.microsoft.com/office/drawing/2014/main" id="{1F7A9388-8A3B-4D9F-86FF-BCC42BBAEABC}"/>
+                <a16:creationId xmlns:a16="http://schemas.microsoft.com/office/drawing/2014/main" xmlns="" id="{1F7A9388-8A3B-4D9F-86FF-BCC42BBAEABC}"/>
               </a:ext>
             </a:extLst>
           </p:cNvPr>
@@ -30586,7 +30600,7 @@
           <p:cNvPr id="59" name="矩形 58">
             <a:extLst>
               <a:ext uri="{FF2B5EF4-FFF2-40B4-BE49-F238E27FC236}">
-                <a16:creationId xmlns:a16="http://schemas.microsoft.com/office/drawing/2014/main" id="{5304E729-9160-42FE-AEE2-D03656DB4BEF}"/>
+                <a16:creationId xmlns:a16="http://schemas.microsoft.com/office/drawing/2014/main" xmlns="" id="{5304E729-9160-42FE-AEE2-D03656DB4BEF}"/>
               </a:ext>
             </a:extLst>
           </p:cNvPr>
@@ -30635,7 +30649,7 @@
           <p:cNvPr id="60" name="矩形 59">
             <a:extLst>
               <a:ext uri="{FF2B5EF4-FFF2-40B4-BE49-F238E27FC236}">
-                <a16:creationId xmlns:a16="http://schemas.microsoft.com/office/drawing/2014/main" id="{1CA34843-8553-49BB-A034-183FE338DA49}"/>
+                <a16:creationId xmlns:a16="http://schemas.microsoft.com/office/drawing/2014/main" xmlns="" id="{1CA34843-8553-49BB-A034-183FE338DA49}"/>
               </a:ext>
             </a:extLst>
           </p:cNvPr>
@@ -30680,7 +30694,7 @@
           <p:cNvPr id="61" name="矩形 60">
             <a:extLst>
               <a:ext uri="{FF2B5EF4-FFF2-40B4-BE49-F238E27FC236}">
-                <a16:creationId xmlns:a16="http://schemas.microsoft.com/office/drawing/2014/main" id="{F7670E7A-6ACE-4FE0-B9F9-B2D7BB1EFE48}"/>
+                <a16:creationId xmlns:a16="http://schemas.microsoft.com/office/drawing/2014/main" xmlns="" id="{F7670E7A-6ACE-4FE0-B9F9-B2D7BB1EFE48}"/>
               </a:ext>
             </a:extLst>
           </p:cNvPr>
@@ -30729,7 +30743,7 @@
           <p:cNvPr id="25" name="组合 24">
             <a:extLst>
               <a:ext uri="{FF2B5EF4-FFF2-40B4-BE49-F238E27FC236}">
-                <a16:creationId xmlns:a16="http://schemas.microsoft.com/office/drawing/2014/main" id="{EBAED922-E63C-46C2-B1C7-2E52EC108F8E}"/>
+                <a16:creationId xmlns:a16="http://schemas.microsoft.com/office/drawing/2014/main" xmlns="" id="{EBAED922-E63C-46C2-B1C7-2E52EC108F8E}"/>
               </a:ext>
             </a:extLst>
           </p:cNvPr>
@@ -30749,7 +30763,7 @@
             <p:cNvPr id="26" name="AutoShape 37">
               <a:extLst>
                 <a:ext uri="{FF2B5EF4-FFF2-40B4-BE49-F238E27FC236}">
-                  <a16:creationId xmlns:a16="http://schemas.microsoft.com/office/drawing/2014/main" id="{F8912B70-C572-4F1E-8116-6D7470321250}"/>
+                  <a16:creationId xmlns:a16="http://schemas.microsoft.com/office/drawing/2014/main" xmlns="" id="{F8912B70-C572-4F1E-8116-6D7470321250}"/>
                 </a:ext>
               </a:extLst>
             </p:cNvPr>
@@ -31039,7 +31053,7 @@
             <p:cNvPr id="27" name="AutoShape 38">
               <a:extLst>
                 <a:ext uri="{FF2B5EF4-FFF2-40B4-BE49-F238E27FC236}">
-                  <a16:creationId xmlns:a16="http://schemas.microsoft.com/office/drawing/2014/main" id="{12213540-F2C2-4A1F-A9D8-0FCEE26449AC}"/>
+                  <a16:creationId xmlns:a16="http://schemas.microsoft.com/office/drawing/2014/main" xmlns="" id="{12213540-F2C2-4A1F-A9D8-0FCEE26449AC}"/>
                 </a:ext>
               </a:extLst>
             </p:cNvPr>
@@ -31175,7 +31189,7 @@
             <p:cNvPr id="28" name="AutoShape 39">
               <a:extLst>
                 <a:ext uri="{FF2B5EF4-FFF2-40B4-BE49-F238E27FC236}">
-                  <a16:creationId xmlns:a16="http://schemas.microsoft.com/office/drawing/2014/main" id="{DD694D6A-D53F-4A81-B5DD-85325CAF98AB}"/>
+                  <a16:creationId xmlns:a16="http://schemas.microsoft.com/office/drawing/2014/main" xmlns="" id="{DD694D6A-D53F-4A81-B5DD-85325CAF98AB}"/>
                 </a:ext>
               </a:extLst>
             </p:cNvPr>
@@ -31311,7 +31325,7 @@
             <p:cNvPr id="29" name="AutoShape 40">
               <a:extLst>
                 <a:ext uri="{FF2B5EF4-FFF2-40B4-BE49-F238E27FC236}">
-                  <a16:creationId xmlns:a16="http://schemas.microsoft.com/office/drawing/2014/main" id="{E745A55B-5663-4625-8A34-BD390F3CDD1C}"/>
+                  <a16:creationId xmlns:a16="http://schemas.microsoft.com/office/drawing/2014/main" xmlns="" id="{E745A55B-5663-4625-8A34-BD390F3CDD1C}"/>
                 </a:ext>
               </a:extLst>
             </p:cNvPr>
@@ -31447,7 +31461,7 @@
             <p:cNvPr id="30" name="AutoShape 41">
               <a:extLst>
                 <a:ext uri="{FF2B5EF4-FFF2-40B4-BE49-F238E27FC236}">
-                  <a16:creationId xmlns:a16="http://schemas.microsoft.com/office/drawing/2014/main" id="{CDD39492-16F5-4AA4-A6D4-2165C6A4F7A0}"/>
+                  <a16:creationId xmlns:a16="http://schemas.microsoft.com/office/drawing/2014/main" xmlns="" id="{CDD39492-16F5-4AA4-A6D4-2165C6A4F7A0}"/>
                 </a:ext>
               </a:extLst>
             </p:cNvPr>
@@ -31560,7 +31574,7 @@
             <p:cNvPr id="31" name="AutoShape 42">
               <a:extLst>
                 <a:ext uri="{FF2B5EF4-FFF2-40B4-BE49-F238E27FC236}">
-                  <a16:creationId xmlns:a16="http://schemas.microsoft.com/office/drawing/2014/main" id="{3EE6F70D-063E-4507-AD67-824E648632F1}"/>
+                  <a16:creationId xmlns:a16="http://schemas.microsoft.com/office/drawing/2014/main" xmlns="" id="{3EE6F70D-063E-4507-AD67-824E648632F1}"/>
                 </a:ext>
               </a:extLst>
             </p:cNvPr>
@@ -31674,7 +31688,7 @@
           <p:cNvPr id="32" name="Group 112">
             <a:extLst>
               <a:ext uri="{FF2B5EF4-FFF2-40B4-BE49-F238E27FC236}">
-                <a16:creationId xmlns:a16="http://schemas.microsoft.com/office/drawing/2014/main" id="{6C6539DA-33B8-4461-B4BE-A2FF6A63FEF1}"/>
+                <a16:creationId xmlns:a16="http://schemas.microsoft.com/office/drawing/2014/main" xmlns="" id="{6C6539DA-33B8-4461-B4BE-A2FF6A63FEF1}"/>
               </a:ext>
             </a:extLst>
           </p:cNvPr>
@@ -31697,7 +31711,7 @@
             <p:cNvPr id="33" name="AutoShape 110">
               <a:extLst>
                 <a:ext uri="{FF2B5EF4-FFF2-40B4-BE49-F238E27FC236}">
-                  <a16:creationId xmlns:a16="http://schemas.microsoft.com/office/drawing/2014/main" id="{21CC8C20-00DB-4966-957E-474009EF93F6}"/>
+                  <a16:creationId xmlns:a16="http://schemas.microsoft.com/office/drawing/2014/main" xmlns="" id="{21CC8C20-00DB-4966-957E-474009EF93F6}"/>
                 </a:ext>
               </a:extLst>
             </p:cNvPr>
@@ -31838,7 +31852,7 @@
             <p:cNvPr id="34" name="AutoShape 111">
               <a:extLst>
                 <a:ext uri="{FF2B5EF4-FFF2-40B4-BE49-F238E27FC236}">
-                  <a16:creationId xmlns:a16="http://schemas.microsoft.com/office/drawing/2014/main" id="{F2AAF580-60AB-4324-A7CF-E71970AEBA96}"/>
+                  <a16:creationId xmlns:a16="http://schemas.microsoft.com/office/drawing/2014/main" xmlns="" id="{F2AAF580-60AB-4324-A7CF-E71970AEBA96}"/>
                 </a:ext>
               </a:extLst>
             </p:cNvPr>
@@ -32044,7 +32058,7 @@
           <p:cNvPr id="35" name="AutoShape 112">
             <a:extLst>
               <a:ext uri="{FF2B5EF4-FFF2-40B4-BE49-F238E27FC236}">
-                <a16:creationId xmlns:a16="http://schemas.microsoft.com/office/drawing/2014/main" id="{11B5B3C5-DA4B-4987-943B-00AC63452F74}"/>
+                <a16:creationId xmlns:a16="http://schemas.microsoft.com/office/drawing/2014/main" xmlns="" id="{11B5B3C5-DA4B-4987-943B-00AC63452F74}"/>
               </a:ext>
             </a:extLst>
           </p:cNvPr>
@@ -32414,7 +32428,7 @@
           <p:cNvPr id="36" name="组合 35">
             <a:extLst>
               <a:ext uri="{FF2B5EF4-FFF2-40B4-BE49-F238E27FC236}">
-                <a16:creationId xmlns:a16="http://schemas.microsoft.com/office/drawing/2014/main" id="{7396ABCB-037B-45E6-B476-EC4AAEBA6BE9}"/>
+                <a16:creationId xmlns:a16="http://schemas.microsoft.com/office/drawing/2014/main" xmlns="" id="{7396ABCB-037B-45E6-B476-EC4AAEBA6BE9}"/>
               </a:ext>
             </a:extLst>
           </p:cNvPr>
@@ -32437,7 +32451,7 @@
             <p:cNvPr id="37" name="AutoShape 126">
               <a:extLst>
                 <a:ext uri="{FF2B5EF4-FFF2-40B4-BE49-F238E27FC236}">
-                  <a16:creationId xmlns:a16="http://schemas.microsoft.com/office/drawing/2014/main" id="{229E0467-131D-4D7A-AC25-BE1E0DF02D3F}"/>
+                  <a16:creationId xmlns:a16="http://schemas.microsoft.com/office/drawing/2014/main" xmlns="" id="{229E0467-131D-4D7A-AC25-BE1E0DF02D3F}"/>
                 </a:ext>
               </a:extLst>
             </p:cNvPr>
@@ -32638,7 +32652,7 @@
             <p:cNvPr id="38" name="AutoShape 127">
               <a:extLst>
                 <a:ext uri="{FF2B5EF4-FFF2-40B4-BE49-F238E27FC236}">
-                  <a16:creationId xmlns:a16="http://schemas.microsoft.com/office/drawing/2014/main" id="{93F1E1C3-B84F-46C0-A0DC-E04C20477788}"/>
+                  <a16:creationId xmlns:a16="http://schemas.microsoft.com/office/drawing/2014/main" xmlns="" id="{93F1E1C3-B84F-46C0-A0DC-E04C20477788}"/>
                 </a:ext>
               </a:extLst>
             </p:cNvPr>
@@ -32760,7 +32774,7 @@
           <p:cNvPr id="39" name="Group 69">
             <a:extLst>
               <a:ext uri="{FF2B5EF4-FFF2-40B4-BE49-F238E27FC236}">
-                <a16:creationId xmlns:a16="http://schemas.microsoft.com/office/drawing/2014/main" id="{232ED120-9D12-4BDD-8323-1BFD28B4CF4A}"/>
+                <a16:creationId xmlns:a16="http://schemas.microsoft.com/office/drawing/2014/main" xmlns="" id="{232ED120-9D12-4BDD-8323-1BFD28B4CF4A}"/>
               </a:ext>
             </a:extLst>
           </p:cNvPr>
@@ -32783,7 +32797,7 @@
             <p:cNvPr id="40" name="AutoShape 69">
               <a:extLst>
                 <a:ext uri="{FF2B5EF4-FFF2-40B4-BE49-F238E27FC236}">
-                  <a16:creationId xmlns:a16="http://schemas.microsoft.com/office/drawing/2014/main" id="{75D291D9-C0F3-4CC9-B1CE-4CD85420071A}"/>
+                  <a16:creationId xmlns:a16="http://schemas.microsoft.com/office/drawing/2014/main" xmlns="" id="{75D291D9-C0F3-4CC9-B1CE-4CD85420071A}"/>
                 </a:ext>
               </a:extLst>
             </p:cNvPr>
@@ -32990,7 +33004,7 @@
             <p:cNvPr id="41" name="AutoShape 70">
               <a:extLst>
                 <a:ext uri="{FF2B5EF4-FFF2-40B4-BE49-F238E27FC236}">
-                  <a16:creationId xmlns:a16="http://schemas.microsoft.com/office/drawing/2014/main" id="{F2DCDD8E-17FA-4A58-A06B-5FE6C22DCF0C}"/>
+                  <a16:creationId xmlns:a16="http://schemas.microsoft.com/office/drawing/2014/main" xmlns="" id="{F2DCDD8E-17FA-4A58-A06B-5FE6C22DCF0C}"/>
                 </a:ext>
               </a:extLst>
             </p:cNvPr>
@@ -33107,7 +33121,7 @@
             <p:cNvPr id="62" name="AutoShape 71">
               <a:extLst>
                 <a:ext uri="{FF2B5EF4-FFF2-40B4-BE49-F238E27FC236}">
-                  <a16:creationId xmlns:a16="http://schemas.microsoft.com/office/drawing/2014/main" id="{6F803A87-E556-4EBE-A896-2D3E35FE9899}"/>
+                  <a16:creationId xmlns:a16="http://schemas.microsoft.com/office/drawing/2014/main" xmlns="" id="{6F803A87-E556-4EBE-A896-2D3E35FE9899}"/>
                 </a:ext>
               </a:extLst>
             </p:cNvPr>
@@ -33224,7 +33238,7 @@
             <p:cNvPr id="63" name="AutoShape 72">
               <a:extLst>
                 <a:ext uri="{FF2B5EF4-FFF2-40B4-BE49-F238E27FC236}">
-                  <a16:creationId xmlns:a16="http://schemas.microsoft.com/office/drawing/2014/main" id="{22CB086E-2902-4900-AE74-21C496048561}"/>
+                  <a16:creationId xmlns:a16="http://schemas.microsoft.com/office/drawing/2014/main" xmlns="" id="{22CB086E-2902-4900-AE74-21C496048561}"/>
                 </a:ext>
               </a:extLst>
             </p:cNvPr>
@@ -33341,7 +33355,7 @@
             <p:cNvPr id="64" name="AutoShape 73">
               <a:extLst>
                 <a:ext uri="{FF2B5EF4-FFF2-40B4-BE49-F238E27FC236}">
-                  <a16:creationId xmlns:a16="http://schemas.microsoft.com/office/drawing/2014/main" id="{5E30E518-CE9D-40E7-A7A2-DBB6C614D5C8}"/>
+                  <a16:creationId xmlns:a16="http://schemas.microsoft.com/office/drawing/2014/main" xmlns="" id="{5E30E518-CE9D-40E7-A7A2-DBB6C614D5C8}"/>
                 </a:ext>
               </a:extLst>
             </p:cNvPr>
@@ -33458,7 +33472,7 @@
             <p:cNvPr id="65" name="AutoShape 74">
               <a:extLst>
                 <a:ext uri="{FF2B5EF4-FFF2-40B4-BE49-F238E27FC236}">
-                  <a16:creationId xmlns:a16="http://schemas.microsoft.com/office/drawing/2014/main" id="{A6D08C1E-C6EF-4C4F-8788-B0D9205C3CF6}"/>
+                  <a16:creationId xmlns:a16="http://schemas.microsoft.com/office/drawing/2014/main" xmlns="" id="{A6D08C1E-C6EF-4C4F-8788-B0D9205C3CF6}"/>
                 </a:ext>
               </a:extLst>
             </p:cNvPr>
@@ -33575,7 +33589,7 @@
             <p:cNvPr id="66" name="AutoShape 75">
               <a:extLst>
                 <a:ext uri="{FF2B5EF4-FFF2-40B4-BE49-F238E27FC236}">
-                  <a16:creationId xmlns:a16="http://schemas.microsoft.com/office/drawing/2014/main" id="{63F3693E-89E1-460F-B7F7-1F085EEB44D0}"/>
+                  <a16:creationId xmlns:a16="http://schemas.microsoft.com/office/drawing/2014/main" xmlns="" id="{63F3693E-89E1-460F-B7F7-1F085EEB44D0}"/>
                 </a:ext>
               </a:extLst>
             </p:cNvPr>
@@ -33692,7 +33706,7 @@
             <p:cNvPr id="67" name="AutoShape 76">
               <a:extLst>
                 <a:ext uri="{FF2B5EF4-FFF2-40B4-BE49-F238E27FC236}">
-                  <a16:creationId xmlns:a16="http://schemas.microsoft.com/office/drawing/2014/main" id="{66B97C9D-865D-445D-A689-40EA1D6EF652}"/>
+                  <a16:creationId xmlns:a16="http://schemas.microsoft.com/office/drawing/2014/main" xmlns="" id="{66B97C9D-865D-445D-A689-40EA1D6EF652}"/>
                 </a:ext>
               </a:extLst>
             </p:cNvPr>
@@ -33809,7 +33823,7 @@
             <p:cNvPr id="68" name="AutoShape 77">
               <a:extLst>
                 <a:ext uri="{FF2B5EF4-FFF2-40B4-BE49-F238E27FC236}">
-                  <a16:creationId xmlns:a16="http://schemas.microsoft.com/office/drawing/2014/main" id="{117D4320-2CB4-477E-B4AD-93BD1ABDEF41}"/>
+                  <a16:creationId xmlns:a16="http://schemas.microsoft.com/office/drawing/2014/main" xmlns="" id="{117D4320-2CB4-477E-B4AD-93BD1ABDEF41}"/>
                 </a:ext>
               </a:extLst>
             </p:cNvPr>
@@ -33981,7 +33995,7 @@
           <p:cNvPr id="3" name="矩形 2">
             <a:extLst>
               <a:ext uri="{FF2B5EF4-FFF2-40B4-BE49-F238E27FC236}">
-                <a16:creationId xmlns:a16="http://schemas.microsoft.com/office/drawing/2014/main" id="{B1EF227F-F971-46C4-8C83-D820A502B67B}"/>
+                <a16:creationId xmlns:a16="http://schemas.microsoft.com/office/drawing/2014/main" xmlns="" id="{B1EF227F-F971-46C4-8C83-D820A502B67B}"/>
               </a:ext>
             </a:extLst>
           </p:cNvPr>
@@ -34026,7 +34040,7 @@
           <p:cNvPr id="4" name="矩形 3">
             <a:extLst>
               <a:ext uri="{FF2B5EF4-FFF2-40B4-BE49-F238E27FC236}">
-                <a16:creationId xmlns:a16="http://schemas.microsoft.com/office/drawing/2014/main" id="{9E909954-10C8-4280-953E-B54B27A00653}"/>
+                <a16:creationId xmlns:a16="http://schemas.microsoft.com/office/drawing/2014/main" xmlns="" id="{9E909954-10C8-4280-953E-B54B27A00653}"/>
               </a:ext>
             </a:extLst>
           </p:cNvPr>
@@ -34071,7 +34085,7 @@
           <p:cNvPr id="63" name="椭圆 62">
             <a:extLst>
               <a:ext uri="{FF2B5EF4-FFF2-40B4-BE49-F238E27FC236}">
-                <a16:creationId xmlns:a16="http://schemas.microsoft.com/office/drawing/2014/main" id="{73084343-2799-445B-B759-EFC6EAE38533}"/>
+                <a16:creationId xmlns:a16="http://schemas.microsoft.com/office/drawing/2014/main" xmlns="" id="{73084343-2799-445B-B759-EFC6EAE38533}"/>
               </a:ext>
             </a:extLst>
           </p:cNvPr>
@@ -34135,7 +34149,7 @@
           <p:cNvPr id="64" name="矩形: 圆角 63">
             <a:extLst>
               <a:ext uri="{FF2B5EF4-FFF2-40B4-BE49-F238E27FC236}">
-                <a16:creationId xmlns:a16="http://schemas.microsoft.com/office/drawing/2014/main" id="{BCD2B3CC-3858-4463-8607-1A02323512F4}"/>
+                <a16:creationId xmlns:a16="http://schemas.microsoft.com/office/drawing/2014/main" xmlns="" id="{BCD2B3CC-3858-4463-8607-1A02323512F4}"/>
               </a:ext>
             </a:extLst>
           </p:cNvPr>
@@ -34185,7 +34199,7 @@
           <p:cNvPr id="67" name="椭圆 66">
             <a:extLst>
               <a:ext uri="{FF2B5EF4-FFF2-40B4-BE49-F238E27FC236}">
-                <a16:creationId xmlns:a16="http://schemas.microsoft.com/office/drawing/2014/main" id="{46AEE037-07A3-4383-9253-AE0E904AF3D5}"/>
+                <a16:creationId xmlns:a16="http://schemas.microsoft.com/office/drawing/2014/main" xmlns="" id="{46AEE037-07A3-4383-9253-AE0E904AF3D5}"/>
               </a:ext>
             </a:extLst>
           </p:cNvPr>
@@ -34249,7 +34263,7 @@
           <p:cNvPr id="68" name="矩形: 圆角 67">
             <a:extLst>
               <a:ext uri="{FF2B5EF4-FFF2-40B4-BE49-F238E27FC236}">
-                <a16:creationId xmlns:a16="http://schemas.microsoft.com/office/drawing/2014/main" id="{AB0588ED-15DA-4F08-9A76-591E697396C3}"/>
+                <a16:creationId xmlns:a16="http://schemas.microsoft.com/office/drawing/2014/main" xmlns="" id="{AB0588ED-15DA-4F08-9A76-591E697396C3}"/>
               </a:ext>
             </a:extLst>
           </p:cNvPr>
@@ -34299,7 +34313,7 @@
           <p:cNvPr id="70" name="椭圆 69">
             <a:extLst>
               <a:ext uri="{FF2B5EF4-FFF2-40B4-BE49-F238E27FC236}">
-                <a16:creationId xmlns:a16="http://schemas.microsoft.com/office/drawing/2014/main" id="{DF635A64-F7E9-418B-8EA0-610EA9677B25}"/>
+                <a16:creationId xmlns:a16="http://schemas.microsoft.com/office/drawing/2014/main" xmlns="" id="{DF635A64-F7E9-418B-8EA0-610EA9677B25}"/>
               </a:ext>
             </a:extLst>
           </p:cNvPr>
@@ -34363,7 +34377,7 @@
           <p:cNvPr id="71" name="矩形: 圆角 70">
             <a:extLst>
               <a:ext uri="{FF2B5EF4-FFF2-40B4-BE49-F238E27FC236}">
-                <a16:creationId xmlns:a16="http://schemas.microsoft.com/office/drawing/2014/main" id="{DD1F0660-E0E6-4D1E-A789-BD9C75548B2C}"/>
+                <a16:creationId xmlns:a16="http://schemas.microsoft.com/office/drawing/2014/main" xmlns="" id="{DD1F0660-E0E6-4D1E-A789-BD9C75548B2C}"/>
               </a:ext>
             </a:extLst>
           </p:cNvPr>
@@ -34413,7 +34427,7 @@
           <p:cNvPr id="72" name="矩形 71">
             <a:extLst>
               <a:ext uri="{FF2B5EF4-FFF2-40B4-BE49-F238E27FC236}">
-                <a16:creationId xmlns:a16="http://schemas.microsoft.com/office/drawing/2014/main" id="{17DE5808-A425-4D3A-8D7F-57C5727C7CE5}"/>
+                <a16:creationId xmlns:a16="http://schemas.microsoft.com/office/drawing/2014/main" xmlns="" id="{17DE5808-A425-4D3A-8D7F-57C5727C7CE5}"/>
               </a:ext>
             </a:extLst>
           </p:cNvPr>
@@ -34458,7 +34472,7 @@
           <p:cNvPr id="73" name="矩形 72">
             <a:extLst>
               <a:ext uri="{FF2B5EF4-FFF2-40B4-BE49-F238E27FC236}">
-                <a16:creationId xmlns:a16="http://schemas.microsoft.com/office/drawing/2014/main" id="{EC89490A-C4C2-490E-B13A-DB5F6B556A95}"/>
+                <a16:creationId xmlns:a16="http://schemas.microsoft.com/office/drawing/2014/main" xmlns="" id="{EC89490A-C4C2-490E-B13A-DB5F6B556A95}"/>
               </a:ext>
             </a:extLst>
           </p:cNvPr>
@@ -34507,7 +34521,7 @@
           <p:cNvPr id="74" name="矩形 73">
             <a:extLst>
               <a:ext uri="{FF2B5EF4-FFF2-40B4-BE49-F238E27FC236}">
-                <a16:creationId xmlns:a16="http://schemas.microsoft.com/office/drawing/2014/main" id="{C4A89255-24BC-4C07-9332-1BE68FD832A8}"/>
+                <a16:creationId xmlns:a16="http://schemas.microsoft.com/office/drawing/2014/main" xmlns="" id="{C4A89255-24BC-4C07-9332-1BE68FD832A8}"/>
               </a:ext>
             </a:extLst>
           </p:cNvPr>
@@ -34552,7 +34566,7 @@
           <p:cNvPr id="75" name="矩形 74">
             <a:extLst>
               <a:ext uri="{FF2B5EF4-FFF2-40B4-BE49-F238E27FC236}">
-                <a16:creationId xmlns:a16="http://schemas.microsoft.com/office/drawing/2014/main" id="{82D435E7-C670-4529-A477-208C9BA3B11C}"/>
+                <a16:creationId xmlns:a16="http://schemas.microsoft.com/office/drawing/2014/main" xmlns="" id="{82D435E7-C670-4529-A477-208C9BA3B11C}"/>
               </a:ext>
             </a:extLst>
           </p:cNvPr>
@@ -34601,7 +34615,7 @@
           <p:cNvPr id="76" name="矩形 75">
             <a:extLst>
               <a:ext uri="{FF2B5EF4-FFF2-40B4-BE49-F238E27FC236}">
-                <a16:creationId xmlns:a16="http://schemas.microsoft.com/office/drawing/2014/main" id="{F8C1606B-8340-408E-82FE-AFC6D58E2694}"/>
+                <a16:creationId xmlns:a16="http://schemas.microsoft.com/office/drawing/2014/main" xmlns="" id="{F8C1606B-8340-408E-82FE-AFC6D58E2694}"/>
               </a:ext>
             </a:extLst>
           </p:cNvPr>
@@ -34646,7 +34660,7 @@
           <p:cNvPr id="77" name="矩形 76">
             <a:extLst>
               <a:ext uri="{FF2B5EF4-FFF2-40B4-BE49-F238E27FC236}">
-                <a16:creationId xmlns:a16="http://schemas.microsoft.com/office/drawing/2014/main" id="{E9DAC4F0-6E8E-4F95-94DF-12FA19568EBA}"/>
+                <a16:creationId xmlns:a16="http://schemas.microsoft.com/office/drawing/2014/main" xmlns="" id="{E9DAC4F0-6E8E-4F95-94DF-12FA19568EBA}"/>
               </a:ext>
             </a:extLst>
           </p:cNvPr>
@@ -34695,7 +34709,7 @@
           <p:cNvPr id="2" name="组合 1">
             <a:extLst>
               <a:ext uri="{FF2B5EF4-FFF2-40B4-BE49-F238E27FC236}">
-                <a16:creationId xmlns:a16="http://schemas.microsoft.com/office/drawing/2014/main" id="{0268C00B-C550-43A8-8221-CE3043975857}"/>
+                <a16:creationId xmlns:a16="http://schemas.microsoft.com/office/drawing/2014/main" xmlns="" id="{0268C00B-C550-43A8-8221-CE3043975857}"/>
               </a:ext>
             </a:extLst>
           </p:cNvPr>
@@ -34715,7 +34729,7 @@
             <p:cNvPr id="20" name="AutoShape 37">
               <a:extLst>
                 <a:ext uri="{FF2B5EF4-FFF2-40B4-BE49-F238E27FC236}">
-                  <a16:creationId xmlns:a16="http://schemas.microsoft.com/office/drawing/2014/main" id="{74083B93-C861-47B2-A496-902183DA6FCF}"/>
+                  <a16:creationId xmlns:a16="http://schemas.microsoft.com/office/drawing/2014/main" xmlns="" id="{74083B93-C861-47B2-A496-902183DA6FCF}"/>
                 </a:ext>
               </a:extLst>
             </p:cNvPr>
@@ -35005,7 +35019,7 @@
             <p:cNvPr id="21" name="AutoShape 38">
               <a:extLst>
                 <a:ext uri="{FF2B5EF4-FFF2-40B4-BE49-F238E27FC236}">
-                  <a16:creationId xmlns:a16="http://schemas.microsoft.com/office/drawing/2014/main" id="{3804F3A3-3344-4186-85CB-4B941646978A}"/>
+                  <a16:creationId xmlns:a16="http://schemas.microsoft.com/office/drawing/2014/main" xmlns="" id="{3804F3A3-3344-4186-85CB-4B941646978A}"/>
                 </a:ext>
               </a:extLst>
             </p:cNvPr>
@@ -35141,7 +35155,7 @@
             <p:cNvPr id="22" name="AutoShape 39">
               <a:extLst>
                 <a:ext uri="{FF2B5EF4-FFF2-40B4-BE49-F238E27FC236}">
-                  <a16:creationId xmlns:a16="http://schemas.microsoft.com/office/drawing/2014/main" id="{3ED7E510-32D2-4877-B62F-F6E46E89DFBC}"/>
+                  <a16:creationId xmlns:a16="http://schemas.microsoft.com/office/drawing/2014/main" xmlns="" id="{3ED7E510-32D2-4877-B62F-F6E46E89DFBC}"/>
                 </a:ext>
               </a:extLst>
             </p:cNvPr>
@@ -35277,7 +35291,7 @@
             <p:cNvPr id="23" name="AutoShape 40">
               <a:extLst>
                 <a:ext uri="{FF2B5EF4-FFF2-40B4-BE49-F238E27FC236}">
-                  <a16:creationId xmlns:a16="http://schemas.microsoft.com/office/drawing/2014/main" id="{0625BF7F-7AF3-42F2-922D-D3C280D5D251}"/>
+                  <a16:creationId xmlns:a16="http://schemas.microsoft.com/office/drawing/2014/main" xmlns="" id="{0625BF7F-7AF3-42F2-922D-D3C280D5D251}"/>
                 </a:ext>
               </a:extLst>
             </p:cNvPr>
@@ -35413,7 +35427,7 @@
             <p:cNvPr id="24" name="AutoShape 41">
               <a:extLst>
                 <a:ext uri="{FF2B5EF4-FFF2-40B4-BE49-F238E27FC236}">
-                  <a16:creationId xmlns:a16="http://schemas.microsoft.com/office/drawing/2014/main" id="{285195EF-4998-4546-BA92-667A207A75C9}"/>
+                  <a16:creationId xmlns:a16="http://schemas.microsoft.com/office/drawing/2014/main" xmlns="" id="{285195EF-4998-4546-BA92-667A207A75C9}"/>
                 </a:ext>
               </a:extLst>
             </p:cNvPr>
@@ -35526,7 +35540,7 @@
             <p:cNvPr id="25" name="AutoShape 42">
               <a:extLst>
                 <a:ext uri="{FF2B5EF4-FFF2-40B4-BE49-F238E27FC236}">
-                  <a16:creationId xmlns:a16="http://schemas.microsoft.com/office/drawing/2014/main" id="{7BFA8423-2259-47E3-B8D4-CDA59CA1A1E6}"/>
+                  <a16:creationId xmlns:a16="http://schemas.microsoft.com/office/drawing/2014/main" xmlns="" id="{7BFA8423-2259-47E3-B8D4-CDA59CA1A1E6}"/>
                 </a:ext>
               </a:extLst>
             </p:cNvPr>
@@ -35640,7 +35654,7 @@
           <p:cNvPr id="26" name="AutoShape 112">
             <a:extLst>
               <a:ext uri="{FF2B5EF4-FFF2-40B4-BE49-F238E27FC236}">
-                <a16:creationId xmlns:a16="http://schemas.microsoft.com/office/drawing/2014/main" id="{8B441F98-36FF-4C34-AFD5-99EDAC0C86C8}"/>
+                <a16:creationId xmlns:a16="http://schemas.microsoft.com/office/drawing/2014/main" xmlns="" id="{8B441F98-36FF-4C34-AFD5-99EDAC0C86C8}"/>
               </a:ext>
             </a:extLst>
           </p:cNvPr>
@@ -36010,7 +36024,7 @@
           <p:cNvPr id="27" name="组合 26">
             <a:extLst>
               <a:ext uri="{FF2B5EF4-FFF2-40B4-BE49-F238E27FC236}">
-                <a16:creationId xmlns:a16="http://schemas.microsoft.com/office/drawing/2014/main" id="{F69654B9-54B0-48E4-A873-115B1E6B084A}"/>
+                <a16:creationId xmlns:a16="http://schemas.microsoft.com/office/drawing/2014/main" xmlns="" id="{F69654B9-54B0-48E4-A873-115B1E6B084A}"/>
               </a:ext>
             </a:extLst>
           </p:cNvPr>
@@ -36033,7 +36047,7 @@
             <p:cNvPr id="28" name="AutoShape 113">
               <a:extLst>
                 <a:ext uri="{FF2B5EF4-FFF2-40B4-BE49-F238E27FC236}">
-                  <a16:creationId xmlns:a16="http://schemas.microsoft.com/office/drawing/2014/main" id="{762A4469-ED62-403E-BACD-2BFF1C474814}"/>
+                  <a16:creationId xmlns:a16="http://schemas.microsoft.com/office/drawing/2014/main" xmlns="" id="{762A4469-ED62-403E-BACD-2BFF1C474814}"/>
                 </a:ext>
               </a:extLst>
             </p:cNvPr>
@@ -36257,7 +36271,7 @@
             <p:cNvPr id="29" name="AutoShape 114">
               <a:extLst>
                 <a:ext uri="{FF2B5EF4-FFF2-40B4-BE49-F238E27FC236}">
-                  <a16:creationId xmlns:a16="http://schemas.microsoft.com/office/drawing/2014/main" id="{C7427E8C-4C72-4C41-A4D8-8C831C0A6335}"/>
+                  <a16:creationId xmlns:a16="http://schemas.microsoft.com/office/drawing/2014/main" xmlns="" id="{C7427E8C-4C72-4C41-A4D8-8C831C0A6335}"/>
                 </a:ext>
               </a:extLst>
             </p:cNvPr>

--- a/files/doctoral_dissertation_proposal.pptx
+++ b/files/doctoral_dissertation_proposal.pptx
@@ -232,7 +232,7 @@
           <a:p>
             <a:fld id="{C2159322-6C85-4127-9E81-7F8BF0D70E1A}" type="datetimeFigureOut">
               <a:rPr lang="zh-CN" altLang="en-US" smtClean="0"/>
-              <a:t>2022/3/7</a:t>
+              <a:t>2022/3/8</a:t>
             </a:fld>
             <a:endParaRPr lang="zh-CN" altLang="en-US"/>
           </a:p>
@@ -521,7 +521,7 @@
           <p:cNvPr id="7" name="矩形 6">
             <a:extLst>
               <a:ext uri="{FF2B5EF4-FFF2-40B4-BE49-F238E27FC236}">
-                <a16:creationId xmlns:a16="http://schemas.microsoft.com/office/drawing/2014/main" xmlns="" id="{682FCF50-3C2B-439D-ACA3-2FD3367F5851}"/>
+                <a16:creationId xmlns="" xmlns:a16="http://schemas.microsoft.com/office/drawing/2014/main" id="{682FCF50-3C2B-439D-ACA3-2FD3367F5851}"/>
               </a:ext>
             </a:extLst>
           </p:cNvPr>
@@ -805,7 +805,7 @@
           <a:p>
             <a:fld id="{F71449F7-5D90-411E-B63D-8723CE855B03}" type="datetimeFigureOut">
               <a:rPr lang="zh-CN" altLang="en-US" smtClean="0"/>
-              <a:t>2022/3/7</a:t>
+              <a:t>2022/3/8</a:t>
             </a:fld>
             <a:endParaRPr lang="zh-CN" altLang="en-US"/>
           </a:p>
@@ -1541,7 +1541,7 @@
           <a:p>
             <a:fld id="{F71449F7-5D90-411E-B63D-8723CE855B03}" type="datetimeFigureOut">
               <a:rPr lang="zh-CN" altLang="en-US" smtClean="0"/>
-              <a:t>2022/3/7</a:t>
+              <a:t>2022/3/8</a:t>
             </a:fld>
             <a:endParaRPr lang="zh-CN" altLang="en-US"/>
           </a:p>
@@ -1711,7 +1711,7 @@
           <a:p>
             <a:fld id="{F71449F7-5D90-411E-B63D-8723CE855B03}" type="datetimeFigureOut">
               <a:rPr lang="zh-CN" altLang="en-US" smtClean="0"/>
-              <a:t>2022/3/7</a:t>
+              <a:t>2022/3/8</a:t>
             </a:fld>
             <a:endParaRPr lang="zh-CN" altLang="en-US"/>
           </a:p>
@@ -1891,7 +1891,7 @@
           <a:p>
             <a:fld id="{F71449F7-5D90-411E-B63D-8723CE855B03}" type="datetimeFigureOut">
               <a:rPr lang="zh-CN" altLang="en-US" smtClean="0"/>
-              <a:t>2022/3/7</a:t>
+              <a:t>2022/3/8</a:t>
             </a:fld>
             <a:endParaRPr lang="zh-CN" altLang="en-US"/>
           </a:p>
@@ -1974,7 +1974,7 @@
           <p:cNvPr id="7" name="矩形 6">
             <a:extLst>
               <a:ext uri="{FF2B5EF4-FFF2-40B4-BE49-F238E27FC236}">
-                <a16:creationId xmlns:a16="http://schemas.microsoft.com/office/drawing/2014/main" xmlns="" id="{682FCF50-3C2B-439D-ACA3-2FD3367F5851}"/>
+                <a16:creationId xmlns="" xmlns:a16="http://schemas.microsoft.com/office/drawing/2014/main" id="{682FCF50-3C2B-439D-ACA3-2FD3367F5851}"/>
               </a:ext>
             </a:extLst>
           </p:cNvPr>
@@ -2023,7 +2023,7 @@
           <p:cNvPr id="3" name="矩形 2">
             <a:extLst>
               <a:ext uri="{FF2B5EF4-FFF2-40B4-BE49-F238E27FC236}">
-                <a16:creationId xmlns:a16="http://schemas.microsoft.com/office/drawing/2014/main" xmlns="" id="{8CEFF940-8976-4FD3-B6C0-C5119E122C3C}"/>
+                <a16:creationId xmlns="" xmlns:a16="http://schemas.microsoft.com/office/drawing/2014/main" id="{8CEFF940-8976-4FD3-B6C0-C5119E122C3C}"/>
               </a:ext>
             </a:extLst>
           </p:cNvPr>
@@ -2082,7 +2082,7 @@
           <p:cNvPr id="4" name="直接连接符 3">
             <a:extLst>
               <a:ext uri="{FF2B5EF4-FFF2-40B4-BE49-F238E27FC236}">
-                <a16:creationId xmlns:a16="http://schemas.microsoft.com/office/drawing/2014/main" xmlns="" id="{A7808C2C-12D8-49E5-A767-E2D2FD52F0C8}"/>
+                <a16:creationId xmlns="" xmlns:a16="http://schemas.microsoft.com/office/drawing/2014/main" id="{A7808C2C-12D8-49E5-A767-E2D2FD52F0C8}"/>
               </a:ext>
             </a:extLst>
           </p:cNvPr>
@@ -2121,7 +2121,7 @@
           <p:cNvPr id="6" name="组合 5">
             <a:extLst>
               <a:ext uri="{FF2B5EF4-FFF2-40B4-BE49-F238E27FC236}">
-                <a16:creationId xmlns:a16="http://schemas.microsoft.com/office/drawing/2014/main" xmlns="" id="{2A1F05D5-6AF2-485F-90D3-0D200AD3D2C8}"/>
+                <a16:creationId xmlns="" xmlns:a16="http://schemas.microsoft.com/office/drawing/2014/main" id="{2A1F05D5-6AF2-485F-90D3-0D200AD3D2C8}"/>
               </a:ext>
             </a:extLst>
           </p:cNvPr>
@@ -2141,7 +2141,7 @@
             <p:cNvPr id="8" name="椭圆 7">
               <a:extLst>
                 <a:ext uri="{FF2B5EF4-FFF2-40B4-BE49-F238E27FC236}">
-                  <a16:creationId xmlns:a16="http://schemas.microsoft.com/office/drawing/2014/main" xmlns="" id="{667B22CB-8808-414D-A143-BD5ED12B2D12}"/>
+                  <a16:creationId xmlns="" xmlns:a16="http://schemas.microsoft.com/office/drawing/2014/main" id="{667B22CB-8808-414D-A143-BD5ED12B2D12}"/>
                 </a:ext>
               </a:extLst>
             </p:cNvPr>
@@ -2234,7 +2234,7 @@
             <p:cNvPr id="9" name="组合 8">
               <a:extLst>
                 <a:ext uri="{FF2B5EF4-FFF2-40B4-BE49-F238E27FC236}">
-                  <a16:creationId xmlns:a16="http://schemas.microsoft.com/office/drawing/2014/main" xmlns="" id="{6A7779CB-C061-4F57-9C73-4B712E01C6D3}"/>
+                  <a16:creationId xmlns="" xmlns:a16="http://schemas.microsoft.com/office/drawing/2014/main" id="{6A7779CB-C061-4F57-9C73-4B712E01C6D3}"/>
                 </a:ext>
               </a:extLst>
             </p:cNvPr>
@@ -2257,7 +2257,7 @@
               <p:cNvPr id="10" name="AutoShape 43">
                 <a:extLst>
                   <a:ext uri="{FF2B5EF4-FFF2-40B4-BE49-F238E27FC236}">
-                    <a16:creationId xmlns:a16="http://schemas.microsoft.com/office/drawing/2014/main" xmlns="" id="{A4EBCCF3-1011-4C4E-AC09-1FD9508596E3}"/>
+                    <a16:creationId xmlns="" xmlns:a16="http://schemas.microsoft.com/office/drawing/2014/main" id="{A4EBCCF3-1011-4C4E-AC09-1FD9508596E3}"/>
                   </a:ext>
                 </a:extLst>
               </p:cNvPr>
@@ -2516,7 +2516,7 @@
               <p:cNvPr id="11" name="AutoShape 44">
                 <a:extLst>
                   <a:ext uri="{FF2B5EF4-FFF2-40B4-BE49-F238E27FC236}">
-                    <a16:creationId xmlns:a16="http://schemas.microsoft.com/office/drawing/2014/main" xmlns="" id="{5DEEC6ED-5F8A-497E-87B3-5EC42B6EF485}"/>
+                    <a16:creationId xmlns="" xmlns:a16="http://schemas.microsoft.com/office/drawing/2014/main" id="{5DEEC6ED-5F8A-497E-87B3-5EC42B6EF485}"/>
                   </a:ext>
                 </a:extLst>
               </p:cNvPr>
@@ -2647,7 +2647,7 @@
               <p:cNvPr id="12" name="AutoShape 45">
                 <a:extLst>
                   <a:ext uri="{FF2B5EF4-FFF2-40B4-BE49-F238E27FC236}">
-                    <a16:creationId xmlns:a16="http://schemas.microsoft.com/office/drawing/2014/main" xmlns="" id="{EBCBDC78-519F-4DCF-9701-737C2E29980C}"/>
+                    <a16:creationId xmlns="" xmlns:a16="http://schemas.microsoft.com/office/drawing/2014/main" id="{EBCBDC78-519F-4DCF-9701-737C2E29980C}"/>
                   </a:ext>
                 </a:extLst>
               </p:cNvPr>
@@ -2815,7 +2815,7 @@
           <p:cNvPr id="7" name="矩形 6">
             <a:extLst>
               <a:ext uri="{FF2B5EF4-FFF2-40B4-BE49-F238E27FC236}">
-                <a16:creationId xmlns:a16="http://schemas.microsoft.com/office/drawing/2014/main" xmlns="" id="{682FCF50-3C2B-439D-ACA3-2FD3367F5851}"/>
+                <a16:creationId xmlns="" xmlns:a16="http://schemas.microsoft.com/office/drawing/2014/main" id="{682FCF50-3C2B-439D-ACA3-2FD3367F5851}"/>
               </a:ext>
             </a:extLst>
           </p:cNvPr>
@@ -2864,7 +2864,7 @@
           <p:cNvPr id="3" name="矩形 2">
             <a:extLst>
               <a:ext uri="{FF2B5EF4-FFF2-40B4-BE49-F238E27FC236}">
-                <a16:creationId xmlns:a16="http://schemas.microsoft.com/office/drawing/2014/main" xmlns="" id="{8CEFF940-8976-4FD3-B6C0-C5119E122C3C}"/>
+                <a16:creationId xmlns="" xmlns:a16="http://schemas.microsoft.com/office/drawing/2014/main" id="{8CEFF940-8976-4FD3-B6C0-C5119E122C3C}"/>
               </a:ext>
             </a:extLst>
           </p:cNvPr>
@@ -3157,7 +3157,7 @@
           <a:p>
             <a:fld id="{F71449F7-5D90-411E-B63D-8723CE855B03}" type="datetimeFigureOut">
               <a:rPr lang="zh-CN" altLang="en-US" smtClean="0"/>
-              <a:t>2022/3/7</a:t>
+              <a:t>2022/3/8</a:t>
             </a:fld>
             <a:endParaRPr lang="zh-CN" altLang="en-US"/>
           </a:p>
@@ -3389,7 +3389,7 @@
           <a:p>
             <a:fld id="{F71449F7-5D90-411E-B63D-8723CE855B03}" type="datetimeFigureOut">
               <a:rPr lang="zh-CN" altLang="en-US" smtClean="0"/>
-              <a:t>2022/3/7</a:t>
+              <a:t>2022/3/8</a:t>
             </a:fld>
             <a:endParaRPr lang="zh-CN" altLang="en-US"/>
           </a:p>
@@ -3756,7 +3756,7 @@
           <a:p>
             <a:fld id="{F71449F7-5D90-411E-B63D-8723CE855B03}" type="datetimeFigureOut">
               <a:rPr lang="zh-CN" altLang="en-US" smtClean="0"/>
-              <a:t>2022/3/7</a:t>
+              <a:t>2022/3/8</a:t>
             </a:fld>
             <a:endParaRPr lang="zh-CN" altLang="en-US"/>
           </a:p>
@@ -3874,7 +3874,7 @@
           <a:p>
             <a:fld id="{F71449F7-5D90-411E-B63D-8723CE855B03}" type="datetimeFigureOut">
               <a:rPr lang="zh-CN" altLang="en-US" smtClean="0"/>
-              <a:t>2022/3/7</a:t>
+              <a:t>2022/3/8</a:t>
             </a:fld>
             <a:endParaRPr lang="zh-CN" altLang="en-US"/>
           </a:p>
@@ -3969,7 +3969,7 @@
           <a:p>
             <a:fld id="{F71449F7-5D90-411E-B63D-8723CE855B03}" type="datetimeFigureOut">
               <a:rPr lang="zh-CN" altLang="en-US" smtClean="0"/>
-              <a:t>2022/3/7</a:t>
+              <a:t>2022/3/8</a:t>
             </a:fld>
             <a:endParaRPr lang="zh-CN" altLang="en-US"/>
           </a:p>
@@ -4185,7 +4185,7 @@
           <a:p>
             <a:fld id="{F71449F7-5D90-411E-B63D-8723CE855B03}" type="datetimeFigureOut">
               <a:rPr lang="zh-CN" altLang="en-US" smtClean="0"/>
-              <a:t>2022/3/7</a:t>
+              <a:t>2022/3/8</a:t>
             </a:fld>
             <a:endParaRPr lang="zh-CN" altLang="en-US"/>
           </a:p>
@@ -4597,7 +4597,7 @@
           <p:cNvPr id="10" name="矩形 9">
             <a:extLst>
               <a:ext uri="{FF2B5EF4-FFF2-40B4-BE49-F238E27FC236}">
-                <a16:creationId xmlns:a16="http://schemas.microsoft.com/office/drawing/2014/main" xmlns="" id="{27845620-1BD2-4CB4-A849-1D6F71C83D3D}"/>
+                <a16:creationId xmlns="" xmlns:a16="http://schemas.microsoft.com/office/drawing/2014/main" id="{27845620-1BD2-4CB4-A849-1D6F71C83D3D}"/>
               </a:ext>
             </a:extLst>
           </p:cNvPr>
@@ -4656,7 +4656,7 @@
           <p:cNvPr id="11" name="文本框 10">
             <a:extLst>
               <a:ext uri="{FF2B5EF4-FFF2-40B4-BE49-F238E27FC236}">
-                <a16:creationId xmlns:a16="http://schemas.microsoft.com/office/drawing/2014/main" xmlns="" id="{F308687F-5083-4900-B884-1ED108CE6C82}"/>
+                <a16:creationId xmlns="" xmlns:a16="http://schemas.microsoft.com/office/drawing/2014/main" id="{F308687F-5083-4900-B884-1ED108CE6C82}"/>
               </a:ext>
             </a:extLst>
           </p:cNvPr>
@@ -4731,7 +4731,7 @@
           <p:cNvPr id="27" name="组合 26">
             <a:extLst>
               <a:ext uri="{FF2B5EF4-FFF2-40B4-BE49-F238E27FC236}">
-                <a16:creationId xmlns:a16="http://schemas.microsoft.com/office/drawing/2014/main" xmlns="" id="{83952E80-526F-44CB-8C16-C6E50D239736}"/>
+                <a16:creationId xmlns="" xmlns:a16="http://schemas.microsoft.com/office/drawing/2014/main" id="{83952E80-526F-44CB-8C16-C6E50D239736}"/>
               </a:ext>
             </a:extLst>
           </p:cNvPr>
@@ -4751,7 +4751,7 @@
             <p:cNvPr id="15" name="椭圆 14">
               <a:extLst>
                 <a:ext uri="{FF2B5EF4-FFF2-40B4-BE49-F238E27FC236}">
-                  <a16:creationId xmlns:a16="http://schemas.microsoft.com/office/drawing/2014/main" xmlns="" id="{84E5A175-3149-405F-9145-7535715A381B}"/>
+                  <a16:creationId xmlns="" xmlns:a16="http://schemas.microsoft.com/office/drawing/2014/main" id="{84E5A175-3149-405F-9145-7535715A381B}"/>
                 </a:ext>
               </a:extLst>
             </p:cNvPr>
@@ -4815,7 +4815,7 @@
             <p:cNvPr id="16" name="组合 15">
               <a:extLst>
                 <a:ext uri="{FF2B5EF4-FFF2-40B4-BE49-F238E27FC236}">
-                  <a16:creationId xmlns:a16="http://schemas.microsoft.com/office/drawing/2014/main" xmlns="" id="{9E5B9E45-F93C-4A06-BA66-41DF7365FA50}"/>
+                  <a16:creationId xmlns="" xmlns:a16="http://schemas.microsoft.com/office/drawing/2014/main" id="{9E5B9E45-F93C-4A06-BA66-41DF7365FA50}"/>
                 </a:ext>
               </a:extLst>
             </p:cNvPr>
@@ -4838,7 +4838,7 @@
               <p:cNvPr id="17" name="AutoShape 43">
                 <a:extLst>
                   <a:ext uri="{FF2B5EF4-FFF2-40B4-BE49-F238E27FC236}">
-                    <a16:creationId xmlns:a16="http://schemas.microsoft.com/office/drawing/2014/main" xmlns="" id="{96F486C0-B983-41F9-81CB-6C1B1A8DC566}"/>
+                    <a16:creationId xmlns="" xmlns:a16="http://schemas.microsoft.com/office/drawing/2014/main" id="{96F486C0-B983-41F9-81CB-6C1B1A8DC566}"/>
                   </a:ext>
                 </a:extLst>
               </p:cNvPr>
@@ -5095,7 +5095,7 @@
               <p:cNvPr id="18" name="AutoShape 44">
                 <a:extLst>
                   <a:ext uri="{FF2B5EF4-FFF2-40B4-BE49-F238E27FC236}">
-                    <a16:creationId xmlns:a16="http://schemas.microsoft.com/office/drawing/2014/main" xmlns="" id="{BF50BDB9-1337-4389-911A-562AACE0FBF2}"/>
+                    <a16:creationId xmlns="" xmlns:a16="http://schemas.microsoft.com/office/drawing/2014/main" id="{BF50BDB9-1337-4389-911A-562AACE0FBF2}"/>
                   </a:ext>
                 </a:extLst>
               </p:cNvPr>
@@ -5224,7 +5224,7 @@
               <p:cNvPr id="19" name="AutoShape 45">
                 <a:extLst>
                   <a:ext uri="{FF2B5EF4-FFF2-40B4-BE49-F238E27FC236}">
-                    <a16:creationId xmlns:a16="http://schemas.microsoft.com/office/drawing/2014/main" xmlns="" id="{1A5323F7-E69F-4BEF-A706-7DF4426CACEB}"/>
+                    <a16:creationId xmlns="" xmlns:a16="http://schemas.microsoft.com/office/drawing/2014/main" id="{1A5323F7-E69F-4BEF-A706-7DF4426CACEB}"/>
                   </a:ext>
                 </a:extLst>
               </p:cNvPr>
@@ -5349,7 +5349,7 @@
           <p:cNvPr id="20" name="文本框 19">
             <a:extLst>
               <a:ext uri="{FF2B5EF4-FFF2-40B4-BE49-F238E27FC236}">
-                <a16:creationId xmlns:a16="http://schemas.microsoft.com/office/drawing/2014/main" xmlns="" id="{81315CB3-1490-479A-880F-0D1C623254E2}"/>
+                <a16:creationId xmlns="" xmlns:a16="http://schemas.microsoft.com/office/drawing/2014/main" id="{81315CB3-1490-479A-880F-0D1C623254E2}"/>
               </a:ext>
             </a:extLst>
           </p:cNvPr>
@@ -5480,7 +5480,7 @@
           <p:cNvPr id="22" name="文本框 21">
             <a:extLst>
               <a:ext uri="{FF2B5EF4-FFF2-40B4-BE49-F238E27FC236}">
-                <a16:creationId xmlns:a16="http://schemas.microsoft.com/office/drawing/2014/main" xmlns="" id="{695E45D2-4F7B-4220-B1CA-9BBB51D684F4}"/>
+                <a16:creationId xmlns="" xmlns:a16="http://schemas.microsoft.com/office/drawing/2014/main" id="{695E45D2-4F7B-4220-B1CA-9BBB51D684F4}"/>
               </a:ext>
             </a:extLst>
           </p:cNvPr>
@@ -5554,7 +5554,7 @@
           <p:cNvPr id="3" name="矩形 2">
             <a:extLst>
               <a:ext uri="{FF2B5EF4-FFF2-40B4-BE49-F238E27FC236}">
-                <a16:creationId xmlns:a16="http://schemas.microsoft.com/office/drawing/2014/main" xmlns="" id="{B1EF227F-F971-46C4-8C83-D820A502B67B}"/>
+                <a16:creationId xmlns="" xmlns:a16="http://schemas.microsoft.com/office/drawing/2014/main" id="{B1EF227F-F971-46C4-8C83-D820A502B67B}"/>
               </a:ext>
             </a:extLst>
           </p:cNvPr>
@@ -5599,7 +5599,7 @@
           <p:cNvPr id="4" name="矩形 3">
             <a:extLst>
               <a:ext uri="{FF2B5EF4-FFF2-40B4-BE49-F238E27FC236}">
-                <a16:creationId xmlns:a16="http://schemas.microsoft.com/office/drawing/2014/main" xmlns="" id="{9E909954-10C8-4280-953E-B54B27A00653}"/>
+                <a16:creationId xmlns="" xmlns:a16="http://schemas.microsoft.com/office/drawing/2014/main" id="{9E909954-10C8-4280-953E-B54B27A00653}"/>
               </a:ext>
             </a:extLst>
           </p:cNvPr>
@@ -5644,7 +5644,7 @@
           <p:cNvPr id="42" name="Group 34">
             <a:extLst>
               <a:ext uri="{FF2B5EF4-FFF2-40B4-BE49-F238E27FC236}">
-                <a16:creationId xmlns:a16="http://schemas.microsoft.com/office/drawing/2014/main" xmlns="" id="{30FDCFE4-D1B5-478F-9C8E-DFEC078CB627}"/>
+                <a16:creationId xmlns="" xmlns:a16="http://schemas.microsoft.com/office/drawing/2014/main" id="{30FDCFE4-D1B5-478F-9C8E-DFEC078CB627}"/>
               </a:ext>
             </a:extLst>
           </p:cNvPr>
@@ -5669,7 +5669,7 @@
             <p:cNvPr id="43" name="Rectangle 20">
               <a:extLst>
                 <a:ext uri="{FF2B5EF4-FFF2-40B4-BE49-F238E27FC236}">
-                  <a16:creationId xmlns:a16="http://schemas.microsoft.com/office/drawing/2014/main" xmlns="" id="{F499029D-15B2-45BF-B68F-6D3611654D6E}"/>
+                  <a16:creationId xmlns="" xmlns:a16="http://schemas.microsoft.com/office/drawing/2014/main" id="{F499029D-15B2-45BF-B68F-6D3611654D6E}"/>
                 </a:ext>
               </a:extLst>
             </p:cNvPr>
@@ -5725,7 +5725,7 @@
             <p:cNvPr id="44" name="Freeform 22">
               <a:extLst>
                 <a:ext uri="{FF2B5EF4-FFF2-40B4-BE49-F238E27FC236}">
-                  <a16:creationId xmlns:a16="http://schemas.microsoft.com/office/drawing/2014/main" xmlns="" id="{BA3997CB-B10A-4373-8F94-20C998446FB5}"/>
+                  <a16:creationId xmlns="" xmlns:a16="http://schemas.microsoft.com/office/drawing/2014/main" id="{BA3997CB-B10A-4373-8F94-20C998446FB5}"/>
                 </a:ext>
               </a:extLst>
             </p:cNvPr>
@@ -5835,7 +5835,7 @@
           <p:cNvPr id="45" name="Group 35">
             <a:extLst>
               <a:ext uri="{FF2B5EF4-FFF2-40B4-BE49-F238E27FC236}">
-                <a16:creationId xmlns:a16="http://schemas.microsoft.com/office/drawing/2014/main" xmlns="" id="{4C13581F-D7D9-49B8-972E-2761F606FF36}"/>
+                <a16:creationId xmlns="" xmlns:a16="http://schemas.microsoft.com/office/drawing/2014/main" id="{4C13581F-D7D9-49B8-972E-2761F606FF36}"/>
               </a:ext>
             </a:extLst>
           </p:cNvPr>
@@ -5860,7 +5860,7 @@
             <p:cNvPr id="46" name="Rectangle 24">
               <a:extLst>
                 <a:ext uri="{FF2B5EF4-FFF2-40B4-BE49-F238E27FC236}">
-                  <a16:creationId xmlns:a16="http://schemas.microsoft.com/office/drawing/2014/main" xmlns="" id="{1EE99D02-BAC0-4FB2-9821-BA3A85C33B6D}"/>
+                  <a16:creationId xmlns="" xmlns:a16="http://schemas.microsoft.com/office/drawing/2014/main" id="{1EE99D02-BAC0-4FB2-9821-BA3A85C33B6D}"/>
                 </a:ext>
               </a:extLst>
             </p:cNvPr>
@@ -5916,7 +5916,7 @@
             <p:cNvPr id="47" name="Freeform 26">
               <a:extLst>
                 <a:ext uri="{FF2B5EF4-FFF2-40B4-BE49-F238E27FC236}">
-                  <a16:creationId xmlns:a16="http://schemas.microsoft.com/office/drawing/2014/main" xmlns="" id="{D105B37C-FD1B-4E6D-8C31-ECBE31198487}"/>
+                  <a16:creationId xmlns="" xmlns:a16="http://schemas.microsoft.com/office/drawing/2014/main" id="{D105B37C-FD1B-4E6D-8C31-ECBE31198487}"/>
                 </a:ext>
               </a:extLst>
             </p:cNvPr>
@@ -6026,7 +6026,7 @@
           <p:cNvPr id="48" name="Group 34">
             <a:extLst>
               <a:ext uri="{FF2B5EF4-FFF2-40B4-BE49-F238E27FC236}">
-                <a16:creationId xmlns:a16="http://schemas.microsoft.com/office/drawing/2014/main" xmlns="" id="{1BBCCD85-7885-4F4B-9662-535ABCEEE453}"/>
+                <a16:creationId xmlns="" xmlns:a16="http://schemas.microsoft.com/office/drawing/2014/main" id="{1BBCCD85-7885-4F4B-9662-535ABCEEE453}"/>
               </a:ext>
             </a:extLst>
           </p:cNvPr>
@@ -6051,7 +6051,7 @@
             <p:cNvPr id="49" name="Rectangle 20">
               <a:extLst>
                 <a:ext uri="{FF2B5EF4-FFF2-40B4-BE49-F238E27FC236}">
-                  <a16:creationId xmlns:a16="http://schemas.microsoft.com/office/drawing/2014/main" xmlns="" id="{63E57EFB-604B-4359-8F08-9AF5C1545A6F}"/>
+                  <a16:creationId xmlns="" xmlns:a16="http://schemas.microsoft.com/office/drawing/2014/main" id="{63E57EFB-604B-4359-8F08-9AF5C1545A6F}"/>
                 </a:ext>
               </a:extLst>
             </p:cNvPr>
@@ -6107,7 +6107,7 @@
             <p:cNvPr id="50" name="Freeform 22">
               <a:extLst>
                 <a:ext uri="{FF2B5EF4-FFF2-40B4-BE49-F238E27FC236}">
-                  <a16:creationId xmlns:a16="http://schemas.microsoft.com/office/drawing/2014/main" xmlns="" id="{E87CA9D2-BFCC-431E-9466-A41326FE24DA}"/>
+                  <a16:creationId xmlns="" xmlns:a16="http://schemas.microsoft.com/office/drawing/2014/main" id="{E87CA9D2-BFCC-431E-9466-A41326FE24DA}"/>
                 </a:ext>
               </a:extLst>
             </p:cNvPr>
@@ -6217,7 +6217,7 @@
           <p:cNvPr id="51" name="Group 35">
             <a:extLst>
               <a:ext uri="{FF2B5EF4-FFF2-40B4-BE49-F238E27FC236}">
-                <a16:creationId xmlns:a16="http://schemas.microsoft.com/office/drawing/2014/main" xmlns="" id="{FD003959-85C7-4EAF-ABDB-194B44EECA54}"/>
+                <a16:creationId xmlns="" xmlns:a16="http://schemas.microsoft.com/office/drawing/2014/main" id="{FD003959-85C7-4EAF-ABDB-194B44EECA54}"/>
               </a:ext>
             </a:extLst>
           </p:cNvPr>
@@ -6242,7 +6242,7 @@
             <p:cNvPr id="52" name="Rectangle 24">
               <a:extLst>
                 <a:ext uri="{FF2B5EF4-FFF2-40B4-BE49-F238E27FC236}">
-                  <a16:creationId xmlns:a16="http://schemas.microsoft.com/office/drawing/2014/main" xmlns="" id="{EB8560F1-358F-4D0D-8ECF-E911B946C8FE}"/>
+                  <a16:creationId xmlns="" xmlns:a16="http://schemas.microsoft.com/office/drawing/2014/main" id="{EB8560F1-358F-4D0D-8ECF-E911B946C8FE}"/>
                 </a:ext>
               </a:extLst>
             </p:cNvPr>
@@ -6298,7 +6298,7 @@
             <p:cNvPr id="53" name="Freeform 26">
               <a:extLst>
                 <a:ext uri="{FF2B5EF4-FFF2-40B4-BE49-F238E27FC236}">
-                  <a16:creationId xmlns:a16="http://schemas.microsoft.com/office/drawing/2014/main" xmlns="" id="{6961FAAA-AEE7-4D48-9EE1-330403005E06}"/>
+                  <a16:creationId xmlns="" xmlns:a16="http://schemas.microsoft.com/office/drawing/2014/main" id="{6961FAAA-AEE7-4D48-9EE1-330403005E06}"/>
                 </a:ext>
               </a:extLst>
             </p:cNvPr>
@@ -6408,7 +6408,7 @@
           <p:cNvPr id="54" name="矩形 53">
             <a:extLst>
               <a:ext uri="{FF2B5EF4-FFF2-40B4-BE49-F238E27FC236}">
-                <a16:creationId xmlns:a16="http://schemas.microsoft.com/office/drawing/2014/main" xmlns="" id="{EC5FE752-016E-46FC-A498-3EF5413EDD87}"/>
+                <a16:creationId xmlns="" xmlns:a16="http://schemas.microsoft.com/office/drawing/2014/main" id="{EC5FE752-016E-46FC-A498-3EF5413EDD87}"/>
               </a:ext>
             </a:extLst>
           </p:cNvPr>
@@ -6460,7 +6460,7 @@
           <p:cNvPr id="55" name="矩形 54">
             <a:extLst>
               <a:ext uri="{FF2B5EF4-FFF2-40B4-BE49-F238E27FC236}">
-                <a16:creationId xmlns:a16="http://schemas.microsoft.com/office/drawing/2014/main" xmlns="" id="{1CC3500D-29BB-472C-8039-AF934D6DDC8C}"/>
+                <a16:creationId xmlns="" xmlns:a16="http://schemas.microsoft.com/office/drawing/2014/main" id="{1CC3500D-29BB-472C-8039-AF934D6DDC8C}"/>
               </a:ext>
             </a:extLst>
           </p:cNvPr>
@@ -6579,7 +6579,7 @@
           <p:cNvPr id="56" name="矩形 55">
             <a:extLst>
               <a:ext uri="{FF2B5EF4-FFF2-40B4-BE49-F238E27FC236}">
-                <a16:creationId xmlns:a16="http://schemas.microsoft.com/office/drawing/2014/main" xmlns="" id="{C17C7266-0F9C-4729-A9C3-08616C2F864D}"/>
+                <a16:creationId xmlns="" xmlns:a16="http://schemas.microsoft.com/office/drawing/2014/main" id="{C17C7266-0F9C-4729-A9C3-08616C2F864D}"/>
               </a:ext>
             </a:extLst>
           </p:cNvPr>
@@ -6631,7 +6631,7 @@
           <p:cNvPr id="57" name="矩形 56">
             <a:extLst>
               <a:ext uri="{FF2B5EF4-FFF2-40B4-BE49-F238E27FC236}">
-                <a16:creationId xmlns:a16="http://schemas.microsoft.com/office/drawing/2014/main" xmlns="" id="{09A154E0-3D28-435F-A44C-5F5A5D519612}"/>
+                <a16:creationId xmlns="" xmlns:a16="http://schemas.microsoft.com/office/drawing/2014/main" id="{09A154E0-3D28-435F-A44C-5F5A5D519612}"/>
               </a:ext>
             </a:extLst>
           </p:cNvPr>
@@ -6728,7 +6728,7 @@
           <p:cNvPr id="58" name="矩形 57">
             <a:extLst>
               <a:ext uri="{FF2B5EF4-FFF2-40B4-BE49-F238E27FC236}">
-                <a16:creationId xmlns:a16="http://schemas.microsoft.com/office/drawing/2014/main" xmlns="" id="{1F7A9388-8A3B-4D9F-86FF-BCC42BBAEABC}"/>
+                <a16:creationId xmlns="" xmlns:a16="http://schemas.microsoft.com/office/drawing/2014/main" id="{1F7A9388-8A3B-4D9F-86FF-BCC42BBAEABC}"/>
               </a:ext>
             </a:extLst>
           </p:cNvPr>
@@ -6780,7 +6780,7 @@
           <p:cNvPr id="59" name="矩形 58">
             <a:extLst>
               <a:ext uri="{FF2B5EF4-FFF2-40B4-BE49-F238E27FC236}">
-                <a16:creationId xmlns:a16="http://schemas.microsoft.com/office/drawing/2014/main" xmlns="" id="{5304E729-9160-42FE-AEE2-D03656DB4BEF}"/>
+                <a16:creationId xmlns="" xmlns:a16="http://schemas.microsoft.com/office/drawing/2014/main" id="{5304E729-9160-42FE-AEE2-D03656DB4BEF}"/>
               </a:ext>
             </a:extLst>
           </p:cNvPr>
@@ -6897,7 +6897,7 @@
           <p:cNvPr id="60" name="矩形 59">
             <a:extLst>
               <a:ext uri="{FF2B5EF4-FFF2-40B4-BE49-F238E27FC236}">
-                <a16:creationId xmlns:a16="http://schemas.microsoft.com/office/drawing/2014/main" xmlns="" id="{1CA34843-8553-49BB-A034-183FE338DA49}"/>
+                <a16:creationId xmlns="" xmlns:a16="http://schemas.microsoft.com/office/drawing/2014/main" id="{1CA34843-8553-49BB-A034-183FE338DA49}"/>
               </a:ext>
             </a:extLst>
           </p:cNvPr>
@@ -6949,7 +6949,7 @@
           <p:cNvPr id="61" name="矩形 60">
             <a:extLst>
               <a:ext uri="{FF2B5EF4-FFF2-40B4-BE49-F238E27FC236}">
-                <a16:creationId xmlns:a16="http://schemas.microsoft.com/office/drawing/2014/main" xmlns="" id="{F7670E7A-6ACE-4FE0-B9F9-B2D7BB1EFE48}"/>
+                <a16:creationId xmlns="" xmlns:a16="http://schemas.microsoft.com/office/drawing/2014/main" id="{F7670E7A-6ACE-4FE0-B9F9-B2D7BB1EFE48}"/>
               </a:ext>
             </a:extLst>
           </p:cNvPr>
@@ -7035,7 +7035,7 @@
           <p:cNvPr id="25" name="组合 24">
             <a:extLst>
               <a:ext uri="{FF2B5EF4-FFF2-40B4-BE49-F238E27FC236}">
-                <a16:creationId xmlns:a16="http://schemas.microsoft.com/office/drawing/2014/main" xmlns="" id="{EBAED922-E63C-46C2-B1C7-2E52EC108F8E}"/>
+                <a16:creationId xmlns="" xmlns:a16="http://schemas.microsoft.com/office/drawing/2014/main" id="{EBAED922-E63C-46C2-B1C7-2E52EC108F8E}"/>
               </a:ext>
             </a:extLst>
           </p:cNvPr>
@@ -7055,7 +7055,7 @@
             <p:cNvPr id="26" name="AutoShape 37">
               <a:extLst>
                 <a:ext uri="{FF2B5EF4-FFF2-40B4-BE49-F238E27FC236}">
-                  <a16:creationId xmlns:a16="http://schemas.microsoft.com/office/drawing/2014/main" xmlns="" id="{F8912B70-C572-4F1E-8116-6D7470321250}"/>
+                  <a16:creationId xmlns="" xmlns:a16="http://schemas.microsoft.com/office/drawing/2014/main" id="{F8912B70-C572-4F1E-8116-6D7470321250}"/>
                 </a:ext>
               </a:extLst>
             </p:cNvPr>
@@ -7345,7 +7345,7 @@
             <p:cNvPr id="27" name="AutoShape 38">
               <a:extLst>
                 <a:ext uri="{FF2B5EF4-FFF2-40B4-BE49-F238E27FC236}">
-                  <a16:creationId xmlns:a16="http://schemas.microsoft.com/office/drawing/2014/main" xmlns="" id="{12213540-F2C2-4A1F-A9D8-0FCEE26449AC}"/>
+                  <a16:creationId xmlns="" xmlns:a16="http://schemas.microsoft.com/office/drawing/2014/main" id="{12213540-F2C2-4A1F-A9D8-0FCEE26449AC}"/>
                 </a:ext>
               </a:extLst>
             </p:cNvPr>
@@ -7481,7 +7481,7 @@
             <p:cNvPr id="28" name="AutoShape 39">
               <a:extLst>
                 <a:ext uri="{FF2B5EF4-FFF2-40B4-BE49-F238E27FC236}">
-                  <a16:creationId xmlns:a16="http://schemas.microsoft.com/office/drawing/2014/main" xmlns="" id="{DD694D6A-D53F-4A81-B5DD-85325CAF98AB}"/>
+                  <a16:creationId xmlns="" xmlns:a16="http://schemas.microsoft.com/office/drawing/2014/main" id="{DD694D6A-D53F-4A81-B5DD-85325CAF98AB}"/>
                 </a:ext>
               </a:extLst>
             </p:cNvPr>
@@ -7617,7 +7617,7 @@
             <p:cNvPr id="29" name="AutoShape 40">
               <a:extLst>
                 <a:ext uri="{FF2B5EF4-FFF2-40B4-BE49-F238E27FC236}">
-                  <a16:creationId xmlns:a16="http://schemas.microsoft.com/office/drawing/2014/main" xmlns="" id="{E745A55B-5663-4625-8A34-BD390F3CDD1C}"/>
+                  <a16:creationId xmlns="" xmlns:a16="http://schemas.microsoft.com/office/drawing/2014/main" id="{E745A55B-5663-4625-8A34-BD390F3CDD1C}"/>
                 </a:ext>
               </a:extLst>
             </p:cNvPr>
@@ -7753,7 +7753,7 @@
             <p:cNvPr id="30" name="AutoShape 41">
               <a:extLst>
                 <a:ext uri="{FF2B5EF4-FFF2-40B4-BE49-F238E27FC236}">
-                  <a16:creationId xmlns:a16="http://schemas.microsoft.com/office/drawing/2014/main" xmlns="" id="{CDD39492-16F5-4AA4-A6D4-2165C6A4F7A0}"/>
+                  <a16:creationId xmlns="" xmlns:a16="http://schemas.microsoft.com/office/drawing/2014/main" id="{CDD39492-16F5-4AA4-A6D4-2165C6A4F7A0}"/>
                 </a:ext>
               </a:extLst>
             </p:cNvPr>
@@ -7866,7 +7866,7 @@
             <p:cNvPr id="31" name="AutoShape 42">
               <a:extLst>
                 <a:ext uri="{FF2B5EF4-FFF2-40B4-BE49-F238E27FC236}">
-                  <a16:creationId xmlns:a16="http://schemas.microsoft.com/office/drawing/2014/main" xmlns="" id="{3EE6F70D-063E-4507-AD67-824E648632F1}"/>
+                  <a16:creationId xmlns="" xmlns:a16="http://schemas.microsoft.com/office/drawing/2014/main" id="{3EE6F70D-063E-4507-AD67-824E648632F1}"/>
                 </a:ext>
               </a:extLst>
             </p:cNvPr>
@@ -7980,7 +7980,7 @@
           <p:cNvPr id="32" name="Group 112">
             <a:extLst>
               <a:ext uri="{FF2B5EF4-FFF2-40B4-BE49-F238E27FC236}">
-                <a16:creationId xmlns:a16="http://schemas.microsoft.com/office/drawing/2014/main" xmlns="" id="{6C6539DA-33B8-4461-B4BE-A2FF6A63FEF1}"/>
+                <a16:creationId xmlns="" xmlns:a16="http://schemas.microsoft.com/office/drawing/2014/main" id="{6C6539DA-33B8-4461-B4BE-A2FF6A63FEF1}"/>
               </a:ext>
             </a:extLst>
           </p:cNvPr>
@@ -8003,7 +8003,7 @@
             <p:cNvPr id="33" name="AutoShape 110">
               <a:extLst>
                 <a:ext uri="{FF2B5EF4-FFF2-40B4-BE49-F238E27FC236}">
-                  <a16:creationId xmlns:a16="http://schemas.microsoft.com/office/drawing/2014/main" xmlns="" id="{21CC8C20-00DB-4966-957E-474009EF93F6}"/>
+                  <a16:creationId xmlns="" xmlns:a16="http://schemas.microsoft.com/office/drawing/2014/main" id="{21CC8C20-00DB-4966-957E-474009EF93F6}"/>
                 </a:ext>
               </a:extLst>
             </p:cNvPr>
@@ -8144,7 +8144,7 @@
             <p:cNvPr id="34" name="AutoShape 111">
               <a:extLst>
                 <a:ext uri="{FF2B5EF4-FFF2-40B4-BE49-F238E27FC236}">
-                  <a16:creationId xmlns:a16="http://schemas.microsoft.com/office/drawing/2014/main" xmlns="" id="{F2AAF580-60AB-4324-A7CF-E71970AEBA96}"/>
+                  <a16:creationId xmlns="" xmlns:a16="http://schemas.microsoft.com/office/drawing/2014/main" id="{F2AAF580-60AB-4324-A7CF-E71970AEBA96}"/>
                 </a:ext>
               </a:extLst>
             </p:cNvPr>
@@ -8350,7 +8350,7 @@
           <p:cNvPr id="35" name="AutoShape 112">
             <a:extLst>
               <a:ext uri="{FF2B5EF4-FFF2-40B4-BE49-F238E27FC236}">
-                <a16:creationId xmlns:a16="http://schemas.microsoft.com/office/drawing/2014/main" xmlns="" id="{11B5B3C5-DA4B-4987-943B-00AC63452F74}"/>
+                <a16:creationId xmlns="" xmlns:a16="http://schemas.microsoft.com/office/drawing/2014/main" id="{11B5B3C5-DA4B-4987-943B-00AC63452F74}"/>
               </a:ext>
             </a:extLst>
           </p:cNvPr>
@@ -8720,7 +8720,7 @@
           <p:cNvPr id="36" name="组合 35">
             <a:extLst>
               <a:ext uri="{FF2B5EF4-FFF2-40B4-BE49-F238E27FC236}">
-                <a16:creationId xmlns:a16="http://schemas.microsoft.com/office/drawing/2014/main" xmlns="" id="{7396ABCB-037B-45E6-B476-EC4AAEBA6BE9}"/>
+                <a16:creationId xmlns="" xmlns:a16="http://schemas.microsoft.com/office/drawing/2014/main" id="{7396ABCB-037B-45E6-B476-EC4AAEBA6BE9}"/>
               </a:ext>
             </a:extLst>
           </p:cNvPr>
@@ -8743,7 +8743,7 @@
             <p:cNvPr id="37" name="AutoShape 126">
               <a:extLst>
                 <a:ext uri="{FF2B5EF4-FFF2-40B4-BE49-F238E27FC236}">
-                  <a16:creationId xmlns:a16="http://schemas.microsoft.com/office/drawing/2014/main" xmlns="" id="{229E0467-131D-4D7A-AC25-BE1E0DF02D3F}"/>
+                  <a16:creationId xmlns="" xmlns:a16="http://schemas.microsoft.com/office/drawing/2014/main" id="{229E0467-131D-4D7A-AC25-BE1E0DF02D3F}"/>
                 </a:ext>
               </a:extLst>
             </p:cNvPr>
@@ -8944,7 +8944,7 @@
             <p:cNvPr id="38" name="AutoShape 127">
               <a:extLst>
                 <a:ext uri="{FF2B5EF4-FFF2-40B4-BE49-F238E27FC236}">
-                  <a16:creationId xmlns:a16="http://schemas.microsoft.com/office/drawing/2014/main" xmlns="" id="{93F1E1C3-B84F-46C0-A0DC-E04C20477788}"/>
+                  <a16:creationId xmlns="" xmlns:a16="http://schemas.microsoft.com/office/drawing/2014/main" id="{93F1E1C3-B84F-46C0-A0DC-E04C20477788}"/>
                 </a:ext>
               </a:extLst>
             </p:cNvPr>
@@ -9066,7 +9066,7 @@
           <p:cNvPr id="39" name="Group 69">
             <a:extLst>
               <a:ext uri="{FF2B5EF4-FFF2-40B4-BE49-F238E27FC236}">
-                <a16:creationId xmlns:a16="http://schemas.microsoft.com/office/drawing/2014/main" xmlns="" id="{232ED120-9D12-4BDD-8323-1BFD28B4CF4A}"/>
+                <a16:creationId xmlns="" xmlns:a16="http://schemas.microsoft.com/office/drawing/2014/main" id="{232ED120-9D12-4BDD-8323-1BFD28B4CF4A}"/>
               </a:ext>
             </a:extLst>
           </p:cNvPr>
@@ -9089,7 +9089,7 @@
             <p:cNvPr id="40" name="AutoShape 69">
               <a:extLst>
                 <a:ext uri="{FF2B5EF4-FFF2-40B4-BE49-F238E27FC236}">
-                  <a16:creationId xmlns:a16="http://schemas.microsoft.com/office/drawing/2014/main" xmlns="" id="{75D291D9-C0F3-4CC9-B1CE-4CD85420071A}"/>
+                  <a16:creationId xmlns="" xmlns:a16="http://schemas.microsoft.com/office/drawing/2014/main" id="{75D291D9-C0F3-4CC9-B1CE-4CD85420071A}"/>
                 </a:ext>
               </a:extLst>
             </p:cNvPr>
@@ -9296,7 +9296,7 @@
             <p:cNvPr id="41" name="AutoShape 70">
               <a:extLst>
                 <a:ext uri="{FF2B5EF4-FFF2-40B4-BE49-F238E27FC236}">
-                  <a16:creationId xmlns:a16="http://schemas.microsoft.com/office/drawing/2014/main" xmlns="" id="{F2DCDD8E-17FA-4A58-A06B-5FE6C22DCF0C}"/>
+                  <a16:creationId xmlns="" xmlns:a16="http://schemas.microsoft.com/office/drawing/2014/main" id="{F2DCDD8E-17FA-4A58-A06B-5FE6C22DCF0C}"/>
                 </a:ext>
               </a:extLst>
             </p:cNvPr>
@@ -9413,7 +9413,7 @@
             <p:cNvPr id="62" name="AutoShape 71">
               <a:extLst>
                 <a:ext uri="{FF2B5EF4-FFF2-40B4-BE49-F238E27FC236}">
-                  <a16:creationId xmlns:a16="http://schemas.microsoft.com/office/drawing/2014/main" xmlns="" id="{6F803A87-E556-4EBE-A896-2D3E35FE9899}"/>
+                  <a16:creationId xmlns="" xmlns:a16="http://schemas.microsoft.com/office/drawing/2014/main" id="{6F803A87-E556-4EBE-A896-2D3E35FE9899}"/>
                 </a:ext>
               </a:extLst>
             </p:cNvPr>
@@ -9530,7 +9530,7 @@
             <p:cNvPr id="63" name="AutoShape 72">
               <a:extLst>
                 <a:ext uri="{FF2B5EF4-FFF2-40B4-BE49-F238E27FC236}">
-                  <a16:creationId xmlns:a16="http://schemas.microsoft.com/office/drawing/2014/main" xmlns="" id="{22CB086E-2902-4900-AE74-21C496048561}"/>
+                  <a16:creationId xmlns="" xmlns:a16="http://schemas.microsoft.com/office/drawing/2014/main" id="{22CB086E-2902-4900-AE74-21C496048561}"/>
                 </a:ext>
               </a:extLst>
             </p:cNvPr>
@@ -9647,7 +9647,7 @@
             <p:cNvPr id="64" name="AutoShape 73">
               <a:extLst>
                 <a:ext uri="{FF2B5EF4-FFF2-40B4-BE49-F238E27FC236}">
-                  <a16:creationId xmlns:a16="http://schemas.microsoft.com/office/drawing/2014/main" xmlns="" id="{5E30E518-CE9D-40E7-A7A2-DBB6C614D5C8}"/>
+                  <a16:creationId xmlns="" xmlns:a16="http://schemas.microsoft.com/office/drawing/2014/main" id="{5E30E518-CE9D-40E7-A7A2-DBB6C614D5C8}"/>
                 </a:ext>
               </a:extLst>
             </p:cNvPr>
@@ -9764,7 +9764,7 @@
             <p:cNvPr id="65" name="AutoShape 74">
               <a:extLst>
                 <a:ext uri="{FF2B5EF4-FFF2-40B4-BE49-F238E27FC236}">
-                  <a16:creationId xmlns:a16="http://schemas.microsoft.com/office/drawing/2014/main" xmlns="" id="{A6D08C1E-C6EF-4C4F-8788-B0D9205C3CF6}"/>
+                  <a16:creationId xmlns="" xmlns:a16="http://schemas.microsoft.com/office/drawing/2014/main" id="{A6D08C1E-C6EF-4C4F-8788-B0D9205C3CF6}"/>
                 </a:ext>
               </a:extLst>
             </p:cNvPr>
@@ -9881,7 +9881,7 @@
             <p:cNvPr id="66" name="AutoShape 75">
               <a:extLst>
                 <a:ext uri="{FF2B5EF4-FFF2-40B4-BE49-F238E27FC236}">
-                  <a16:creationId xmlns:a16="http://schemas.microsoft.com/office/drawing/2014/main" xmlns="" id="{63F3693E-89E1-460F-B7F7-1F085EEB44D0}"/>
+                  <a16:creationId xmlns="" xmlns:a16="http://schemas.microsoft.com/office/drawing/2014/main" id="{63F3693E-89E1-460F-B7F7-1F085EEB44D0}"/>
                 </a:ext>
               </a:extLst>
             </p:cNvPr>
@@ -9998,7 +9998,7 @@
             <p:cNvPr id="67" name="AutoShape 76">
               <a:extLst>
                 <a:ext uri="{FF2B5EF4-FFF2-40B4-BE49-F238E27FC236}">
-                  <a16:creationId xmlns:a16="http://schemas.microsoft.com/office/drawing/2014/main" xmlns="" id="{66B97C9D-865D-445D-A689-40EA1D6EF652}"/>
+                  <a16:creationId xmlns="" xmlns:a16="http://schemas.microsoft.com/office/drawing/2014/main" id="{66B97C9D-865D-445D-A689-40EA1D6EF652}"/>
                 </a:ext>
               </a:extLst>
             </p:cNvPr>
@@ -10115,7 +10115,7 @@
             <p:cNvPr id="68" name="AutoShape 77">
               <a:extLst>
                 <a:ext uri="{FF2B5EF4-FFF2-40B4-BE49-F238E27FC236}">
-                  <a16:creationId xmlns:a16="http://schemas.microsoft.com/office/drawing/2014/main" xmlns="" id="{117D4320-2CB4-477E-B4AD-93BD1ABDEF41}"/>
+                  <a16:creationId xmlns="" xmlns:a16="http://schemas.microsoft.com/office/drawing/2014/main" id="{117D4320-2CB4-477E-B4AD-93BD1ABDEF41}"/>
                 </a:ext>
               </a:extLst>
             </p:cNvPr>
@@ -10287,7 +10287,7 @@
           <p:cNvPr id="3" name="矩形 2">
             <a:extLst>
               <a:ext uri="{FF2B5EF4-FFF2-40B4-BE49-F238E27FC236}">
-                <a16:creationId xmlns:a16="http://schemas.microsoft.com/office/drawing/2014/main" xmlns="" id="{B1EF227F-F971-46C4-8C83-D820A502B67B}"/>
+                <a16:creationId xmlns="" xmlns:a16="http://schemas.microsoft.com/office/drawing/2014/main" id="{B1EF227F-F971-46C4-8C83-D820A502B67B}"/>
               </a:ext>
             </a:extLst>
           </p:cNvPr>
@@ -10339,7 +10339,7 @@
           <p:cNvPr id="4" name="矩形 3">
             <a:extLst>
               <a:ext uri="{FF2B5EF4-FFF2-40B4-BE49-F238E27FC236}">
-                <a16:creationId xmlns:a16="http://schemas.microsoft.com/office/drawing/2014/main" xmlns="" id="{9E909954-10C8-4280-953E-B54B27A00653}"/>
+                <a16:creationId xmlns="" xmlns:a16="http://schemas.microsoft.com/office/drawing/2014/main" id="{9E909954-10C8-4280-953E-B54B27A00653}"/>
               </a:ext>
             </a:extLst>
           </p:cNvPr>
@@ -10401,7 +10401,7 @@
           <p:cNvPr id="63" name="椭圆 62">
             <a:extLst>
               <a:ext uri="{FF2B5EF4-FFF2-40B4-BE49-F238E27FC236}">
-                <a16:creationId xmlns:a16="http://schemas.microsoft.com/office/drawing/2014/main" xmlns="" id="{73084343-2799-445B-B759-EFC6EAE38533}"/>
+                <a16:creationId xmlns="" xmlns:a16="http://schemas.microsoft.com/office/drawing/2014/main" id="{73084343-2799-445B-B759-EFC6EAE38533}"/>
               </a:ext>
             </a:extLst>
           </p:cNvPr>
@@ -10465,7 +10465,7 @@
           <p:cNvPr id="64" name="矩形: 圆角 63">
             <a:extLst>
               <a:ext uri="{FF2B5EF4-FFF2-40B4-BE49-F238E27FC236}">
-                <a16:creationId xmlns:a16="http://schemas.microsoft.com/office/drawing/2014/main" xmlns="" id="{BCD2B3CC-3858-4463-8607-1A02323512F4}"/>
+                <a16:creationId xmlns="" xmlns:a16="http://schemas.microsoft.com/office/drawing/2014/main" id="{BCD2B3CC-3858-4463-8607-1A02323512F4}"/>
               </a:ext>
             </a:extLst>
           </p:cNvPr>
@@ -10515,7 +10515,7 @@
           <p:cNvPr id="67" name="椭圆 66">
             <a:extLst>
               <a:ext uri="{FF2B5EF4-FFF2-40B4-BE49-F238E27FC236}">
-                <a16:creationId xmlns:a16="http://schemas.microsoft.com/office/drawing/2014/main" xmlns="" id="{46AEE037-07A3-4383-9253-AE0E904AF3D5}"/>
+                <a16:creationId xmlns="" xmlns:a16="http://schemas.microsoft.com/office/drawing/2014/main" id="{46AEE037-07A3-4383-9253-AE0E904AF3D5}"/>
               </a:ext>
             </a:extLst>
           </p:cNvPr>
@@ -10579,7 +10579,7 @@
           <p:cNvPr id="68" name="矩形: 圆角 67">
             <a:extLst>
               <a:ext uri="{FF2B5EF4-FFF2-40B4-BE49-F238E27FC236}">
-                <a16:creationId xmlns:a16="http://schemas.microsoft.com/office/drawing/2014/main" xmlns="" id="{AB0588ED-15DA-4F08-9A76-591E697396C3}"/>
+                <a16:creationId xmlns="" xmlns:a16="http://schemas.microsoft.com/office/drawing/2014/main" id="{AB0588ED-15DA-4F08-9A76-591E697396C3}"/>
               </a:ext>
             </a:extLst>
           </p:cNvPr>
@@ -10629,7 +10629,7 @@
           <p:cNvPr id="70" name="椭圆 69">
             <a:extLst>
               <a:ext uri="{FF2B5EF4-FFF2-40B4-BE49-F238E27FC236}">
-                <a16:creationId xmlns:a16="http://schemas.microsoft.com/office/drawing/2014/main" xmlns="" id="{DF635A64-F7E9-418B-8EA0-610EA9677B25}"/>
+                <a16:creationId xmlns="" xmlns:a16="http://schemas.microsoft.com/office/drawing/2014/main" id="{DF635A64-F7E9-418B-8EA0-610EA9677B25}"/>
               </a:ext>
             </a:extLst>
           </p:cNvPr>
@@ -10693,7 +10693,7 @@
           <p:cNvPr id="71" name="矩形: 圆角 70">
             <a:extLst>
               <a:ext uri="{FF2B5EF4-FFF2-40B4-BE49-F238E27FC236}">
-                <a16:creationId xmlns:a16="http://schemas.microsoft.com/office/drawing/2014/main" xmlns="" id="{DD1F0660-E0E6-4D1E-A789-BD9C75548B2C}"/>
+                <a16:creationId xmlns="" xmlns:a16="http://schemas.microsoft.com/office/drawing/2014/main" id="{DD1F0660-E0E6-4D1E-A789-BD9C75548B2C}"/>
               </a:ext>
             </a:extLst>
           </p:cNvPr>
@@ -10743,7 +10743,7 @@
           <p:cNvPr id="72" name="矩形 71">
             <a:extLst>
               <a:ext uri="{FF2B5EF4-FFF2-40B4-BE49-F238E27FC236}">
-                <a16:creationId xmlns:a16="http://schemas.microsoft.com/office/drawing/2014/main" xmlns="" id="{17DE5808-A425-4D3A-8D7F-57C5727C7CE5}"/>
+                <a16:creationId xmlns="" xmlns:a16="http://schemas.microsoft.com/office/drawing/2014/main" id="{17DE5808-A425-4D3A-8D7F-57C5727C7CE5}"/>
               </a:ext>
             </a:extLst>
           </p:cNvPr>
@@ -10778,17 +10778,7 @@
                 <a:latin typeface="+mj-lt"/>
                 <a:cs typeface="Times New Roman" panose="02020603050405020304" pitchFamily="18" charset="0"/>
               </a:rPr>
-              <a:t>隐私</a:t>
-            </a:r>
-            <a:r>
-              <a:rPr lang="zh-CN" altLang="en-US" sz="1400" kern="100" dirty="0" smtClean="0">
-                <a:solidFill>
-                  <a:schemeClr val="accent1"/>
-                </a:solidFill>
-                <a:latin typeface="+mj-lt"/>
-                <a:cs typeface="Times New Roman" panose="02020603050405020304" pitchFamily="18" charset="0"/>
-              </a:rPr>
-              <a:t>计算</a:t>
+              <a:t>隐私计算</a:t>
             </a:r>
             <a:endParaRPr lang="en-US" altLang="zh-CN" sz="1400" kern="100" dirty="0">
               <a:solidFill>
@@ -10805,7 +10795,7 @@
           <p:cNvPr id="73" name="矩形 72">
             <a:extLst>
               <a:ext uri="{FF2B5EF4-FFF2-40B4-BE49-F238E27FC236}">
-                <a16:creationId xmlns:a16="http://schemas.microsoft.com/office/drawing/2014/main" xmlns="" id="{EC89490A-C4C2-490E-B13A-DB5F6B556A95}"/>
+                <a16:creationId xmlns="" xmlns:a16="http://schemas.microsoft.com/office/drawing/2014/main" id="{EC89490A-C4C2-490E-B13A-DB5F6B556A95}"/>
               </a:ext>
             </a:extLst>
           </p:cNvPr>
@@ -10928,7 +10918,7 @@
           <p:cNvPr id="74" name="矩形 73">
             <a:extLst>
               <a:ext uri="{FF2B5EF4-FFF2-40B4-BE49-F238E27FC236}">
-                <a16:creationId xmlns:a16="http://schemas.microsoft.com/office/drawing/2014/main" xmlns="" id="{C4A89255-24BC-4C07-9332-1BE68FD832A8}"/>
+                <a16:creationId xmlns="" xmlns:a16="http://schemas.microsoft.com/office/drawing/2014/main" id="{C4A89255-24BC-4C07-9332-1BE68FD832A8}"/>
               </a:ext>
             </a:extLst>
           </p:cNvPr>
@@ -10980,7 +10970,7 @@
           <p:cNvPr id="75" name="矩形 74">
             <a:extLst>
               <a:ext uri="{FF2B5EF4-FFF2-40B4-BE49-F238E27FC236}">
-                <a16:creationId xmlns:a16="http://schemas.microsoft.com/office/drawing/2014/main" xmlns="" id="{82D435E7-C670-4529-A477-208C9BA3B11C}"/>
+                <a16:creationId xmlns="" xmlns:a16="http://schemas.microsoft.com/office/drawing/2014/main" id="{82D435E7-C670-4529-A477-208C9BA3B11C}"/>
               </a:ext>
             </a:extLst>
           </p:cNvPr>
@@ -11081,7 +11071,7 @@
           <p:cNvPr id="76" name="矩形 75">
             <a:extLst>
               <a:ext uri="{FF2B5EF4-FFF2-40B4-BE49-F238E27FC236}">
-                <a16:creationId xmlns:a16="http://schemas.microsoft.com/office/drawing/2014/main" xmlns="" id="{F8C1606B-8340-408E-82FE-AFC6D58E2694}"/>
+                <a16:creationId xmlns="" xmlns:a16="http://schemas.microsoft.com/office/drawing/2014/main" id="{F8C1606B-8340-408E-82FE-AFC6D58E2694}"/>
               </a:ext>
             </a:extLst>
           </p:cNvPr>
@@ -11133,7 +11123,7 @@
           <p:cNvPr id="77" name="矩形 76">
             <a:extLst>
               <a:ext uri="{FF2B5EF4-FFF2-40B4-BE49-F238E27FC236}">
-                <a16:creationId xmlns:a16="http://schemas.microsoft.com/office/drawing/2014/main" xmlns="" id="{E9DAC4F0-6E8E-4F95-94DF-12FA19568EBA}"/>
+                <a16:creationId xmlns="" xmlns:a16="http://schemas.microsoft.com/office/drawing/2014/main" id="{E9DAC4F0-6E8E-4F95-94DF-12FA19568EBA}"/>
               </a:ext>
             </a:extLst>
           </p:cNvPr>
@@ -11256,7 +11246,7 @@
           <p:cNvPr id="2" name="组合 1">
             <a:extLst>
               <a:ext uri="{FF2B5EF4-FFF2-40B4-BE49-F238E27FC236}">
-                <a16:creationId xmlns:a16="http://schemas.microsoft.com/office/drawing/2014/main" xmlns="" id="{0268C00B-C550-43A8-8221-CE3043975857}"/>
+                <a16:creationId xmlns="" xmlns:a16="http://schemas.microsoft.com/office/drawing/2014/main" id="{0268C00B-C550-43A8-8221-CE3043975857}"/>
               </a:ext>
             </a:extLst>
           </p:cNvPr>
@@ -11276,7 +11266,7 @@
             <p:cNvPr id="20" name="AutoShape 37">
               <a:extLst>
                 <a:ext uri="{FF2B5EF4-FFF2-40B4-BE49-F238E27FC236}">
-                  <a16:creationId xmlns:a16="http://schemas.microsoft.com/office/drawing/2014/main" xmlns="" id="{74083B93-C861-47B2-A496-902183DA6FCF}"/>
+                  <a16:creationId xmlns="" xmlns:a16="http://schemas.microsoft.com/office/drawing/2014/main" id="{74083B93-C861-47B2-A496-902183DA6FCF}"/>
                 </a:ext>
               </a:extLst>
             </p:cNvPr>
@@ -11566,7 +11556,7 @@
             <p:cNvPr id="21" name="AutoShape 38">
               <a:extLst>
                 <a:ext uri="{FF2B5EF4-FFF2-40B4-BE49-F238E27FC236}">
-                  <a16:creationId xmlns:a16="http://schemas.microsoft.com/office/drawing/2014/main" xmlns="" id="{3804F3A3-3344-4186-85CB-4B941646978A}"/>
+                  <a16:creationId xmlns="" xmlns:a16="http://schemas.microsoft.com/office/drawing/2014/main" id="{3804F3A3-3344-4186-85CB-4B941646978A}"/>
                 </a:ext>
               </a:extLst>
             </p:cNvPr>
@@ -11702,7 +11692,7 @@
             <p:cNvPr id="22" name="AutoShape 39">
               <a:extLst>
                 <a:ext uri="{FF2B5EF4-FFF2-40B4-BE49-F238E27FC236}">
-                  <a16:creationId xmlns:a16="http://schemas.microsoft.com/office/drawing/2014/main" xmlns="" id="{3ED7E510-32D2-4877-B62F-F6E46E89DFBC}"/>
+                  <a16:creationId xmlns="" xmlns:a16="http://schemas.microsoft.com/office/drawing/2014/main" id="{3ED7E510-32D2-4877-B62F-F6E46E89DFBC}"/>
                 </a:ext>
               </a:extLst>
             </p:cNvPr>
@@ -11838,7 +11828,7 @@
             <p:cNvPr id="23" name="AutoShape 40">
               <a:extLst>
                 <a:ext uri="{FF2B5EF4-FFF2-40B4-BE49-F238E27FC236}">
-                  <a16:creationId xmlns:a16="http://schemas.microsoft.com/office/drawing/2014/main" xmlns="" id="{0625BF7F-7AF3-42F2-922D-D3C280D5D251}"/>
+                  <a16:creationId xmlns="" xmlns:a16="http://schemas.microsoft.com/office/drawing/2014/main" id="{0625BF7F-7AF3-42F2-922D-D3C280D5D251}"/>
                 </a:ext>
               </a:extLst>
             </p:cNvPr>
@@ -11974,7 +11964,7 @@
             <p:cNvPr id="24" name="AutoShape 41">
               <a:extLst>
                 <a:ext uri="{FF2B5EF4-FFF2-40B4-BE49-F238E27FC236}">
-                  <a16:creationId xmlns:a16="http://schemas.microsoft.com/office/drawing/2014/main" xmlns="" id="{285195EF-4998-4546-BA92-667A207A75C9}"/>
+                  <a16:creationId xmlns="" xmlns:a16="http://schemas.microsoft.com/office/drawing/2014/main" id="{285195EF-4998-4546-BA92-667A207A75C9}"/>
                 </a:ext>
               </a:extLst>
             </p:cNvPr>
@@ -12087,7 +12077,7 @@
             <p:cNvPr id="25" name="AutoShape 42">
               <a:extLst>
                 <a:ext uri="{FF2B5EF4-FFF2-40B4-BE49-F238E27FC236}">
-                  <a16:creationId xmlns:a16="http://schemas.microsoft.com/office/drawing/2014/main" xmlns="" id="{7BFA8423-2259-47E3-B8D4-CDA59CA1A1E6}"/>
+                  <a16:creationId xmlns="" xmlns:a16="http://schemas.microsoft.com/office/drawing/2014/main" id="{7BFA8423-2259-47E3-B8D4-CDA59CA1A1E6}"/>
                 </a:ext>
               </a:extLst>
             </p:cNvPr>
@@ -12201,7 +12191,7 @@
           <p:cNvPr id="26" name="AutoShape 112">
             <a:extLst>
               <a:ext uri="{FF2B5EF4-FFF2-40B4-BE49-F238E27FC236}">
-                <a16:creationId xmlns:a16="http://schemas.microsoft.com/office/drawing/2014/main" xmlns="" id="{8B441F98-36FF-4C34-AFD5-99EDAC0C86C8}"/>
+                <a16:creationId xmlns="" xmlns:a16="http://schemas.microsoft.com/office/drawing/2014/main" id="{8B441F98-36FF-4C34-AFD5-99EDAC0C86C8}"/>
               </a:ext>
             </a:extLst>
           </p:cNvPr>
@@ -12571,7 +12561,7 @@
           <p:cNvPr id="27" name="组合 26">
             <a:extLst>
               <a:ext uri="{FF2B5EF4-FFF2-40B4-BE49-F238E27FC236}">
-                <a16:creationId xmlns:a16="http://schemas.microsoft.com/office/drawing/2014/main" xmlns="" id="{F69654B9-54B0-48E4-A873-115B1E6B084A}"/>
+                <a16:creationId xmlns="" xmlns:a16="http://schemas.microsoft.com/office/drawing/2014/main" id="{F69654B9-54B0-48E4-A873-115B1E6B084A}"/>
               </a:ext>
             </a:extLst>
           </p:cNvPr>
@@ -12594,7 +12584,7 @@
             <p:cNvPr id="28" name="AutoShape 113">
               <a:extLst>
                 <a:ext uri="{FF2B5EF4-FFF2-40B4-BE49-F238E27FC236}">
-                  <a16:creationId xmlns:a16="http://schemas.microsoft.com/office/drawing/2014/main" xmlns="" id="{762A4469-ED62-403E-BACD-2BFF1C474814}"/>
+                  <a16:creationId xmlns="" xmlns:a16="http://schemas.microsoft.com/office/drawing/2014/main" id="{762A4469-ED62-403E-BACD-2BFF1C474814}"/>
                 </a:ext>
               </a:extLst>
             </p:cNvPr>
@@ -12818,7 +12808,7 @@
             <p:cNvPr id="29" name="AutoShape 114">
               <a:extLst>
                 <a:ext uri="{FF2B5EF4-FFF2-40B4-BE49-F238E27FC236}">
-                  <a16:creationId xmlns:a16="http://schemas.microsoft.com/office/drawing/2014/main" xmlns="" id="{C7427E8C-4C72-4C41-A4D8-8C831C0A6335}"/>
+                  <a16:creationId xmlns="" xmlns:a16="http://schemas.microsoft.com/office/drawing/2014/main" id="{C7427E8C-4C72-4C41-A4D8-8C831C0A6335}"/>
                 </a:ext>
               </a:extLst>
             </p:cNvPr>
@@ -12970,7 +12960,7 @@
           <p:cNvPr id="10" name="矩形 9">
             <a:extLst>
               <a:ext uri="{FF2B5EF4-FFF2-40B4-BE49-F238E27FC236}">
-                <a16:creationId xmlns:a16="http://schemas.microsoft.com/office/drawing/2014/main" xmlns="" id="{27845620-1BD2-4CB4-A849-1D6F71C83D3D}"/>
+                <a16:creationId xmlns="" xmlns:a16="http://schemas.microsoft.com/office/drawing/2014/main" id="{27845620-1BD2-4CB4-A849-1D6F71C83D3D}"/>
               </a:ext>
             </a:extLst>
           </p:cNvPr>
@@ -13029,7 +13019,7 @@
           <p:cNvPr id="15" name="椭圆 14">
             <a:extLst>
               <a:ext uri="{FF2B5EF4-FFF2-40B4-BE49-F238E27FC236}">
-                <a16:creationId xmlns:a16="http://schemas.microsoft.com/office/drawing/2014/main" xmlns="" id="{84E5A175-3149-405F-9145-7535715A381B}"/>
+                <a16:creationId xmlns="" xmlns:a16="http://schemas.microsoft.com/office/drawing/2014/main" id="{84E5A175-3149-405F-9145-7535715A381B}"/>
               </a:ext>
             </a:extLst>
           </p:cNvPr>
@@ -13093,7 +13083,7 @@
           <p:cNvPr id="23" name="矩形 22">
             <a:extLst>
               <a:ext uri="{FF2B5EF4-FFF2-40B4-BE49-F238E27FC236}">
-                <a16:creationId xmlns:a16="http://schemas.microsoft.com/office/drawing/2014/main" xmlns="" id="{256BF839-5984-4814-99D1-E3F91C6B186D}"/>
+                <a16:creationId xmlns="" xmlns:a16="http://schemas.microsoft.com/office/drawing/2014/main" id="{256BF839-5984-4814-99D1-E3F91C6B186D}"/>
               </a:ext>
             </a:extLst>
           </p:cNvPr>
@@ -13145,7 +13135,7 @@
           <p:cNvPr id="30" name="矩形 29">
             <a:extLst>
               <a:ext uri="{FF2B5EF4-FFF2-40B4-BE49-F238E27FC236}">
-                <a16:creationId xmlns:a16="http://schemas.microsoft.com/office/drawing/2014/main" xmlns="" id="{108EDB90-29AC-41EE-8404-B98F5C9941E8}"/>
+                <a16:creationId xmlns="" xmlns:a16="http://schemas.microsoft.com/office/drawing/2014/main" id="{108EDB90-29AC-41EE-8404-B98F5C9941E8}"/>
               </a:ext>
             </a:extLst>
           </p:cNvPr>
@@ -13197,7 +13187,7 @@
           <p:cNvPr id="31" name="Group 13">
             <a:extLst>
               <a:ext uri="{FF2B5EF4-FFF2-40B4-BE49-F238E27FC236}">
-                <a16:creationId xmlns:a16="http://schemas.microsoft.com/office/drawing/2014/main" xmlns="" id="{7B266607-1E24-446A-AA08-188900624FAB}"/>
+                <a16:creationId xmlns="" xmlns:a16="http://schemas.microsoft.com/office/drawing/2014/main" id="{7B266607-1E24-446A-AA08-188900624FAB}"/>
               </a:ext>
             </a:extLst>
           </p:cNvPr>
@@ -13222,7 +13212,7 @@
             <p:cNvPr id="32" name="Freeform 14">
               <a:extLst>
                 <a:ext uri="{FF2B5EF4-FFF2-40B4-BE49-F238E27FC236}">
-                  <a16:creationId xmlns:a16="http://schemas.microsoft.com/office/drawing/2014/main" xmlns="" id="{A141E591-87D0-4A9D-84EA-6C3EEEDD2AC2}"/>
+                  <a16:creationId xmlns="" xmlns:a16="http://schemas.microsoft.com/office/drawing/2014/main" id="{A141E591-87D0-4A9D-84EA-6C3EEEDD2AC2}"/>
                 </a:ext>
               </a:extLst>
             </p:cNvPr>
@@ -13381,7 +13371,7 @@
             <p:cNvPr id="33" name="Freeform 15">
               <a:extLst>
                 <a:ext uri="{FF2B5EF4-FFF2-40B4-BE49-F238E27FC236}">
-                  <a16:creationId xmlns:a16="http://schemas.microsoft.com/office/drawing/2014/main" xmlns="" id="{AE3A265A-B4ED-4C0D-8793-0E1E83881147}"/>
+                  <a16:creationId xmlns="" xmlns:a16="http://schemas.microsoft.com/office/drawing/2014/main" id="{AE3A265A-B4ED-4C0D-8793-0E1E83881147}"/>
                 </a:ext>
               </a:extLst>
             </p:cNvPr>
@@ -13592,7 +13582,7 @@
           <p:cNvPr id="34" name="矩形 33">
             <a:extLst>
               <a:ext uri="{FF2B5EF4-FFF2-40B4-BE49-F238E27FC236}">
-                <a16:creationId xmlns:a16="http://schemas.microsoft.com/office/drawing/2014/main" xmlns="" id="{F2B290E5-515A-4DB8-9472-33B1686A97FA}"/>
+                <a16:creationId xmlns="" xmlns:a16="http://schemas.microsoft.com/office/drawing/2014/main" id="{F2B290E5-515A-4DB8-9472-33B1686A97FA}"/>
               </a:ext>
             </a:extLst>
           </p:cNvPr>
@@ -13644,7 +13634,7 @@
           <p:cNvPr id="35" name="Group 13">
             <a:extLst>
               <a:ext uri="{FF2B5EF4-FFF2-40B4-BE49-F238E27FC236}">
-                <a16:creationId xmlns:a16="http://schemas.microsoft.com/office/drawing/2014/main" xmlns="" id="{693906BC-7735-4725-8309-72D620A681DF}"/>
+                <a16:creationId xmlns="" xmlns:a16="http://schemas.microsoft.com/office/drawing/2014/main" id="{693906BC-7735-4725-8309-72D620A681DF}"/>
               </a:ext>
             </a:extLst>
           </p:cNvPr>
@@ -13669,7 +13659,7 @@
             <p:cNvPr id="36" name="Freeform 14">
               <a:extLst>
                 <a:ext uri="{FF2B5EF4-FFF2-40B4-BE49-F238E27FC236}">
-                  <a16:creationId xmlns:a16="http://schemas.microsoft.com/office/drawing/2014/main" xmlns="" id="{5A080266-FD71-491A-94E3-45981DDCAB35}"/>
+                  <a16:creationId xmlns="" xmlns:a16="http://schemas.microsoft.com/office/drawing/2014/main" id="{5A080266-FD71-491A-94E3-45981DDCAB35}"/>
                 </a:ext>
               </a:extLst>
             </p:cNvPr>
@@ -13828,7 +13818,7 @@
             <p:cNvPr id="37" name="Freeform 15">
               <a:extLst>
                 <a:ext uri="{FF2B5EF4-FFF2-40B4-BE49-F238E27FC236}">
-                  <a16:creationId xmlns:a16="http://schemas.microsoft.com/office/drawing/2014/main" xmlns="" id="{06855B9F-A534-49BD-8C81-1FC504DFE9C7}"/>
+                  <a16:creationId xmlns="" xmlns:a16="http://schemas.microsoft.com/office/drawing/2014/main" id="{06855B9F-A534-49BD-8C81-1FC504DFE9C7}"/>
                 </a:ext>
               </a:extLst>
             </p:cNvPr>
@@ -14039,7 +14029,7 @@
           <p:cNvPr id="38" name="矩形 37">
             <a:extLst>
               <a:ext uri="{FF2B5EF4-FFF2-40B4-BE49-F238E27FC236}">
-                <a16:creationId xmlns:a16="http://schemas.microsoft.com/office/drawing/2014/main" xmlns="" id="{9C36F1F9-0132-4F64-A577-185FEC85B26A}"/>
+                <a16:creationId xmlns="" xmlns:a16="http://schemas.microsoft.com/office/drawing/2014/main" id="{9C36F1F9-0132-4F64-A577-185FEC85B26A}"/>
               </a:ext>
             </a:extLst>
           </p:cNvPr>
@@ -14091,7 +14081,7 @@
           <p:cNvPr id="14" name="组合 13">
             <a:extLst>
               <a:ext uri="{FF2B5EF4-FFF2-40B4-BE49-F238E27FC236}">
-                <a16:creationId xmlns:a16="http://schemas.microsoft.com/office/drawing/2014/main" xmlns="" id="{4CB2E6AC-6FF4-4346-BF16-1B8A8397BE74}"/>
+                <a16:creationId xmlns="" xmlns:a16="http://schemas.microsoft.com/office/drawing/2014/main" id="{4CB2E6AC-6FF4-4346-BF16-1B8A8397BE74}"/>
               </a:ext>
             </a:extLst>
           </p:cNvPr>
@@ -14111,7 +14101,7 @@
             <p:cNvPr id="16" name="AutoShape 37">
               <a:extLst>
                 <a:ext uri="{FF2B5EF4-FFF2-40B4-BE49-F238E27FC236}">
-                  <a16:creationId xmlns:a16="http://schemas.microsoft.com/office/drawing/2014/main" xmlns="" id="{BEF2943C-F723-43ED-953B-E9EA2D3D9CD5}"/>
+                  <a16:creationId xmlns="" xmlns:a16="http://schemas.microsoft.com/office/drawing/2014/main" id="{BEF2943C-F723-43ED-953B-E9EA2D3D9CD5}"/>
                 </a:ext>
               </a:extLst>
             </p:cNvPr>
@@ -14401,7 +14391,7 @@
             <p:cNvPr id="17" name="AutoShape 38">
               <a:extLst>
                 <a:ext uri="{FF2B5EF4-FFF2-40B4-BE49-F238E27FC236}">
-                  <a16:creationId xmlns:a16="http://schemas.microsoft.com/office/drawing/2014/main" xmlns="" id="{B140BC38-64A4-40FE-ABDB-5A79EE08BADE}"/>
+                  <a16:creationId xmlns="" xmlns:a16="http://schemas.microsoft.com/office/drawing/2014/main" id="{B140BC38-64A4-40FE-ABDB-5A79EE08BADE}"/>
                 </a:ext>
               </a:extLst>
             </p:cNvPr>
@@ -14537,7 +14527,7 @@
             <p:cNvPr id="18" name="AutoShape 39">
               <a:extLst>
                 <a:ext uri="{FF2B5EF4-FFF2-40B4-BE49-F238E27FC236}">
-                  <a16:creationId xmlns:a16="http://schemas.microsoft.com/office/drawing/2014/main" xmlns="" id="{5FAA2FD2-DA69-4B62-87A3-7F4E881A3B32}"/>
+                  <a16:creationId xmlns="" xmlns:a16="http://schemas.microsoft.com/office/drawing/2014/main" id="{5FAA2FD2-DA69-4B62-87A3-7F4E881A3B32}"/>
                 </a:ext>
               </a:extLst>
             </p:cNvPr>
@@ -14673,7 +14663,7 @@
             <p:cNvPr id="19" name="AutoShape 40">
               <a:extLst>
                 <a:ext uri="{FF2B5EF4-FFF2-40B4-BE49-F238E27FC236}">
-                  <a16:creationId xmlns:a16="http://schemas.microsoft.com/office/drawing/2014/main" xmlns="" id="{2C527C80-D330-45B8-83F5-C20387E9514A}"/>
+                  <a16:creationId xmlns="" xmlns:a16="http://schemas.microsoft.com/office/drawing/2014/main" id="{2C527C80-D330-45B8-83F5-C20387E9514A}"/>
                 </a:ext>
               </a:extLst>
             </p:cNvPr>
@@ -14809,7 +14799,7 @@
             <p:cNvPr id="20" name="AutoShape 41">
               <a:extLst>
                 <a:ext uri="{FF2B5EF4-FFF2-40B4-BE49-F238E27FC236}">
-                  <a16:creationId xmlns:a16="http://schemas.microsoft.com/office/drawing/2014/main" xmlns="" id="{4BAD4E87-877A-445E-9151-0AE7681EF557}"/>
+                  <a16:creationId xmlns="" xmlns:a16="http://schemas.microsoft.com/office/drawing/2014/main" id="{4BAD4E87-877A-445E-9151-0AE7681EF557}"/>
                 </a:ext>
               </a:extLst>
             </p:cNvPr>
@@ -14922,7 +14912,7 @@
             <p:cNvPr id="21" name="AutoShape 42">
               <a:extLst>
                 <a:ext uri="{FF2B5EF4-FFF2-40B4-BE49-F238E27FC236}">
-                  <a16:creationId xmlns:a16="http://schemas.microsoft.com/office/drawing/2014/main" xmlns="" id="{D69DBD67-18A2-4608-9A3E-E9F2B913A9F5}"/>
+                  <a16:creationId xmlns="" xmlns:a16="http://schemas.microsoft.com/office/drawing/2014/main" id="{D69DBD67-18A2-4608-9A3E-E9F2B913A9F5}"/>
                 </a:ext>
               </a:extLst>
             </p:cNvPr>
@@ -15066,7 +15056,7 @@
           <p:cNvPr id="3" name="矩形 2">
             <a:extLst>
               <a:ext uri="{FF2B5EF4-FFF2-40B4-BE49-F238E27FC236}">
-                <a16:creationId xmlns:a16="http://schemas.microsoft.com/office/drawing/2014/main" xmlns="" id="{B1EF227F-F971-46C4-8C83-D820A502B67B}"/>
+                <a16:creationId xmlns="" xmlns:a16="http://schemas.microsoft.com/office/drawing/2014/main" id="{B1EF227F-F971-46C4-8C83-D820A502B67B}"/>
               </a:ext>
             </a:extLst>
           </p:cNvPr>
@@ -15101,17 +15091,7 @@
                 <a:latin typeface="+mn-ea"/>
                 <a:cs typeface="Times New Roman" panose="02020603050405020304" pitchFamily="18" charset="0"/>
               </a:rPr>
-              <a:t>研究</a:t>
-            </a:r>
-            <a:r>
-              <a:rPr lang="zh-CN" altLang="en-US" sz="2000" b="1" kern="100" dirty="0" smtClean="0">
-                <a:solidFill>
-                  <a:schemeClr val="accent1"/>
-                </a:solidFill>
-                <a:latin typeface="+mn-ea"/>
-                <a:cs typeface="Times New Roman" panose="02020603050405020304" pitchFamily="18" charset="0"/>
-              </a:rPr>
-              <a:t>分析</a:t>
+              <a:t>研究分析</a:t>
             </a:r>
             <a:endParaRPr lang="zh-CN" altLang="en-US" sz="2000" b="1" kern="100" dirty="0">
               <a:solidFill>
@@ -15128,7 +15108,7 @@
           <p:cNvPr id="4" name="矩形 3">
             <a:extLst>
               <a:ext uri="{FF2B5EF4-FFF2-40B4-BE49-F238E27FC236}">
-                <a16:creationId xmlns:a16="http://schemas.microsoft.com/office/drawing/2014/main" xmlns="" id="{9E909954-10C8-4280-953E-B54B27A00653}"/>
+                <a16:creationId xmlns="" xmlns:a16="http://schemas.microsoft.com/office/drawing/2014/main" id="{9E909954-10C8-4280-953E-B54B27A00653}"/>
               </a:ext>
             </a:extLst>
           </p:cNvPr>
@@ -15190,7 +15170,7 @@
           <p:cNvPr id="25" name="椭圆 24">
             <a:extLst>
               <a:ext uri="{FF2B5EF4-FFF2-40B4-BE49-F238E27FC236}">
-                <a16:creationId xmlns:a16="http://schemas.microsoft.com/office/drawing/2014/main" xmlns="" id="{010FB20D-028B-4C3E-8BFB-B3260BF28414}"/>
+                <a16:creationId xmlns="" xmlns:a16="http://schemas.microsoft.com/office/drawing/2014/main" id="{010FB20D-028B-4C3E-8BFB-B3260BF28414}"/>
               </a:ext>
             </a:extLst>
           </p:cNvPr>
@@ -15254,7 +15234,7 @@
           <p:cNvPr id="26" name="椭圆 25">
             <a:extLst>
               <a:ext uri="{FF2B5EF4-FFF2-40B4-BE49-F238E27FC236}">
-                <a16:creationId xmlns:a16="http://schemas.microsoft.com/office/drawing/2014/main" xmlns="" id="{61F5834F-8005-4078-8809-02B7D37E3331}"/>
+                <a16:creationId xmlns="" xmlns:a16="http://schemas.microsoft.com/office/drawing/2014/main" id="{61F5834F-8005-4078-8809-02B7D37E3331}"/>
               </a:ext>
             </a:extLst>
           </p:cNvPr>
@@ -15318,7 +15298,7 @@
           <p:cNvPr id="27" name="椭圆 26">
             <a:extLst>
               <a:ext uri="{FF2B5EF4-FFF2-40B4-BE49-F238E27FC236}">
-                <a16:creationId xmlns:a16="http://schemas.microsoft.com/office/drawing/2014/main" xmlns="" id="{878D40F1-EB22-460F-A891-F7D9B17B76B5}"/>
+                <a16:creationId xmlns="" xmlns:a16="http://schemas.microsoft.com/office/drawing/2014/main" id="{878D40F1-EB22-460F-A891-F7D9B17B76B5}"/>
               </a:ext>
             </a:extLst>
           </p:cNvPr>
@@ -15382,7 +15362,7 @@
           <p:cNvPr id="28" name="矩形 27">
             <a:extLst>
               <a:ext uri="{FF2B5EF4-FFF2-40B4-BE49-F238E27FC236}">
-                <a16:creationId xmlns:a16="http://schemas.microsoft.com/office/drawing/2014/main" xmlns="" id="{F87CF4BD-A4D2-437A-A8F3-93F91387E73C}"/>
+                <a16:creationId xmlns="" xmlns:a16="http://schemas.microsoft.com/office/drawing/2014/main" id="{F87CF4BD-A4D2-437A-A8F3-93F91387E73C}"/>
               </a:ext>
             </a:extLst>
           </p:cNvPr>
@@ -15434,7 +15414,7 @@
           <p:cNvPr id="29" name="矩形 28">
             <a:extLst>
               <a:ext uri="{FF2B5EF4-FFF2-40B4-BE49-F238E27FC236}">
-                <a16:creationId xmlns:a16="http://schemas.microsoft.com/office/drawing/2014/main" xmlns="" id="{4583D270-778A-4620-BB10-A936631F1B9A}"/>
+                <a16:creationId xmlns="" xmlns:a16="http://schemas.microsoft.com/office/drawing/2014/main" id="{4583D270-778A-4620-BB10-A936631F1B9A}"/>
               </a:ext>
             </a:extLst>
           </p:cNvPr>
@@ -15502,7 +15482,7 @@
           <p:cNvPr id="30" name="矩形 29">
             <a:extLst>
               <a:ext uri="{FF2B5EF4-FFF2-40B4-BE49-F238E27FC236}">
-                <a16:creationId xmlns:a16="http://schemas.microsoft.com/office/drawing/2014/main" xmlns="" id="{2533A8C9-C0DD-4291-9553-5EB1CB8494F0}"/>
+                <a16:creationId xmlns="" xmlns:a16="http://schemas.microsoft.com/office/drawing/2014/main" id="{2533A8C9-C0DD-4291-9553-5EB1CB8494F0}"/>
               </a:ext>
             </a:extLst>
           </p:cNvPr>
@@ -15549,14 +15529,14 @@
           </a:p>
         </p:txBody>
       </p:sp>
-      <mc:AlternateContent xmlns:mc="http://schemas.openxmlformats.org/markup-compatibility/2006">
-        <mc:Choice xmlns:a14="http://schemas.microsoft.com/office/drawing/2010/main" Requires="a14">
+      <mc:AlternateContent xmlns:mc="http://schemas.openxmlformats.org/markup-compatibility/2006" xmlns:a14="http://schemas.microsoft.com/office/drawing/2010/main">
+        <mc:Choice Requires="a14">
           <p:sp>
             <p:nvSpPr>
               <p:cNvPr id="31" name="矩形 30">
                 <a:extLst>
                   <a:ext uri="{FF2B5EF4-FFF2-40B4-BE49-F238E27FC236}">
-                    <a16:creationId xmlns:a16="http://schemas.microsoft.com/office/drawing/2014/main" xmlns="" id="{2BB02169-9F6A-4235-B0CA-9BC2363AADBA}"/>
+                    <a16:creationId xmlns="" xmlns:a16="http://schemas.microsoft.com/office/drawing/2014/main" id="{2BB02169-9F6A-4235-B0CA-9BC2363AADBA}"/>
                   </a:ext>
                 </a:extLst>
               </p:cNvPr>
@@ -15595,18 +15575,7 @@
                       </a:schemeClr>
                     </a:solidFill>
                   </a:rPr>
-                  <a:t>计算</a:t>
-                </a:r>
-                <a:r>
-                  <a:rPr lang="zh-CN" altLang="en-US" sz="1200" dirty="0" smtClean="0">
-                    <a:solidFill>
-                      <a:schemeClr val="tx1">
-                        <a:lumMod val="85000"/>
-                        <a:lumOff val="15000"/>
-                      </a:schemeClr>
-                    </a:solidFill>
-                  </a:rPr>
-                  <a:t>矩阵</a:t>
+                  <a:t>计算矩阵</a:t>
                 </a:r>
                 <a14:m>
                   <m:oMath xmlns:m="http://schemas.openxmlformats.org/officeDocument/2006/math">
@@ -15680,7 +15649,7 @@
             </p:txBody>
           </p:sp>
         </mc:Choice>
-        <mc:Fallback>
+        <mc:Fallback xmlns="">
           <p:sp>
             <p:nvSpPr>
               <p:cNvPr id="31" name="矩形 30">
@@ -15730,7 +15699,7 @@
           <p:cNvPr id="32" name="矩形 31">
             <a:extLst>
               <a:ext uri="{FF2B5EF4-FFF2-40B4-BE49-F238E27FC236}">
-                <a16:creationId xmlns:a16="http://schemas.microsoft.com/office/drawing/2014/main" xmlns="" id="{15E0D86B-CC83-4885-A6A1-FD121CE8D0D3}"/>
+                <a16:creationId xmlns="" xmlns:a16="http://schemas.microsoft.com/office/drawing/2014/main" id="{15E0D86B-CC83-4885-A6A1-FD121CE8D0D3}"/>
               </a:ext>
             </a:extLst>
           </p:cNvPr>
@@ -15782,7 +15751,7 @@
           <p:cNvPr id="33" name="矩形 32">
             <a:extLst>
               <a:ext uri="{FF2B5EF4-FFF2-40B4-BE49-F238E27FC236}">
-                <a16:creationId xmlns:a16="http://schemas.microsoft.com/office/drawing/2014/main" xmlns="" id="{B149B248-70BE-4D83-BE7E-1B9649610D59}"/>
+                <a16:creationId xmlns="" xmlns:a16="http://schemas.microsoft.com/office/drawing/2014/main" id="{B149B248-70BE-4D83-BE7E-1B9649610D59}"/>
               </a:ext>
             </a:extLst>
           </p:cNvPr>
@@ -15839,7 +15808,7 @@
           <p:cNvPr id="14" name="Group 112">
             <a:extLst>
               <a:ext uri="{FF2B5EF4-FFF2-40B4-BE49-F238E27FC236}">
-                <a16:creationId xmlns:a16="http://schemas.microsoft.com/office/drawing/2014/main" xmlns="" id="{613E52A4-EE4D-4CBB-8DE4-A4570FC801F6}"/>
+                <a16:creationId xmlns="" xmlns:a16="http://schemas.microsoft.com/office/drawing/2014/main" id="{613E52A4-EE4D-4CBB-8DE4-A4570FC801F6}"/>
               </a:ext>
             </a:extLst>
           </p:cNvPr>
@@ -15862,7 +15831,7 @@
             <p:cNvPr id="15" name="AutoShape 110">
               <a:extLst>
                 <a:ext uri="{FF2B5EF4-FFF2-40B4-BE49-F238E27FC236}">
-                  <a16:creationId xmlns:a16="http://schemas.microsoft.com/office/drawing/2014/main" xmlns="" id="{DE087891-21D7-4847-8863-D0AA10AD7215}"/>
+                  <a16:creationId xmlns="" xmlns:a16="http://schemas.microsoft.com/office/drawing/2014/main" id="{DE087891-21D7-4847-8863-D0AA10AD7215}"/>
                 </a:ext>
               </a:extLst>
             </p:cNvPr>
@@ -16003,7 +15972,7 @@
             <p:cNvPr id="16" name="AutoShape 111">
               <a:extLst>
                 <a:ext uri="{FF2B5EF4-FFF2-40B4-BE49-F238E27FC236}">
-                  <a16:creationId xmlns:a16="http://schemas.microsoft.com/office/drawing/2014/main" xmlns="" id="{F70ACFE0-ADE2-4AC8-98BB-EFEDF1D754E8}"/>
+                  <a16:creationId xmlns="" xmlns:a16="http://schemas.microsoft.com/office/drawing/2014/main" id="{F70ACFE0-ADE2-4AC8-98BB-EFEDF1D754E8}"/>
                 </a:ext>
               </a:extLst>
             </p:cNvPr>
@@ -16209,7 +16178,7 @@
           <p:cNvPr id="17" name="AutoShape 112">
             <a:extLst>
               <a:ext uri="{FF2B5EF4-FFF2-40B4-BE49-F238E27FC236}">
-                <a16:creationId xmlns:a16="http://schemas.microsoft.com/office/drawing/2014/main" xmlns="" id="{996C1251-FD47-4D40-A8AC-8D876AE3DD55}"/>
+                <a16:creationId xmlns="" xmlns:a16="http://schemas.microsoft.com/office/drawing/2014/main" id="{996C1251-FD47-4D40-A8AC-8D876AE3DD55}"/>
               </a:ext>
             </a:extLst>
           </p:cNvPr>
@@ -16579,7 +16548,7 @@
           <p:cNvPr id="18" name="组合 17">
             <a:extLst>
               <a:ext uri="{FF2B5EF4-FFF2-40B4-BE49-F238E27FC236}">
-                <a16:creationId xmlns:a16="http://schemas.microsoft.com/office/drawing/2014/main" xmlns="" id="{34C010D2-8141-42ED-81DA-6453F4965C10}"/>
+                <a16:creationId xmlns="" xmlns:a16="http://schemas.microsoft.com/office/drawing/2014/main" id="{34C010D2-8141-42ED-81DA-6453F4965C10}"/>
               </a:ext>
             </a:extLst>
           </p:cNvPr>
@@ -16602,7 +16571,7 @@
             <p:cNvPr id="19" name="AutoShape 113">
               <a:extLst>
                 <a:ext uri="{FF2B5EF4-FFF2-40B4-BE49-F238E27FC236}">
-                  <a16:creationId xmlns:a16="http://schemas.microsoft.com/office/drawing/2014/main" xmlns="" id="{030F8972-9831-43BE-B4AA-A153450450C8}"/>
+                  <a16:creationId xmlns="" xmlns:a16="http://schemas.microsoft.com/office/drawing/2014/main" id="{030F8972-9831-43BE-B4AA-A153450450C8}"/>
                 </a:ext>
               </a:extLst>
             </p:cNvPr>
@@ -16826,7 +16795,7 @@
             <p:cNvPr id="20" name="AutoShape 114">
               <a:extLst>
                 <a:ext uri="{FF2B5EF4-FFF2-40B4-BE49-F238E27FC236}">
-                  <a16:creationId xmlns:a16="http://schemas.microsoft.com/office/drawing/2014/main" xmlns="" id="{EF8DF06C-8B4A-4C60-B1B0-7914D1E6D5DD}"/>
+                  <a16:creationId xmlns="" xmlns:a16="http://schemas.microsoft.com/office/drawing/2014/main" id="{EF8DF06C-8B4A-4C60-B1B0-7914D1E6D5DD}"/>
                 </a:ext>
               </a:extLst>
             </p:cNvPr>
@@ -17138,7 +17107,7 @@
           <p:cNvPr id="3" name="矩形 2">
             <a:extLst>
               <a:ext uri="{FF2B5EF4-FFF2-40B4-BE49-F238E27FC236}">
-                <a16:creationId xmlns:a16="http://schemas.microsoft.com/office/drawing/2014/main" xmlns="" id="{B1EF227F-F971-46C4-8C83-D820A502B67B}"/>
+                <a16:creationId xmlns="" xmlns:a16="http://schemas.microsoft.com/office/drawing/2014/main" id="{B1EF227F-F971-46C4-8C83-D820A502B67B}"/>
               </a:ext>
             </a:extLst>
           </p:cNvPr>
@@ -17190,7 +17159,7 @@
           <p:cNvPr id="4" name="矩形 3">
             <a:extLst>
               <a:ext uri="{FF2B5EF4-FFF2-40B4-BE49-F238E27FC236}">
-                <a16:creationId xmlns:a16="http://schemas.microsoft.com/office/drawing/2014/main" xmlns="" id="{9E909954-10C8-4280-953E-B54B27A00653}"/>
+                <a16:creationId xmlns="" xmlns:a16="http://schemas.microsoft.com/office/drawing/2014/main" id="{9E909954-10C8-4280-953E-B54B27A00653}"/>
               </a:ext>
             </a:extLst>
           </p:cNvPr>
@@ -17282,7 +17251,7 @@
           <p:cNvPr id="6" name="矩形 5">
             <a:extLst>
               <a:ext uri="{FF2B5EF4-FFF2-40B4-BE49-F238E27FC236}">
-                <a16:creationId xmlns:a16="http://schemas.microsoft.com/office/drawing/2014/main" xmlns="" id="{2BF95329-9BF8-4E46-9099-2AF9AFCA0714}"/>
+                <a16:creationId xmlns="" xmlns:a16="http://schemas.microsoft.com/office/drawing/2014/main" id="{2BF95329-9BF8-4E46-9099-2AF9AFCA0714}"/>
               </a:ext>
             </a:extLst>
           </p:cNvPr>
@@ -17334,7 +17303,7 @@
           <p:cNvPr id="36" name="矩形 35">
             <a:extLst>
               <a:ext uri="{FF2B5EF4-FFF2-40B4-BE49-F238E27FC236}">
-                <a16:creationId xmlns:a16="http://schemas.microsoft.com/office/drawing/2014/main" xmlns="" id="{DDDD06C2-0A95-4B14-9E09-89CC4B302BB0}"/>
+                <a16:creationId xmlns="" xmlns:a16="http://schemas.microsoft.com/office/drawing/2014/main" id="{DDDD06C2-0A95-4B14-9E09-89CC4B302BB0}"/>
               </a:ext>
             </a:extLst>
           </p:cNvPr>
@@ -17531,7 +17500,7 @@
           <p:cNvPr id="10" name="矩形 9">
             <a:extLst>
               <a:ext uri="{FF2B5EF4-FFF2-40B4-BE49-F238E27FC236}">
-                <a16:creationId xmlns:a16="http://schemas.microsoft.com/office/drawing/2014/main" xmlns="" id="{27845620-1BD2-4CB4-A849-1D6F71C83D3D}"/>
+                <a16:creationId xmlns="" xmlns:a16="http://schemas.microsoft.com/office/drawing/2014/main" id="{27845620-1BD2-4CB4-A849-1D6F71C83D3D}"/>
               </a:ext>
             </a:extLst>
           </p:cNvPr>
@@ -17619,7 +17588,7 @@
           <p:cNvPr id="11" name="文本框 10">
             <a:extLst>
               <a:ext uri="{FF2B5EF4-FFF2-40B4-BE49-F238E27FC236}">
-                <a16:creationId xmlns:a16="http://schemas.microsoft.com/office/drawing/2014/main" xmlns="" id="{F308687F-5083-4900-B884-1ED108CE6C82}"/>
+                <a16:creationId xmlns="" xmlns:a16="http://schemas.microsoft.com/office/drawing/2014/main" id="{F308687F-5083-4900-B884-1ED108CE6C82}"/>
               </a:ext>
             </a:extLst>
           </p:cNvPr>
@@ -17659,7 +17628,7 @@
           <p:cNvPr id="27" name="组合 26">
             <a:extLst>
               <a:ext uri="{FF2B5EF4-FFF2-40B4-BE49-F238E27FC236}">
-                <a16:creationId xmlns:a16="http://schemas.microsoft.com/office/drawing/2014/main" xmlns="" id="{83952E80-526F-44CB-8C16-C6E50D239736}"/>
+                <a16:creationId xmlns="" xmlns:a16="http://schemas.microsoft.com/office/drawing/2014/main" id="{83952E80-526F-44CB-8C16-C6E50D239736}"/>
               </a:ext>
             </a:extLst>
           </p:cNvPr>
@@ -17679,7 +17648,7 @@
             <p:cNvPr id="15" name="椭圆 14">
               <a:extLst>
                 <a:ext uri="{FF2B5EF4-FFF2-40B4-BE49-F238E27FC236}">
-                  <a16:creationId xmlns:a16="http://schemas.microsoft.com/office/drawing/2014/main" xmlns="" id="{84E5A175-3149-405F-9145-7535715A381B}"/>
+                  <a16:creationId xmlns="" xmlns:a16="http://schemas.microsoft.com/office/drawing/2014/main" id="{84E5A175-3149-405F-9145-7535715A381B}"/>
                 </a:ext>
               </a:extLst>
             </p:cNvPr>
@@ -17772,7 +17741,7 @@
             <p:cNvPr id="16" name="组合 15">
               <a:extLst>
                 <a:ext uri="{FF2B5EF4-FFF2-40B4-BE49-F238E27FC236}">
-                  <a16:creationId xmlns:a16="http://schemas.microsoft.com/office/drawing/2014/main" xmlns="" id="{9E5B9E45-F93C-4A06-BA66-41DF7365FA50}"/>
+                  <a16:creationId xmlns="" xmlns:a16="http://schemas.microsoft.com/office/drawing/2014/main" id="{9E5B9E45-F93C-4A06-BA66-41DF7365FA50}"/>
                 </a:ext>
               </a:extLst>
             </p:cNvPr>
@@ -17795,7 +17764,7 @@
               <p:cNvPr id="17" name="AutoShape 43">
                 <a:extLst>
                   <a:ext uri="{FF2B5EF4-FFF2-40B4-BE49-F238E27FC236}">
-                    <a16:creationId xmlns:a16="http://schemas.microsoft.com/office/drawing/2014/main" xmlns="" id="{96F486C0-B983-41F9-81CB-6C1B1A8DC566}"/>
+                    <a16:creationId xmlns="" xmlns:a16="http://schemas.microsoft.com/office/drawing/2014/main" id="{96F486C0-B983-41F9-81CB-6C1B1A8DC566}"/>
                   </a:ext>
                 </a:extLst>
               </p:cNvPr>
@@ -18054,7 +18023,7 @@
               <p:cNvPr id="18" name="AutoShape 44">
                 <a:extLst>
                   <a:ext uri="{FF2B5EF4-FFF2-40B4-BE49-F238E27FC236}">
-                    <a16:creationId xmlns:a16="http://schemas.microsoft.com/office/drawing/2014/main" xmlns="" id="{BF50BDB9-1337-4389-911A-562AACE0FBF2}"/>
+                    <a16:creationId xmlns="" xmlns:a16="http://schemas.microsoft.com/office/drawing/2014/main" id="{BF50BDB9-1337-4389-911A-562AACE0FBF2}"/>
                   </a:ext>
                 </a:extLst>
               </p:cNvPr>
@@ -18185,7 +18154,7 @@
               <p:cNvPr id="19" name="AutoShape 45">
                 <a:extLst>
                   <a:ext uri="{FF2B5EF4-FFF2-40B4-BE49-F238E27FC236}">
-                    <a16:creationId xmlns:a16="http://schemas.microsoft.com/office/drawing/2014/main" xmlns="" id="{1A5323F7-E69F-4BEF-A706-7DF4426CACEB}"/>
+                    <a16:creationId xmlns="" xmlns:a16="http://schemas.microsoft.com/office/drawing/2014/main" id="{1A5323F7-E69F-4BEF-A706-7DF4426CACEB}"/>
                   </a:ext>
                 </a:extLst>
               </p:cNvPr>
@@ -18312,7 +18281,7 @@
           <p:cNvPr id="26" name="文本框 25">
             <a:extLst>
               <a:ext uri="{FF2B5EF4-FFF2-40B4-BE49-F238E27FC236}">
-                <a16:creationId xmlns:a16="http://schemas.microsoft.com/office/drawing/2014/main" xmlns="" id="{E44EA276-324F-46D1-84EF-132808518A55}"/>
+                <a16:creationId xmlns="" xmlns:a16="http://schemas.microsoft.com/office/drawing/2014/main" id="{E44EA276-324F-46D1-84EF-132808518A55}"/>
               </a:ext>
             </a:extLst>
           </p:cNvPr>
@@ -18383,7 +18352,7 @@
           <p:cNvPr id="2" name="文本框 1">
             <a:extLst>
               <a:ext uri="{FF2B5EF4-FFF2-40B4-BE49-F238E27FC236}">
-                <a16:creationId xmlns:a16="http://schemas.microsoft.com/office/drawing/2014/main" xmlns="" id="{4DDA22EB-20CE-408C-85B4-8B6AF0706B36}"/>
+                <a16:creationId xmlns="" xmlns:a16="http://schemas.microsoft.com/office/drawing/2014/main" id="{4DDA22EB-20CE-408C-85B4-8B6AF0706B36}"/>
               </a:ext>
             </a:extLst>
           </p:cNvPr>
@@ -18422,7 +18391,7 @@
           <p:cNvPr id="4" name="直接连接符 3">
             <a:extLst>
               <a:ext uri="{FF2B5EF4-FFF2-40B4-BE49-F238E27FC236}">
-                <a16:creationId xmlns:a16="http://schemas.microsoft.com/office/drawing/2014/main" xmlns="" id="{F0A0F34D-04C9-4B6F-9537-C4B94B15C82E}"/>
+                <a16:creationId xmlns="" xmlns:a16="http://schemas.microsoft.com/office/drawing/2014/main" id="{F0A0F34D-04C9-4B6F-9537-C4B94B15C82E}"/>
               </a:ext>
             </a:extLst>
           </p:cNvPr>
@@ -18463,7 +18432,7 @@
           <p:cNvPr id="5" name="文本框 4">
             <a:extLst>
               <a:ext uri="{FF2B5EF4-FFF2-40B4-BE49-F238E27FC236}">
-                <a16:creationId xmlns:a16="http://schemas.microsoft.com/office/drawing/2014/main" xmlns="" id="{DA28BF9B-EF97-4747-AD9D-72C93554A059}"/>
+                <a16:creationId xmlns="" xmlns:a16="http://schemas.microsoft.com/office/drawing/2014/main" id="{DA28BF9B-EF97-4747-AD9D-72C93554A059}"/>
               </a:ext>
             </a:extLst>
           </p:cNvPr>
@@ -18509,7 +18478,7 @@
           <p:cNvPr id="6" name="椭圆 5">
             <a:extLst>
               <a:ext uri="{FF2B5EF4-FFF2-40B4-BE49-F238E27FC236}">
-                <a16:creationId xmlns:a16="http://schemas.microsoft.com/office/drawing/2014/main" xmlns="" id="{4CB3FFBD-331E-42F6-83E7-4E7290D02507}"/>
+                <a16:creationId xmlns="" xmlns:a16="http://schemas.microsoft.com/office/drawing/2014/main" id="{4CB3FFBD-331E-42F6-83E7-4E7290D02507}"/>
               </a:ext>
             </a:extLst>
           </p:cNvPr>
@@ -18573,7 +18542,7 @@
           <p:cNvPr id="7" name="矩形 6">
             <a:extLst>
               <a:ext uri="{FF2B5EF4-FFF2-40B4-BE49-F238E27FC236}">
-                <a16:creationId xmlns:a16="http://schemas.microsoft.com/office/drawing/2014/main" xmlns="" id="{B697FF0D-B812-4518-824F-8AF2AC26DB85}"/>
+                <a16:creationId xmlns="" xmlns:a16="http://schemas.microsoft.com/office/drawing/2014/main" id="{B697FF0D-B812-4518-824F-8AF2AC26DB85}"/>
               </a:ext>
             </a:extLst>
           </p:cNvPr>
@@ -18622,361 +18591,10 @@
       </p:sp>
       <p:sp>
         <p:nvSpPr>
-          <p:cNvPr id="8" name="椭圆 7">
-            <a:extLst>
-              <a:ext uri="{FF2B5EF4-FFF2-40B4-BE49-F238E27FC236}">
-                <a16:creationId xmlns:a16="http://schemas.microsoft.com/office/drawing/2014/main" xmlns="" id="{61AD739D-6B1B-41EA-8079-419F27465730}"/>
-              </a:ext>
-            </a:extLst>
-          </p:cNvPr>
-          <p:cNvSpPr/>
-          <p:nvPr/>
-        </p:nvSpPr>
-        <p:spPr>
-          <a:xfrm>
-            <a:off x="3079499" y="1868335"/>
-            <a:ext cx="1040625" cy="1040625"/>
-          </a:xfrm>
-          <a:prstGeom prst="ellipse">
-            <a:avLst/>
-          </a:prstGeom>
-          <a:solidFill>
-            <a:schemeClr val="accent1"/>
-          </a:solidFill>
-          <a:ln>
-            <a:noFill/>
-          </a:ln>
-          <a:effectLst>
-            <a:outerShdw blurRad="101600" dist="101600" dir="5400000" algn="t" rotWithShape="0">
-              <a:prstClr val="black">
-                <a:alpha val="40000"/>
-              </a:prstClr>
-            </a:outerShdw>
-          </a:effectLst>
-        </p:spPr>
-        <p:style>
-          <a:lnRef idx="2">
-            <a:schemeClr val="accent1">
-              <a:shade val="50000"/>
-            </a:schemeClr>
-          </a:lnRef>
-          <a:fillRef idx="1">
-            <a:schemeClr val="accent1"/>
-          </a:fillRef>
-          <a:effectRef idx="0">
-            <a:schemeClr val="accent1"/>
-          </a:effectRef>
-          <a:fontRef idx="minor">
-            <a:schemeClr val="lt1"/>
-          </a:fontRef>
-        </p:style>
-        <p:txBody>
-          <a:bodyPr rot="0" spcFirstLastPara="0" vertOverflow="overflow" horzOverflow="overflow" vert="horz" wrap="square" lIns="91440" tIns="45720" rIns="91440" bIns="45720" numCol="1" spcCol="0" rtlCol="0" fromWordArt="0" anchor="ctr" anchorCtr="0" forceAA="0" compatLnSpc="1">
-            <a:prstTxWarp prst="textNoShape">
-              <a:avLst/>
-            </a:prstTxWarp>
-            <a:noAutofit/>
-          </a:bodyPr>
-          <a:lstStyle/>
-          <a:p>
-            <a:pPr algn="ctr"/>
-            <a:endParaRPr lang="zh-CN" altLang="en-US"/>
-          </a:p>
-        </p:txBody>
-      </p:sp>
-      <p:sp>
-        <p:nvSpPr>
-          <p:cNvPr id="9" name="矩形 8">
-            <a:extLst>
-              <a:ext uri="{FF2B5EF4-FFF2-40B4-BE49-F238E27FC236}">
-                <a16:creationId xmlns:a16="http://schemas.microsoft.com/office/drawing/2014/main" xmlns="" id="{5E39C0C3-772E-4B36-B074-9A7345360EAE}"/>
-              </a:ext>
-            </a:extLst>
-          </p:cNvPr>
-          <p:cNvSpPr/>
-          <p:nvPr/>
-        </p:nvSpPr>
-        <p:spPr>
-          <a:xfrm>
-            <a:off x="3097114" y="3088987"/>
-            <a:ext cx="1005403" cy="338554"/>
-          </a:xfrm>
-          <a:prstGeom prst="rect">
-            <a:avLst/>
-          </a:prstGeom>
-        </p:spPr>
-        <p:txBody>
-          <a:bodyPr wrap="none">
-            <a:spAutoFit/>
-          </a:bodyPr>
-          <a:lstStyle/>
-          <a:p>
-            <a:pPr algn="ctr">
-              <a:spcAft>
-                <a:spcPts val="0"/>
-              </a:spcAft>
-            </a:pPr>
-            <a:r>
-              <a:rPr lang="zh-CN" altLang="en-US" sz="1600" kern="100" dirty="0" smtClean="0">
-                <a:solidFill>
-                  <a:schemeClr val="accent1"/>
-                </a:solidFill>
-                <a:latin typeface="+mn-ea"/>
-                <a:cs typeface="Times New Roman" panose="02020603050405020304" pitchFamily="18" charset="0"/>
-              </a:rPr>
-              <a:t>研究动机</a:t>
-            </a:r>
-            <a:endParaRPr lang="zh-CN" altLang="zh-CN" sz="1100" kern="100" dirty="0">
-              <a:solidFill>
-                <a:schemeClr val="accent1"/>
-              </a:solidFill>
-              <a:effectLst/>
-              <a:latin typeface="+mn-ea"/>
-              <a:cs typeface="Times New Roman" panose="02020603050405020304" pitchFamily="18" charset="0"/>
-            </a:endParaRPr>
-          </a:p>
-        </p:txBody>
-      </p:sp>
-      <p:sp>
-        <p:nvSpPr>
-          <p:cNvPr id="10" name="椭圆 9">
-            <a:extLst>
-              <a:ext uri="{FF2B5EF4-FFF2-40B4-BE49-F238E27FC236}">
-                <a16:creationId xmlns:a16="http://schemas.microsoft.com/office/drawing/2014/main" xmlns="" id="{F45FF37A-03C7-4681-8C7A-BB81B7A4E0AF}"/>
-              </a:ext>
-            </a:extLst>
-          </p:cNvPr>
-          <p:cNvSpPr/>
-          <p:nvPr/>
-        </p:nvSpPr>
-        <p:spPr>
-          <a:xfrm>
-            <a:off x="4683430" y="1868335"/>
-            <a:ext cx="1040625" cy="1040625"/>
-          </a:xfrm>
-          <a:prstGeom prst="ellipse">
-            <a:avLst/>
-          </a:prstGeom>
-          <a:solidFill>
-            <a:schemeClr val="accent1"/>
-          </a:solidFill>
-          <a:ln>
-            <a:noFill/>
-          </a:ln>
-          <a:effectLst>
-            <a:outerShdw blurRad="101600" dist="101600" dir="5400000" algn="t" rotWithShape="0">
-              <a:prstClr val="black">
-                <a:alpha val="40000"/>
-              </a:prstClr>
-            </a:outerShdw>
-          </a:effectLst>
-        </p:spPr>
-        <p:style>
-          <a:lnRef idx="2">
-            <a:schemeClr val="accent1">
-              <a:shade val="50000"/>
-            </a:schemeClr>
-          </a:lnRef>
-          <a:fillRef idx="1">
-            <a:schemeClr val="accent1"/>
-          </a:fillRef>
-          <a:effectRef idx="0">
-            <a:schemeClr val="accent1"/>
-          </a:effectRef>
-          <a:fontRef idx="minor">
-            <a:schemeClr val="lt1"/>
-          </a:fontRef>
-        </p:style>
-        <p:txBody>
-          <a:bodyPr rot="0" spcFirstLastPara="0" vertOverflow="overflow" horzOverflow="overflow" vert="horz" wrap="square" lIns="91440" tIns="45720" rIns="91440" bIns="45720" numCol="1" spcCol="0" rtlCol="0" fromWordArt="0" anchor="ctr" anchorCtr="0" forceAA="0" compatLnSpc="1">
-            <a:prstTxWarp prst="textNoShape">
-              <a:avLst/>
-            </a:prstTxWarp>
-            <a:noAutofit/>
-          </a:bodyPr>
-          <a:lstStyle/>
-          <a:p>
-            <a:pPr algn="ctr"/>
-            <a:endParaRPr lang="zh-CN" altLang="en-US"/>
-          </a:p>
-        </p:txBody>
-      </p:sp>
-      <p:sp>
-        <p:nvSpPr>
-          <p:cNvPr id="11" name="矩形 10">
-            <a:extLst>
-              <a:ext uri="{FF2B5EF4-FFF2-40B4-BE49-F238E27FC236}">
-                <a16:creationId xmlns:a16="http://schemas.microsoft.com/office/drawing/2014/main" xmlns="" id="{2F5E705C-613F-431D-9818-5CD0BE8539EB}"/>
-              </a:ext>
-            </a:extLst>
-          </p:cNvPr>
-          <p:cNvSpPr/>
-          <p:nvPr/>
-        </p:nvSpPr>
-        <p:spPr>
-          <a:xfrm>
-            <a:off x="4701043" y="3088987"/>
-            <a:ext cx="1005403" cy="338554"/>
-          </a:xfrm>
-          <a:prstGeom prst="rect">
-            <a:avLst/>
-          </a:prstGeom>
-        </p:spPr>
-        <p:txBody>
-          <a:bodyPr wrap="none">
-            <a:spAutoFit/>
-          </a:bodyPr>
-          <a:lstStyle/>
-          <a:p>
-            <a:pPr algn="ctr">
-              <a:spcAft>
-                <a:spcPts val="0"/>
-              </a:spcAft>
-            </a:pPr>
-            <a:r>
-              <a:rPr lang="zh-CN" altLang="en-US" sz="1600" kern="100" dirty="0" smtClean="0">
-                <a:solidFill>
-                  <a:schemeClr val="accent1"/>
-                </a:solidFill>
-                <a:latin typeface="+mn-ea"/>
-                <a:cs typeface="Times New Roman" panose="02020603050405020304" pitchFamily="18" charset="0"/>
-              </a:rPr>
-              <a:t>解决方案</a:t>
-            </a:r>
-            <a:endParaRPr lang="zh-CN" altLang="zh-CN" sz="1100" kern="100" dirty="0">
-              <a:solidFill>
-                <a:schemeClr val="accent1"/>
-              </a:solidFill>
-              <a:effectLst/>
-              <a:latin typeface="+mn-ea"/>
-              <a:cs typeface="Times New Roman" panose="02020603050405020304" pitchFamily="18" charset="0"/>
-            </a:endParaRPr>
-          </a:p>
-        </p:txBody>
-      </p:sp>
-      <p:sp>
-        <p:nvSpPr>
-          <p:cNvPr id="12" name="椭圆 11">
-            <a:extLst>
-              <a:ext uri="{FF2B5EF4-FFF2-40B4-BE49-F238E27FC236}">
-                <a16:creationId xmlns:a16="http://schemas.microsoft.com/office/drawing/2014/main" xmlns="" id="{BA9CD052-A7F1-4058-8F7A-03A277ACB590}"/>
-              </a:ext>
-            </a:extLst>
-          </p:cNvPr>
-          <p:cNvSpPr/>
-          <p:nvPr/>
-        </p:nvSpPr>
-        <p:spPr>
-          <a:xfrm>
-            <a:off x="6308223" y="1868335"/>
-            <a:ext cx="1040625" cy="1040625"/>
-          </a:xfrm>
-          <a:prstGeom prst="ellipse">
-            <a:avLst/>
-          </a:prstGeom>
-          <a:solidFill>
-            <a:schemeClr val="accent1"/>
-          </a:solidFill>
-          <a:ln>
-            <a:noFill/>
-          </a:ln>
-          <a:effectLst>
-            <a:outerShdw blurRad="101600" dist="101600" dir="5400000" algn="t" rotWithShape="0">
-              <a:prstClr val="black">
-                <a:alpha val="40000"/>
-              </a:prstClr>
-            </a:outerShdw>
-          </a:effectLst>
-        </p:spPr>
-        <p:style>
-          <a:lnRef idx="2">
-            <a:schemeClr val="accent1">
-              <a:shade val="50000"/>
-            </a:schemeClr>
-          </a:lnRef>
-          <a:fillRef idx="1">
-            <a:schemeClr val="accent1"/>
-          </a:fillRef>
-          <a:effectRef idx="0">
-            <a:schemeClr val="accent1"/>
-          </a:effectRef>
-          <a:fontRef idx="minor">
-            <a:schemeClr val="lt1"/>
-          </a:fontRef>
-        </p:style>
-        <p:txBody>
-          <a:bodyPr rot="0" spcFirstLastPara="0" vertOverflow="overflow" horzOverflow="overflow" vert="horz" wrap="square" lIns="91440" tIns="45720" rIns="91440" bIns="45720" numCol="1" spcCol="0" rtlCol="0" fromWordArt="0" anchor="ctr" anchorCtr="0" forceAA="0" compatLnSpc="1">
-            <a:prstTxWarp prst="textNoShape">
-              <a:avLst/>
-            </a:prstTxWarp>
-            <a:noAutofit/>
-          </a:bodyPr>
-          <a:lstStyle/>
-          <a:p>
-            <a:pPr algn="ctr"/>
-            <a:endParaRPr lang="zh-CN" altLang="en-US"/>
-          </a:p>
-        </p:txBody>
-      </p:sp>
-      <p:sp>
-        <p:nvSpPr>
-          <p:cNvPr id="13" name="矩形 12">
-            <a:extLst>
-              <a:ext uri="{FF2B5EF4-FFF2-40B4-BE49-F238E27FC236}">
-                <a16:creationId xmlns:a16="http://schemas.microsoft.com/office/drawing/2014/main" xmlns="" id="{F09E2613-AA62-40E9-A789-F6A2C1BFA7CA}"/>
-              </a:ext>
-            </a:extLst>
-          </p:cNvPr>
-          <p:cNvSpPr/>
-          <p:nvPr/>
-        </p:nvSpPr>
-        <p:spPr>
-          <a:xfrm>
-            <a:off x="6325836" y="3088987"/>
-            <a:ext cx="1005403" cy="338554"/>
-          </a:xfrm>
-          <a:prstGeom prst="rect">
-            <a:avLst/>
-          </a:prstGeom>
-        </p:spPr>
-        <p:txBody>
-          <a:bodyPr wrap="none">
-            <a:spAutoFit/>
-          </a:bodyPr>
-          <a:lstStyle/>
-          <a:p>
-            <a:pPr algn="ctr">
-              <a:spcAft>
-                <a:spcPts val="0"/>
-              </a:spcAft>
-            </a:pPr>
-            <a:r>
-              <a:rPr lang="zh-CN" altLang="en-US" sz="1600" kern="100" dirty="0" smtClean="0">
-                <a:solidFill>
-                  <a:schemeClr val="accent1"/>
-                </a:solidFill>
-                <a:latin typeface="+mn-ea"/>
-                <a:cs typeface="Times New Roman" panose="02020603050405020304" pitchFamily="18" charset="0"/>
-              </a:rPr>
-              <a:t>目的意义</a:t>
-            </a:r>
-            <a:endParaRPr lang="zh-CN" altLang="zh-CN" sz="1100" kern="100" dirty="0">
-              <a:solidFill>
-                <a:schemeClr val="accent1"/>
-              </a:solidFill>
-              <a:effectLst/>
-              <a:latin typeface="+mn-ea"/>
-              <a:cs typeface="Times New Roman" panose="02020603050405020304" pitchFamily="18" charset="0"/>
-            </a:endParaRPr>
-          </a:p>
-        </p:txBody>
-      </p:sp>
-      <p:sp>
-        <p:nvSpPr>
           <p:cNvPr id="16" name="文本框 15">
             <a:extLst>
               <a:ext uri="{FF2B5EF4-FFF2-40B4-BE49-F238E27FC236}">
-                <a16:creationId xmlns:a16="http://schemas.microsoft.com/office/drawing/2014/main" xmlns="" id="{35B809C4-5FEA-410E-B945-C8E99E3168E7}"/>
+                <a16:creationId xmlns="" xmlns:a16="http://schemas.microsoft.com/office/drawing/2014/main" id="{35B809C4-5FEA-410E-B945-C8E99E3168E7}"/>
               </a:ext>
             </a:extLst>
           </p:cNvPr>
@@ -19018,153 +18636,370 @@
           </a:p>
         </p:txBody>
       </p:sp>
-      <p:sp>
-        <p:nvSpPr>
-          <p:cNvPr id="17" name="文本框 16">
-            <a:extLst>
-              <a:ext uri="{FF2B5EF4-FFF2-40B4-BE49-F238E27FC236}">
-                <a16:creationId xmlns:a16="http://schemas.microsoft.com/office/drawing/2014/main" xmlns="" id="{F75C41DC-A784-4EED-9C7A-DDA83A9D9C79}"/>
-              </a:ext>
-            </a:extLst>
-          </p:cNvPr>
-          <p:cNvSpPr txBox="1"/>
+      <p:grpSp>
+        <p:nvGrpSpPr>
+          <p:cNvPr id="14" name="Group 13"/>
+          <p:cNvGrpSpPr/>
           <p:nvPr/>
-        </p:nvSpPr>
-        <p:spPr>
+        </p:nvGrpSpPr>
+        <p:grpSpPr>
           <a:xfrm>
-            <a:off x="3221461" y="2034704"/>
-            <a:ext cx="755335" cy="707886"/>
+            <a:off x="3847034" y="1868335"/>
+            <a:ext cx="1040625" cy="1559206"/>
+            <a:chOff x="3079499" y="1868335"/>
+            <a:chExt cx="1040625" cy="1559206"/>
           </a:xfrm>
-          <a:prstGeom prst="rect">
-            <a:avLst/>
-          </a:prstGeom>
-          <a:noFill/>
-        </p:spPr>
-        <p:txBody>
-          <a:bodyPr wrap="none" rtlCol="0">
-            <a:spAutoFit/>
-          </a:bodyPr>
-          <a:lstStyle/>
-          <a:p>
-            <a:pPr algn="ctr"/>
-            <a:r>
-              <a:rPr lang="en-US" altLang="zh-CN" sz="4000" b="1">
+        </p:grpSpPr>
+        <p:sp>
+          <p:nvSpPr>
+            <p:cNvPr id="8" name="椭圆 7">
+              <a:extLst>
+                <a:ext uri="{FF2B5EF4-FFF2-40B4-BE49-F238E27FC236}">
+                  <a16:creationId xmlns="" xmlns:a16="http://schemas.microsoft.com/office/drawing/2014/main" id="{61AD739D-6B1B-41EA-8079-419F27465730}"/>
+                </a:ext>
+              </a:extLst>
+            </p:cNvPr>
+            <p:cNvSpPr/>
+            <p:nvPr/>
+          </p:nvSpPr>
+          <p:spPr>
+            <a:xfrm>
+              <a:off x="3079499" y="1868335"/>
+              <a:ext cx="1040625" cy="1040625"/>
+            </a:xfrm>
+            <a:prstGeom prst="ellipse">
+              <a:avLst/>
+            </a:prstGeom>
+            <a:solidFill>
+              <a:schemeClr val="accent1"/>
+            </a:solidFill>
+            <a:ln>
+              <a:noFill/>
+            </a:ln>
+            <a:effectLst>
+              <a:outerShdw blurRad="101600" dist="101600" dir="5400000" algn="t" rotWithShape="0">
+                <a:prstClr val="black">
+                  <a:alpha val="40000"/>
+                </a:prstClr>
+              </a:outerShdw>
+            </a:effectLst>
+          </p:spPr>
+          <p:style>
+            <a:lnRef idx="2">
+              <a:schemeClr val="accent1">
+                <a:shade val="50000"/>
+              </a:schemeClr>
+            </a:lnRef>
+            <a:fillRef idx="1">
+              <a:schemeClr val="accent1"/>
+            </a:fillRef>
+            <a:effectRef idx="0">
+              <a:schemeClr val="accent1"/>
+            </a:effectRef>
+            <a:fontRef idx="minor">
+              <a:schemeClr val="lt1"/>
+            </a:fontRef>
+          </p:style>
+          <p:txBody>
+            <a:bodyPr rot="0" spcFirstLastPara="0" vertOverflow="overflow" horzOverflow="overflow" vert="horz" wrap="square" lIns="91440" tIns="45720" rIns="91440" bIns="45720" numCol="1" spcCol="0" rtlCol="0" fromWordArt="0" anchor="ctr" anchorCtr="0" forceAA="0" compatLnSpc="1">
+              <a:prstTxWarp prst="textNoShape">
+                <a:avLst/>
+              </a:prstTxWarp>
+              <a:noAutofit/>
+            </a:bodyPr>
+            <a:lstStyle/>
+            <a:p>
+              <a:pPr algn="ctr"/>
+              <a:endParaRPr lang="zh-CN" altLang="en-US"/>
+            </a:p>
+          </p:txBody>
+        </p:sp>
+        <p:sp>
+          <p:nvSpPr>
+            <p:cNvPr id="9" name="矩形 8">
+              <a:extLst>
+                <a:ext uri="{FF2B5EF4-FFF2-40B4-BE49-F238E27FC236}">
+                  <a16:creationId xmlns="" xmlns:a16="http://schemas.microsoft.com/office/drawing/2014/main" id="{5E39C0C3-772E-4B36-B074-9A7345360EAE}"/>
+                </a:ext>
+              </a:extLst>
+            </p:cNvPr>
+            <p:cNvSpPr/>
+            <p:nvPr/>
+          </p:nvSpPr>
+          <p:spPr>
+            <a:xfrm>
+              <a:off x="3097114" y="3088987"/>
+              <a:ext cx="1005403" cy="338554"/>
+            </a:xfrm>
+            <a:prstGeom prst="rect">
+              <a:avLst/>
+            </a:prstGeom>
+          </p:spPr>
+          <p:txBody>
+            <a:bodyPr wrap="none">
+              <a:spAutoFit/>
+            </a:bodyPr>
+            <a:lstStyle/>
+            <a:p>
+              <a:pPr algn="ctr">
+                <a:spcAft>
+                  <a:spcPts val="0"/>
+                </a:spcAft>
+              </a:pPr>
+              <a:r>
+                <a:rPr lang="zh-CN" altLang="en-US" sz="1600" kern="100" dirty="0" smtClean="0">
+                  <a:solidFill>
+                    <a:schemeClr val="accent1"/>
+                  </a:solidFill>
+                  <a:latin typeface="+mn-ea"/>
+                  <a:cs typeface="Times New Roman" panose="02020603050405020304" pitchFamily="18" charset="0"/>
+                </a:rPr>
+                <a:t>研究动机</a:t>
+              </a:r>
+              <a:endParaRPr lang="zh-CN" altLang="zh-CN" sz="1100" kern="100" dirty="0">
+                <a:solidFill>
+                  <a:schemeClr val="accent1"/>
+                </a:solidFill>
+                <a:effectLst/>
+                <a:latin typeface="+mn-ea"/>
+                <a:cs typeface="Times New Roman" panose="02020603050405020304" pitchFamily="18" charset="0"/>
+              </a:endParaRPr>
+            </a:p>
+          </p:txBody>
+        </p:sp>
+        <p:sp>
+          <p:nvSpPr>
+            <p:cNvPr id="17" name="文本框 16">
+              <a:extLst>
+                <a:ext uri="{FF2B5EF4-FFF2-40B4-BE49-F238E27FC236}">
+                  <a16:creationId xmlns="" xmlns:a16="http://schemas.microsoft.com/office/drawing/2014/main" id="{F75C41DC-A784-4EED-9C7A-DDA83A9D9C79}"/>
+                </a:ext>
+              </a:extLst>
+            </p:cNvPr>
+            <p:cNvSpPr txBox="1"/>
+            <p:nvPr/>
+          </p:nvSpPr>
+          <p:spPr>
+            <a:xfrm>
+              <a:off x="3221461" y="2034704"/>
+              <a:ext cx="755335" cy="707886"/>
+            </a:xfrm>
+            <a:prstGeom prst="rect">
+              <a:avLst/>
+            </a:prstGeom>
+            <a:noFill/>
+          </p:spPr>
+          <p:txBody>
+            <a:bodyPr wrap="none" rtlCol="0">
+              <a:spAutoFit/>
+            </a:bodyPr>
+            <a:lstStyle/>
+            <a:p>
+              <a:pPr algn="ctr"/>
+              <a:r>
+                <a:rPr lang="en-US" altLang="zh-CN" sz="4000" b="1">
+                  <a:solidFill>
+                    <a:schemeClr val="bg1"/>
+                  </a:solidFill>
+                  <a:latin typeface="+mj-lt"/>
+                </a:rPr>
+                <a:t>02</a:t>
+              </a:r>
+              <a:endParaRPr lang="zh-CN" altLang="en-US" sz="4000" b="1">
                 <a:solidFill>
                   <a:schemeClr val="bg1"/>
                 </a:solidFill>
                 <a:latin typeface="+mj-lt"/>
-              </a:rPr>
-              <a:t>02</a:t>
-            </a:r>
-            <a:endParaRPr lang="zh-CN" altLang="en-US" sz="4000" b="1">
-              <a:solidFill>
-                <a:schemeClr val="bg1"/>
-              </a:solidFill>
-              <a:latin typeface="+mj-lt"/>
-            </a:endParaRPr>
-          </a:p>
-        </p:txBody>
-      </p:sp>
-      <p:sp>
-        <p:nvSpPr>
-          <p:cNvPr id="18" name="文本框 17">
-            <a:extLst>
-              <a:ext uri="{FF2B5EF4-FFF2-40B4-BE49-F238E27FC236}">
-                <a16:creationId xmlns:a16="http://schemas.microsoft.com/office/drawing/2014/main" xmlns="" id="{24B8F62E-2895-474D-8436-CCA11BEA2F3F}"/>
-              </a:ext>
-            </a:extLst>
-          </p:cNvPr>
-          <p:cNvSpPr txBox="1"/>
+              </a:endParaRPr>
+            </a:p>
+          </p:txBody>
+        </p:sp>
+      </p:grpSp>
+      <p:grpSp>
+        <p:nvGrpSpPr>
+          <p:cNvPr id="3" name="Group 2"/>
+          <p:cNvGrpSpPr/>
           <p:nvPr/>
-        </p:nvSpPr>
-        <p:spPr>
+        </p:nvGrpSpPr>
+        <p:grpSpPr>
           <a:xfrm>
-            <a:off x="4826075" y="2035903"/>
-            <a:ext cx="755335" cy="707886"/>
+            <a:off x="6165577" y="1868335"/>
+            <a:ext cx="1040625" cy="1559206"/>
+            <a:chOff x="4683430" y="1868335"/>
+            <a:chExt cx="1040625" cy="1559206"/>
           </a:xfrm>
-          <a:prstGeom prst="rect">
-            <a:avLst/>
-          </a:prstGeom>
-          <a:noFill/>
-        </p:spPr>
-        <p:txBody>
-          <a:bodyPr wrap="none" rtlCol="0">
-            <a:spAutoFit/>
-          </a:bodyPr>
-          <a:lstStyle/>
-          <a:p>
-            <a:pPr algn="ctr"/>
-            <a:r>
-              <a:rPr lang="en-US" altLang="zh-CN" sz="4000" b="1">
+        </p:grpSpPr>
+        <p:sp>
+          <p:nvSpPr>
+            <p:cNvPr id="10" name="椭圆 9">
+              <a:extLst>
+                <a:ext uri="{FF2B5EF4-FFF2-40B4-BE49-F238E27FC236}">
+                  <a16:creationId xmlns="" xmlns:a16="http://schemas.microsoft.com/office/drawing/2014/main" id="{F45FF37A-03C7-4681-8C7A-BB81B7A4E0AF}"/>
+                </a:ext>
+              </a:extLst>
+            </p:cNvPr>
+            <p:cNvSpPr/>
+            <p:nvPr/>
+          </p:nvSpPr>
+          <p:spPr>
+            <a:xfrm>
+              <a:off x="4683430" y="1868335"/>
+              <a:ext cx="1040625" cy="1040625"/>
+            </a:xfrm>
+            <a:prstGeom prst="ellipse">
+              <a:avLst/>
+            </a:prstGeom>
+            <a:solidFill>
+              <a:schemeClr val="accent1"/>
+            </a:solidFill>
+            <a:ln>
+              <a:noFill/>
+            </a:ln>
+            <a:effectLst>
+              <a:outerShdw blurRad="101600" dist="101600" dir="5400000" algn="t" rotWithShape="0">
+                <a:prstClr val="black">
+                  <a:alpha val="40000"/>
+                </a:prstClr>
+              </a:outerShdw>
+            </a:effectLst>
+          </p:spPr>
+          <p:style>
+            <a:lnRef idx="2">
+              <a:schemeClr val="accent1">
+                <a:shade val="50000"/>
+              </a:schemeClr>
+            </a:lnRef>
+            <a:fillRef idx="1">
+              <a:schemeClr val="accent1"/>
+            </a:fillRef>
+            <a:effectRef idx="0">
+              <a:schemeClr val="accent1"/>
+            </a:effectRef>
+            <a:fontRef idx="minor">
+              <a:schemeClr val="lt1"/>
+            </a:fontRef>
+          </p:style>
+          <p:txBody>
+            <a:bodyPr rot="0" spcFirstLastPara="0" vertOverflow="overflow" horzOverflow="overflow" vert="horz" wrap="square" lIns="91440" tIns="45720" rIns="91440" bIns="45720" numCol="1" spcCol="0" rtlCol="0" fromWordArt="0" anchor="ctr" anchorCtr="0" forceAA="0" compatLnSpc="1">
+              <a:prstTxWarp prst="textNoShape">
+                <a:avLst/>
+              </a:prstTxWarp>
+              <a:noAutofit/>
+            </a:bodyPr>
+            <a:lstStyle/>
+            <a:p>
+              <a:pPr algn="ctr"/>
+              <a:endParaRPr lang="zh-CN" altLang="en-US"/>
+            </a:p>
+          </p:txBody>
+        </p:sp>
+        <p:sp>
+          <p:nvSpPr>
+            <p:cNvPr id="11" name="矩形 10">
+              <a:extLst>
+                <a:ext uri="{FF2B5EF4-FFF2-40B4-BE49-F238E27FC236}">
+                  <a16:creationId xmlns="" xmlns:a16="http://schemas.microsoft.com/office/drawing/2014/main" id="{2F5E705C-613F-431D-9818-5CD0BE8539EB}"/>
+                </a:ext>
+              </a:extLst>
+            </p:cNvPr>
+            <p:cNvSpPr/>
+            <p:nvPr/>
+          </p:nvSpPr>
+          <p:spPr>
+            <a:xfrm>
+              <a:off x="4701043" y="3088987"/>
+              <a:ext cx="1005403" cy="338554"/>
+            </a:xfrm>
+            <a:prstGeom prst="rect">
+              <a:avLst/>
+            </a:prstGeom>
+          </p:spPr>
+          <p:txBody>
+            <a:bodyPr wrap="none">
+              <a:spAutoFit/>
+            </a:bodyPr>
+            <a:lstStyle/>
+            <a:p>
+              <a:pPr algn="ctr">
+                <a:spcAft>
+                  <a:spcPts val="0"/>
+                </a:spcAft>
+              </a:pPr>
+              <a:r>
+                <a:rPr lang="zh-CN" altLang="en-US" sz="1600" kern="100" dirty="0" smtClean="0">
+                  <a:solidFill>
+                    <a:schemeClr val="accent1"/>
+                  </a:solidFill>
+                  <a:latin typeface="+mn-ea"/>
+                  <a:cs typeface="Times New Roman" panose="02020603050405020304" pitchFamily="18" charset="0"/>
+                </a:rPr>
+                <a:t>解决方案</a:t>
+              </a:r>
+              <a:endParaRPr lang="zh-CN" altLang="zh-CN" sz="1100" kern="100" dirty="0">
+                <a:solidFill>
+                  <a:schemeClr val="accent1"/>
+                </a:solidFill>
+                <a:effectLst/>
+                <a:latin typeface="+mn-ea"/>
+                <a:cs typeface="Times New Roman" panose="02020603050405020304" pitchFamily="18" charset="0"/>
+              </a:endParaRPr>
+            </a:p>
+          </p:txBody>
+        </p:sp>
+        <p:sp>
+          <p:nvSpPr>
+            <p:cNvPr id="18" name="文本框 17">
+              <a:extLst>
+                <a:ext uri="{FF2B5EF4-FFF2-40B4-BE49-F238E27FC236}">
+                  <a16:creationId xmlns="" xmlns:a16="http://schemas.microsoft.com/office/drawing/2014/main" id="{24B8F62E-2895-474D-8436-CCA11BEA2F3F}"/>
+                </a:ext>
+              </a:extLst>
+            </p:cNvPr>
+            <p:cNvSpPr txBox="1"/>
+            <p:nvPr/>
+          </p:nvSpPr>
+          <p:spPr>
+            <a:xfrm>
+              <a:off x="4826075" y="2035903"/>
+              <a:ext cx="755335" cy="707886"/>
+            </a:xfrm>
+            <a:prstGeom prst="rect">
+              <a:avLst/>
+            </a:prstGeom>
+            <a:noFill/>
+          </p:spPr>
+          <p:txBody>
+            <a:bodyPr wrap="none" rtlCol="0">
+              <a:spAutoFit/>
+            </a:bodyPr>
+            <a:lstStyle/>
+            <a:p>
+              <a:pPr algn="ctr"/>
+              <a:r>
+                <a:rPr lang="en-US" altLang="zh-CN" sz="4000" b="1">
+                  <a:solidFill>
+                    <a:schemeClr val="bg1"/>
+                  </a:solidFill>
+                  <a:latin typeface="+mj-lt"/>
+                </a:rPr>
+                <a:t>03</a:t>
+              </a:r>
+              <a:endParaRPr lang="zh-CN" altLang="en-US" sz="4000" b="1">
                 <a:solidFill>
                   <a:schemeClr val="bg1"/>
                 </a:solidFill>
                 <a:latin typeface="+mj-lt"/>
-              </a:rPr>
-              <a:t>03</a:t>
-            </a:r>
-            <a:endParaRPr lang="zh-CN" altLang="en-US" sz="4000" b="1">
-              <a:solidFill>
-                <a:schemeClr val="bg1"/>
-              </a:solidFill>
-              <a:latin typeface="+mj-lt"/>
-            </a:endParaRPr>
-          </a:p>
-        </p:txBody>
-      </p:sp>
-      <p:sp>
-        <p:nvSpPr>
-          <p:cNvPr id="19" name="文本框 18">
-            <a:extLst>
-              <a:ext uri="{FF2B5EF4-FFF2-40B4-BE49-F238E27FC236}">
-                <a16:creationId xmlns:a16="http://schemas.microsoft.com/office/drawing/2014/main" xmlns="" id="{FE2226A0-E0FA-4B03-98BB-815BDC71D906}"/>
-              </a:ext>
-            </a:extLst>
-          </p:cNvPr>
-          <p:cNvSpPr txBox="1"/>
-          <p:nvPr/>
-        </p:nvSpPr>
-        <p:spPr>
-          <a:xfrm>
-            <a:off x="6450867" y="2034704"/>
-            <a:ext cx="755335" cy="707886"/>
-          </a:xfrm>
-          <a:prstGeom prst="rect">
-            <a:avLst/>
-          </a:prstGeom>
-          <a:noFill/>
-        </p:spPr>
-        <p:txBody>
-          <a:bodyPr wrap="none" rtlCol="0">
-            <a:spAutoFit/>
-          </a:bodyPr>
-          <a:lstStyle/>
-          <a:p>
-            <a:pPr algn="ctr"/>
-            <a:r>
-              <a:rPr lang="en-US" altLang="zh-CN" sz="4000" b="1">
-                <a:solidFill>
-                  <a:schemeClr val="bg1"/>
-                </a:solidFill>
-                <a:latin typeface="+mj-lt"/>
-              </a:rPr>
-              <a:t>04</a:t>
-            </a:r>
-            <a:endParaRPr lang="zh-CN" altLang="en-US" sz="4000" b="1">
-              <a:solidFill>
-                <a:schemeClr val="bg1"/>
-              </a:solidFill>
-              <a:latin typeface="+mj-lt"/>
-            </a:endParaRPr>
-          </a:p>
-        </p:txBody>
-      </p:sp>
+              </a:endParaRPr>
+            </a:p>
+          </p:txBody>
+        </p:sp>
+      </p:grpSp>
       <p:sp>
         <p:nvSpPr>
           <p:cNvPr id="21" name="文本框 20">
             <a:extLst>
               <a:ext uri="{FF2B5EF4-FFF2-40B4-BE49-F238E27FC236}">
-                <a16:creationId xmlns:a16="http://schemas.microsoft.com/office/drawing/2014/main" xmlns="" id="{4F12D664-4B09-4167-AF76-AAE290FDA9DB}"/>
+                <a16:creationId xmlns="" xmlns:a16="http://schemas.microsoft.com/office/drawing/2014/main" id="{4F12D664-4B09-4167-AF76-AAE290FDA9DB}"/>
               </a:ext>
             </a:extLst>
           </p:cNvPr>
@@ -19241,7 +19076,7 @@
           <p:cNvPr id="10" name="矩形 9">
             <a:extLst>
               <a:ext uri="{FF2B5EF4-FFF2-40B4-BE49-F238E27FC236}">
-                <a16:creationId xmlns:a16="http://schemas.microsoft.com/office/drawing/2014/main" xmlns="" id="{27845620-1BD2-4CB4-A849-1D6F71C83D3D}"/>
+                <a16:creationId xmlns="" xmlns:a16="http://schemas.microsoft.com/office/drawing/2014/main" id="{27845620-1BD2-4CB4-A849-1D6F71C83D3D}"/>
               </a:ext>
             </a:extLst>
           </p:cNvPr>
@@ -19300,7 +19135,7 @@
           <p:cNvPr id="15" name="椭圆 14">
             <a:extLst>
               <a:ext uri="{FF2B5EF4-FFF2-40B4-BE49-F238E27FC236}">
-                <a16:creationId xmlns:a16="http://schemas.microsoft.com/office/drawing/2014/main" xmlns="" id="{84E5A175-3149-405F-9145-7535715A381B}"/>
+                <a16:creationId xmlns="" xmlns:a16="http://schemas.microsoft.com/office/drawing/2014/main" id="{84E5A175-3149-405F-9145-7535715A381B}"/>
               </a:ext>
             </a:extLst>
           </p:cNvPr>
@@ -19364,7 +19199,7 @@
           <p:cNvPr id="23" name="矩形 22">
             <a:extLst>
               <a:ext uri="{FF2B5EF4-FFF2-40B4-BE49-F238E27FC236}">
-                <a16:creationId xmlns:a16="http://schemas.microsoft.com/office/drawing/2014/main" xmlns="" id="{256BF839-5984-4814-99D1-E3F91C6B186D}"/>
+                <a16:creationId xmlns="" xmlns:a16="http://schemas.microsoft.com/office/drawing/2014/main" id="{256BF839-5984-4814-99D1-E3F91C6B186D}"/>
               </a:ext>
             </a:extLst>
           </p:cNvPr>
@@ -19416,7 +19251,7 @@
           <p:cNvPr id="30" name="矩形 29">
             <a:extLst>
               <a:ext uri="{FF2B5EF4-FFF2-40B4-BE49-F238E27FC236}">
-                <a16:creationId xmlns:a16="http://schemas.microsoft.com/office/drawing/2014/main" xmlns="" id="{108EDB90-29AC-41EE-8404-B98F5C9941E8}"/>
+                <a16:creationId xmlns="" xmlns:a16="http://schemas.microsoft.com/office/drawing/2014/main" id="{108EDB90-29AC-41EE-8404-B98F5C9941E8}"/>
               </a:ext>
             </a:extLst>
           </p:cNvPr>
@@ -19508,7 +19343,7 @@
           <p:cNvPr id="31" name="Group 13">
             <a:extLst>
               <a:ext uri="{FF2B5EF4-FFF2-40B4-BE49-F238E27FC236}">
-                <a16:creationId xmlns:a16="http://schemas.microsoft.com/office/drawing/2014/main" xmlns="" id="{7B266607-1E24-446A-AA08-188900624FAB}"/>
+                <a16:creationId xmlns="" xmlns:a16="http://schemas.microsoft.com/office/drawing/2014/main" id="{7B266607-1E24-446A-AA08-188900624FAB}"/>
               </a:ext>
             </a:extLst>
           </p:cNvPr>
@@ -19533,7 +19368,7 @@
             <p:cNvPr id="32" name="Freeform 14">
               <a:extLst>
                 <a:ext uri="{FF2B5EF4-FFF2-40B4-BE49-F238E27FC236}">
-                  <a16:creationId xmlns:a16="http://schemas.microsoft.com/office/drawing/2014/main" xmlns="" id="{A141E591-87D0-4A9D-84EA-6C3EEEDD2AC2}"/>
+                  <a16:creationId xmlns="" xmlns:a16="http://schemas.microsoft.com/office/drawing/2014/main" id="{A141E591-87D0-4A9D-84EA-6C3EEEDD2AC2}"/>
                 </a:ext>
               </a:extLst>
             </p:cNvPr>
@@ -19692,7 +19527,7 @@
             <p:cNvPr id="33" name="Freeform 15">
               <a:extLst>
                 <a:ext uri="{FF2B5EF4-FFF2-40B4-BE49-F238E27FC236}">
-                  <a16:creationId xmlns:a16="http://schemas.microsoft.com/office/drawing/2014/main" xmlns="" id="{AE3A265A-B4ED-4C0D-8793-0E1E83881147}"/>
+                  <a16:creationId xmlns="" xmlns:a16="http://schemas.microsoft.com/office/drawing/2014/main" id="{AE3A265A-B4ED-4C0D-8793-0E1E83881147}"/>
                 </a:ext>
               </a:extLst>
             </p:cNvPr>
@@ -19903,7 +19738,7 @@
           <p:cNvPr id="34" name="矩形 33">
             <a:extLst>
               <a:ext uri="{FF2B5EF4-FFF2-40B4-BE49-F238E27FC236}">
-                <a16:creationId xmlns:a16="http://schemas.microsoft.com/office/drawing/2014/main" xmlns="" id="{F2B290E5-515A-4DB8-9472-33B1686A97FA}"/>
+                <a16:creationId xmlns="" xmlns:a16="http://schemas.microsoft.com/office/drawing/2014/main" id="{F2B290E5-515A-4DB8-9472-33B1686A97FA}"/>
               </a:ext>
             </a:extLst>
           </p:cNvPr>
@@ -19955,7 +19790,7 @@
           <p:cNvPr id="35" name="Group 13">
             <a:extLst>
               <a:ext uri="{FF2B5EF4-FFF2-40B4-BE49-F238E27FC236}">
-                <a16:creationId xmlns:a16="http://schemas.microsoft.com/office/drawing/2014/main" xmlns="" id="{693906BC-7735-4725-8309-72D620A681DF}"/>
+                <a16:creationId xmlns="" xmlns:a16="http://schemas.microsoft.com/office/drawing/2014/main" id="{693906BC-7735-4725-8309-72D620A681DF}"/>
               </a:ext>
             </a:extLst>
           </p:cNvPr>
@@ -19980,7 +19815,7 @@
             <p:cNvPr id="36" name="Freeform 14">
               <a:extLst>
                 <a:ext uri="{FF2B5EF4-FFF2-40B4-BE49-F238E27FC236}">
-                  <a16:creationId xmlns:a16="http://schemas.microsoft.com/office/drawing/2014/main" xmlns="" id="{5A080266-FD71-491A-94E3-45981DDCAB35}"/>
+                  <a16:creationId xmlns="" xmlns:a16="http://schemas.microsoft.com/office/drawing/2014/main" id="{5A080266-FD71-491A-94E3-45981DDCAB35}"/>
                 </a:ext>
               </a:extLst>
             </p:cNvPr>
@@ -20139,7 +19974,7 @@
             <p:cNvPr id="37" name="Freeform 15">
               <a:extLst>
                 <a:ext uri="{FF2B5EF4-FFF2-40B4-BE49-F238E27FC236}">
-                  <a16:creationId xmlns:a16="http://schemas.microsoft.com/office/drawing/2014/main" xmlns="" id="{06855B9F-A534-49BD-8C81-1FC504DFE9C7}"/>
+                  <a16:creationId xmlns="" xmlns:a16="http://schemas.microsoft.com/office/drawing/2014/main" id="{06855B9F-A534-49BD-8C81-1FC504DFE9C7}"/>
                 </a:ext>
               </a:extLst>
             </p:cNvPr>
@@ -20350,7 +20185,7 @@
           <p:cNvPr id="38" name="矩形 37">
             <a:extLst>
               <a:ext uri="{FF2B5EF4-FFF2-40B4-BE49-F238E27FC236}">
-                <a16:creationId xmlns:a16="http://schemas.microsoft.com/office/drawing/2014/main" xmlns="" id="{9C36F1F9-0132-4F64-A577-185FEC85B26A}"/>
+                <a16:creationId xmlns="" xmlns:a16="http://schemas.microsoft.com/office/drawing/2014/main" id="{9C36F1F9-0132-4F64-A577-185FEC85B26A}"/>
               </a:ext>
             </a:extLst>
           </p:cNvPr>
@@ -20402,7 +20237,7 @@
           <p:cNvPr id="14" name="组合 13">
             <a:extLst>
               <a:ext uri="{FF2B5EF4-FFF2-40B4-BE49-F238E27FC236}">
-                <a16:creationId xmlns:a16="http://schemas.microsoft.com/office/drawing/2014/main" xmlns="" id="{1ED84EDF-6D20-40CB-82F4-D0D8A54B63CC}"/>
+                <a16:creationId xmlns="" xmlns:a16="http://schemas.microsoft.com/office/drawing/2014/main" id="{1ED84EDF-6D20-40CB-82F4-D0D8A54B63CC}"/>
               </a:ext>
             </a:extLst>
           </p:cNvPr>
@@ -20425,7 +20260,7 @@
             <p:cNvPr id="16" name="AutoShape 126">
               <a:extLst>
                 <a:ext uri="{FF2B5EF4-FFF2-40B4-BE49-F238E27FC236}">
-                  <a16:creationId xmlns:a16="http://schemas.microsoft.com/office/drawing/2014/main" xmlns="" id="{47CF404B-B45D-4987-B666-AF99E1CE006C}"/>
+                  <a16:creationId xmlns="" xmlns:a16="http://schemas.microsoft.com/office/drawing/2014/main" id="{47CF404B-B45D-4987-B666-AF99E1CE006C}"/>
                 </a:ext>
               </a:extLst>
             </p:cNvPr>
@@ -20626,7 +20461,7 @@
             <p:cNvPr id="17" name="AutoShape 127">
               <a:extLst>
                 <a:ext uri="{FF2B5EF4-FFF2-40B4-BE49-F238E27FC236}">
-                  <a16:creationId xmlns:a16="http://schemas.microsoft.com/office/drawing/2014/main" xmlns="" id="{C365FB4B-28E1-46C2-A223-FEF89539A53E}"/>
+                  <a16:creationId xmlns="" xmlns:a16="http://schemas.microsoft.com/office/drawing/2014/main" id="{C365FB4B-28E1-46C2-A223-FEF89539A53E}"/>
                 </a:ext>
               </a:extLst>
             </p:cNvPr>
@@ -20778,7 +20613,7 @@
           <p:cNvPr id="3" name="矩形 2">
             <a:extLst>
               <a:ext uri="{FF2B5EF4-FFF2-40B4-BE49-F238E27FC236}">
-                <a16:creationId xmlns:a16="http://schemas.microsoft.com/office/drawing/2014/main" xmlns="" id="{B1EF227F-F971-46C4-8C83-D820A502B67B}"/>
+                <a16:creationId xmlns="" xmlns:a16="http://schemas.microsoft.com/office/drawing/2014/main" id="{B1EF227F-F971-46C4-8C83-D820A502B67B}"/>
               </a:ext>
             </a:extLst>
           </p:cNvPr>
@@ -20830,7 +20665,7 @@
           <p:cNvPr id="4" name="矩形 3">
             <a:extLst>
               <a:ext uri="{FF2B5EF4-FFF2-40B4-BE49-F238E27FC236}">
-                <a16:creationId xmlns:a16="http://schemas.microsoft.com/office/drawing/2014/main" xmlns="" id="{9E909954-10C8-4280-953E-B54B27A00653}"/>
+                <a16:creationId xmlns="" xmlns:a16="http://schemas.microsoft.com/office/drawing/2014/main" id="{9E909954-10C8-4280-953E-B54B27A00653}"/>
               </a:ext>
             </a:extLst>
           </p:cNvPr>
@@ -20922,7 +20757,7 @@
           <p:cNvPr id="11" name="矩形 10">
             <a:extLst>
               <a:ext uri="{FF2B5EF4-FFF2-40B4-BE49-F238E27FC236}">
-                <a16:creationId xmlns:a16="http://schemas.microsoft.com/office/drawing/2014/main" xmlns="" id="{CAF9D752-0B17-4E23-9925-82839F70EC8D}"/>
+                <a16:creationId xmlns="" xmlns:a16="http://schemas.microsoft.com/office/drawing/2014/main" id="{CAF9D752-0B17-4E23-9925-82839F70EC8D}"/>
               </a:ext>
             </a:extLst>
           </p:cNvPr>
@@ -20974,7 +20809,7 @@
           <p:cNvPr id="12" name="矩形 11">
             <a:extLst>
               <a:ext uri="{FF2B5EF4-FFF2-40B4-BE49-F238E27FC236}">
-                <a16:creationId xmlns:a16="http://schemas.microsoft.com/office/drawing/2014/main" xmlns="" id="{5B860AC1-6E66-4E6F-87EF-D7AF0A0FADCB}"/>
+                <a16:creationId xmlns="" xmlns:a16="http://schemas.microsoft.com/office/drawing/2014/main" id="{5B860AC1-6E66-4E6F-87EF-D7AF0A0FADCB}"/>
               </a:ext>
             </a:extLst>
           </p:cNvPr>
@@ -21013,18 +20848,7 @@
                   </a:schemeClr>
                 </a:solidFill>
               </a:rPr>
-              <a:t>特征提取，模型训练， </a:t>
-            </a:r>
-            <a:r>
-              <a:rPr lang="zh-CN" altLang="en-US" sz="1200" dirty="0" smtClean="0">
-                <a:solidFill>
-                  <a:schemeClr val="tx1">
-                    <a:lumMod val="85000"/>
-                    <a:lumOff val="15000"/>
-                  </a:schemeClr>
-                </a:solidFill>
-              </a:rPr>
-              <a:t>查询匹配</a:t>
+              <a:t>特征提取，模型训练， 查询匹配</a:t>
             </a:r>
             <a:endParaRPr lang="en-US" altLang="zh-CN" sz="1200" dirty="0">
               <a:solidFill>
@@ -21042,7 +20866,7 @@
           <p:cNvPr id="14" name="矩形 13">
             <a:extLst>
               <a:ext uri="{FF2B5EF4-FFF2-40B4-BE49-F238E27FC236}">
-                <a16:creationId xmlns:a16="http://schemas.microsoft.com/office/drawing/2014/main" xmlns="" id="{3420253E-7BF7-408D-8FF2-DEC4CF1BE876}"/>
+                <a16:creationId xmlns="" xmlns:a16="http://schemas.microsoft.com/office/drawing/2014/main" id="{3420253E-7BF7-408D-8FF2-DEC4CF1BE876}"/>
               </a:ext>
             </a:extLst>
           </p:cNvPr>
@@ -21094,7 +20918,7 @@
           <p:cNvPr id="15" name="矩形 14">
             <a:extLst>
               <a:ext uri="{FF2B5EF4-FFF2-40B4-BE49-F238E27FC236}">
-                <a16:creationId xmlns:a16="http://schemas.microsoft.com/office/drawing/2014/main" xmlns="" id="{FBF4AE5F-819F-4502-93E0-A5DCD044BD55}"/>
+                <a16:creationId xmlns="" xmlns:a16="http://schemas.microsoft.com/office/drawing/2014/main" id="{FBF4AE5F-819F-4502-93E0-A5DCD044BD55}"/>
               </a:ext>
             </a:extLst>
           </p:cNvPr>
@@ -21151,7 +20975,7 @@
           <p:cNvPr id="17" name="矩形 16">
             <a:extLst>
               <a:ext uri="{FF2B5EF4-FFF2-40B4-BE49-F238E27FC236}">
-                <a16:creationId xmlns:a16="http://schemas.microsoft.com/office/drawing/2014/main" xmlns="" id="{C7CE0687-0AC7-4615-90C3-01EC8259BB58}"/>
+                <a16:creationId xmlns="" xmlns:a16="http://schemas.microsoft.com/office/drawing/2014/main" id="{C7CE0687-0AC7-4615-90C3-01EC8259BB58}"/>
               </a:ext>
             </a:extLst>
           </p:cNvPr>
@@ -21203,7 +21027,7 @@
           <p:cNvPr id="18" name="矩形 17">
             <a:extLst>
               <a:ext uri="{FF2B5EF4-FFF2-40B4-BE49-F238E27FC236}">
-                <a16:creationId xmlns:a16="http://schemas.microsoft.com/office/drawing/2014/main" xmlns="" id="{DA937DE2-2DC5-49C9-BCFF-F37C0430AAA1}"/>
+                <a16:creationId xmlns="" xmlns:a16="http://schemas.microsoft.com/office/drawing/2014/main" id="{DA937DE2-2DC5-49C9-BCFF-F37C0430AAA1}"/>
               </a:ext>
             </a:extLst>
           </p:cNvPr>
@@ -21315,18 +21139,7 @@
                   </a:schemeClr>
                 </a:solidFill>
               </a:rPr>
-              <a:t> </a:t>
-            </a:r>
-            <a:r>
-              <a:rPr lang="zh-CN" altLang="en-US" sz="1200" dirty="0" smtClean="0">
-                <a:solidFill>
-                  <a:schemeClr val="tx1">
-                    <a:lumMod val="85000"/>
-                    <a:lumOff val="15000"/>
-                  </a:schemeClr>
-                </a:solidFill>
-              </a:rPr>
-              <a:t>用户与服务器之间</a:t>
+              <a:t> 用户与服务器之间</a:t>
             </a:r>
             <a:endParaRPr lang="en-US" altLang="zh-CN" sz="1200" dirty="0" smtClean="0">
               <a:solidFill>
@@ -21377,18 +21190,7 @@
                   </a:schemeClr>
                 </a:solidFill>
               </a:rPr>
-              <a:t> </a:t>
-            </a:r>
-            <a:r>
-              <a:rPr lang="zh-CN" altLang="en-US" sz="1200" dirty="0" smtClean="0">
-                <a:solidFill>
-                  <a:schemeClr val="tx1">
-                    <a:lumMod val="85000"/>
-                    <a:lumOff val="15000"/>
-                  </a:schemeClr>
-                </a:solidFill>
-              </a:rPr>
-              <a:t>用户与用户之间</a:t>
+              <a:t> 用户与用户之间</a:t>
             </a:r>
             <a:endParaRPr lang="en-US" altLang="zh-CN" sz="1200" dirty="0">
               <a:solidFill>
@@ -21406,7 +21208,7 @@
           <p:cNvPr id="20" name="矩形 19">
             <a:extLst>
               <a:ext uri="{FF2B5EF4-FFF2-40B4-BE49-F238E27FC236}">
-                <a16:creationId xmlns:a16="http://schemas.microsoft.com/office/drawing/2014/main" xmlns="" id="{516859CB-8478-4DC1-92C5-7E7E7254BF5A}"/>
+                <a16:creationId xmlns="" xmlns:a16="http://schemas.microsoft.com/office/drawing/2014/main" id="{516859CB-8478-4DC1-92C5-7E7E7254BF5A}"/>
               </a:ext>
             </a:extLst>
           </p:cNvPr>
@@ -21458,7 +21260,7 @@
           <p:cNvPr id="21" name="矩形 20">
             <a:extLst>
               <a:ext uri="{FF2B5EF4-FFF2-40B4-BE49-F238E27FC236}">
-                <a16:creationId xmlns:a16="http://schemas.microsoft.com/office/drawing/2014/main" xmlns="" id="{A67A3DEB-B2D5-45F6-9291-2775B74701E5}"/>
+                <a16:creationId xmlns="" xmlns:a16="http://schemas.microsoft.com/office/drawing/2014/main" id="{A67A3DEB-B2D5-45F6-9291-2775B74701E5}"/>
               </a:ext>
             </a:extLst>
           </p:cNvPr>
@@ -21558,7 +21360,7 @@
             <p:cNvPr id="19" name="矩形 18">
               <a:extLst>
                 <a:ext uri="{FF2B5EF4-FFF2-40B4-BE49-F238E27FC236}">
-                  <a16:creationId xmlns:a16="http://schemas.microsoft.com/office/drawing/2014/main" xmlns="" id="{0E89C1E5-557C-4559-8ABD-87C8571668B2}"/>
+                  <a16:creationId xmlns="" xmlns:a16="http://schemas.microsoft.com/office/drawing/2014/main" id="{0E89C1E5-557C-4559-8ABD-87C8571668B2}"/>
                 </a:ext>
               </a:extLst>
             </p:cNvPr>
@@ -21622,7 +21424,7 @@
             <p:cNvPr id="22" name="AutoShape 112">
               <a:extLst>
                 <a:ext uri="{FF2B5EF4-FFF2-40B4-BE49-F238E27FC236}">
-                  <a16:creationId xmlns:a16="http://schemas.microsoft.com/office/drawing/2014/main" xmlns="" id="{8EACCD8E-F7F5-438A-8A22-7CC39479F4B3}"/>
+                  <a16:creationId xmlns="" xmlns:a16="http://schemas.microsoft.com/office/drawing/2014/main" id="{8EACCD8E-F7F5-438A-8A22-7CC39479F4B3}"/>
                 </a:ext>
               </a:extLst>
             </p:cNvPr>
@@ -22007,7 +21809,7 @@
             <p:cNvPr id="16" name="矩形 15">
               <a:extLst>
                 <a:ext uri="{FF2B5EF4-FFF2-40B4-BE49-F238E27FC236}">
-                  <a16:creationId xmlns:a16="http://schemas.microsoft.com/office/drawing/2014/main" xmlns="" id="{E52881E8-682A-44A4-AB1A-964E6ECCB854}"/>
+                  <a16:creationId xmlns="" xmlns:a16="http://schemas.microsoft.com/office/drawing/2014/main" id="{E52881E8-682A-44A4-AB1A-964E6ECCB854}"/>
                 </a:ext>
               </a:extLst>
             </p:cNvPr>
@@ -22071,7 +21873,7 @@
             <p:cNvPr id="23" name="组合 22">
               <a:extLst>
                 <a:ext uri="{FF2B5EF4-FFF2-40B4-BE49-F238E27FC236}">
-                  <a16:creationId xmlns:a16="http://schemas.microsoft.com/office/drawing/2014/main" xmlns="" id="{08AF2725-52EC-4D91-9269-F7892BCC1FCA}"/>
+                  <a16:creationId xmlns="" xmlns:a16="http://schemas.microsoft.com/office/drawing/2014/main" id="{08AF2725-52EC-4D91-9269-F7892BCC1FCA}"/>
                 </a:ext>
               </a:extLst>
             </p:cNvPr>
@@ -22094,7 +21896,7 @@
               <p:cNvPr id="24" name="AutoShape 113">
                 <a:extLst>
                   <a:ext uri="{FF2B5EF4-FFF2-40B4-BE49-F238E27FC236}">
-                    <a16:creationId xmlns:a16="http://schemas.microsoft.com/office/drawing/2014/main" xmlns="" id="{72536BB5-E4FF-4F2C-9DD9-D1E912EF9C27}"/>
+                    <a16:creationId xmlns="" xmlns:a16="http://schemas.microsoft.com/office/drawing/2014/main" id="{72536BB5-E4FF-4F2C-9DD9-D1E912EF9C27}"/>
                   </a:ext>
                 </a:extLst>
               </p:cNvPr>
@@ -22318,7 +22120,7 @@
               <p:cNvPr id="25" name="AutoShape 114">
                 <a:extLst>
                   <a:ext uri="{FF2B5EF4-FFF2-40B4-BE49-F238E27FC236}">
-                    <a16:creationId xmlns:a16="http://schemas.microsoft.com/office/drawing/2014/main" xmlns="" id="{3AF59223-5E17-404B-984D-6280C14C5747}"/>
+                    <a16:creationId xmlns="" xmlns:a16="http://schemas.microsoft.com/office/drawing/2014/main" id="{3AF59223-5E17-404B-984D-6280C14C5747}"/>
                   </a:ext>
                 </a:extLst>
               </p:cNvPr>
@@ -22455,7 +22257,7 @@
             <p:cNvPr id="13" name="矩形 12">
               <a:extLst>
                 <a:ext uri="{FF2B5EF4-FFF2-40B4-BE49-F238E27FC236}">
-                  <a16:creationId xmlns:a16="http://schemas.microsoft.com/office/drawing/2014/main" xmlns="" id="{4D3BA20D-4426-4E60-A325-7F7F52FC7B9E}"/>
+                  <a16:creationId xmlns="" xmlns:a16="http://schemas.microsoft.com/office/drawing/2014/main" id="{4D3BA20D-4426-4E60-A325-7F7F52FC7B9E}"/>
                 </a:ext>
               </a:extLst>
             </p:cNvPr>
@@ -22519,7 +22321,7 @@
             <p:cNvPr id="26" name="组合 25">
               <a:extLst>
                 <a:ext uri="{FF2B5EF4-FFF2-40B4-BE49-F238E27FC236}">
-                  <a16:creationId xmlns:a16="http://schemas.microsoft.com/office/drawing/2014/main" xmlns="" id="{AA2C3D01-B364-431C-AFBB-7DBDBA5D9D46}"/>
+                  <a16:creationId xmlns="" xmlns:a16="http://schemas.microsoft.com/office/drawing/2014/main" id="{AA2C3D01-B364-431C-AFBB-7DBDBA5D9D46}"/>
                 </a:ext>
               </a:extLst>
             </p:cNvPr>
@@ -22542,7 +22344,7 @@
               <p:cNvPr id="27" name="AutoShape 123">
                 <a:extLst>
                   <a:ext uri="{FF2B5EF4-FFF2-40B4-BE49-F238E27FC236}">
-                    <a16:creationId xmlns:a16="http://schemas.microsoft.com/office/drawing/2014/main" xmlns="" id="{8FFAAB3B-565B-4B6E-929B-C9DC1EA0D472}"/>
+                    <a16:creationId xmlns="" xmlns:a16="http://schemas.microsoft.com/office/drawing/2014/main" id="{8FFAAB3B-565B-4B6E-929B-C9DC1EA0D472}"/>
                   </a:ext>
                 </a:extLst>
               </p:cNvPr>
@@ -23063,7 +22865,7 @@
               <p:cNvPr id="28" name="AutoShape 124">
                 <a:extLst>
                   <a:ext uri="{FF2B5EF4-FFF2-40B4-BE49-F238E27FC236}">
-                    <a16:creationId xmlns:a16="http://schemas.microsoft.com/office/drawing/2014/main" xmlns="" id="{23EE37BC-E06F-46E0-9A58-B8E7E9453B0E}"/>
+                    <a16:creationId xmlns="" xmlns:a16="http://schemas.microsoft.com/office/drawing/2014/main" id="{23EE37BC-E06F-46E0-9A58-B8E7E9453B0E}"/>
                   </a:ext>
                 </a:extLst>
               </p:cNvPr>
@@ -23197,7 +22999,7 @@
               <p:cNvPr id="29" name="AutoShape 125">
                 <a:extLst>
                   <a:ext uri="{FF2B5EF4-FFF2-40B4-BE49-F238E27FC236}">
-                    <a16:creationId xmlns:a16="http://schemas.microsoft.com/office/drawing/2014/main" xmlns="" id="{D27CE1DF-9683-4F93-8892-ECF940291B96}"/>
+                    <a16:creationId xmlns="" xmlns:a16="http://schemas.microsoft.com/office/drawing/2014/main" id="{D27CE1DF-9683-4F93-8892-ECF940291B96}"/>
                   </a:ext>
                 </a:extLst>
               </p:cNvPr>
@@ -23347,7 +23149,7 @@
             <p:cNvPr id="10" name="矩形 9">
               <a:extLst>
                 <a:ext uri="{FF2B5EF4-FFF2-40B4-BE49-F238E27FC236}">
-                  <a16:creationId xmlns:a16="http://schemas.microsoft.com/office/drawing/2014/main" xmlns="" id="{CE10450C-9C9B-41A8-8B83-4C36E9532438}"/>
+                  <a16:creationId xmlns="" xmlns:a16="http://schemas.microsoft.com/office/drawing/2014/main" id="{CE10450C-9C9B-41A8-8B83-4C36E9532438}"/>
                 </a:ext>
               </a:extLst>
             </p:cNvPr>
@@ -23411,7 +23213,7 @@
             <p:cNvPr id="30" name="组合 29">
               <a:extLst>
                 <a:ext uri="{FF2B5EF4-FFF2-40B4-BE49-F238E27FC236}">
-                  <a16:creationId xmlns:a16="http://schemas.microsoft.com/office/drawing/2014/main" xmlns="" id="{51852231-DBA4-4459-A525-9D6F0328D398}"/>
+                  <a16:creationId xmlns="" xmlns:a16="http://schemas.microsoft.com/office/drawing/2014/main" id="{51852231-DBA4-4459-A525-9D6F0328D398}"/>
                 </a:ext>
               </a:extLst>
             </p:cNvPr>
@@ -23434,7 +23236,7 @@
               <p:cNvPr id="31" name="AutoShape 126">
                 <a:extLst>
                   <a:ext uri="{FF2B5EF4-FFF2-40B4-BE49-F238E27FC236}">
-                    <a16:creationId xmlns:a16="http://schemas.microsoft.com/office/drawing/2014/main" xmlns="" id="{3A999974-19D3-44F7-BF39-C052E0153F33}"/>
+                    <a16:creationId xmlns="" xmlns:a16="http://schemas.microsoft.com/office/drawing/2014/main" id="{3A999974-19D3-44F7-BF39-C052E0153F33}"/>
                   </a:ext>
                 </a:extLst>
               </p:cNvPr>
@@ -23635,7 +23437,7 @@
               <p:cNvPr id="32" name="AutoShape 127">
                 <a:extLst>
                   <a:ext uri="{FF2B5EF4-FFF2-40B4-BE49-F238E27FC236}">
-                    <a16:creationId xmlns:a16="http://schemas.microsoft.com/office/drawing/2014/main" xmlns="" id="{AA83F5E9-B885-450C-9308-5D18FF3B7BA7}"/>
+                    <a16:creationId xmlns="" xmlns:a16="http://schemas.microsoft.com/office/drawing/2014/main" id="{AA83F5E9-B885-450C-9308-5D18FF3B7BA7}"/>
                   </a:ext>
                 </a:extLst>
               </p:cNvPr>
@@ -23758,7 +23560,7 @@
           <p:cNvPr id="33" name="矩形 16">
             <a:extLst>
               <a:ext uri="{FF2B5EF4-FFF2-40B4-BE49-F238E27FC236}">
-                <a16:creationId xmlns:a16="http://schemas.microsoft.com/office/drawing/2014/main" xmlns="" id="{C7CE0687-0AC7-4615-90C3-01EC8259BB58}"/>
+                <a16:creationId xmlns="" xmlns:a16="http://schemas.microsoft.com/office/drawing/2014/main" id="{C7CE0687-0AC7-4615-90C3-01EC8259BB58}"/>
               </a:ext>
             </a:extLst>
           </p:cNvPr>
@@ -23810,7 +23612,7 @@
           <p:cNvPr id="34" name="矩形 17">
             <a:extLst>
               <a:ext uri="{FF2B5EF4-FFF2-40B4-BE49-F238E27FC236}">
-                <a16:creationId xmlns:a16="http://schemas.microsoft.com/office/drawing/2014/main" xmlns="" id="{DA937DE2-2DC5-49C9-BCFF-F37C0430AAA1}"/>
+                <a16:creationId xmlns="" xmlns:a16="http://schemas.microsoft.com/office/drawing/2014/main" id="{DA937DE2-2DC5-49C9-BCFF-F37C0430AAA1}"/>
               </a:ext>
             </a:extLst>
           </p:cNvPr>
@@ -23926,7 +23728,7 @@
           <p:cNvPr id="3" name="矩形 2">
             <a:extLst>
               <a:ext uri="{FF2B5EF4-FFF2-40B4-BE49-F238E27FC236}">
-                <a16:creationId xmlns:a16="http://schemas.microsoft.com/office/drawing/2014/main" xmlns="" id="{B1EF227F-F971-46C4-8C83-D820A502B67B}"/>
+                <a16:creationId xmlns="" xmlns:a16="http://schemas.microsoft.com/office/drawing/2014/main" id="{B1EF227F-F971-46C4-8C83-D820A502B67B}"/>
               </a:ext>
             </a:extLst>
           </p:cNvPr>
@@ -23985,7 +23787,7 @@
             <p:cNvPr id="29" name="椭圆 28">
               <a:extLst>
                 <a:ext uri="{FF2B5EF4-FFF2-40B4-BE49-F238E27FC236}">
-                  <a16:creationId xmlns:a16="http://schemas.microsoft.com/office/drawing/2014/main" xmlns="" id="{D33AB898-91D3-49AF-BFAA-50C82A809FC9}"/>
+                  <a16:creationId xmlns="" xmlns:a16="http://schemas.microsoft.com/office/drawing/2014/main" id="{D33AB898-91D3-49AF-BFAA-50C82A809FC9}"/>
                 </a:ext>
               </a:extLst>
             </p:cNvPr>
@@ -24049,7 +23851,7 @@
             <p:cNvPr id="22" name="组合 21">
               <a:extLst>
                 <a:ext uri="{FF2B5EF4-FFF2-40B4-BE49-F238E27FC236}">
-                  <a16:creationId xmlns:a16="http://schemas.microsoft.com/office/drawing/2014/main" xmlns="" id="{98DDF874-B6D1-40B8-A5E4-3C20E4EB3E4B}"/>
+                  <a16:creationId xmlns="" xmlns:a16="http://schemas.microsoft.com/office/drawing/2014/main" id="{98DDF874-B6D1-40B8-A5E4-3C20E4EB3E4B}"/>
                 </a:ext>
               </a:extLst>
             </p:cNvPr>
@@ -24072,7 +23874,7 @@
               <p:cNvPr id="23" name="AutoShape 126">
                 <a:extLst>
                   <a:ext uri="{FF2B5EF4-FFF2-40B4-BE49-F238E27FC236}">
-                    <a16:creationId xmlns:a16="http://schemas.microsoft.com/office/drawing/2014/main" xmlns="" id="{71F646CD-26AC-4D3A-B93A-02FF060A0AC8}"/>
+                    <a16:creationId xmlns="" xmlns:a16="http://schemas.microsoft.com/office/drawing/2014/main" id="{71F646CD-26AC-4D3A-B93A-02FF060A0AC8}"/>
                   </a:ext>
                 </a:extLst>
               </p:cNvPr>
@@ -24273,7 +24075,7 @@
               <p:cNvPr id="24" name="AutoShape 127">
                 <a:extLst>
                   <a:ext uri="{FF2B5EF4-FFF2-40B4-BE49-F238E27FC236}">
-                    <a16:creationId xmlns:a16="http://schemas.microsoft.com/office/drawing/2014/main" xmlns="" id="{BFE64607-A965-47A3-89DF-E49FCB736D25}"/>
+                    <a16:creationId xmlns="" xmlns:a16="http://schemas.microsoft.com/office/drawing/2014/main" id="{BFE64607-A965-47A3-89DF-E49FCB736D25}"/>
                   </a:ext>
                 </a:extLst>
               </p:cNvPr>
@@ -24626,7 +24428,7 @@
           <p:cNvPr id="3" name="矩形 2">
             <a:extLst>
               <a:ext uri="{FF2B5EF4-FFF2-40B4-BE49-F238E27FC236}">
-                <a16:creationId xmlns:a16="http://schemas.microsoft.com/office/drawing/2014/main" xmlns="" id="{B1EF227F-F971-46C4-8C83-D820A502B67B}"/>
+                <a16:creationId xmlns="" xmlns:a16="http://schemas.microsoft.com/office/drawing/2014/main" id="{B1EF227F-F971-46C4-8C83-D820A502B67B}"/>
               </a:ext>
             </a:extLst>
           </p:cNvPr>
@@ -24685,7 +24487,7 @@
             <p:cNvPr id="30" name="椭圆 29">
               <a:extLst>
                 <a:ext uri="{FF2B5EF4-FFF2-40B4-BE49-F238E27FC236}">
-                  <a16:creationId xmlns:a16="http://schemas.microsoft.com/office/drawing/2014/main" xmlns="" id="{0122DECD-DE99-4981-844D-0E38BB114A8D}"/>
+                  <a16:creationId xmlns="" xmlns:a16="http://schemas.microsoft.com/office/drawing/2014/main" id="{0122DECD-DE99-4981-844D-0E38BB114A8D}"/>
                 </a:ext>
               </a:extLst>
             </p:cNvPr>
@@ -24749,7 +24551,7 @@
             <p:cNvPr id="15" name="组合 14">
               <a:extLst>
                 <a:ext uri="{FF2B5EF4-FFF2-40B4-BE49-F238E27FC236}">
-                  <a16:creationId xmlns:a16="http://schemas.microsoft.com/office/drawing/2014/main" xmlns="" id="{8AA21313-A925-4B7F-B556-8FB7A8A7EA46}"/>
+                  <a16:creationId xmlns="" xmlns:a16="http://schemas.microsoft.com/office/drawing/2014/main" id="{8AA21313-A925-4B7F-B556-8FB7A8A7EA46}"/>
                 </a:ext>
               </a:extLst>
             </p:cNvPr>
@@ -24769,7 +24571,7 @@
               <p:cNvPr id="16" name="AutoShape 37">
                 <a:extLst>
                   <a:ext uri="{FF2B5EF4-FFF2-40B4-BE49-F238E27FC236}">
-                    <a16:creationId xmlns:a16="http://schemas.microsoft.com/office/drawing/2014/main" xmlns="" id="{90DC2582-9CA2-4589-AC65-AA61516FE008}"/>
+                    <a16:creationId xmlns="" xmlns:a16="http://schemas.microsoft.com/office/drawing/2014/main" id="{90DC2582-9CA2-4589-AC65-AA61516FE008}"/>
                   </a:ext>
                 </a:extLst>
               </p:cNvPr>
@@ -25059,7 +24861,7 @@
               <p:cNvPr id="17" name="AutoShape 38">
                 <a:extLst>
                   <a:ext uri="{FF2B5EF4-FFF2-40B4-BE49-F238E27FC236}">
-                    <a16:creationId xmlns:a16="http://schemas.microsoft.com/office/drawing/2014/main" xmlns="" id="{4548D2E2-6A51-491D-A1DC-72C20B5A5E94}"/>
+                    <a16:creationId xmlns="" xmlns:a16="http://schemas.microsoft.com/office/drawing/2014/main" id="{4548D2E2-6A51-491D-A1DC-72C20B5A5E94}"/>
                   </a:ext>
                 </a:extLst>
               </p:cNvPr>
@@ -25195,7 +24997,7 @@
               <p:cNvPr id="18" name="AutoShape 39">
                 <a:extLst>
                   <a:ext uri="{FF2B5EF4-FFF2-40B4-BE49-F238E27FC236}">
-                    <a16:creationId xmlns:a16="http://schemas.microsoft.com/office/drawing/2014/main" xmlns="" id="{D168534D-AF8B-4165-B659-91122FCFCE82}"/>
+                    <a16:creationId xmlns="" xmlns:a16="http://schemas.microsoft.com/office/drawing/2014/main" id="{D168534D-AF8B-4165-B659-91122FCFCE82}"/>
                   </a:ext>
                 </a:extLst>
               </p:cNvPr>
@@ -25331,7 +25133,7 @@
               <p:cNvPr id="19" name="AutoShape 40">
                 <a:extLst>
                   <a:ext uri="{FF2B5EF4-FFF2-40B4-BE49-F238E27FC236}">
-                    <a16:creationId xmlns:a16="http://schemas.microsoft.com/office/drawing/2014/main" xmlns="" id="{568D3028-93C0-4884-86E6-6741448EE783}"/>
+                    <a16:creationId xmlns="" xmlns:a16="http://schemas.microsoft.com/office/drawing/2014/main" id="{568D3028-93C0-4884-86E6-6741448EE783}"/>
                   </a:ext>
                 </a:extLst>
               </p:cNvPr>
@@ -25467,7 +25269,7 @@
               <p:cNvPr id="20" name="AutoShape 41">
                 <a:extLst>
                   <a:ext uri="{FF2B5EF4-FFF2-40B4-BE49-F238E27FC236}">
-                    <a16:creationId xmlns:a16="http://schemas.microsoft.com/office/drawing/2014/main" xmlns="" id="{9E04ABE0-3D2C-4993-81B4-8517C7757810}"/>
+                    <a16:creationId xmlns="" xmlns:a16="http://schemas.microsoft.com/office/drawing/2014/main" id="{9E04ABE0-3D2C-4993-81B4-8517C7757810}"/>
                   </a:ext>
                 </a:extLst>
               </p:cNvPr>
@@ -25580,7 +25382,7 @@
               <p:cNvPr id="21" name="AutoShape 42">
                 <a:extLst>
                   <a:ext uri="{FF2B5EF4-FFF2-40B4-BE49-F238E27FC236}">
-                    <a16:creationId xmlns:a16="http://schemas.microsoft.com/office/drawing/2014/main" xmlns="" id="{BE0171F6-B5CA-405D-856B-F1792EFD7360}"/>
+                    <a16:creationId xmlns="" xmlns:a16="http://schemas.microsoft.com/office/drawing/2014/main" id="{BE0171F6-B5CA-405D-856B-F1792EFD7360}"/>
                   </a:ext>
                 </a:extLst>
               </p:cNvPr>
@@ -25984,7 +25786,7 @@
           <p:cNvPr id="10" name="矩形 9">
             <a:extLst>
               <a:ext uri="{FF2B5EF4-FFF2-40B4-BE49-F238E27FC236}">
-                <a16:creationId xmlns:a16="http://schemas.microsoft.com/office/drawing/2014/main" xmlns="" id="{27845620-1BD2-4CB4-A849-1D6F71C83D3D}"/>
+                <a16:creationId xmlns="" xmlns:a16="http://schemas.microsoft.com/office/drawing/2014/main" id="{27845620-1BD2-4CB4-A849-1D6F71C83D3D}"/>
               </a:ext>
             </a:extLst>
           </p:cNvPr>
@@ -26043,7 +25845,7 @@
           <p:cNvPr id="15" name="椭圆 14">
             <a:extLst>
               <a:ext uri="{FF2B5EF4-FFF2-40B4-BE49-F238E27FC236}">
-                <a16:creationId xmlns:a16="http://schemas.microsoft.com/office/drawing/2014/main" xmlns="" id="{84E5A175-3149-405F-9145-7535715A381B}"/>
+                <a16:creationId xmlns="" xmlns:a16="http://schemas.microsoft.com/office/drawing/2014/main" id="{84E5A175-3149-405F-9145-7535715A381B}"/>
               </a:ext>
             </a:extLst>
           </p:cNvPr>
@@ -26107,7 +25909,7 @@
           <p:cNvPr id="23" name="矩形 22">
             <a:extLst>
               <a:ext uri="{FF2B5EF4-FFF2-40B4-BE49-F238E27FC236}">
-                <a16:creationId xmlns:a16="http://schemas.microsoft.com/office/drawing/2014/main" xmlns="" id="{256BF839-5984-4814-99D1-E3F91C6B186D}"/>
+                <a16:creationId xmlns="" xmlns:a16="http://schemas.microsoft.com/office/drawing/2014/main" id="{256BF839-5984-4814-99D1-E3F91C6B186D}"/>
               </a:ext>
             </a:extLst>
           </p:cNvPr>
@@ -26159,7 +25961,7 @@
           <p:cNvPr id="30" name="矩形 29">
             <a:extLst>
               <a:ext uri="{FF2B5EF4-FFF2-40B4-BE49-F238E27FC236}">
-                <a16:creationId xmlns:a16="http://schemas.microsoft.com/office/drawing/2014/main" xmlns="" id="{108EDB90-29AC-41EE-8404-B98F5C9941E8}"/>
+                <a16:creationId xmlns="" xmlns:a16="http://schemas.microsoft.com/office/drawing/2014/main" id="{108EDB90-29AC-41EE-8404-B98F5C9941E8}"/>
               </a:ext>
             </a:extLst>
           </p:cNvPr>
@@ -26211,7 +26013,7 @@
           <p:cNvPr id="31" name="Group 13">
             <a:extLst>
               <a:ext uri="{FF2B5EF4-FFF2-40B4-BE49-F238E27FC236}">
-                <a16:creationId xmlns:a16="http://schemas.microsoft.com/office/drawing/2014/main" xmlns="" id="{7B266607-1E24-446A-AA08-188900624FAB}"/>
+                <a16:creationId xmlns="" xmlns:a16="http://schemas.microsoft.com/office/drawing/2014/main" id="{7B266607-1E24-446A-AA08-188900624FAB}"/>
               </a:ext>
             </a:extLst>
           </p:cNvPr>
@@ -26236,7 +26038,7 @@
             <p:cNvPr id="32" name="Freeform 14">
               <a:extLst>
                 <a:ext uri="{FF2B5EF4-FFF2-40B4-BE49-F238E27FC236}">
-                  <a16:creationId xmlns:a16="http://schemas.microsoft.com/office/drawing/2014/main" xmlns="" id="{A141E591-87D0-4A9D-84EA-6C3EEEDD2AC2}"/>
+                  <a16:creationId xmlns="" xmlns:a16="http://schemas.microsoft.com/office/drawing/2014/main" id="{A141E591-87D0-4A9D-84EA-6C3EEEDD2AC2}"/>
                 </a:ext>
               </a:extLst>
             </p:cNvPr>
@@ -26395,7 +26197,7 @@
             <p:cNvPr id="33" name="Freeform 15">
               <a:extLst>
                 <a:ext uri="{FF2B5EF4-FFF2-40B4-BE49-F238E27FC236}">
-                  <a16:creationId xmlns:a16="http://schemas.microsoft.com/office/drawing/2014/main" xmlns="" id="{AE3A265A-B4ED-4C0D-8793-0E1E83881147}"/>
+                  <a16:creationId xmlns="" xmlns:a16="http://schemas.microsoft.com/office/drawing/2014/main" id="{AE3A265A-B4ED-4C0D-8793-0E1E83881147}"/>
                 </a:ext>
               </a:extLst>
             </p:cNvPr>
@@ -26606,7 +26408,7 @@
           <p:cNvPr id="34" name="矩形 33">
             <a:extLst>
               <a:ext uri="{FF2B5EF4-FFF2-40B4-BE49-F238E27FC236}">
-                <a16:creationId xmlns:a16="http://schemas.microsoft.com/office/drawing/2014/main" xmlns="" id="{F2B290E5-515A-4DB8-9472-33B1686A97FA}"/>
+                <a16:creationId xmlns="" xmlns:a16="http://schemas.microsoft.com/office/drawing/2014/main" id="{F2B290E5-515A-4DB8-9472-33B1686A97FA}"/>
               </a:ext>
             </a:extLst>
           </p:cNvPr>
@@ -26658,7 +26460,7 @@
           <p:cNvPr id="35" name="Group 13">
             <a:extLst>
               <a:ext uri="{FF2B5EF4-FFF2-40B4-BE49-F238E27FC236}">
-                <a16:creationId xmlns:a16="http://schemas.microsoft.com/office/drawing/2014/main" xmlns="" id="{693906BC-7735-4725-8309-72D620A681DF}"/>
+                <a16:creationId xmlns="" xmlns:a16="http://schemas.microsoft.com/office/drawing/2014/main" id="{693906BC-7735-4725-8309-72D620A681DF}"/>
               </a:ext>
             </a:extLst>
           </p:cNvPr>
@@ -26683,7 +26485,7 @@
             <p:cNvPr id="36" name="Freeform 14">
               <a:extLst>
                 <a:ext uri="{FF2B5EF4-FFF2-40B4-BE49-F238E27FC236}">
-                  <a16:creationId xmlns:a16="http://schemas.microsoft.com/office/drawing/2014/main" xmlns="" id="{5A080266-FD71-491A-94E3-45981DDCAB35}"/>
+                  <a16:creationId xmlns="" xmlns:a16="http://schemas.microsoft.com/office/drawing/2014/main" id="{5A080266-FD71-491A-94E3-45981DDCAB35}"/>
                 </a:ext>
               </a:extLst>
             </p:cNvPr>
@@ -26842,7 +26644,7 @@
             <p:cNvPr id="37" name="Freeform 15">
               <a:extLst>
                 <a:ext uri="{FF2B5EF4-FFF2-40B4-BE49-F238E27FC236}">
-                  <a16:creationId xmlns:a16="http://schemas.microsoft.com/office/drawing/2014/main" xmlns="" id="{06855B9F-A534-49BD-8C81-1FC504DFE9C7}"/>
+                  <a16:creationId xmlns="" xmlns:a16="http://schemas.microsoft.com/office/drawing/2014/main" id="{06855B9F-A534-49BD-8C81-1FC504DFE9C7}"/>
                 </a:ext>
               </a:extLst>
             </p:cNvPr>
@@ -27053,7 +26855,7 @@
           <p:cNvPr id="38" name="矩形 37">
             <a:extLst>
               <a:ext uri="{FF2B5EF4-FFF2-40B4-BE49-F238E27FC236}">
-                <a16:creationId xmlns:a16="http://schemas.microsoft.com/office/drawing/2014/main" xmlns="" id="{9C36F1F9-0132-4F64-A577-185FEC85B26A}"/>
+                <a16:creationId xmlns="" xmlns:a16="http://schemas.microsoft.com/office/drawing/2014/main" id="{9C36F1F9-0132-4F64-A577-185FEC85B26A}"/>
               </a:ext>
             </a:extLst>
           </p:cNvPr>
@@ -27105,7 +26907,7 @@
           <p:cNvPr id="39" name="Group 13">
             <a:extLst>
               <a:ext uri="{FF2B5EF4-FFF2-40B4-BE49-F238E27FC236}">
-                <a16:creationId xmlns:a16="http://schemas.microsoft.com/office/drawing/2014/main" xmlns="" id="{98064903-8138-4B9B-8F69-AA5FCB98496A}"/>
+                <a16:creationId xmlns="" xmlns:a16="http://schemas.microsoft.com/office/drawing/2014/main" id="{98064903-8138-4B9B-8F69-AA5FCB98496A}"/>
               </a:ext>
             </a:extLst>
           </p:cNvPr>
@@ -27130,7 +26932,7 @@
             <p:cNvPr id="40" name="Freeform 14">
               <a:extLst>
                 <a:ext uri="{FF2B5EF4-FFF2-40B4-BE49-F238E27FC236}">
-                  <a16:creationId xmlns:a16="http://schemas.microsoft.com/office/drawing/2014/main" xmlns="" id="{DAFBBBDA-03A3-4E52-A19F-DB6E55F07C7E}"/>
+                  <a16:creationId xmlns="" xmlns:a16="http://schemas.microsoft.com/office/drawing/2014/main" id="{DAFBBBDA-03A3-4E52-A19F-DB6E55F07C7E}"/>
                 </a:ext>
               </a:extLst>
             </p:cNvPr>
@@ -27289,7 +27091,7 @@
             <p:cNvPr id="41" name="Freeform 15">
               <a:extLst>
                 <a:ext uri="{FF2B5EF4-FFF2-40B4-BE49-F238E27FC236}">
-                  <a16:creationId xmlns:a16="http://schemas.microsoft.com/office/drawing/2014/main" xmlns="" id="{35A49CD6-13AF-4131-82DB-6CFC45BBFB55}"/>
+                  <a16:creationId xmlns="" xmlns:a16="http://schemas.microsoft.com/office/drawing/2014/main" id="{35A49CD6-13AF-4131-82DB-6CFC45BBFB55}"/>
                 </a:ext>
               </a:extLst>
             </p:cNvPr>
@@ -27500,7 +27302,7 @@
           <p:cNvPr id="42" name="矩形 41">
             <a:extLst>
               <a:ext uri="{FF2B5EF4-FFF2-40B4-BE49-F238E27FC236}">
-                <a16:creationId xmlns:a16="http://schemas.microsoft.com/office/drawing/2014/main" xmlns="" id="{D88F91BD-50E5-454F-ACDA-28AE37927CF2}"/>
+                <a16:creationId xmlns="" xmlns:a16="http://schemas.microsoft.com/office/drawing/2014/main" id="{D88F91BD-50E5-454F-ACDA-28AE37927CF2}"/>
               </a:ext>
             </a:extLst>
           </p:cNvPr>
@@ -27552,7 +27354,7 @@
           <p:cNvPr id="18" name="Group 69">
             <a:extLst>
               <a:ext uri="{FF2B5EF4-FFF2-40B4-BE49-F238E27FC236}">
-                <a16:creationId xmlns:a16="http://schemas.microsoft.com/office/drawing/2014/main" xmlns="" id="{0C0D9A6B-42F3-4578-ABEA-AEFCCC2C6BF2}"/>
+                <a16:creationId xmlns="" xmlns:a16="http://schemas.microsoft.com/office/drawing/2014/main" id="{0C0D9A6B-42F3-4578-ABEA-AEFCCC2C6BF2}"/>
               </a:ext>
             </a:extLst>
           </p:cNvPr>
@@ -27575,7 +27377,7 @@
             <p:cNvPr id="19" name="AutoShape 69">
               <a:extLst>
                 <a:ext uri="{FF2B5EF4-FFF2-40B4-BE49-F238E27FC236}">
-                  <a16:creationId xmlns:a16="http://schemas.microsoft.com/office/drawing/2014/main" xmlns="" id="{808B1BF4-E407-4CF4-9389-8625003A8845}"/>
+                  <a16:creationId xmlns="" xmlns:a16="http://schemas.microsoft.com/office/drawing/2014/main" id="{808B1BF4-E407-4CF4-9389-8625003A8845}"/>
                 </a:ext>
               </a:extLst>
             </p:cNvPr>
@@ -27782,7 +27584,7 @@
             <p:cNvPr id="20" name="AutoShape 70">
               <a:extLst>
                 <a:ext uri="{FF2B5EF4-FFF2-40B4-BE49-F238E27FC236}">
-                  <a16:creationId xmlns:a16="http://schemas.microsoft.com/office/drawing/2014/main" xmlns="" id="{37E1F46E-AE97-4B1A-A7EE-33CFD92774D3}"/>
+                  <a16:creationId xmlns="" xmlns:a16="http://schemas.microsoft.com/office/drawing/2014/main" id="{37E1F46E-AE97-4B1A-A7EE-33CFD92774D3}"/>
                 </a:ext>
               </a:extLst>
             </p:cNvPr>
@@ -27899,7 +27701,7 @@
             <p:cNvPr id="21" name="AutoShape 71">
               <a:extLst>
                 <a:ext uri="{FF2B5EF4-FFF2-40B4-BE49-F238E27FC236}">
-                  <a16:creationId xmlns:a16="http://schemas.microsoft.com/office/drawing/2014/main" xmlns="" id="{E4714992-6D51-4BE9-AD0D-211B5E9950BD}"/>
+                  <a16:creationId xmlns="" xmlns:a16="http://schemas.microsoft.com/office/drawing/2014/main" id="{E4714992-6D51-4BE9-AD0D-211B5E9950BD}"/>
                 </a:ext>
               </a:extLst>
             </p:cNvPr>
@@ -28016,7 +27818,7 @@
             <p:cNvPr id="22" name="AutoShape 72">
               <a:extLst>
                 <a:ext uri="{FF2B5EF4-FFF2-40B4-BE49-F238E27FC236}">
-                  <a16:creationId xmlns:a16="http://schemas.microsoft.com/office/drawing/2014/main" xmlns="" id="{8CB74BEB-A976-4CD8-8061-4946EBFDF886}"/>
+                  <a16:creationId xmlns="" xmlns:a16="http://schemas.microsoft.com/office/drawing/2014/main" id="{8CB74BEB-A976-4CD8-8061-4946EBFDF886}"/>
                 </a:ext>
               </a:extLst>
             </p:cNvPr>
@@ -28133,7 +27935,7 @@
             <p:cNvPr id="24" name="AutoShape 73">
               <a:extLst>
                 <a:ext uri="{FF2B5EF4-FFF2-40B4-BE49-F238E27FC236}">
-                  <a16:creationId xmlns:a16="http://schemas.microsoft.com/office/drawing/2014/main" xmlns="" id="{F4C9D249-032C-475A-8DD4-7133757C6228}"/>
+                  <a16:creationId xmlns="" xmlns:a16="http://schemas.microsoft.com/office/drawing/2014/main" id="{F4C9D249-032C-475A-8DD4-7133757C6228}"/>
                 </a:ext>
               </a:extLst>
             </p:cNvPr>
@@ -28250,7 +28052,7 @@
             <p:cNvPr id="25" name="AutoShape 74">
               <a:extLst>
                 <a:ext uri="{FF2B5EF4-FFF2-40B4-BE49-F238E27FC236}">
-                  <a16:creationId xmlns:a16="http://schemas.microsoft.com/office/drawing/2014/main" xmlns="" id="{FD06EE78-DB9C-4147-A792-1A1651C56D70}"/>
+                  <a16:creationId xmlns="" xmlns:a16="http://schemas.microsoft.com/office/drawing/2014/main" id="{FD06EE78-DB9C-4147-A792-1A1651C56D70}"/>
                 </a:ext>
               </a:extLst>
             </p:cNvPr>
@@ -28367,7 +28169,7 @@
             <p:cNvPr id="26" name="AutoShape 75">
               <a:extLst>
                 <a:ext uri="{FF2B5EF4-FFF2-40B4-BE49-F238E27FC236}">
-                  <a16:creationId xmlns:a16="http://schemas.microsoft.com/office/drawing/2014/main" xmlns="" id="{215CB5EA-D210-42AC-9249-48C0507C375E}"/>
+                  <a16:creationId xmlns="" xmlns:a16="http://schemas.microsoft.com/office/drawing/2014/main" id="{215CB5EA-D210-42AC-9249-48C0507C375E}"/>
                 </a:ext>
               </a:extLst>
             </p:cNvPr>
@@ -28484,7 +28286,7 @@
             <p:cNvPr id="27" name="AutoShape 76">
               <a:extLst>
                 <a:ext uri="{FF2B5EF4-FFF2-40B4-BE49-F238E27FC236}">
-                  <a16:creationId xmlns:a16="http://schemas.microsoft.com/office/drawing/2014/main" xmlns="" id="{2CBFB27D-BCA6-4B68-AE6C-561D9E126604}"/>
+                  <a16:creationId xmlns="" xmlns:a16="http://schemas.microsoft.com/office/drawing/2014/main" id="{2CBFB27D-BCA6-4B68-AE6C-561D9E126604}"/>
                 </a:ext>
               </a:extLst>
             </p:cNvPr>
@@ -28601,7 +28403,7 @@
             <p:cNvPr id="28" name="AutoShape 77">
               <a:extLst>
                 <a:ext uri="{FF2B5EF4-FFF2-40B4-BE49-F238E27FC236}">
-                  <a16:creationId xmlns:a16="http://schemas.microsoft.com/office/drawing/2014/main" xmlns="" id="{86B979D6-CB09-4658-9DE3-B08511D49F0E}"/>
+                  <a16:creationId xmlns="" xmlns:a16="http://schemas.microsoft.com/office/drawing/2014/main" id="{86B979D6-CB09-4658-9DE3-B08511D49F0E}"/>
                 </a:ext>
               </a:extLst>
             </p:cNvPr>
@@ -28773,7 +28575,7 @@
           <p:cNvPr id="3" name="矩形 2">
             <a:extLst>
               <a:ext uri="{FF2B5EF4-FFF2-40B4-BE49-F238E27FC236}">
-                <a16:creationId xmlns:a16="http://schemas.microsoft.com/office/drawing/2014/main" xmlns="" id="{B1EF227F-F971-46C4-8C83-D820A502B67B}"/>
+                <a16:creationId xmlns="" xmlns:a16="http://schemas.microsoft.com/office/drawing/2014/main" id="{B1EF227F-F971-46C4-8C83-D820A502B67B}"/>
               </a:ext>
             </a:extLst>
           </p:cNvPr>
@@ -28818,7 +28620,7 @@
           <p:cNvPr id="4" name="矩形 3">
             <a:extLst>
               <a:ext uri="{FF2B5EF4-FFF2-40B4-BE49-F238E27FC236}">
-                <a16:creationId xmlns:a16="http://schemas.microsoft.com/office/drawing/2014/main" xmlns="" id="{9E909954-10C8-4280-953E-B54B27A00653}"/>
+                <a16:creationId xmlns="" xmlns:a16="http://schemas.microsoft.com/office/drawing/2014/main" id="{9E909954-10C8-4280-953E-B54B27A00653}"/>
               </a:ext>
             </a:extLst>
           </p:cNvPr>
@@ -28863,7 +28665,7 @@
           <p:cNvPr id="34" name="图片 33">
             <a:extLst>
               <a:ext uri="{FF2B5EF4-FFF2-40B4-BE49-F238E27FC236}">
-                <a16:creationId xmlns:a16="http://schemas.microsoft.com/office/drawing/2014/main" xmlns="" id="{F8E3B286-DAAA-4F07-A77A-092F9E165095}"/>
+                <a16:creationId xmlns="" xmlns:a16="http://schemas.microsoft.com/office/drawing/2014/main" id="{F8E3B286-DAAA-4F07-A77A-092F9E165095}"/>
               </a:ext>
             </a:extLst>
           </p:cNvPr>
@@ -28899,7 +28701,7 @@
           <p:cNvPr id="35" name="矩形 34">
             <a:extLst>
               <a:ext uri="{FF2B5EF4-FFF2-40B4-BE49-F238E27FC236}">
-                <a16:creationId xmlns:a16="http://schemas.microsoft.com/office/drawing/2014/main" xmlns="" id="{54AF0322-B4A2-40B1-9A55-B38BB637D31D}"/>
+                <a16:creationId xmlns="" xmlns:a16="http://schemas.microsoft.com/office/drawing/2014/main" id="{54AF0322-B4A2-40B1-9A55-B38BB637D31D}"/>
               </a:ext>
             </a:extLst>
           </p:cNvPr>
@@ -28977,7 +28779,7 @@
             <p:cNvPr id="38" name="椭圆 37">
               <a:extLst>
                 <a:ext uri="{FF2B5EF4-FFF2-40B4-BE49-F238E27FC236}">
-                  <a16:creationId xmlns:a16="http://schemas.microsoft.com/office/drawing/2014/main" xmlns="" id="{E5869446-5A6C-4FEF-953E-E327B000A458}"/>
+                  <a16:creationId xmlns="" xmlns:a16="http://schemas.microsoft.com/office/drawing/2014/main" id="{E5869446-5A6C-4FEF-953E-E327B000A458}"/>
                 </a:ext>
               </a:extLst>
             </p:cNvPr>
@@ -29029,7 +28831,7 @@
             <p:cNvPr id="23" name="AutoShape 112">
               <a:extLst>
                 <a:ext uri="{FF2B5EF4-FFF2-40B4-BE49-F238E27FC236}">
-                  <a16:creationId xmlns:a16="http://schemas.microsoft.com/office/drawing/2014/main" xmlns="" id="{DD39E160-5434-464B-907D-F3ADCFBAAD93}"/>
+                  <a16:creationId xmlns="" xmlns:a16="http://schemas.microsoft.com/office/drawing/2014/main" id="{DD39E160-5434-464B-907D-F3ADCFBAAD93}"/>
                 </a:ext>
               </a:extLst>
             </p:cNvPr>
@@ -29560,7 +29362,7 @@
           <p:cNvPr id="3" name="矩形 2">
             <a:extLst>
               <a:ext uri="{FF2B5EF4-FFF2-40B4-BE49-F238E27FC236}">
-                <a16:creationId xmlns:a16="http://schemas.microsoft.com/office/drawing/2014/main" xmlns="" id="{B1EF227F-F971-46C4-8C83-D820A502B67B}"/>
+                <a16:creationId xmlns="" xmlns:a16="http://schemas.microsoft.com/office/drawing/2014/main" id="{B1EF227F-F971-46C4-8C83-D820A502B67B}"/>
               </a:ext>
             </a:extLst>
           </p:cNvPr>
@@ -29605,7 +29407,7 @@
           <p:cNvPr id="4" name="矩形 3">
             <a:extLst>
               <a:ext uri="{FF2B5EF4-FFF2-40B4-BE49-F238E27FC236}">
-                <a16:creationId xmlns:a16="http://schemas.microsoft.com/office/drawing/2014/main" xmlns="" id="{9E909954-10C8-4280-953E-B54B27A00653}"/>
+                <a16:creationId xmlns="" xmlns:a16="http://schemas.microsoft.com/office/drawing/2014/main" id="{9E909954-10C8-4280-953E-B54B27A00653}"/>
               </a:ext>
             </a:extLst>
           </p:cNvPr>
@@ -29650,7 +29452,7 @@
           <p:cNvPr id="34" name="图片 33">
             <a:extLst>
               <a:ext uri="{FF2B5EF4-FFF2-40B4-BE49-F238E27FC236}">
-                <a16:creationId xmlns:a16="http://schemas.microsoft.com/office/drawing/2014/main" xmlns="" id="{F8E3B286-DAAA-4F07-A77A-092F9E165095}"/>
+                <a16:creationId xmlns="" xmlns:a16="http://schemas.microsoft.com/office/drawing/2014/main" id="{F8E3B286-DAAA-4F07-A77A-092F9E165095}"/>
               </a:ext>
             </a:extLst>
           </p:cNvPr>
@@ -29686,7 +29488,7 @@
           <p:cNvPr id="35" name="矩形 34">
             <a:extLst>
               <a:ext uri="{FF2B5EF4-FFF2-40B4-BE49-F238E27FC236}">
-                <a16:creationId xmlns:a16="http://schemas.microsoft.com/office/drawing/2014/main" xmlns="" id="{54AF0322-B4A2-40B1-9A55-B38BB637D31D}"/>
+                <a16:creationId xmlns="" xmlns:a16="http://schemas.microsoft.com/office/drawing/2014/main" id="{54AF0322-B4A2-40B1-9A55-B38BB637D31D}"/>
               </a:ext>
             </a:extLst>
           </p:cNvPr>
@@ -29764,7 +29566,7 @@
             <p:cNvPr id="39" name="椭圆 38">
               <a:extLst>
                 <a:ext uri="{FF2B5EF4-FFF2-40B4-BE49-F238E27FC236}">
-                  <a16:creationId xmlns:a16="http://schemas.microsoft.com/office/drawing/2014/main" xmlns="" id="{59775499-062C-4B20-A38F-156BBA604179}"/>
+                  <a16:creationId xmlns="" xmlns:a16="http://schemas.microsoft.com/office/drawing/2014/main" id="{59775499-062C-4B20-A38F-156BBA604179}"/>
                 </a:ext>
               </a:extLst>
             </p:cNvPr>
@@ -29816,7 +29618,7 @@
             <p:cNvPr id="13" name="Group 69">
               <a:extLst>
                 <a:ext uri="{FF2B5EF4-FFF2-40B4-BE49-F238E27FC236}">
-                  <a16:creationId xmlns:a16="http://schemas.microsoft.com/office/drawing/2014/main" xmlns="" id="{AB4DA541-D62E-4DEA-AA34-72DECD7657D7}"/>
+                  <a16:creationId xmlns="" xmlns:a16="http://schemas.microsoft.com/office/drawing/2014/main" id="{AB4DA541-D62E-4DEA-AA34-72DECD7657D7}"/>
                 </a:ext>
               </a:extLst>
             </p:cNvPr>
@@ -29839,7 +29641,7 @@
               <p:cNvPr id="14" name="AutoShape 69">
                 <a:extLst>
                   <a:ext uri="{FF2B5EF4-FFF2-40B4-BE49-F238E27FC236}">
-                    <a16:creationId xmlns:a16="http://schemas.microsoft.com/office/drawing/2014/main" xmlns="" id="{E15ABEED-E4CA-4CED-9584-EA4288A74F38}"/>
+                    <a16:creationId xmlns="" xmlns:a16="http://schemas.microsoft.com/office/drawing/2014/main" id="{E15ABEED-E4CA-4CED-9584-EA4288A74F38}"/>
                   </a:ext>
                 </a:extLst>
               </p:cNvPr>
@@ -30046,7 +29848,7 @@
               <p:cNvPr id="15" name="AutoShape 70">
                 <a:extLst>
                   <a:ext uri="{FF2B5EF4-FFF2-40B4-BE49-F238E27FC236}">
-                    <a16:creationId xmlns:a16="http://schemas.microsoft.com/office/drawing/2014/main" xmlns="" id="{1D907B55-E7F0-4E9F-A792-4B98F318F5B2}"/>
+                    <a16:creationId xmlns="" xmlns:a16="http://schemas.microsoft.com/office/drawing/2014/main" id="{1D907B55-E7F0-4E9F-A792-4B98F318F5B2}"/>
                   </a:ext>
                 </a:extLst>
               </p:cNvPr>
@@ -30163,7 +29965,7 @@
               <p:cNvPr id="16" name="AutoShape 71">
                 <a:extLst>
                   <a:ext uri="{FF2B5EF4-FFF2-40B4-BE49-F238E27FC236}">
-                    <a16:creationId xmlns:a16="http://schemas.microsoft.com/office/drawing/2014/main" xmlns="" id="{14B073FD-8752-4152-B96B-CA2AA8BD8461}"/>
+                    <a16:creationId xmlns="" xmlns:a16="http://schemas.microsoft.com/office/drawing/2014/main" id="{14B073FD-8752-4152-B96B-CA2AA8BD8461}"/>
                   </a:ext>
                 </a:extLst>
               </p:cNvPr>
@@ -30280,7 +30082,7 @@
               <p:cNvPr id="17" name="AutoShape 72">
                 <a:extLst>
                   <a:ext uri="{FF2B5EF4-FFF2-40B4-BE49-F238E27FC236}">
-                    <a16:creationId xmlns:a16="http://schemas.microsoft.com/office/drawing/2014/main" xmlns="" id="{09A1A286-01FD-4F8A-AEAE-00E63A5867D7}"/>
+                    <a16:creationId xmlns="" xmlns:a16="http://schemas.microsoft.com/office/drawing/2014/main" id="{09A1A286-01FD-4F8A-AEAE-00E63A5867D7}"/>
                   </a:ext>
                 </a:extLst>
               </p:cNvPr>
@@ -30397,7 +30199,7 @@
               <p:cNvPr id="18" name="AutoShape 73">
                 <a:extLst>
                   <a:ext uri="{FF2B5EF4-FFF2-40B4-BE49-F238E27FC236}">
-                    <a16:creationId xmlns:a16="http://schemas.microsoft.com/office/drawing/2014/main" xmlns="" id="{97AC18C2-BE5B-42A9-AA93-3E9879DE662C}"/>
+                    <a16:creationId xmlns="" xmlns:a16="http://schemas.microsoft.com/office/drawing/2014/main" id="{97AC18C2-BE5B-42A9-AA93-3E9879DE662C}"/>
                   </a:ext>
                 </a:extLst>
               </p:cNvPr>
@@ -30514,7 +30316,7 @@
               <p:cNvPr id="19" name="AutoShape 74">
                 <a:extLst>
                   <a:ext uri="{FF2B5EF4-FFF2-40B4-BE49-F238E27FC236}">
-                    <a16:creationId xmlns:a16="http://schemas.microsoft.com/office/drawing/2014/main" xmlns="" id="{43A4495B-4792-4837-8303-5ADDACB3DCCF}"/>
+                    <a16:creationId xmlns="" xmlns:a16="http://schemas.microsoft.com/office/drawing/2014/main" id="{43A4495B-4792-4837-8303-5ADDACB3DCCF}"/>
                   </a:ext>
                 </a:extLst>
               </p:cNvPr>
@@ -30631,7 +30433,7 @@
               <p:cNvPr id="20" name="AutoShape 75">
                 <a:extLst>
                   <a:ext uri="{FF2B5EF4-FFF2-40B4-BE49-F238E27FC236}">
-                    <a16:creationId xmlns:a16="http://schemas.microsoft.com/office/drawing/2014/main" xmlns="" id="{ACD6B7AE-6181-402C-BB49-48E26BC67D71}"/>
+                    <a16:creationId xmlns="" xmlns:a16="http://schemas.microsoft.com/office/drawing/2014/main" id="{ACD6B7AE-6181-402C-BB49-48E26BC67D71}"/>
                   </a:ext>
                 </a:extLst>
               </p:cNvPr>
@@ -30748,7 +30550,7 @@
               <p:cNvPr id="21" name="AutoShape 76">
                 <a:extLst>
                   <a:ext uri="{FF2B5EF4-FFF2-40B4-BE49-F238E27FC236}">
-                    <a16:creationId xmlns:a16="http://schemas.microsoft.com/office/drawing/2014/main" xmlns="" id="{555AF690-63F9-4CED-A41F-BDA23C51D0F8}"/>
+                    <a16:creationId xmlns="" xmlns:a16="http://schemas.microsoft.com/office/drawing/2014/main" id="{555AF690-63F9-4CED-A41F-BDA23C51D0F8}"/>
                   </a:ext>
                 </a:extLst>
               </p:cNvPr>
@@ -30865,7 +30667,7 @@
               <p:cNvPr id="22" name="AutoShape 77">
                 <a:extLst>
                   <a:ext uri="{FF2B5EF4-FFF2-40B4-BE49-F238E27FC236}">
-                    <a16:creationId xmlns:a16="http://schemas.microsoft.com/office/drawing/2014/main" xmlns="" id="{BA5691DF-DA2B-4244-A123-6AF505ACC8F0}"/>
+                    <a16:creationId xmlns="" xmlns:a16="http://schemas.microsoft.com/office/drawing/2014/main" id="{BA5691DF-DA2B-4244-A123-6AF505ACC8F0}"/>
                   </a:ext>
                 </a:extLst>
               </p:cNvPr>

--- a/files/doctoral_dissertation_proposal.pptx
+++ b/files/doctoral_dissertation_proposal.pptx
@@ -7032,951 +7032,6 @@
       </p:sp>
       <p:grpSp>
         <p:nvGrpSpPr>
-          <p:cNvPr id="25" name="组合 24">
-            <a:extLst>
-              <a:ext uri="{FF2B5EF4-FFF2-40B4-BE49-F238E27FC236}">
-                <a16:creationId xmlns="" xmlns:a16="http://schemas.microsoft.com/office/drawing/2014/main" id="{EBAED922-E63C-46C2-B1C7-2E52EC108F8E}"/>
-              </a:ext>
-            </a:extLst>
-          </p:cNvPr>
-          <p:cNvGrpSpPr/>
-          <p:nvPr/>
-        </p:nvGrpSpPr>
-        <p:grpSpPr>
-          <a:xfrm>
-            <a:off x="6314891" y="2604384"/>
-            <a:ext cx="576046" cy="578640"/>
-            <a:chOff x="5478463" y="2630488"/>
-            <a:chExt cx="352425" cy="354012"/>
-          </a:xfrm>
-        </p:grpSpPr>
-        <p:sp>
-          <p:nvSpPr>
-            <p:cNvPr id="26" name="AutoShape 37">
-              <a:extLst>
-                <a:ext uri="{FF2B5EF4-FFF2-40B4-BE49-F238E27FC236}">
-                  <a16:creationId xmlns="" xmlns:a16="http://schemas.microsoft.com/office/drawing/2014/main" id="{F8912B70-C572-4F1E-8116-6D7470321250}"/>
-                </a:ext>
-              </a:extLst>
-            </p:cNvPr>
-            <p:cNvSpPr>
-              <a:spLocks/>
-            </p:cNvSpPr>
-            <p:nvPr/>
-          </p:nvSpPr>
-          <p:spPr bwMode="auto">
-            <a:xfrm>
-              <a:off x="5478463" y="2663825"/>
-              <a:ext cx="320675" cy="320675"/>
-            </a:xfrm>
-            <a:custGeom>
-              <a:avLst/>
-              <a:gdLst>
-                <a:gd name="T0" fmla="+- 0 10849 98"/>
-                <a:gd name="T1" fmla="*/ T0 w 21502"/>
-                <a:gd name="T2" fmla="*/ 10800 h 21600"/>
-                <a:gd name="T3" fmla="+- 0 10849 98"/>
-                <a:gd name="T4" fmla="*/ T3 w 21502"/>
-                <a:gd name="T5" fmla="*/ 10800 h 21600"/>
-                <a:gd name="T6" fmla="+- 0 10849 98"/>
-                <a:gd name="T7" fmla="*/ T6 w 21502"/>
-                <a:gd name="T8" fmla="*/ 10800 h 21600"/>
-                <a:gd name="T9" fmla="+- 0 10849 98"/>
-                <a:gd name="T10" fmla="*/ T9 w 21502"/>
-                <a:gd name="T11" fmla="*/ 10800 h 21600"/>
-              </a:gdLst>
-              <a:ahLst/>
-              <a:cxnLst>
-                <a:cxn ang="0">
-                  <a:pos x="T1" y="T2"/>
-                </a:cxn>
-                <a:cxn ang="0">
-                  <a:pos x="T4" y="T5"/>
-                </a:cxn>
-                <a:cxn ang="0">
-                  <a:pos x="T7" y="T8"/>
-                </a:cxn>
-                <a:cxn ang="0">
-                  <a:pos x="T10" y="T11"/>
-                </a:cxn>
-              </a:cxnLst>
-              <a:rect l="0" t="0" r="r" b="b"/>
-              <a:pathLst>
-                <a:path w="21502" h="21600">
-                  <a:moveTo>
-                    <a:pt x="19917" y="7880"/>
-                  </a:moveTo>
-                  <a:lnTo>
-                    <a:pt x="18875" y="8932"/>
-                  </a:lnTo>
-                  <a:cubicBezTo>
-                    <a:pt x="18730" y="9079"/>
-                    <a:pt x="18497" y="9079"/>
-                    <a:pt x="18353" y="8932"/>
-                  </a:cubicBezTo>
-                  <a:lnTo>
-                    <a:pt x="17048" y="7617"/>
-                  </a:lnTo>
-                  <a:lnTo>
-                    <a:pt x="15991" y="10290"/>
-                  </a:lnTo>
-                  <a:lnTo>
-                    <a:pt x="16080" y="10064"/>
-                  </a:lnTo>
-                  <a:cubicBezTo>
-                    <a:pt x="13859" y="7826"/>
-                    <a:pt x="11601" y="7544"/>
-                    <a:pt x="9565" y="7291"/>
-                  </a:cubicBezTo>
-                  <a:cubicBezTo>
-                    <a:pt x="8910" y="7210"/>
-                    <a:pt x="8276" y="7126"/>
-                    <a:pt x="7652" y="6990"/>
-                  </a:cubicBezTo>
-                  <a:lnTo>
-                    <a:pt x="13918" y="4456"/>
-                  </a:lnTo>
-                  <a:lnTo>
-                    <a:pt x="12652" y="3179"/>
-                  </a:lnTo>
-                  <a:cubicBezTo>
-                    <a:pt x="12508" y="3033"/>
-                    <a:pt x="12508" y="2798"/>
-                    <a:pt x="12652" y="2652"/>
-                  </a:cubicBezTo>
-                  <a:lnTo>
-                    <a:pt x="13695" y="1598"/>
-                  </a:lnTo>
-                  <a:cubicBezTo>
-                    <a:pt x="13840" y="1453"/>
-                    <a:pt x="14073" y="1453"/>
-                    <a:pt x="14217" y="1598"/>
-                  </a:cubicBezTo>
-                  <a:lnTo>
-                    <a:pt x="19917" y="7353"/>
-                  </a:lnTo>
-                  <a:cubicBezTo>
-                    <a:pt x="20062" y="7499"/>
-                    <a:pt x="20062" y="7734"/>
-                    <a:pt x="19917" y="7880"/>
-                  </a:cubicBezTo>
-                  <a:moveTo>
-                    <a:pt x="12292" y="19639"/>
-                  </a:moveTo>
-                  <a:cubicBezTo>
-                    <a:pt x="12200" y="19872"/>
-                    <a:pt x="11999" y="20044"/>
-                    <a:pt x="11756" y="20095"/>
-                  </a:cubicBezTo>
-                  <a:cubicBezTo>
-                    <a:pt x="11700" y="20106"/>
-                    <a:pt x="11643" y="20111"/>
-                    <a:pt x="11587" y="20110"/>
-                  </a:cubicBezTo>
-                  <a:cubicBezTo>
-                    <a:pt x="11400" y="20105"/>
-                    <a:pt x="11219" y="20030"/>
-                    <a:pt x="11084" y="19892"/>
-                  </a:cubicBezTo>
-                  <a:lnTo>
-                    <a:pt x="1692" y="10517"/>
-                  </a:lnTo>
-                  <a:cubicBezTo>
-                    <a:pt x="1519" y="10343"/>
-                    <a:pt x="1443" y="10094"/>
-                    <a:pt x="1488" y="9852"/>
-                  </a:cubicBezTo>
-                  <a:cubicBezTo>
-                    <a:pt x="1533" y="9610"/>
-                    <a:pt x="1695" y="9407"/>
-                    <a:pt x="1917" y="9308"/>
-                  </a:cubicBezTo>
-                  <a:lnTo>
-                    <a:pt x="6505" y="7453"/>
-                  </a:lnTo>
-                  <a:cubicBezTo>
-                    <a:pt x="9597" y="8490"/>
-                    <a:pt x="12689" y="7491"/>
-                    <a:pt x="15781" y="10821"/>
-                  </a:cubicBezTo>
-                  <a:cubicBezTo>
-                    <a:pt x="15781" y="10821"/>
-                    <a:pt x="12292" y="19639"/>
-                    <a:pt x="12292" y="19639"/>
-                  </a:cubicBezTo>
-                  <a:close/>
-                  <a:moveTo>
-                    <a:pt x="15260" y="545"/>
-                  </a:moveTo>
-                  <a:cubicBezTo>
-                    <a:pt x="14912" y="193"/>
-                    <a:pt x="14449" y="0"/>
-                    <a:pt x="13956" y="0"/>
-                  </a:cubicBezTo>
-                  <a:cubicBezTo>
-                    <a:pt x="13463" y="0"/>
-                    <a:pt x="13000" y="193"/>
-                    <a:pt x="12651" y="546"/>
-                  </a:cubicBezTo>
-                  <a:lnTo>
-                    <a:pt x="11610" y="1598"/>
-                  </a:lnTo>
-                  <a:cubicBezTo>
-                    <a:pt x="11261" y="1949"/>
-                    <a:pt x="11068" y="2417"/>
-                    <a:pt x="11068" y="2915"/>
-                  </a:cubicBezTo>
-                  <a:cubicBezTo>
-                    <a:pt x="11068" y="3265"/>
-                    <a:pt x="11164" y="3601"/>
-                    <a:pt x="11342" y="3893"/>
-                  </a:cubicBezTo>
-                  <a:lnTo>
-                    <a:pt x="1324" y="7944"/>
-                  </a:lnTo>
-                  <a:cubicBezTo>
-                    <a:pt x="654" y="8241"/>
-                    <a:pt x="173" y="8851"/>
-                    <a:pt x="38" y="9575"/>
-                  </a:cubicBezTo>
-                  <a:cubicBezTo>
-                    <a:pt x="-98" y="10302"/>
-                    <a:pt x="130" y="11048"/>
-                    <a:pt x="654" y="11576"/>
-                  </a:cubicBezTo>
-                  <a:lnTo>
-                    <a:pt x="10041" y="20946"/>
-                  </a:lnTo>
-                  <a:cubicBezTo>
-                    <a:pt x="10445" y="21354"/>
-                    <a:pt x="10982" y="21586"/>
-                    <a:pt x="11549" y="21599"/>
-                  </a:cubicBezTo>
-                  <a:cubicBezTo>
-                    <a:pt x="11562" y="21599"/>
-                    <a:pt x="11593" y="21599"/>
-                    <a:pt x="11605" y="21599"/>
-                  </a:cubicBezTo>
-                  <a:cubicBezTo>
-                    <a:pt x="11754" y="21599"/>
-                    <a:pt x="11906" y="21584"/>
-                    <a:pt x="12056" y="21553"/>
-                  </a:cubicBezTo>
-                  <a:cubicBezTo>
-                    <a:pt x="12789" y="21399"/>
-                    <a:pt x="13390" y="20888"/>
-                    <a:pt x="13662" y="20191"/>
-                  </a:cubicBezTo>
-                  <a:lnTo>
-                    <a:pt x="17604" y="10229"/>
-                  </a:lnTo>
-                  <a:cubicBezTo>
-                    <a:pt x="17902" y="10426"/>
-                    <a:pt x="18250" y="10532"/>
-                    <a:pt x="18613" y="10532"/>
-                  </a:cubicBezTo>
-                  <a:cubicBezTo>
-                    <a:pt x="19107" y="10532"/>
-                    <a:pt x="19570" y="10338"/>
-                    <a:pt x="19918" y="9986"/>
-                  </a:cubicBezTo>
-                  <a:lnTo>
-                    <a:pt x="20957" y="8937"/>
-                  </a:lnTo>
-                  <a:cubicBezTo>
-                    <a:pt x="21308" y="8585"/>
-                    <a:pt x="21502" y="8116"/>
-                    <a:pt x="21502" y="7617"/>
-                  </a:cubicBezTo>
-                  <a:cubicBezTo>
-                    <a:pt x="21502" y="7117"/>
-                    <a:pt x="21308" y="6648"/>
-                    <a:pt x="20961" y="6300"/>
-                  </a:cubicBezTo>
-                  <a:cubicBezTo>
-                    <a:pt x="20961" y="6300"/>
-                    <a:pt x="15260" y="545"/>
-                    <a:pt x="15260" y="545"/>
-                  </a:cubicBezTo>
-                  <a:close/>
-                </a:path>
-              </a:pathLst>
-            </a:custGeom>
-            <a:solidFill>
-              <a:sysClr val="window" lastClr="FFFFFF"/>
-            </a:solidFill>
-            <a:ln>
-              <a:noFill/>
-            </a:ln>
-            <a:effectLst/>
-            <a:extLst/>
-          </p:spPr>
-          <p:txBody>
-            <a:bodyPr lIns="19050" tIns="19050" rIns="19050" bIns="19050" anchor="ctr"/>
-            <a:lstStyle/>
-            <a:p>
-              <a:pPr algn="ctr" defTabSz="228600" fontAlgn="base" hangingPunct="0">
-                <a:spcBef>
-                  <a:spcPct val="0"/>
-                </a:spcBef>
-                <a:spcAft>
-                  <a:spcPct val="0"/>
-                </a:spcAft>
-                <a:defRPr/>
-              </a:pPr>
-              <a:endParaRPr lang="en-US" sz="1500" kern="0">
-                <a:solidFill>
-                  <a:srgbClr val="FFFFFF"/>
-                </a:solidFill>
-                <a:effectLst>
-                  <a:outerShdw blurRad="38100" dist="38100" dir="2700000" algn="tl">
-                    <a:srgbClr val="000000"/>
-                  </a:outerShdw>
-                </a:effectLst>
-                <a:latin typeface="Gill Sans" charset="0"/>
-                <a:ea typeface="宋体"/>
-                <a:sym typeface="Gill Sans" charset="0"/>
-              </a:endParaRPr>
-            </a:p>
-          </p:txBody>
-        </p:sp>
-        <p:sp>
-          <p:nvSpPr>
-            <p:cNvPr id="27" name="AutoShape 38">
-              <a:extLst>
-                <a:ext uri="{FF2B5EF4-FFF2-40B4-BE49-F238E27FC236}">
-                  <a16:creationId xmlns="" xmlns:a16="http://schemas.microsoft.com/office/drawing/2014/main" id="{12213540-F2C2-4A1F-A9D8-0FCEE26449AC}"/>
-                </a:ext>
-              </a:extLst>
-            </p:cNvPr>
-            <p:cNvSpPr>
-              <a:spLocks/>
-            </p:cNvSpPr>
-            <p:nvPr/>
-          </p:nvSpPr>
-          <p:spPr bwMode="auto">
-            <a:xfrm>
-              <a:off x="5632450" y="2808288"/>
-              <a:ext cx="53975" cy="53975"/>
-            </a:xfrm>
-            <a:custGeom>
-              <a:avLst/>
-              <a:gdLst>
-                <a:gd name="T0" fmla="*/ 10800 w 21600"/>
-                <a:gd name="T1" fmla="*/ 10800 h 21600"/>
-                <a:gd name="T2" fmla="*/ 10800 w 21600"/>
-                <a:gd name="T3" fmla="*/ 10800 h 21600"/>
-                <a:gd name="T4" fmla="*/ 10800 w 21600"/>
-                <a:gd name="T5" fmla="*/ 10800 h 21600"/>
-                <a:gd name="T6" fmla="*/ 10800 w 21600"/>
-                <a:gd name="T7" fmla="*/ 10800 h 21600"/>
-              </a:gdLst>
-              <a:ahLst/>
-              <a:cxnLst>
-                <a:cxn ang="0">
-                  <a:pos x="T0" y="T1"/>
-                </a:cxn>
-                <a:cxn ang="0">
-                  <a:pos x="T2" y="T3"/>
-                </a:cxn>
-                <a:cxn ang="0">
-                  <a:pos x="T4" y="T5"/>
-                </a:cxn>
-                <a:cxn ang="0">
-                  <a:pos x="T6" y="T7"/>
-                </a:cxn>
-              </a:cxnLst>
-              <a:rect l="0" t="0" r="r" b="b"/>
-              <a:pathLst>
-                <a:path w="21600" h="21600">
-                  <a:moveTo>
-                    <a:pt x="10800" y="4320"/>
-                  </a:moveTo>
-                  <a:cubicBezTo>
-                    <a:pt x="14381" y="4320"/>
-                    <a:pt x="17279" y="7222"/>
-                    <a:pt x="17279" y="10800"/>
-                  </a:cubicBezTo>
-                  <a:cubicBezTo>
-                    <a:pt x="17279" y="14377"/>
-                    <a:pt x="14381" y="17279"/>
-                    <a:pt x="10800" y="17279"/>
-                  </a:cubicBezTo>
-                  <a:cubicBezTo>
-                    <a:pt x="7218" y="17279"/>
-                    <a:pt x="4319" y="14377"/>
-                    <a:pt x="4319" y="10800"/>
-                  </a:cubicBezTo>
-                  <a:cubicBezTo>
-                    <a:pt x="4319" y="7222"/>
-                    <a:pt x="7218" y="4320"/>
-                    <a:pt x="10800" y="4320"/>
-                  </a:cubicBezTo>
-                  <a:moveTo>
-                    <a:pt x="10800" y="21599"/>
-                  </a:moveTo>
-                  <a:cubicBezTo>
-                    <a:pt x="16752" y="21599"/>
-                    <a:pt x="21600" y="16756"/>
-                    <a:pt x="21600" y="10800"/>
-                  </a:cubicBezTo>
-                  <a:cubicBezTo>
-                    <a:pt x="21600" y="4843"/>
-                    <a:pt x="16752" y="0"/>
-                    <a:pt x="10800" y="0"/>
-                  </a:cubicBezTo>
-                  <a:cubicBezTo>
-                    <a:pt x="4847" y="0"/>
-                    <a:pt x="0" y="4843"/>
-                    <a:pt x="0" y="10800"/>
-                  </a:cubicBezTo>
-                  <a:cubicBezTo>
-                    <a:pt x="0" y="16756"/>
-                    <a:pt x="4847" y="21599"/>
-                    <a:pt x="10800" y="21599"/>
-                  </a:cubicBezTo>
-                </a:path>
-              </a:pathLst>
-            </a:custGeom>
-            <a:solidFill>
-              <a:sysClr val="window" lastClr="FFFFFF"/>
-            </a:solidFill>
-            <a:ln>
-              <a:noFill/>
-            </a:ln>
-            <a:effectLst/>
-            <a:extLst/>
-          </p:spPr>
-          <p:txBody>
-            <a:bodyPr lIns="19050" tIns="19050" rIns="19050" bIns="19050" anchor="ctr"/>
-            <a:lstStyle/>
-            <a:p>
-              <a:pPr algn="ctr" defTabSz="228600" fontAlgn="base" hangingPunct="0">
-                <a:spcBef>
-                  <a:spcPct val="0"/>
-                </a:spcBef>
-                <a:spcAft>
-                  <a:spcPct val="0"/>
-                </a:spcAft>
-                <a:defRPr/>
-              </a:pPr>
-              <a:endParaRPr lang="en-US" sz="1500" kern="0">
-                <a:solidFill>
-                  <a:srgbClr val="FFFFFF"/>
-                </a:solidFill>
-                <a:effectLst>
-                  <a:outerShdw blurRad="38100" dist="38100" dir="2700000" algn="tl">
-                    <a:srgbClr val="000000"/>
-                  </a:outerShdw>
-                </a:effectLst>
-                <a:latin typeface="Gill Sans" charset="0"/>
-                <a:ea typeface="宋体"/>
-                <a:sym typeface="Gill Sans" charset="0"/>
-              </a:endParaRPr>
-            </a:p>
-          </p:txBody>
-        </p:sp>
-        <p:sp>
-          <p:nvSpPr>
-            <p:cNvPr id="28" name="AutoShape 39">
-              <a:extLst>
-                <a:ext uri="{FF2B5EF4-FFF2-40B4-BE49-F238E27FC236}">
-                  <a16:creationId xmlns="" xmlns:a16="http://schemas.microsoft.com/office/drawing/2014/main" id="{DD694D6A-D53F-4A81-B5DD-85325CAF98AB}"/>
-                </a:ext>
-              </a:extLst>
-            </p:cNvPr>
-            <p:cNvSpPr>
-              <a:spLocks/>
-            </p:cNvSpPr>
-            <p:nvPr/>
-          </p:nvSpPr>
-          <p:spPr bwMode="auto">
-            <a:xfrm>
-              <a:off x="5775325" y="2630488"/>
-              <a:ext cx="55563" cy="55562"/>
-            </a:xfrm>
-            <a:custGeom>
-              <a:avLst/>
-              <a:gdLst>
-                <a:gd name="T0" fmla="*/ 10800 w 21600"/>
-                <a:gd name="T1" fmla="*/ 10800 h 21600"/>
-                <a:gd name="T2" fmla="*/ 10800 w 21600"/>
-                <a:gd name="T3" fmla="*/ 10800 h 21600"/>
-                <a:gd name="T4" fmla="*/ 10800 w 21600"/>
-                <a:gd name="T5" fmla="*/ 10800 h 21600"/>
-                <a:gd name="T6" fmla="*/ 10800 w 21600"/>
-                <a:gd name="T7" fmla="*/ 10800 h 21600"/>
-              </a:gdLst>
-              <a:ahLst/>
-              <a:cxnLst>
-                <a:cxn ang="0">
-                  <a:pos x="T0" y="T1"/>
-                </a:cxn>
-                <a:cxn ang="0">
-                  <a:pos x="T2" y="T3"/>
-                </a:cxn>
-                <a:cxn ang="0">
-                  <a:pos x="T4" y="T5"/>
-                </a:cxn>
-                <a:cxn ang="0">
-                  <a:pos x="T6" y="T7"/>
-                </a:cxn>
-              </a:cxnLst>
-              <a:rect l="0" t="0" r="r" b="b"/>
-              <a:pathLst>
-                <a:path w="21600" h="21600">
-                  <a:moveTo>
-                    <a:pt x="10800" y="17279"/>
-                  </a:moveTo>
-                  <a:cubicBezTo>
-                    <a:pt x="7218" y="17279"/>
-                    <a:pt x="4320" y="14377"/>
-                    <a:pt x="4320" y="10800"/>
-                  </a:cubicBezTo>
-                  <a:cubicBezTo>
-                    <a:pt x="4320" y="7222"/>
-                    <a:pt x="7218" y="4320"/>
-                    <a:pt x="10800" y="4320"/>
-                  </a:cubicBezTo>
-                  <a:cubicBezTo>
-                    <a:pt x="14381" y="4320"/>
-                    <a:pt x="17280" y="7222"/>
-                    <a:pt x="17280" y="10800"/>
-                  </a:cubicBezTo>
-                  <a:cubicBezTo>
-                    <a:pt x="17280" y="14377"/>
-                    <a:pt x="14381" y="17279"/>
-                    <a:pt x="10800" y="17279"/>
-                  </a:cubicBezTo>
-                  <a:moveTo>
-                    <a:pt x="10800" y="0"/>
-                  </a:moveTo>
-                  <a:cubicBezTo>
-                    <a:pt x="4847" y="0"/>
-                    <a:pt x="0" y="4843"/>
-                    <a:pt x="0" y="10800"/>
-                  </a:cubicBezTo>
-                  <a:cubicBezTo>
-                    <a:pt x="0" y="16756"/>
-                    <a:pt x="4847" y="21599"/>
-                    <a:pt x="10800" y="21599"/>
-                  </a:cubicBezTo>
-                  <a:cubicBezTo>
-                    <a:pt x="16752" y="21599"/>
-                    <a:pt x="21600" y="16756"/>
-                    <a:pt x="21600" y="10800"/>
-                  </a:cubicBezTo>
-                  <a:cubicBezTo>
-                    <a:pt x="21600" y="4843"/>
-                    <a:pt x="16752" y="0"/>
-                    <a:pt x="10800" y="0"/>
-                  </a:cubicBezTo>
-                </a:path>
-              </a:pathLst>
-            </a:custGeom>
-            <a:solidFill>
-              <a:sysClr val="window" lastClr="FFFFFF"/>
-            </a:solidFill>
-            <a:ln>
-              <a:noFill/>
-            </a:ln>
-            <a:effectLst/>
-            <a:extLst/>
-          </p:spPr>
-          <p:txBody>
-            <a:bodyPr lIns="19050" tIns="19050" rIns="19050" bIns="19050" anchor="ctr"/>
-            <a:lstStyle/>
-            <a:p>
-              <a:pPr algn="ctr" defTabSz="228600" fontAlgn="base" hangingPunct="0">
-                <a:spcBef>
-                  <a:spcPct val="0"/>
-                </a:spcBef>
-                <a:spcAft>
-                  <a:spcPct val="0"/>
-                </a:spcAft>
-                <a:defRPr/>
-              </a:pPr>
-              <a:endParaRPr lang="en-US" sz="1500" kern="0">
-                <a:solidFill>
-                  <a:srgbClr val="FFFFFF"/>
-                </a:solidFill>
-                <a:effectLst>
-                  <a:outerShdw blurRad="38100" dist="38100" dir="2700000" algn="tl">
-                    <a:srgbClr val="000000"/>
-                  </a:outerShdw>
-                </a:effectLst>
-                <a:latin typeface="Gill Sans" charset="0"/>
-                <a:ea typeface="宋体"/>
-                <a:sym typeface="Gill Sans" charset="0"/>
-              </a:endParaRPr>
-            </a:p>
-          </p:txBody>
-        </p:sp>
-        <p:sp>
-          <p:nvSpPr>
-            <p:cNvPr id="29" name="AutoShape 40">
-              <a:extLst>
-                <a:ext uri="{FF2B5EF4-FFF2-40B4-BE49-F238E27FC236}">
-                  <a16:creationId xmlns="" xmlns:a16="http://schemas.microsoft.com/office/drawing/2014/main" id="{E745A55B-5663-4625-8A34-BD390F3CDD1C}"/>
-                </a:ext>
-              </a:extLst>
-            </p:cNvPr>
-            <p:cNvSpPr>
-              <a:spLocks/>
-            </p:cNvSpPr>
-            <p:nvPr/>
-          </p:nvSpPr>
-          <p:spPr bwMode="auto">
-            <a:xfrm>
-              <a:off x="5565775" y="2797175"/>
-              <a:ext cx="44450" cy="44450"/>
-            </a:xfrm>
-            <a:custGeom>
-              <a:avLst/>
-              <a:gdLst>
-                <a:gd name="T0" fmla="*/ 10800 w 21600"/>
-                <a:gd name="T1" fmla="*/ 10800 h 21600"/>
-                <a:gd name="T2" fmla="*/ 10800 w 21600"/>
-                <a:gd name="T3" fmla="*/ 10800 h 21600"/>
-                <a:gd name="T4" fmla="*/ 10800 w 21600"/>
-                <a:gd name="T5" fmla="*/ 10800 h 21600"/>
-                <a:gd name="T6" fmla="*/ 10800 w 21600"/>
-                <a:gd name="T7" fmla="*/ 10800 h 21600"/>
-              </a:gdLst>
-              <a:ahLst/>
-              <a:cxnLst>
-                <a:cxn ang="0">
-                  <a:pos x="T0" y="T1"/>
-                </a:cxn>
-                <a:cxn ang="0">
-                  <a:pos x="T2" y="T3"/>
-                </a:cxn>
-                <a:cxn ang="0">
-                  <a:pos x="T4" y="T5"/>
-                </a:cxn>
-                <a:cxn ang="0">
-                  <a:pos x="T6" y="T7"/>
-                </a:cxn>
-              </a:cxnLst>
-              <a:rect l="0" t="0" r="r" b="b"/>
-              <a:pathLst>
-                <a:path w="21600" h="21600">
-                  <a:moveTo>
-                    <a:pt x="10800" y="5400"/>
-                  </a:moveTo>
-                  <a:cubicBezTo>
-                    <a:pt x="13779" y="5400"/>
-                    <a:pt x="16199" y="7815"/>
-                    <a:pt x="16199" y="10800"/>
-                  </a:cubicBezTo>
-                  <a:cubicBezTo>
-                    <a:pt x="16199" y="13784"/>
-                    <a:pt x="13779" y="16200"/>
-                    <a:pt x="10800" y="16200"/>
-                  </a:cubicBezTo>
-                  <a:cubicBezTo>
-                    <a:pt x="7820" y="16200"/>
-                    <a:pt x="5399" y="13784"/>
-                    <a:pt x="5399" y="10800"/>
-                  </a:cubicBezTo>
-                  <a:cubicBezTo>
-                    <a:pt x="5399" y="7815"/>
-                    <a:pt x="7820" y="5400"/>
-                    <a:pt x="10800" y="5400"/>
-                  </a:cubicBezTo>
-                  <a:moveTo>
-                    <a:pt x="0" y="10800"/>
-                  </a:moveTo>
-                  <a:cubicBezTo>
-                    <a:pt x="0" y="16753"/>
-                    <a:pt x="4843" y="21599"/>
-                    <a:pt x="10800" y="21599"/>
-                  </a:cubicBezTo>
-                  <a:cubicBezTo>
-                    <a:pt x="16756" y="21599"/>
-                    <a:pt x="21600" y="16753"/>
-                    <a:pt x="21600" y="10800"/>
-                  </a:cubicBezTo>
-                  <a:cubicBezTo>
-                    <a:pt x="21600" y="4846"/>
-                    <a:pt x="16756" y="0"/>
-                    <a:pt x="10800" y="0"/>
-                  </a:cubicBezTo>
-                  <a:cubicBezTo>
-                    <a:pt x="4843" y="0"/>
-                    <a:pt x="0" y="4846"/>
-                    <a:pt x="0" y="10800"/>
-                  </a:cubicBezTo>
-                </a:path>
-              </a:pathLst>
-            </a:custGeom>
-            <a:solidFill>
-              <a:sysClr val="window" lastClr="FFFFFF"/>
-            </a:solidFill>
-            <a:ln>
-              <a:noFill/>
-            </a:ln>
-            <a:effectLst/>
-            <a:extLst/>
-          </p:spPr>
-          <p:txBody>
-            <a:bodyPr lIns="19050" tIns="19050" rIns="19050" bIns="19050" anchor="ctr"/>
-            <a:lstStyle/>
-            <a:p>
-              <a:pPr algn="ctr" defTabSz="228600" fontAlgn="base" hangingPunct="0">
-                <a:spcBef>
-                  <a:spcPct val="0"/>
-                </a:spcBef>
-                <a:spcAft>
-                  <a:spcPct val="0"/>
-                </a:spcAft>
-                <a:defRPr/>
-              </a:pPr>
-              <a:endParaRPr lang="en-US" sz="1500" kern="0">
-                <a:solidFill>
-                  <a:srgbClr val="FFFFFF"/>
-                </a:solidFill>
-                <a:effectLst>
-                  <a:outerShdw blurRad="38100" dist="38100" dir="2700000" algn="tl">
-                    <a:srgbClr val="000000"/>
-                  </a:outerShdw>
-                </a:effectLst>
-                <a:latin typeface="Gill Sans" charset="0"/>
-                <a:ea typeface="宋体"/>
-                <a:sym typeface="Gill Sans" charset="0"/>
-              </a:endParaRPr>
-            </a:p>
-          </p:txBody>
-        </p:sp>
-        <p:sp>
-          <p:nvSpPr>
-            <p:cNvPr id="30" name="AutoShape 41">
-              <a:extLst>
-                <a:ext uri="{FF2B5EF4-FFF2-40B4-BE49-F238E27FC236}">
-                  <a16:creationId xmlns="" xmlns:a16="http://schemas.microsoft.com/office/drawing/2014/main" id="{CDD39492-16F5-4AA4-A6D4-2165C6A4F7A0}"/>
-                </a:ext>
-              </a:extLst>
-            </p:cNvPr>
-            <p:cNvSpPr>
-              <a:spLocks/>
-            </p:cNvSpPr>
-            <p:nvPr/>
-          </p:nvSpPr>
-          <p:spPr bwMode="auto">
-            <a:xfrm>
-              <a:off x="5610225" y="2873375"/>
-              <a:ext cx="22225" cy="22225"/>
-            </a:xfrm>
-            <a:custGeom>
-              <a:avLst/>
-              <a:gdLst>
-                <a:gd name="T0" fmla="*/ 10800 w 21600"/>
-                <a:gd name="T1" fmla="*/ 10800 h 21600"/>
-                <a:gd name="T2" fmla="*/ 10800 w 21600"/>
-                <a:gd name="T3" fmla="*/ 10800 h 21600"/>
-                <a:gd name="T4" fmla="*/ 10800 w 21600"/>
-                <a:gd name="T5" fmla="*/ 10800 h 21600"/>
-                <a:gd name="T6" fmla="*/ 10800 w 21600"/>
-                <a:gd name="T7" fmla="*/ 10800 h 21600"/>
-              </a:gdLst>
-              <a:ahLst/>
-              <a:cxnLst>
-                <a:cxn ang="0">
-                  <a:pos x="T0" y="T1"/>
-                </a:cxn>
-                <a:cxn ang="0">
-                  <a:pos x="T2" y="T3"/>
-                </a:cxn>
-                <a:cxn ang="0">
-                  <a:pos x="T4" y="T5"/>
-                </a:cxn>
-                <a:cxn ang="0">
-                  <a:pos x="T6" y="T7"/>
-                </a:cxn>
-              </a:cxnLst>
-              <a:rect l="0" t="0" r="r" b="b"/>
-              <a:pathLst>
-                <a:path w="21600" h="21600">
-                  <a:moveTo>
-                    <a:pt x="10800" y="21599"/>
-                  </a:moveTo>
-                  <a:cubicBezTo>
-                    <a:pt x="16758" y="21599"/>
-                    <a:pt x="21600" y="16769"/>
-                    <a:pt x="21600" y="10800"/>
-                  </a:cubicBezTo>
-                  <a:cubicBezTo>
-                    <a:pt x="21600" y="4830"/>
-                    <a:pt x="16758" y="0"/>
-                    <a:pt x="10800" y="0"/>
-                  </a:cubicBezTo>
-                  <a:cubicBezTo>
-                    <a:pt x="4841" y="0"/>
-                    <a:pt x="0" y="4830"/>
-                    <a:pt x="0" y="10800"/>
-                  </a:cubicBezTo>
-                  <a:cubicBezTo>
-                    <a:pt x="0" y="16769"/>
-                    <a:pt x="4841" y="21599"/>
-                    <a:pt x="10800" y="21599"/>
-                  </a:cubicBezTo>
-                </a:path>
-              </a:pathLst>
-            </a:custGeom>
-            <a:solidFill>
-              <a:sysClr val="window" lastClr="FFFFFF"/>
-            </a:solidFill>
-            <a:ln>
-              <a:noFill/>
-            </a:ln>
-            <a:effectLst/>
-            <a:extLst/>
-          </p:spPr>
-          <p:txBody>
-            <a:bodyPr lIns="19050" tIns="19050" rIns="19050" bIns="19050" anchor="ctr"/>
-            <a:lstStyle/>
-            <a:p>
-              <a:pPr algn="ctr" defTabSz="228600" fontAlgn="base" hangingPunct="0">
-                <a:spcBef>
-                  <a:spcPct val="0"/>
-                </a:spcBef>
-                <a:spcAft>
-                  <a:spcPct val="0"/>
-                </a:spcAft>
-                <a:defRPr/>
-              </a:pPr>
-              <a:endParaRPr lang="en-US" sz="1500" kern="0">
-                <a:solidFill>
-                  <a:srgbClr val="FFFFFF"/>
-                </a:solidFill>
-                <a:effectLst>
-                  <a:outerShdw blurRad="38100" dist="38100" dir="2700000" algn="tl">
-                    <a:srgbClr val="000000"/>
-                  </a:outerShdw>
-                </a:effectLst>
-                <a:latin typeface="Gill Sans" charset="0"/>
-                <a:ea typeface="宋体"/>
-                <a:sym typeface="Gill Sans" charset="0"/>
-              </a:endParaRPr>
-            </a:p>
-          </p:txBody>
-        </p:sp>
-        <p:sp>
-          <p:nvSpPr>
-            <p:cNvPr id="31" name="AutoShape 42">
-              <a:extLst>
-                <a:ext uri="{FF2B5EF4-FFF2-40B4-BE49-F238E27FC236}">
-                  <a16:creationId xmlns="" xmlns:a16="http://schemas.microsoft.com/office/drawing/2014/main" id="{3EE6F70D-063E-4507-AD67-824E648632F1}"/>
-                </a:ext>
-              </a:extLst>
-            </p:cNvPr>
-            <p:cNvSpPr>
-              <a:spLocks/>
-            </p:cNvSpPr>
-            <p:nvPr/>
-          </p:nvSpPr>
-          <p:spPr bwMode="auto">
-            <a:xfrm>
-              <a:off x="5786438" y="2708275"/>
-              <a:ext cx="22225" cy="22225"/>
-            </a:xfrm>
-            <a:custGeom>
-              <a:avLst/>
-              <a:gdLst>
-                <a:gd name="T0" fmla="*/ 10800 w 21600"/>
-                <a:gd name="T1" fmla="*/ 10800 h 21600"/>
-                <a:gd name="T2" fmla="*/ 10800 w 21600"/>
-                <a:gd name="T3" fmla="*/ 10800 h 21600"/>
-                <a:gd name="T4" fmla="*/ 10800 w 21600"/>
-                <a:gd name="T5" fmla="*/ 10800 h 21600"/>
-                <a:gd name="T6" fmla="*/ 10800 w 21600"/>
-                <a:gd name="T7" fmla="*/ 10800 h 21600"/>
-              </a:gdLst>
-              <a:ahLst/>
-              <a:cxnLst>
-                <a:cxn ang="0">
-                  <a:pos x="T0" y="T1"/>
-                </a:cxn>
-                <a:cxn ang="0">
-                  <a:pos x="T2" y="T3"/>
-                </a:cxn>
-                <a:cxn ang="0">
-                  <a:pos x="T4" y="T5"/>
-                </a:cxn>
-                <a:cxn ang="0">
-                  <a:pos x="T6" y="T7"/>
-                </a:cxn>
-              </a:cxnLst>
-              <a:rect l="0" t="0" r="r" b="b"/>
-              <a:pathLst>
-                <a:path w="21600" h="21600">
-                  <a:moveTo>
-                    <a:pt x="10800" y="0"/>
-                  </a:moveTo>
-                  <a:cubicBezTo>
-                    <a:pt x="4841" y="0"/>
-                    <a:pt x="0" y="4830"/>
-                    <a:pt x="0" y="10800"/>
-                  </a:cubicBezTo>
-                  <a:cubicBezTo>
-                    <a:pt x="0" y="16769"/>
-                    <a:pt x="4841" y="21599"/>
-                    <a:pt x="10800" y="21599"/>
-                  </a:cubicBezTo>
-                  <a:cubicBezTo>
-                    <a:pt x="16758" y="21599"/>
-                    <a:pt x="21600" y="16769"/>
-                    <a:pt x="21600" y="10800"/>
-                  </a:cubicBezTo>
-                  <a:cubicBezTo>
-                    <a:pt x="21600" y="4830"/>
-                    <a:pt x="16758" y="0"/>
-                    <a:pt x="10800" y="0"/>
-                  </a:cubicBezTo>
-                </a:path>
-              </a:pathLst>
-            </a:custGeom>
-            <a:solidFill>
-              <a:sysClr val="window" lastClr="FFFFFF"/>
-            </a:solidFill>
-            <a:ln>
-              <a:noFill/>
-            </a:ln>
-            <a:effectLst/>
-            <a:extLst/>
-          </p:spPr>
-          <p:txBody>
-            <a:bodyPr lIns="19050" tIns="19050" rIns="19050" bIns="19050" anchor="ctr"/>
-            <a:lstStyle/>
-            <a:p>
-              <a:pPr algn="ctr" defTabSz="228600" fontAlgn="base" hangingPunct="0">
-                <a:spcBef>
-                  <a:spcPct val="0"/>
-                </a:spcBef>
-                <a:spcAft>
-                  <a:spcPct val="0"/>
-                </a:spcAft>
-                <a:defRPr/>
-              </a:pPr>
-              <a:endParaRPr lang="en-US" sz="1500" kern="0">
-                <a:solidFill>
-                  <a:srgbClr val="FFFFFF"/>
-                </a:solidFill>
-                <a:effectLst>
-                  <a:outerShdw blurRad="38100" dist="38100" dir="2700000" algn="tl">
-                    <a:srgbClr val="000000"/>
-                  </a:outerShdw>
-                </a:effectLst>
-                <a:latin typeface="Gill Sans" charset="0"/>
-                <a:ea typeface="宋体"/>
-                <a:sym typeface="Gill Sans" charset="0"/>
-              </a:endParaRPr>
-            </a:p>
-          </p:txBody>
-        </p:sp>
-      </p:grpSp>
-      <p:grpSp>
-        <p:nvGrpSpPr>
           <p:cNvPr id="32" name="Group 112">
             <a:extLst>
               <a:ext uri="{FF2B5EF4-FFF2-40B4-BE49-F238E27FC236}">
@@ -23138,7 +22193,7 @@
         </p:nvGrpSpPr>
         <p:grpSpPr>
           <a:xfrm>
-            <a:off x="4494403" y="3076735"/>
+            <a:off x="4592101" y="3048386"/>
             <a:ext cx="1022888" cy="1022888"/>
             <a:chOff x="495947" y="1449091"/>
             <a:chExt cx="1022888" cy="1022888"/>
@@ -29264,7 +28319,39 @@
                   <a:schemeClr val="bg1"/>
                 </a:solidFill>
               </a:rPr>
-              <a:t>在两方服务器协同训练分类模型中，安全乘法协议和安全两方计算协议可解决上述。</a:t>
+              <a:t>两</a:t>
+            </a:r>
+            <a:r>
+              <a:rPr lang="zh-CN" altLang="en-US" dirty="0" smtClean="0">
+                <a:solidFill>
+                  <a:schemeClr val="bg1"/>
+                </a:solidFill>
+              </a:rPr>
+              <a:t>方服务器协同训练分类模型中</a:t>
+            </a:r>
+            <a:r>
+              <a:rPr lang="zh-CN" altLang="en-US" dirty="0" smtClean="0">
+                <a:solidFill>
+                  <a:schemeClr val="bg1"/>
+                </a:solidFill>
+              </a:rPr>
+              <a:t>，利用安全</a:t>
+            </a:r>
+            <a:r>
+              <a:rPr lang="zh-CN" altLang="en-US" dirty="0" smtClean="0">
+                <a:solidFill>
+                  <a:schemeClr val="bg1"/>
+                </a:solidFill>
+              </a:rPr>
+              <a:t>乘法协议和安全两方计算</a:t>
+            </a:r>
+            <a:r>
+              <a:rPr lang="zh-CN" altLang="en-US" dirty="0" smtClean="0">
+                <a:solidFill>
+                  <a:schemeClr val="bg1"/>
+                </a:solidFill>
+              </a:rPr>
+              <a:t>协议。</a:t>
             </a:r>
             <a:endParaRPr lang="en-US" dirty="0">
               <a:solidFill>

--- a/files/doctoral_dissertation_proposal.pptx
+++ b/files/doctoral_dissertation_proposal.pptx
@@ -16514,7 +16514,15 @@
             </a:pPr>
             <a:r>
               <a:rPr lang="zh-CN" altLang="en-US" sz="1400" dirty="0" smtClean="0"/>
-              <a:t>加密部分使用到同态，因此协议是可证明完全</a:t>
+              <a:t>加密部分使用</a:t>
+            </a:r>
+            <a:r>
+              <a:rPr lang="zh-CN" altLang="en-US" sz="1400" dirty="0" smtClean="0"/>
+              <a:t>到加同态加密，</a:t>
+            </a:r>
+            <a:r>
+              <a:rPr lang="zh-CN" altLang="en-US" sz="1400" dirty="0" smtClean="0"/>
+              <a:t>因此协议是可证明完全</a:t>
             </a:r>
             <a:endParaRPr lang="en-US" sz="1400" dirty="0"/>
           </a:p>
